--- a/Document/中国风ppt模板-中医营养.pptx
+++ b/Document/中国风ppt模板-中医营养.pptx
@@ -6,13 +6,15 @@
   </p:sldMasterIdLst>
   <p:sldIdLst>
     <p:sldId id="256" r:id="rId3"/>
-    <p:sldId id="257" r:id="rId4"/>
-    <p:sldId id="258" r:id="rId5"/>
-    <p:sldId id="259" r:id="rId6"/>
-    <p:sldId id="260" r:id="rId7"/>
-    <p:sldId id="261" r:id="rId8"/>
-    <p:sldId id="263" r:id="rId9"/>
-    <p:sldId id="262" r:id="rId10"/>
+    <p:sldId id="265" r:id="rId4"/>
+    <p:sldId id="257" r:id="rId5"/>
+    <p:sldId id="258" r:id="rId6"/>
+    <p:sldId id="259" r:id="rId7"/>
+    <p:sldId id="267" r:id="rId8"/>
+    <p:sldId id="260" r:id="rId9"/>
+    <p:sldId id="261" r:id="rId10"/>
+    <p:sldId id="263" r:id="rId11"/>
+    <p:sldId id="262" r:id="rId12"/>
   </p:sldIdLst>
   <p:sldSz cx="9144000" cy="5143500" type="screen16x9"/>
   <p:notesSz cx="6858000" cy="9144000"/>
@@ -3387,16 +3389,196 @@
         <p:txBody>
           <a:bodyPr>
             <a:normAutofit/>
+            <a:scene3d>
+              <a:camera prst="orthographicFront"/>
+              <a:lightRig rig="threePt" dir="t"/>
+            </a:scene3d>
           </a:bodyPr>
           <a:lstStyle/>
           <a:p>
             <a:pPr algn="r"/>
+            <a:r>
+              <a:rPr lang="zh-CN" altLang="en-US" sz="2000" dirty="0">
+                <a:ln/>
+                <a:solidFill>
+                  <a:schemeClr val="tx1"/>
+                </a:solidFill>
+                <a:effectLst>
+                  <a:outerShdw blurRad="38100" dist="19050" dir="2700000" algn="tl" rotWithShape="0">
+                    <a:schemeClr val="dk1">
+                      <a:alpha val="40000"/>
+                    </a:schemeClr>
+                  </a:outerShdw>
+                </a:effectLst>
+              </a:rPr>
+              <a:t>赵娣</a:t>
+            </a:r>
             <a:endParaRPr lang="zh-CN" altLang="en-US" sz="2000" dirty="0">
+              <a:ln/>
+              <a:solidFill>
+                <a:schemeClr val="tx1"/>
+              </a:solidFill>
+              <a:effectLst>
+                <a:outerShdw blurRad="38100" dist="19050" dir="2700000" algn="tl" rotWithShape="0">
+                  <a:schemeClr val="dk1">
+                    <a:alpha val="40000"/>
+                  </a:schemeClr>
+                </a:outerShdw>
+              </a:effectLst>
+            </a:endParaRPr>
+          </a:p>
+        </p:txBody>
+      </p:sp>
+      <p:pic>
+        <p:nvPicPr>
+          <p:cNvPr id="1026" name="Picture 2" descr="C:\Users\Administrator\Desktop\PNG图片48个\LOGO.png"/>
+          <p:cNvPicPr>
+            <a:picLocks noChangeAspect="1" noChangeArrowheads="1"/>
+          </p:cNvPicPr>
+          <p:nvPr/>
+        </p:nvPicPr>
+        <p:blipFill>
+          <a:blip r:embed="rId1" cstate="print">
+            <a:extLst>
+              <a:ext uri="{28A0092B-C50C-407E-A947-70E740481C1C}">
+                <a14:useLocalDpi xmlns:a14="http://schemas.microsoft.com/office/drawing/2010/main" val="0"/>
+              </a:ext>
+            </a:extLst>
+          </a:blip>
+          <a:srcRect/>
+          <a:stretch>
+            <a:fillRect/>
+          </a:stretch>
+        </p:blipFill>
+        <p:spPr bwMode="auto">
+          <a:xfrm>
+            <a:off x="8086980" y="195486"/>
+            <a:ext cx="693135" cy="864096"/>
+          </a:xfrm>
+          <a:prstGeom prst="rect">
+            <a:avLst/>
+          </a:prstGeom>
+          <a:noFill/>
+          <a:extLst>
+            <a:ext uri="{909E8E84-426E-40DD-AFC4-6F175D3DCCD1}">
+              <a14:hiddenFill xmlns:a14="http://schemas.microsoft.com/office/drawing/2010/main">
+                <a:solidFill>
+                  <a:srgbClr val="FFFFFF"/>
+                </a:solidFill>
+              </a14:hiddenFill>
+            </a:ext>
+          </a:extLst>
+        </p:spPr>
+      </p:pic>
+    </p:spTree>
+  </p:cSld>
+  <p:clrMapOvr>
+    <a:masterClrMapping/>
+  </p:clrMapOvr>
+  <p:transition spd="slow">
+    <p:wipe/>
+  </p:transition>
+  <p:timing>
+    <p:tnLst>
+      <p:par>
+        <p:cTn id="1" dur="indefinite" restart="never" nodeType="tmRoot"/>
+      </p:par>
+    </p:tnLst>
+  </p:timing>
+</p:sld>
+</file>
+
+<file path=ppt/slides/slide10.xml><?xml version="1.0" encoding="utf-8"?>
+<p:sld xmlns:a="http://schemas.openxmlformats.org/drawingml/2006/main" xmlns:r="http://schemas.openxmlformats.org/officeDocument/2006/relationships" xmlns:p="http://schemas.openxmlformats.org/presentationml/2006/main">
+  <p:cSld>
+    <p:spTree>
+      <p:nvGrpSpPr>
+        <p:cNvPr id="1" name=""/>
+        <p:cNvGrpSpPr/>
+        <p:nvPr/>
+      </p:nvGrpSpPr>
+      <p:grpSpPr>
+        <a:xfrm>
+          <a:off x="0" y="0"/>
+          <a:ext cx="0" cy="0"/>
+          <a:chOff x="0" y="0"/>
+          <a:chExt cx="0" cy="0"/>
+        </a:xfrm>
+      </p:grpSpPr>
+      <p:sp>
+        <p:nvSpPr>
+          <p:cNvPr id="2" name="标题 1"/>
+          <p:cNvSpPr>
+            <a:spLocks noGrp="1"/>
+          </p:cNvSpPr>
+          <p:nvPr>
+            <p:ph type="ctrTitle"/>
+          </p:nvPr>
+        </p:nvSpPr>
+        <p:spPr>
+          <a:xfrm>
+            <a:off x="1043305" y="1118870"/>
+            <a:ext cx="7776845" cy="1671320"/>
+          </a:xfrm>
+        </p:spPr>
+        <p:txBody>
+          <a:bodyPr>
+            <a:normAutofit fontScale="90000"/>
+          </a:bodyPr>
+          <a:lstStyle/>
+          <a:p>
+            <a:pPr algn="ctr"/>
+            <a:r>
+              <a:rPr lang="en-US" altLang="zh-CN" sz="6000" dirty="0" smtClean="0">
+                <a:solidFill>
+                  <a:schemeClr val="bg2">
+                    <a:lumMod val="25000"/>
+                  </a:schemeClr>
+                </a:solidFill>
+                <a:sym typeface="+mn-ea"/>
+              </a:rPr>
+              <a:t>                </a:t>
+            </a:r>
+            <a:br>
+              <a:rPr lang="en-US" altLang="zh-CN" sz="6000" dirty="0" smtClean="0">
+                <a:solidFill>
+                  <a:schemeClr val="bg2">
+                    <a:lumMod val="25000"/>
+                  </a:schemeClr>
+                </a:solidFill>
+                <a:sym typeface="+mn-ea"/>
+              </a:rPr>
+            </a:br>
+            <a:r>
+              <a:rPr lang="en-US" altLang="zh-CN" sz="6000" dirty="0" smtClean="0">
+                <a:solidFill>
+                  <a:schemeClr val="bg2">
+                    <a:lumMod val="25000"/>
+                  </a:schemeClr>
+                </a:solidFill>
+                <a:sym typeface="+mn-ea"/>
+              </a:rPr>
+              <a:t>                     </a:t>
+            </a:r>
+            <a:r>
+              <a:rPr lang="zh-CN" altLang="en-US" sz="6000" dirty="0" smtClean="0">
+                <a:solidFill>
+                  <a:schemeClr val="bg2">
+                    <a:lumMod val="25000"/>
+                  </a:schemeClr>
+                </a:solidFill>
+                <a:sym typeface="+mn-ea"/>
+              </a:rPr>
+              <a:t>谢谢大家！</a:t>
+            </a:r>
+            <a:endParaRPr lang="zh-CN" altLang="en-US" sz="6000" dirty="0">
               <a:solidFill>
                 <a:schemeClr val="bg2">
                   <a:lumMod val="25000"/>
                 </a:schemeClr>
               </a:solidFill>
+              <a:latin typeface="方正粗宋简体" pitchFamily="65" charset="-122"/>
+              <a:ea typeface="方正粗宋简体" pitchFamily="65" charset="-122"/>
             </a:endParaRPr>
           </a:p>
         </p:txBody>
@@ -3497,6 +3679,466 @@
             <a:r>
               <a:rPr lang="zh-CN" altLang="en-US" sz="2800" dirty="0" smtClean="0"/>
               <a:t>目录</a:t>
+            </a:r>
+            <a:endParaRPr lang="zh-CN" altLang="en-US" sz="2800" dirty="0"/>
+          </a:p>
+        </p:txBody>
+      </p:sp>
+      <p:grpSp>
+        <p:nvGrpSpPr>
+          <p:cNvPr id="6" name="组合 5"/>
+          <p:cNvGrpSpPr/>
+          <p:nvPr/>
+        </p:nvGrpSpPr>
+        <p:grpSpPr>
+          <a:xfrm>
+            <a:off x="3203848" y="1205116"/>
+            <a:ext cx="3219880" cy="720080"/>
+            <a:chOff x="3296336" y="1840758"/>
+            <a:chExt cx="3219880" cy="720080"/>
+          </a:xfrm>
+        </p:grpSpPr>
+        <p:pic>
+          <p:nvPicPr>
+            <p:cNvPr id="4" name="图片 3"/>
+            <p:cNvPicPr>
+              <a:picLocks noChangeAspect="1"/>
+            </p:cNvPicPr>
+            <p:nvPr/>
+          </p:nvPicPr>
+          <p:blipFill>
+            <a:blip r:embed="rId1" cstate="print">
+              <a:extLst>
+                <a:ext uri="{28A0092B-C50C-407E-A947-70E740481C1C}">
+                  <a14:useLocalDpi xmlns:a14="http://schemas.microsoft.com/office/drawing/2010/main" val="0"/>
+                </a:ext>
+              </a:extLst>
+            </a:blip>
+            <a:stretch>
+              <a:fillRect/>
+            </a:stretch>
+          </p:blipFill>
+          <p:spPr>
+            <a:xfrm>
+              <a:off x="3296336" y="1840758"/>
+              <a:ext cx="1092728" cy="720080"/>
+            </a:xfrm>
+            <a:prstGeom prst="rect">
+              <a:avLst/>
+            </a:prstGeom>
+          </p:spPr>
+        </p:pic>
+        <p:sp>
+          <p:nvSpPr>
+            <p:cNvPr id="5" name="TextBox 4"/>
+            <p:cNvSpPr txBox="1"/>
+            <p:nvPr/>
+          </p:nvSpPr>
+          <p:spPr>
+            <a:xfrm>
+              <a:off x="4139952" y="2107066"/>
+              <a:ext cx="2376264" cy="337185"/>
+            </a:xfrm>
+            <a:prstGeom prst="rect">
+              <a:avLst/>
+            </a:prstGeom>
+            <a:noFill/>
+          </p:spPr>
+          <p:txBody>
+            <a:bodyPr wrap="square" rtlCol="0">
+              <a:spAutoFit/>
+            </a:bodyPr>
+            <a:lstStyle/>
+            <a:p>
+              <a:r>
+                <a:rPr lang="zh-CN" altLang="en-US" sz="1600" dirty="0"/>
+                <a:t>中医养生</a:t>
+              </a:r>
+              <a:endParaRPr lang="zh-CN" altLang="en-US" sz="1600" dirty="0"/>
+            </a:p>
+          </p:txBody>
+        </p:sp>
+      </p:grpSp>
+      <p:grpSp>
+        <p:nvGrpSpPr>
+          <p:cNvPr id="7" name="组合 6"/>
+          <p:cNvGrpSpPr/>
+          <p:nvPr/>
+        </p:nvGrpSpPr>
+        <p:grpSpPr>
+          <a:xfrm>
+            <a:off x="3203848" y="3594399"/>
+            <a:ext cx="3219880" cy="720080"/>
+            <a:chOff x="3296336" y="1840758"/>
+            <a:chExt cx="3219880" cy="720080"/>
+          </a:xfrm>
+        </p:grpSpPr>
+        <p:pic>
+          <p:nvPicPr>
+            <p:cNvPr id="8" name="图片 7"/>
+            <p:cNvPicPr>
+              <a:picLocks noChangeAspect="1"/>
+            </p:cNvPicPr>
+            <p:nvPr/>
+          </p:nvPicPr>
+          <p:blipFill>
+            <a:blip r:embed="rId1" cstate="print">
+              <a:extLst>
+                <a:ext uri="{28A0092B-C50C-407E-A947-70E740481C1C}">
+                  <a14:useLocalDpi xmlns:a14="http://schemas.microsoft.com/office/drawing/2010/main" val="0"/>
+                </a:ext>
+              </a:extLst>
+            </a:blip>
+            <a:stretch>
+              <a:fillRect/>
+            </a:stretch>
+          </p:blipFill>
+          <p:spPr>
+            <a:xfrm>
+              <a:off x="3296336" y="1840758"/>
+              <a:ext cx="1092728" cy="720080"/>
+            </a:xfrm>
+            <a:prstGeom prst="rect">
+              <a:avLst/>
+            </a:prstGeom>
+          </p:spPr>
+        </p:pic>
+        <p:sp>
+          <p:nvSpPr>
+            <p:cNvPr id="9" name="TextBox 8"/>
+            <p:cNvSpPr txBox="1"/>
+            <p:nvPr/>
+          </p:nvSpPr>
+          <p:spPr>
+            <a:xfrm>
+              <a:off x="4139952" y="2107066"/>
+              <a:ext cx="2376264" cy="337185"/>
+            </a:xfrm>
+            <a:prstGeom prst="rect">
+              <a:avLst/>
+            </a:prstGeom>
+            <a:noFill/>
+          </p:spPr>
+          <p:txBody>
+            <a:bodyPr wrap="square" rtlCol="0">
+              <a:spAutoFit/>
+            </a:bodyPr>
+            <a:lstStyle/>
+            <a:p>
+              <a:r>
+                <a:rPr lang="zh-CN" altLang="en-US" sz="1600" dirty="0"/>
+                <a:t>结语</a:t>
+              </a:r>
+              <a:endParaRPr lang="zh-CN" altLang="en-US" sz="1600" dirty="0"/>
+            </a:p>
+          </p:txBody>
+        </p:sp>
+      </p:grpSp>
+      <p:grpSp>
+        <p:nvGrpSpPr>
+          <p:cNvPr id="10" name="组合 9"/>
+          <p:cNvGrpSpPr/>
+          <p:nvPr/>
+        </p:nvGrpSpPr>
+        <p:grpSpPr>
+          <a:xfrm>
+            <a:off x="3203848" y="2463114"/>
+            <a:ext cx="3219880" cy="720080"/>
+            <a:chOff x="3296336" y="1840758"/>
+            <a:chExt cx="3219880" cy="720080"/>
+          </a:xfrm>
+        </p:grpSpPr>
+        <p:pic>
+          <p:nvPicPr>
+            <p:cNvPr id="11" name="图片 10"/>
+            <p:cNvPicPr>
+              <a:picLocks noChangeAspect="1"/>
+            </p:cNvPicPr>
+            <p:nvPr/>
+          </p:nvPicPr>
+          <p:blipFill>
+            <a:blip r:embed="rId1" cstate="print">
+              <a:extLst>
+                <a:ext uri="{28A0092B-C50C-407E-A947-70E740481C1C}">
+                  <a14:useLocalDpi xmlns:a14="http://schemas.microsoft.com/office/drawing/2010/main" val="0"/>
+                </a:ext>
+              </a:extLst>
+            </a:blip>
+            <a:stretch>
+              <a:fillRect/>
+            </a:stretch>
+          </p:blipFill>
+          <p:spPr>
+            <a:xfrm>
+              <a:off x="3296336" y="1840758"/>
+              <a:ext cx="1092728" cy="720080"/>
+            </a:xfrm>
+            <a:prstGeom prst="rect">
+              <a:avLst/>
+            </a:prstGeom>
+          </p:spPr>
+        </p:pic>
+        <p:sp>
+          <p:nvSpPr>
+            <p:cNvPr id="12" name="TextBox 11"/>
+            <p:cNvSpPr txBox="1"/>
+            <p:nvPr/>
+          </p:nvSpPr>
+          <p:spPr>
+            <a:xfrm>
+              <a:off x="4139952" y="2107066"/>
+              <a:ext cx="2376264" cy="337185"/>
+            </a:xfrm>
+            <a:prstGeom prst="rect">
+              <a:avLst/>
+            </a:prstGeom>
+            <a:noFill/>
+          </p:spPr>
+          <p:txBody>
+            <a:bodyPr wrap="square" rtlCol="0">
+              <a:spAutoFit/>
+            </a:bodyPr>
+            <a:lstStyle/>
+            <a:p>
+              <a:r>
+                <a:rPr lang="zh-CN" altLang="en-US" sz="1600" dirty="0"/>
+                <a:t>中医治疗胃病</a:t>
+              </a:r>
+              <a:endParaRPr lang="zh-CN" altLang="en-US" sz="1600" dirty="0"/>
+            </a:p>
+          </p:txBody>
+        </p:sp>
+      </p:grpSp>
+      <p:grpSp>
+        <p:nvGrpSpPr>
+          <p:cNvPr id="13" name="组合 12"/>
+          <p:cNvGrpSpPr/>
+          <p:nvPr/>
+        </p:nvGrpSpPr>
+        <p:grpSpPr>
+          <a:xfrm>
+            <a:off x="3203848" y="1834115"/>
+            <a:ext cx="3219880" cy="720080"/>
+            <a:chOff x="3296336" y="1840758"/>
+            <a:chExt cx="3219880" cy="720080"/>
+          </a:xfrm>
+        </p:grpSpPr>
+        <p:pic>
+          <p:nvPicPr>
+            <p:cNvPr id="14" name="图片 13"/>
+            <p:cNvPicPr>
+              <a:picLocks noChangeAspect="1"/>
+            </p:cNvPicPr>
+            <p:nvPr/>
+          </p:nvPicPr>
+          <p:blipFill>
+            <a:blip r:embed="rId1" cstate="print">
+              <a:extLst>
+                <a:ext uri="{28A0092B-C50C-407E-A947-70E740481C1C}">
+                  <a14:useLocalDpi xmlns:a14="http://schemas.microsoft.com/office/drawing/2010/main" val="0"/>
+                </a:ext>
+              </a:extLst>
+            </a:blip>
+            <a:stretch>
+              <a:fillRect/>
+            </a:stretch>
+          </p:blipFill>
+          <p:spPr>
+            <a:xfrm>
+              <a:off x="3296336" y="1840758"/>
+              <a:ext cx="1092728" cy="720080"/>
+            </a:xfrm>
+            <a:prstGeom prst="rect">
+              <a:avLst/>
+            </a:prstGeom>
+          </p:spPr>
+        </p:pic>
+        <p:sp>
+          <p:nvSpPr>
+            <p:cNvPr id="15" name="TextBox 14"/>
+            <p:cNvSpPr txBox="1"/>
+            <p:nvPr/>
+          </p:nvSpPr>
+          <p:spPr>
+            <a:xfrm>
+              <a:off x="4139952" y="2107066"/>
+              <a:ext cx="2376264" cy="337185"/>
+            </a:xfrm>
+            <a:prstGeom prst="rect">
+              <a:avLst/>
+            </a:prstGeom>
+            <a:noFill/>
+          </p:spPr>
+          <p:txBody>
+            <a:bodyPr wrap="square" rtlCol="0">
+              <a:spAutoFit/>
+            </a:bodyPr>
+            <a:lstStyle/>
+            <a:p>
+              <a:r>
+                <a:rPr lang="zh-CN" altLang="en-US" sz="1600" dirty="0"/>
+                <a:t>胃病综述</a:t>
+              </a:r>
+              <a:endParaRPr lang="zh-CN" altLang="en-US" sz="1600" dirty="0"/>
+            </a:p>
+          </p:txBody>
+        </p:sp>
+      </p:grpSp>
+      <p:pic>
+        <p:nvPicPr>
+          <p:cNvPr id="16" name="Picture 2" descr="E:\我的作品\4比3标准\中国风\传统风格类型模板\PSD276667.png"/>
+          <p:cNvPicPr>
+            <a:picLocks noChangeAspect="1" noChangeArrowheads="1"/>
+          </p:cNvPicPr>
+          <p:nvPr/>
+        </p:nvPicPr>
+        <p:blipFill>
+          <a:blip r:embed="rId2" cstate="print">
+            <a:extLst>
+              <a:ext uri="{28A0092B-C50C-407E-A947-70E740481C1C}">
+                <a14:useLocalDpi xmlns:a14="http://schemas.microsoft.com/office/drawing/2010/main" val="0"/>
+              </a:ext>
+            </a:extLst>
+          </a:blip>
+          <a:srcRect/>
+          <a:stretch>
+            <a:fillRect/>
+          </a:stretch>
+        </p:blipFill>
+        <p:spPr bwMode="auto">
+          <a:xfrm rot="1474188">
+            <a:off x="7404505" y="3299173"/>
+            <a:ext cx="1700064" cy="1525645"/>
+          </a:xfrm>
+          <a:prstGeom prst="rect">
+            <a:avLst/>
+          </a:prstGeom>
+          <a:noFill/>
+          <a:extLst>
+            <a:ext uri="{909E8E84-426E-40DD-AFC4-6F175D3DCCD1}">
+              <a14:hiddenFill xmlns:a14="http://schemas.microsoft.com/office/drawing/2010/main">
+                <a:solidFill>
+                  <a:srgbClr val="FFFFFF"/>
+                </a:solidFill>
+              </a14:hiddenFill>
+            </a:ext>
+          </a:extLst>
+        </p:spPr>
+      </p:pic>
+      <p:pic>
+        <p:nvPicPr>
+          <p:cNvPr id="3" name="图片 2"/>
+          <p:cNvPicPr>
+            <a:picLocks noChangeAspect="1"/>
+          </p:cNvPicPr>
+          <p:nvPr/>
+        </p:nvPicPr>
+        <p:blipFill>
+          <a:blip r:embed="rId1" cstate="print">
+            <a:extLst>
+              <a:ext uri="{28A0092B-C50C-407E-A947-70E740481C1C}">
+                <a14:useLocalDpi xmlns:a14="http://schemas.microsoft.com/office/drawing/2010/main" val="0"/>
+              </a:ext>
+            </a:extLst>
+          </a:blip>
+          <a:stretch>
+            <a:fillRect/>
+          </a:stretch>
+        </p:blipFill>
+        <p:spPr>
+          <a:xfrm>
+            <a:off x="3203848" y="3015279"/>
+            <a:ext cx="1092728" cy="720080"/>
+          </a:xfrm>
+          <a:prstGeom prst="rect">
+            <a:avLst/>
+          </a:prstGeom>
+        </p:spPr>
+      </p:pic>
+      <p:sp>
+        <p:nvSpPr>
+          <p:cNvPr id="17" name="TextBox 8"/>
+          <p:cNvSpPr txBox="1"/>
+          <p:nvPr/>
+        </p:nvSpPr>
+        <p:spPr>
+          <a:xfrm>
+            <a:off x="4047464" y="3317147"/>
+            <a:ext cx="2376264" cy="337185"/>
+          </a:xfrm>
+          <a:prstGeom prst="rect">
+            <a:avLst/>
+          </a:prstGeom>
+          <a:noFill/>
+        </p:spPr>
+        <p:txBody>
+          <a:bodyPr wrap="square" rtlCol="0">
+            <a:spAutoFit/>
+          </a:bodyPr>
+          <a:p>
+            <a:r>
+              <a:rPr lang="zh-CN" altLang="en-US" sz="1600" dirty="0"/>
+              <a:t>治疗胃病小方子</a:t>
+            </a:r>
+            <a:endParaRPr lang="zh-CN" altLang="en-US" sz="1600" dirty="0"/>
+          </a:p>
+        </p:txBody>
+      </p:sp>
+    </p:spTree>
+  </p:cSld>
+  <p:clrMapOvr>
+    <a:masterClrMapping/>
+  </p:clrMapOvr>
+  <p:transition spd="slow">
+    <p:wipe/>
+  </p:transition>
+  <p:timing>
+    <p:tnLst>
+      <p:par>
+        <p:cTn id="1" dur="indefinite" restart="never" nodeType="tmRoot"/>
+      </p:par>
+    </p:tnLst>
+  </p:timing>
+</p:sld>
+</file>
+
+<file path=ppt/slides/slide3.xml><?xml version="1.0" encoding="utf-8"?>
+<p:sld xmlns:a="http://schemas.openxmlformats.org/drawingml/2006/main" xmlns:r="http://schemas.openxmlformats.org/officeDocument/2006/relationships" xmlns:p="http://schemas.openxmlformats.org/presentationml/2006/main">
+  <p:cSld>
+    <p:spTree>
+      <p:nvGrpSpPr>
+        <p:cNvPr id="1" name=""/>
+        <p:cNvGrpSpPr/>
+        <p:nvPr/>
+      </p:nvGrpSpPr>
+      <p:grpSpPr>
+        <a:xfrm>
+          <a:off x="0" y="0"/>
+          <a:ext cx="0" cy="0"/>
+          <a:chOff x="0" y="0"/>
+          <a:chExt cx="0" cy="0"/>
+        </a:xfrm>
+      </p:grpSpPr>
+      <p:sp>
+        <p:nvSpPr>
+          <p:cNvPr id="2" name="标题 1"/>
+          <p:cNvSpPr>
+            <a:spLocks noGrp="1"/>
+          </p:cNvSpPr>
+          <p:nvPr>
+            <p:ph type="title"/>
+          </p:nvPr>
+        </p:nvSpPr>
+        <p:spPr/>
+        <p:txBody>
+          <a:bodyPr>
+            <a:normAutofit/>
+          </a:bodyPr>
+          <a:lstStyle/>
+          <a:p>
+            <a:r>
+              <a:rPr lang="zh-CN" altLang="en-US" sz="2800" dirty="0"/>
+              <a:t>中医养生</a:t>
             </a:r>
             <a:endParaRPr lang="zh-CN" altLang="en-US" sz="2800" dirty="0"/>
           </a:p>
@@ -3861,7 +4503,7 @@
 </p:sld>
 </file>
 
-<file path=ppt/slides/slide3.xml><?xml version="1.0" encoding="utf-8"?>
+<file path=ppt/slides/slide4.xml><?xml version="1.0" encoding="utf-8"?>
 <p:sld xmlns:a="http://schemas.openxmlformats.org/drawingml/2006/main" xmlns:r="http://schemas.openxmlformats.org/officeDocument/2006/relationships" xmlns:p="http://schemas.openxmlformats.org/presentationml/2006/main">
   <p:cSld>
     <p:spTree>
@@ -4185,7 +4827,7 @@
 </p:sld>
 </file>
 
-<file path=ppt/slides/slide4.xml><?xml version="1.0" encoding="utf-8"?>
+<file path=ppt/slides/slide5.xml><?xml version="1.0" encoding="utf-8"?>
 <p:sld xmlns:a="http://schemas.openxmlformats.org/drawingml/2006/main" xmlns:r="http://schemas.openxmlformats.org/officeDocument/2006/relationships" xmlns:p="http://schemas.openxmlformats.org/presentationml/2006/main">
   <p:cSld>
     <p:spTree>
@@ -4214,12 +4856,16 @@
         </p:nvSpPr>
         <p:spPr/>
         <p:txBody>
-          <a:bodyPr/>
+          <a:bodyPr>
+            <a:normAutofit/>
+          </a:bodyPr>
           <a:lstStyle/>
           <a:p>
             <a:r>
-              <a:rPr lang="zh-CN" altLang="en-US" dirty="0" smtClean="0"/>
-              <a:t>内容页参考</a:t>
+              <a:rPr lang="zh-CN" altLang="en-US" dirty="0">
+                <a:sym typeface="+mn-ea"/>
+              </a:rPr>
+              <a:t>中医养生</a:t>
             </a:r>
             <a:endParaRPr lang="zh-CN" altLang="en-US" dirty="0"/>
           </a:p>
@@ -4907,7 +5553,733 @@
 </p:sld>
 </file>
 
-<file path=ppt/slides/slide5.xml><?xml version="1.0" encoding="utf-8"?>
+<file path=ppt/slides/slide6.xml><?xml version="1.0" encoding="utf-8"?>
+<p:sld xmlns:a="http://schemas.openxmlformats.org/drawingml/2006/main" xmlns:r="http://schemas.openxmlformats.org/officeDocument/2006/relationships" xmlns:p="http://schemas.openxmlformats.org/presentationml/2006/main">
+  <p:cSld>
+    <p:spTree>
+      <p:nvGrpSpPr>
+        <p:cNvPr id="1" name=""/>
+        <p:cNvGrpSpPr/>
+        <p:nvPr/>
+      </p:nvGrpSpPr>
+      <p:grpSpPr>
+        <a:xfrm>
+          <a:off x="0" y="0"/>
+          <a:ext cx="0" cy="0"/>
+          <a:chOff x="0" y="0"/>
+          <a:chExt cx="0" cy="0"/>
+        </a:xfrm>
+      </p:grpSpPr>
+      <p:sp>
+        <p:nvSpPr>
+          <p:cNvPr id="3" name="标题 2"/>
+          <p:cNvSpPr>
+            <a:spLocks noGrp="1"/>
+          </p:cNvSpPr>
+          <p:nvPr>
+            <p:ph type="title"/>
+          </p:nvPr>
+        </p:nvSpPr>
+        <p:spPr/>
+        <p:txBody>
+          <a:bodyPr>
+            <a:normAutofit/>
+          </a:bodyPr>
+          <a:lstStyle/>
+          <a:p>
+            <a:r>
+              <a:rPr lang="zh-CN" altLang="en-US" dirty="0">
+                <a:sym typeface="+mn-ea"/>
+              </a:rPr>
+              <a:t>中医养生</a:t>
+            </a:r>
+            <a:endParaRPr lang="zh-CN" altLang="en-US" dirty="0"/>
+          </a:p>
+        </p:txBody>
+      </p:sp>
+      <p:sp>
+        <p:nvSpPr>
+          <p:cNvPr id="4" name="TextBox 3"/>
+          <p:cNvSpPr txBox="1"/>
+          <p:nvPr/>
+        </p:nvSpPr>
+        <p:spPr>
+          <a:xfrm>
+            <a:off x="1944236" y="1596151"/>
+            <a:ext cx="2825080" cy="1384995"/>
+          </a:xfrm>
+          <a:prstGeom prst="rect">
+            <a:avLst/>
+          </a:prstGeom>
+          <a:noFill/>
+        </p:spPr>
+        <p:txBody>
+          <a:bodyPr wrap="square" rtlCol="0">
+            <a:spAutoFit/>
+          </a:bodyPr>
+          <a:lstStyle>
+            <a:defPPr>
+              <a:defRPr lang="zh-CN"/>
+            </a:defPPr>
+            <a:lvl1pPr>
+              <a:lnSpc>
+                <a:spcPct val="150000"/>
+              </a:lnSpc>
+              <a:defRPr b="1">
+                <a:solidFill>
+                  <a:schemeClr val="tx1">
+                    <a:lumMod val="75000"/>
+                    <a:lumOff val="25000"/>
+                  </a:schemeClr>
+                </a:solidFill>
+                <a:latin typeface="隶书" panose="02010509060101010101" pitchFamily="49" charset="-122"/>
+                <a:ea typeface="隶书" panose="02010509060101010101" pitchFamily="49" charset="-122"/>
+              </a:defRPr>
+            </a:lvl1pPr>
+          </a:lstStyle>
+          <a:p>
+            <a:r>
+              <a:rPr lang="zh-CN" altLang="en-US" sz="1400" b="0" dirty="0">
+                <a:latin typeface="+mn-ea"/>
+                <a:ea typeface="+mn-ea"/>
+              </a:rPr>
+              <a:t>单击此处添加文本单击此处添加文本单击此处添加文本单击此处添加文本单击此处添加文本</a:t>
+            </a:r>
+            <a:endParaRPr lang="zh-CN" altLang="en-US" sz="1400" b="0" dirty="0">
+              <a:latin typeface="+mn-ea"/>
+              <a:ea typeface="+mn-ea"/>
+            </a:endParaRPr>
+          </a:p>
+          <a:p>
+            <a:endParaRPr lang="zh-CN" altLang="en-US" sz="1400" b="0" dirty="0">
+              <a:latin typeface="+mn-ea"/>
+              <a:ea typeface="+mn-ea"/>
+            </a:endParaRPr>
+          </a:p>
+        </p:txBody>
+      </p:sp>
+      <p:grpSp>
+        <p:nvGrpSpPr>
+          <p:cNvPr id="5" name="组合 4"/>
+          <p:cNvGrpSpPr/>
+          <p:nvPr/>
+        </p:nvGrpSpPr>
+        <p:grpSpPr>
+          <a:xfrm>
+            <a:off x="678552" y="3025061"/>
+            <a:ext cx="1295400" cy="923925"/>
+            <a:chOff x="1556420" y="3204557"/>
+            <a:chExt cx="1295400" cy="923925"/>
+          </a:xfrm>
+        </p:grpSpPr>
+        <p:pic>
+          <p:nvPicPr>
+            <p:cNvPr id="6" name="图片 5"/>
+            <p:cNvPicPr>
+              <a:picLocks noChangeAspect="1"/>
+            </p:cNvPicPr>
+            <p:nvPr/>
+          </p:nvPicPr>
+          <p:blipFill>
+            <a:blip r:embed="rId1">
+              <a:clrChange>
+                <a:clrFrom>
+                  <a:srgbClr val="FFFFFF"/>
+                </a:clrFrom>
+                <a:clrTo>
+                  <a:srgbClr val="FFFFFF">
+                    <a:alpha val="0"/>
+                  </a:srgbClr>
+                </a:clrTo>
+              </a:clrChange>
+              <a:extLst>
+                <a:ext uri="{28A0092B-C50C-407E-A947-70E740481C1C}">
+                  <a14:useLocalDpi xmlns:a14="http://schemas.microsoft.com/office/drawing/2010/main" val="0"/>
+                </a:ext>
+              </a:extLst>
+            </a:blip>
+            <a:stretch>
+              <a:fillRect/>
+            </a:stretch>
+          </p:blipFill>
+          <p:spPr>
+            <a:xfrm>
+              <a:off x="1556420" y="3204557"/>
+              <a:ext cx="1295400" cy="923925"/>
+            </a:xfrm>
+            <a:prstGeom prst="rect">
+              <a:avLst/>
+            </a:prstGeom>
+            <a:effectLst>
+              <a:softEdge rad="31750"/>
+            </a:effectLst>
+          </p:spPr>
+        </p:pic>
+        <p:sp>
+          <p:nvSpPr>
+            <p:cNvPr id="7" name="TextBox 6"/>
+            <p:cNvSpPr txBox="1"/>
+            <p:nvPr/>
+          </p:nvSpPr>
+          <p:spPr>
+            <a:xfrm>
+              <a:off x="1998732" y="3425205"/>
+              <a:ext cx="432048" cy="307777"/>
+            </a:xfrm>
+            <a:prstGeom prst="rect">
+              <a:avLst/>
+            </a:prstGeom>
+            <a:noFill/>
+          </p:spPr>
+          <p:txBody>
+            <a:bodyPr wrap="square" rtlCol="0">
+              <a:spAutoFit/>
+            </a:bodyPr>
+            <a:lstStyle/>
+            <a:p>
+              <a:r>
+                <a:rPr lang="en-US" altLang="zh-CN" sz="1400" b="1" dirty="0" smtClean="0">
+                  <a:solidFill>
+                    <a:schemeClr val="bg1"/>
+                  </a:solidFill>
+                  <a:latin typeface="+mn-ea"/>
+                  <a:cs typeface="Arial" panose="020B0604020202020204" pitchFamily="34" charset="0"/>
+                </a:rPr>
+                <a:t>2</a:t>
+              </a:r>
+              <a:endParaRPr lang="zh-CN" altLang="en-US" sz="1400" b="1" dirty="0">
+                <a:solidFill>
+                  <a:schemeClr val="bg1"/>
+                </a:solidFill>
+                <a:latin typeface="+mn-ea"/>
+                <a:cs typeface="Arial" panose="020B0604020202020204" pitchFamily="34" charset="0"/>
+              </a:endParaRPr>
+            </a:p>
+          </p:txBody>
+        </p:sp>
+      </p:grpSp>
+      <p:sp>
+        <p:nvSpPr>
+          <p:cNvPr id="8" name="TextBox 7"/>
+          <p:cNvSpPr txBox="1"/>
+          <p:nvPr/>
+        </p:nvSpPr>
+        <p:spPr>
+          <a:xfrm>
+            <a:off x="1973952" y="2964681"/>
+            <a:ext cx="2795364" cy="1277273"/>
+          </a:xfrm>
+          <a:prstGeom prst="rect">
+            <a:avLst/>
+          </a:prstGeom>
+          <a:noFill/>
+        </p:spPr>
+        <p:txBody>
+          <a:bodyPr wrap="square" rtlCol="0">
+            <a:spAutoFit/>
+          </a:bodyPr>
+          <a:lstStyle/>
+          <a:p>
+            <a:pPr>
+              <a:lnSpc>
+                <a:spcPct val="150000"/>
+              </a:lnSpc>
+            </a:pPr>
+            <a:r>
+              <a:rPr lang="zh-CN" altLang="en-US" sz="1400" dirty="0" smtClean="0">
+                <a:solidFill>
+                  <a:schemeClr val="tx1">
+                    <a:lumMod val="75000"/>
+                    <a:lumOff val="25000"/>
+                  </a:schemeClr>
+                </a:solidFill>
+                <a:latin typeface="+mn-ea"/>
+              </a:rPr>
+              <a:t>单击此处添加文本单击此处添加文本单击此处添加文本单击此处添加文本单击此处添加文本</a:t>
+            </a:r>
+            <a:endParaRPr lang="zh-CN" altLang="en-US" sz="1400" dirty="0" smtClean="0">
+              <a:solidFill>
+                <a:schemeClr val="tx1">
+                  <a:lumMod val="75000"/>
+                  <a:lumOff val="25000"/>
+                </a:schemeClr>
+              </a:solidFill>
+              <a:latin typeface="+mn-ea"/>
+            </a:endParaRPr>
+          </a:p>
+          <a:p>
+            <a:endParaRPr lang="zh-CN" altLang="en-US" sz="1400" dirty="0" smtClean="0">
+              <a:latin typeface="+mn-ea"/>
+            </a:endParaRPr>
+          </a:p>
+        </p:txBody>
+      </p:sp>
+      <p:grpSp>
+        <p:nvGrpSpPr>
+          <p:cNvPr id="9" name="组合 8"/>
+          <p:cNvGrpSpPr/>
+          <p:nvPr/>
+        </p:nvGrpSpPr>
+        <p:grpSpPr>
+          <a:xfrm>
+            <a:off x="648836" y="1740545"/>
+            <a:ext cx="1295400" cy="923925"/>
+            <a:chOff x="1556420" y="3204557"/>
+            <a:chExt cx="1295400" cy="923925"/>
+          </a:xfrm>
+        </p:grpSpPr>
+        <p:pic>
+          <p:nvPicPr>
+            <p:cNvPr id="10" name="图片 9"/>
+            <p:cNvPicPr>
+              <a:picLocks noChangeAspect="1"/>
+            </p:cNvPicPr>
+            <p:nvPr/>
+          </p:nvPicPr>
+          <p:blipFill>
+            <a:blip r:embed="rId1">
+              <a:clrChange>
+                <a:clrFrom>
+                  <a:srgbClr val="FFFFFF"/>
+                </a:clrFrom>
+                <a:clrTo>
+                  <a:srgbClr val="FFFFFF">
+                    <a:alpha val="0"/>
+                  </a:srgbClr>
+                </a:clrTo>
+              </a:clrChange>
+              <a:extLst>
+                <a:ext uri="{28A0092B-C50C-407E-A947-70E740481C1C}">
+                  <a14:useLocalDpi xmlns:a14="http://schemas.microsoft.com/office/drawing/2010/main" val="0"/>
+                </a:ext>
+              </a:extLst>
+            </a:blip>
+            <a:stretch>
+              <a:fillRect/>
+            </a:stretch>
+          </p:blipFill>
+          <p:spPr>
+            <a:xfrm>
+              <a:off x="1556420" y="3204557"/>
+              <a:ext cx="1295400" cy="923925"/>
+            </a:xfrm>
+            <a:prstGeom prst="rect">
+              <a:avLst/>
+            </a:prstGeom>
+            <a:effectLst>
+              <a:softEdge rad="31750"/>
+            </a:effectLst>
+          </p:spPr>
+        </p:pic>
+        <p:sp>
+          <p:nvSpPr>
+            <p:cNvPr id="11" name="TextBox 10"/>
+            <p:cNvSpPr txBox="1"/>
+            <p:nvPr/>
+          </p:nvSpPr>
+          <p:spPr>
+            <a:xfrm>
+              <a:off x="1998732" y="3425205"/>
+              <a:ext cx="432048" cy="307777"/>
+            </a:xfrm>
+            <a:prstGeom prst="rect">
+              <a:avLst/>
+            </a:prstGeom>
+            <a:noFill/>
+          </p:spPr>
+          <p:txBody>
+            <a:bodyPr wrap="square" rtlCol="0">
+              <a:spAutoFit/>
+            </a:bodyPr>
+            <a:lstStyle/>
+            <a:p>
+              <a:r>
+                <a:rPr lang="en-US" altLang="zh-CN" sz="1400" b="1" dirty="0" smtClean="0">
+                  <a:solidFill>
+                    <a:schemeClr val="bg1"/>
+                  </a:solidFill>
+                  <a:latin typeface="+mn-ea"/>
+                  <a:cs typeface="Arial" panose="020B0604020202020204" pitchFamily="34" charset="0"/>
+                </a:rPr>
+                <a:t>1</a:t>
+              </a:r>
+              <a:endParaRPr lang="zh-CN" altLang="en-US" sz="1400" b="1" dirty="0">
+                <a:solidFill>
+                  <a:schemeClr val="bg1"/>
+                </a:solidFill>
+                <a:latin typeface="+mn-ea"/>
+                <a:cs typeface="Arial" panose="020B0604020202020204" pitchFamily="34" charset="0"/>
+              </a:endParaRPr>
+            </a:p>
+          </p:txBody>
+        </p:sp>
+      </p:grpSp>
+      <p:sp>
+        <p:nvSpPr>
+          <p:cNvPr id="12" name="TextBox 11"/>
+          <p:cNvSpPr txBox="1"/>
+          <p:nvPr/>
+        </p:nvSpPr>
+        <p:spPr>
+          <a:xfrm>
+            <a:off x="5838428" y="1596151"/>
+            <a:ext cx="2825080" cy="1384995"/>
+          </a:xfrm>
+          <a:prstGeom prst="rect">
+            <a:avLst/>
+          </a:prstGeom>
+          <a:noFill/>
+        </p:spPr>
+        <p:txBody>
+          <a:bodyPr wrap="square" rtlCol="0">
+            <a:spAutoFit/>
+          </a:bodyPr>
+          <a:lstStyle>
+            <a:defPPr>
+              <a:defRPr lang="zh-CN"/>
+            </a:defPPr>
+            <a:lvl1pPr>
+              <a:lnSpc>
+                <a:spcPct val="150000"/>
+              </a:lnSpc>
+              <a:defRPr b="1">
+                <a:solidFill>
+                  <a:schemeClr val="tx1">
+                    <a:lumMod val="75000"/>
+                    <a:lumOff val="25000"/>
+                  </a:schemeClr>
+                </a:solidFill>
+                <a:latin typeface="隶书" panose="02010509060101010101" pitchFamily="49" charset="-122"/>
+                <a:ea typeface="隶书" panose="02010509060101010101" pitchFamily="49" charset="-122"/>
+              </a:defRPr>
+            </a:lvl1pPr>
+          </a:lstStyle>
+          <a:p>
+            <a:r>
+              <a:rPr lang="zh-CN" altLang="en-US" sz="1400" b="0" dirty="0">
+                <a:latin typeface="+mn-ea"/>
+                <a:ea typeface="+mn-ea"/>
+              </a:rPr>
+              <a:t>单击此处添加文本单击此处添加文本单击此处添加文本单击此处添加文本单击此处添加文本</a:t>
+            </a:r>
+            <a:endParaRPr lang="zh-CN" altLang="en-US" sz="1400" b="0" dirty="0">
+              <a:latin typeface="+mn-ea"/>
+              <a:ea typeface="+mn-ea"/>
+            </a:endParaRPr>
+          </a:p>
+          <a:p>
+            <a:endParaRPr lang="zh-CN" altLang="en-US" sz="1400" b="0" dirty="0">
+              <a:latin typeface="+mn-ea"/>
+              <a:ea typeface="+mn-ea"/>
+            </a:endParaRPr>
+          </a:p>
+        </p:txBody>
+      </p:sp>
+      <p:grpSp>
+        <p:nvGrpSpPr>
+          <p:cNvPr id="13" name="组合 12"/>
+          <p:cNvGrpSpPr/>
+          <p:nvPr/>
+        </p:nvGrpSpPr>
+        <p:grpSpPr>
+          <a:xfrm>
+            <a:off x="4572744" y="3025061"/>
+            <a:ext cx="1295400" cy="923925"/>
+            <a:chOff x="1556420" y="3204557"/>
+            <a:chExt cx="1295400" cy="923925"/>
+          </a:xfrm>
+        </p:grpSpPr>
+        <p:pic>
+          <p:nvPicPr>
+            <p:cNvPr id="14" name="图片 13"/>
+            <p:cNvPicPr>
+              <a:picLocks noChangeAspect="1"/>
+            </p:cNvPicPr>
+            <p:nvPr/>
+          </p:nvPicPr>
+          <p:blipFill>
+            <a:blip r:embed="rId1">
+              <a:clrChange>
+                <a:clrFrom>
+                  <a:srgbClr val="FFFFFF"/>
+                </a:clrFrom>
+                <a:clrTo>
+                  <a:srgbClr val="FFFFFF">
+                    <a:alpha val="0"/>
+                  </a:srgbClr>
+                </a:clrTo>
+              </a:clrChange>
+              <a:extLst>
+                <a:ext uri="{28A0092B-C50C-407E-A947-70E740481C1C}">
+                  <a14:useLocalDpi xmlns:a14="http://schemas.microsoft.com/office/drawing/2010/main" val="0"/>
+                </a:ext>
+              </a:extLst>
+            </a:blip>
+            <a:stretch>
+              <a:fillRect/>
+            </a:stretch>
+          </p:blipFill>
+          <p:spPr>
+            <a:xfrm>
+              <a:off x="1556420" y="3204557"/>
+              <a:ext cx="1295400" cy="923925"/>
+            </a:xfrm>
+            <a:prstGeom prst="rect">
+              <a:avLst/>
+            </a:prstGeom>
+            <a:effectLst>
+              <a:softEdge rad="31750"/>
+            </a:effectLst>
+          </p:spPr>
+        </p:pic>
+        <p:sp>
+          <p:nvSpPr>
+            <p:cNvPr id="15" name="TextBox 14"/>
+            <p:cNvSpPr txBox="1"/>
+            <p:nvPr/>
+          </p:nvSpPr>
+          <p:spPr>
+            <a:xfrm>
+              <a:off x="1998732" y="3425205"/>
+              <a:ext cx="432048" cy="307777"/>
+            </a:xfrm>
+            <a:prstGeom prst="rect">
+              <a:avLst/>
+            </a:prstGeom>
+            <a:noFill/>
+          </p:spPr>
+          <p:txBody>
+            <a:bodyPr wrap="square" rtlCol="0">
+              <a:spAutoFit/>
+            </a:bodyPr>
+            <a:lstStyle/>
+            <a:p>
+              <a:r>
+                <a:rPr lang="en-US" altLang="zh-CN" sz="1400" b="1" dirty="0" smtClean="0">
+                  <a:solidFill>
+                    <a:schemeClr val="bg1"/>
+                  </a:solidFill>
+                  <a:latin typeface="+mn-ea"/>
+                  <a:cs typeface="Arial" panose="020B0604020202020204" pitchFamily="34" charset="0"/>
+                </a:rPr>
+                <a:t>4</a:t>
+              </a:r>
+              <a:endParaRPr lang="zh-CN" altLang="en-US" sz="1400" b="1" dirty="0">
+                <a:solidFill>
+                  <a:schemeClr val="bg1"/>
+                </a:solidFill>
+                <a:latin typeface="+mn-ea"/>
+                <a:cs typeface="Arial" panose="020B0604020202020204" pitchFamily="34" charset="0"/>
+              </a:endParaRPr>
+            </a:p>
+          </p:txBody>
+        </p:sp>
+      </p:grpSp>
+      <p:sp>
+        <p:nvSpPr>
+          <p:cNvPr id="16" name="TextBox 15"/>
+          <p:cNvSpPr txBox="1"/>
+          <p:nvPr/>
+        </p:nvSpPr>
+        <p:spPr>
+          <a:xfrm>
+            <a:off x="5868144" y="2964681"/>
+            <a:ext cx="2795364" cy="1277273"/>
+          </a:xfrm>
+          <a:prstGeom prst="rect">
+            <a:avLst/>
+          </a:prstGeom>
+          <a:noFill/>
+        </p:spPr>
+        <p:txBody>
+          <a:bodyPr wrap="square" rtlCol="0">
+            <a:spAutoFit/>
+          </a:bodyPr>
+          <a:lstStyle/>
+          <a:p>
+            <a:pPr>
+              <a:lnSpc>
+                <a:spcPct val="150000"/>
+              </a:lnSpc>
+            </a:pPr>
+            <a:r>
+              <a:rPr lang="zh-CN" altLang="en-US" sz="1400" dirty="0" smtClean="0">
+                <a:solidFill>
+                  <a:schemeClr val="tx1">
+                    <a:lumMod val="75000"/>
+                    <a:lumOff val="25000"/>
+                  </a:schemeClr>
+                </a:solidFill>
+                <a:latin typeface="+mn-ea"/>
+              </a:rPr>
+              <a:t>单击此处添加文本单击此处添加文本单击此处添加文本单击此处添加文本单击此处添加文本</a:t>
+            </a:r>
+            <a:endParaRPr lang="zh-CN" altLang="en-US" sz="1400" dirty="0" smtClean="0">
+              <a:solidFill>
+                <a:schemeClr val="tx1">
+                  <a:lumMod val="75000"/>
+                  <a:lumOff val="25000"/>
+                </a:schemeClr>
+              </a:solidFill>
+              <a:latin typeface="+mn-ea"/>
+            </a:endParaRPr>
+          </a:p>
+          <a:p>
+            <a:endParaRPr lang="zh-CN" altLang="en-US" sz="1400" dirty="0" smtClean="0">
+              <a:latin typeface="+mn-ea"/>
+            </a:endParaRPr>
+          </a:p>
+        </p:txBody>
+      </p:sp>
+      <p:grpSp>
+        <p:nvGrpSpPr>
+          <p:cNvPr id="17" name="组合 16"/>
+          <p:cNvGrpSpPr/>
+          <p:nvPr/>
+        </p:nvGrpSpPr>
+        <p:grpSpPr>
+          <a:xfrm>
+            <a:off x="4543028" y="1740545"/>
+            <a:ext cx="1295400" cy="923925"/>
+            <a:chOff x="1556420" y="3204557"/>
+            <a:chExt cx="1295400" cy="923925"/>
+          </a:xfrm>
+        </p:grpSpPr>
+        <p:pic>
+          <p:nvPicPr>
+            <p:cNvPr id="18" name="图片 17"/>
+            <p:cNvPicPr>
+              <a:picLocks noChangeAspect="1"/>
+            </p:cNvPicPr>
+            <p:nvPr/>
+          </p:nvPicPr>
+          <p:blipFill>
+            <a:blip r:embed="rId1">
+              <a:clrChange>
+                <a:clrFrom>
+                  <a:srgbClr val="FFFFFF"/>
+                </a:clrFrom>
+                <a:clrTo>
+                  <a:srgbClr val="FFFFFF">
+                    <a:alpha val="0"/>
+                  </a:srgbClr>
+                </a:clrTo>
+              </a:clrChange>
+              <a:extLst>
+                <a:ext uri="{28A0092B-C50C-407E-A947-70E740481C1C}">
+                  <a14:useLocalDpi xmlns:a14="http://schemas.microsoft.com/office/drawing/2010/main" val="0"/>
+                </a:ext>
+              </a:extLst>
+            </a:blip>
+            <a:stretch>
+              <a:fillRect/>
+            </a:stretch>
+          </p:blipFill>
+          <p:spPr>
+            <a:xfrm>
+              <a:off x="1556420" y="3204557"/>
+              <a:ext cx="1295400" cy="923925"/>
+            </a:xfrm>
+            <a:prstGeom prst="rect">
+              <a:avLst/>
+            </a:prstGeom>
+            <a:effectLst>
+              <a:softEdge rad="31750"/>
+            </a:effectLst>
+          </p:spPr>
+        </p:pic>
+        <p:sp>
+          <p:nvSpPr>
+            <p:cNvPr id="19" name="TextBox 18"/>
+            <p:cNvSpPr txBox="1"/>
+            <p:nvPr/>
+          </p:nvSpPr>
+          <p:spPr>
+            <a:xfrm>
+              <a:off x="1998732" y="3425205"/>
+              <a:ext cx="432048" cy="307777"/>
+            </a:xfrm>
+            <a:prstGeom prst="rect">
+              <a:avLst/>
+            </a:prstGeom>
+            <a:noFill/>
+          </p:spPr>
+          <p:txBody>
+            <a:bodyPr wrap="square" rtlCol="0">
+              <a:spAutoFit/>
+            </a:bodyPr>
+            <a:lstStyle/>
+            <a:p>
+              <a:r>
+                <a:rPr lang="en-US" altLang="zh-CN" sz="1400" b="1" dirty="0" smtClean="0">
+                  <a:solidFill>
+                    <a:schemeClr val="bg1"/>
+                  </a:solidFill>
+                  <a:latin typeface="+mn-ea"/>
+                  <a:cs typeface="Arial" panose="020B0604020202020204" pitchFamily="34" charset="0"/>
+                </a:rPr>
+                <a:t>3</a:t>
+              </a:r>
+              <a:endParaRPr lang="zh-CN" altLang="en-US" sz="1400" b="1" dirty="0">
+                <a:solidFill>
+                  <a:schemeClr val="bg1"/>
+                </a:solidFill>
+                <a:latin typeface="+mn-ea"/>
+                <a:cs typeface="Arial" panose="020B0604020202020204" pitchFamily="34" charset="0"/>
+              </a:endParaRPr>
+            </a:p>
+          </p:txBody>
+        </p:sp>
+      </p:grpSp>
+      <p:pic>
+        <p:nvPicPr>
+          <p:cNvPr id="20" name="图片 19"/>
+          <p:cNvPicPr>
+            <a:picLocks noChangeAspect="1"/>
+          </p:cNvPicPr>
+          <p:nvPr/>
+        </p:nvPicPr>
+        <p:blipFill>
+          <a:blip r:embed="rId2" cstate="print">
+            <a:extLst>
+              <a:ext uri="{28A0092B-C50C-407E-A947-70E740481C1C}">
+                <a14:useLocalDpi xmlns:a14="http://schemas.microsoft.com/office/drawing/2010/main" val="0"/>
+              </a:ext>
+            </a:extLst>
+          </a:blip>
+          <a:stretch>
+            <a:fillRect/>
+          </a:stretch>
+        </p:blipFill>
+        <p:spPr>
+          <a:xfrm>
+            <a:off x="7740352" y="4241954"/>
+            <a:ext cx="1092728" cy="720080"/>
+          </a:xfrm>
+          <a:prstGeom prst="rect">
+            <a:avLst/>
+          </a:prstGeom>
+        </p:spPr>
+      </p:pic>
+    </p:spTree>
+  </p:cSld>
+  <p:clrMapOvr>
+    <a:masterClrMapping/>
+  </p:clrMapOvr>
+  <p:transition spd="slow">
+    <p:wipe/>
+  </p:transition>
+  <p:timing>
+    <p:tnLst>
+      <p:par>
+        <p:cTn id="1" dur="indefinite" restart="never" nodeType="tmRoot"/>
+      </p:par>
+    </p:tnLst>
+  </p:timing>
+</p:sld>
+</file>
+
+<file path=ppt/slides/slide7.xml><?xml version="1.0" encoding="utf-8"?>
 <p:sld xmlns:a="http://schemas.openxmlformats.org/drawingml/2006/main" xmlns:r="http://schemas.openxmlformats.org/officeDocument/2006/relationships" xmlns:p="http://schemas.openxmlformats.org/presentationml/2006/main">
   <p:cSld>
     <p:spTree>
@@ -5299,7 +6671,7 @@
 </p:sld>
 </file>
 
-<file path=ppt/slides/slide6.xml><?xml version="1.0" encoding="utf-8"?>
+<file path=ppt/slides/slide8.xml><?xml version="1.0" encoding="utf-8"?>
 <p:sld xmlns:a="http://schemas.openxmlformats.org/drawingml/2006/main" xmlns:r="http://schemas.openxmlformats.org/officeDocument/2006/relationships" xmlns:p="http://schemas.openxmlformats.org/presentationml/2006/main">
   <p:cSld>
     <p:spTree>
@@ -5333,7 +6705,7 @@
           <a:p>
             <a:r>
               <a:rPr lang="zh-CN" altLang="en-US" dirty="0" smtClean="0"/>
-              <a:t>内容页参考</a:t>
+              <a:t>结束语</a:t>
             </a:r>
             <a:endParaRPr lang="zh-CN" altLang="en-US" dirty="0"/>
           </a:p>
@@ -6001,7 +7373,7 @@
 </p:sld>
 </file>
 
-<file path=ppt/slides/slide7.xml><?xml version="1.0" encoding="utf-8"?>
+<file path=ppt/slides/slide9.xml><?xml version="1.0" encoding="utf-8"?>
 <p:sld xmlns:a="http://schemas.openxmlformats.org/drawingml/2006/main" xmlns:r="http://schemas.openxmlformats.org/officeDocument/2006/relationships" xmlns:p="http://schemas.openxmlformats.org/presentationml/2006/main">
   <p:cSld>
     <p:spTree>
@@ -7054,1072 +8426,6 @@
               </a:solidFill>
               <a:latin typeface="+mn-ea"/>
               <a:ea typeface="+mn-ea"/>
-            </a:endParaRPr>
-          </a:p>
-        </p:txBody>
-      </p:sp>
-    </p:spTree>
-  </p:cSld>
-  <p:clrMapOvr>
-    <a:masterClrMapping/>
-  </p:clrMapOvr>
-  <p:transition spd="slow">
-    <p:wipe/>
-  </p:transition>
-  <p:timing>
-    <p:tnLst>
-      <p:par>
-        <p:cTn id="1" dur="indefinite" restart="never" nodeType="tmRoot"/>
-      </p:par>
-    </p:tnLst>
-  </p:timing>
-</p:sld>
-</file>
-
-<file path=ppt/slides/slide8.xml><?xml version="1.0" encoding="utf-8"?>
-<p:sld xmlns:a="http://schemas.openxmlformats.org/drawingml/2006/main" xmlns:r="http://schemas.openxmlformats.org/officeDocument/2006/relationships" xmlns:p="http://schemas.openxmlformats.org/presentationml/2006/main">
-  <p:cSld>
-    <p:spTree>
-      <p:nvGrpSpPr>
-        <p:cNvPr id="1" name=""/>
-        <p:cNvGrpSpPr/>
-        <p:nvPr/>
-      </p:nvGrpSpPr>
-      <p:grpSpPr>
-        <a:xfrm>
-          <a:off x="0" y="0"/>
-          <a:ext cx="0" cy="0"/>
-          <a:chOff x="0" y="0"/>
-          <a:chExt cx="0" cy="0"/>
-        </a:xfrm>
-      </p:grpSpPr>
-      <p:sp>
-        <p:nvSpPr>
-          <p:cNvPr id="2" name="标题 1"/>
-          <p:cNvSpPr>
-            <a:spLocks noGrp="1"/>
-          </p:cNvSpPr>
-          <p:nvPr>
-            <p:ph type="ctrTitle"/>
-          </p:nvPr>
-        </p:nvSpPr>
-        <p:spPr>
-          <a:xfrm>
-            <a:off x="1043608" y="3507854"/>
-            <a:ext cx="7776864" cy="792088"/>
-          </a:xfrm>
-        </p:spPr>
-        <p:txBody>
-          <a:bodyPr>
-            <a:normAutofit/>
-          </a:bodyPr>
-          <a:lstStyle/>
-          <a:p>
-            <a:pPr algn="r"/>
-            <a:r>
-              <a:rPr lang="en-US" altLang="zh-CN" sz="3200" dirty="0" smtClean="0">
-                <a:solidFill>
-                  <a:schemeClr val="bg2">
-                    <a:lumMod val="25000"/>
-                  </a:schemeClr>
-                </a:solidFill>
-                <a:latin typeface="方正粗宋简体" pitchFamily="65" charset="-122"/>
-                <a:ea typeface="方正粗宋简体" pitchFamily="65" charset="-122"/>
-              </a:rPr>
-              <a:t>THANKS</a:t>
-            </a:r>
-            <a:endParaRPr lang="zh-CN" altLang="en-US" sz="3200" dirty="0">
-              <a:solidFill>
-                <a:schemeClr val="bg2">
-                  <a:lumMod val="25000"/>
-                </a:schemeClr>
-              </a:solidFill>
-              <a:latin typeface="方正粗宋简体" pitchFamily="65" charset="-122"/>
-              <a:ea typeface="方正粗宋简体" pitchFamily="65" charset="-122"/>
-            </a:endParaRPr>
-          </a:p>
-        </p:txBody>
-      </p:sp>
-      <p:sp>
-        <p:nvSpPr>
-          <p:cNvPr id="3" name="副标题 2"/>
-          <p:cNvSpPr>
-            <a:spLocks noGrp="1"/>
-          </p:cNvSpPr>
-          <p:nvPr>
-            <p:ph type="subTitle" idx="1"/>
-          </p:nvPr>
-        </p:nvSpPr>
-        <p:spPr>
-          <a:xfrm>
-            <a:off x="2411760" y="4155926"/>
-            <a:ext cx="6400800" cy="449188"/>
-          </a:xfrm>
-        </p:spPr>
-        <p:txBody>
-          <a:bodyPr>
-            <a:normAutofit/>
-          </a:bodyPr>
-          <a:lstStyle/>
-          <a:p>
-            <a:pPr algn="r"/>
-            <a:r>
-              <a:rPr lang="zh-CN" altLang="en-US" sz="2000" dirty="0" smtClean="0">
-                <a:solidFill>
-                  <a:schemeClr val="bg2">
-                    <a:lumMod val="25000"/>
-                  </a:schemeClr>
-                </a:solidFill>
-              </a:rPr>
-              <a:t>谢谢大家！</a:t>
-            </a:r>
-            <a:endParaRPr lang="zh-CN" altLang="en-US" sz="2000" dirty="0">
-              <a:solidFill>
-                <a:schemeClr val="bg2">
-                  <a:lumMod val="25000"/>
-                </a:schemeClr>
-              </a:solidFill>
-            </a:endParaRPr>
-          </a:p>
-        </p:txBody>
-      </p:sp>
-      <p:pic>
-        <p:nvPicPr>
-          <p:cNvPr id="1026" name="Picture 2" descr="C:\Users\Administrator\Desktop\PNG图片48个\LOGO.png"/>
-          <p:cNvPicPr>
-            <a:picLocks noChangeAspect="1" noChangeArrowheads="1"/>
-          </p:cNvPicPr>
-          <p:nvPr/>
-        </p:nvPicPr>
-        <p:blipFill>
-          <a:blip r:embed="rId1" cstate="print">
-            <a:extLst>
-              <a:ext uri="{28A0092B-C50C-407E-A947-70E740481C1C}">
-                <a14:useLocalDpi xmlns:a14="http://schemas.microsoft.com/office/drawing/2010/main" val="0"/>
-              </a:ext>
-            </a:extLst>
-          </a:blip>
-          <a:srcRect/>
-          <a:stretch>
-            <a:fillRect/>
-          </a:stretch>
-        </p:blipFill>
-        <p:spPr bwMode="auto">
-          <a:xfrm>
-            <a:off x="8086980" y="195486"/>
-            <a:ext cx="693135" cy="864096"/>
-          </a:xfrm>
-          <a:prstGeom prst="rect">
-            <a:avLst/>
-          </a:prstGeom>
-          <a:noFill/>
-          <a:extLst>
-            <a:ext uri="{909E8E84-426E-40DD-AFC4-6F175D3DCCD1}">
-              <a14:hiddenFill xmlns:a14="http://schemas.microsoft.com/office/drawing/2010/main">
-                <a:solidFill>
-                  <a:srgbClr val="FFFFFF"/>
-                </a:solidFill>
-              </a14:hiddenFill>
-            </a:ext>
-          </a:extLst>
-        </p:spPr>
-      </p:pic>
-      <p:sp>
-        <p:nvSpPr>
-          <p:cNvPr id="4" name="TextBox 3"/>
-          <p:cNvSpPr txBox="1"/>
-          <p:nvPr/>
-        </p:nvSpPr>
-        <p:spPr>
-          <a:xfrm>
-            <a:off x="6876256" y="483517"/>
-            <a:ext cx="1354740" cy="276999"/>
-          </a:xfrm>
-          <a:prstGeom prst="rect">
-            <a:avLst/>
-          </a:prstGeom>
-          <a:noFill/>
-        </p:spPr>
-        <p:txBody>
-          <a:bodyPr wrap="square" rtlCol="0">
-            <a:spAutoFit/>
-          </a:bodyPr>
-          <a:lstStyle/>
-          <a:p>
-            <a:pPr algn="r"/>
-            <a:r>
-              <a:rPr lang="zh-CN" altLang="en-US" sz="1200" dirty="0" smtClean="0">
-                <a:solidFill>
-                  <a:schemeClr val="bg2">
-                    <a:lumMod val="25000"/>
-                  </a:schemeClr>
-                </a:solidFill>
-              </a:rPr>
-              <a:t>点此添加</a:t>
-            </a:r>
-            <a:r>
-              <a:rPr lang="en-US" altLang="zh-CN" sz="1200" dirty="0" smtClean="0">
-                <a:solidFill>
-                  <a:schemeClr val="bg2">
-                    <a:lumMod val="25000"/>
-                  </a:schemeClr>
-                </a:solidFill>
-                <a:latin typeface="Times New Roman" panose="02020603050405020304" pitchFamily="18" charset="0"/>
-                <a:cs typeface="Times New Roman" panose="02020603050405020304" pitchFamily="18" charset="0"/>
-              </a:rPr>
-              <a:t>LOGO</a:t>
-            </a:r>
-            <a:endParaRPr lang="zh-CN" altLang="en-US" sz="1200" dirty="0">
-              <a:solidFill>
-                <a:schemeClr val="bg2">
-                  <a:lumMod val="25000"/>
-                </a:schemeClr>
-              </a:solidFill>
-              <a:latin typeface="Times New Roman" panose="02020603050405020304" pitchFamily="18" charset="0"/>
-              <a:cs typeface="Times New Roman" panose="02020603050405020304" pitchFamily="18" charset="0"/>
-            </a:endParaRPr>
-          </a:p>
-        </p:txBody>
-      </p:sp>
-      <p:sp>
-        <p:nvSpPr>
-          <p:cNvPr id="7" name="矩形 6"/>
-          <p:cNvSpPr/>
-          <p:nvPr/>
-        </p:nvSpPr>
-        <p:spPr>
-          <a:xfrm>
-            <a:off x="1763688" y="3075806"/>
-            <a:ext cx="792088" cy="230832"/>
-          </a:xfrm>
-          <a:prstGeom prst="rect">
-            <a:avLst/>
-          </a:prstGeom>
-        </p:spPr>
-        <p:txBody>
-          <a:bodyPr wrap="square">
-            <a:spAutoFit/>
-          </a:bodyPr>
-          <a:lstStyle/>
-          <a:p>
-            <a:pPr marL="0" marR="0" lvl="0" indent="0" defTabSz="914400" eaLnBrk="1" fontAlgn="auto" latinLnBrk="0" hangingPunct="1">
-              <a:lnSpc>
-                <a:spcPct val="100000"/>
-              </a:lnSpc>
-              <a:spcBef>
-                <a:spcPts val="0"/>
-              </a:spcBef>
-              <a:spcAft>
-                <a:spcPts val="0"/>
-              </a:spcAft>
-              <a:buClrTx/>
-              <a:buSzTx/>
-              <a:buFontTx/>
-              <a:buNone/>
-              <a:defRPr/>
-            </a:pPr>
-            <a:r>
-              <a:rPr kumimoji="0" lang="en-US" altLang="zh-CN" sz="100" b="0" i="0" u="none" strike="noStrike" kern="0" cap="none" spc="0" normalizeH="0" baseline="0" noProof="0" dirty="0">
-                <a:ln>
-                  <a:noFill/>
-                </a:ln>
-                <a:solidFill>
-                  <a:sysClr val="windowText" lastClr="000000"/>
-                </a:solidFill>
-                <a:effectLst/>
-                <a:uLnTx/>
-                <a:uFillTx/>
-              </a:rPr>
-              <a:t>PPT</a:t>
-            </a:r>
-            <a:r>
-              <a:rPr kumimoji="0" lang="zh-CN" altLang="en-US" sz="100" b="0" i="0" u="none" strike="noStrike" kern="0" cap="none" spc="0" normalizeH="0" baseline="0" noProof="0" dirty="0">
-                <a:ln>
-                  <a:noFill/>
-                </a:ln>
-                <a:solidFill>
-                  <a:sysClr val="windowText" lastClr="000000"/>
-                </a:solidFill>
-                <a:effectLst/>
-                <a:uLnTx/>
-                <a:uFillTx/>
-              </a:rPr>
-              <a:t>模板下载：</a:t>
-            </a:r>
-            <a:r>
-              <a:rPr kumimoji="0" lang="en-US" altLang="zh-CN" sz="100" b="0" i="0" u="none" strike="noStrike" kern="0" cap="none" spc="0" normalizeH="0" baseline="0" noProof="0" dirty="0">
-                <a:ln>
-                  <a:noFill/>
-                </a:ln>
-                <a:solidFill>
-                  <a:sysClr val="windowText" lastClr="000000"/>
-                </a:solidFill>
-                <a:effectLst/>
-                <a:uLnTx/>
-                <a:uFillTx/>
-              </a:rPr>
-              <a:t>www.1ppt.com/moban/     </a:t>
-            </a:r>
-            <a:r>
-              <a:rPr kumimoji="0" lang="zh-CN" altLang="en-US" sz="100" b="0" i="0" u="none" strike="noStrike" kern="0" cap="none" spc="0" normalizeH="0" baseline="0" noProof="0" dirty="0">
-                <a:ln>
-                  <a:noFill/>
-                </a:ln>
-                <a:solidFill>
-                  <a:sysClr val="windowText" lastClr="000000"/>
-                </a:solidFill>
-                <a:effectLst/>
-                <a:uLnTx/>
-                <a:uFillTx/>
-              </a:rPr>
-              <a:t>行业</a:t>
-            </a:r>
-            <a:r>
-              <a:rPr kumimoji="0" lang="en-US" altLang="zh-CN" sz="100" b="0" i="0" u="none" strike="noStrike" kern="0" cap="none" spc="0" normalizeH="0" baseline="0" noProof="0" dirty="0">
-                <a:ln>
-                  <a:noFill/>
-                </a:ln>
-                <a:solidFill>
-                  <a:sysClr val="windowText" lastClr="000000"/>
-                </a:solidFill>
-                <a:effectLst/>
-                <a:uLnTx/>
-                <a:uFillTx/>
-              </a:rPr>
-              <a:t>PPT</a:t>
-            </a:r>
-            <a:r>
-              <a:rPr kumimoji="0" lang="zh-CN" altLang="en-US" sz="100" b="0" i="0" u="none" strike="noStrike" kern="0" cap="none" spc="0" normalizeH="0" baseline="0" noProof="0" dirty="0">
-                <a:ln>
-                  <a:noFill/>
-                </a:ln>
-                <a:solidFill>
-                  <a:sysClr val="windowText" lastClr="000000"/>
-                </a:solidFill>
-                <a:effectLst/>
-                <a:uLnTx/>
-                <a:uFillTx/>
-              </a:rPr>
-              <a:t>模板：</a:t>
-            </a:r>
-            <a:r>
-              <a:rPr kumimoji="0" lang="en-US" altLang="zh-CN" sz="100" b="0" i="0" u="none" strike="noStrike" kern="0" cap="none" spc="0" normalizeH="0" baseline="0" noProof="0" dirty="0">
-                <a:ln>
-                  <a:noFill/>
-                </a:ln>
-                <a:solidFill>
-                  <a:sysClr val="windowText" lastClr="000000"/>
-                </a:solidFill>
-                <a:effectLst/>
-                <a:uLnTx/>
-                <a:uFillTx/>
-              </a:rPr>
-              <a:t>www.1ppt.com/hangye/ </a:t>
-            </a:r>
-            <a:endParaRPr kumimoji="0" lang="en-US" altLang="zh-CN" sz="100" b="0" i="0" u="none" strike="noStrike" kern="0" cap="none" spc="0" normalizeH="0" baseline="0" noProof="0" dirty="0">
-              <a:ln>
-                <a:noFill/>
-              </a:ln>
-              <a:solidFill>
-                <a:sysClr val="windowText" lastClr="000000"/>
-              </a:solidFill>
-              <a:effectLst/>
-              <a:uLnTx/>
-              <a:uFillTx/>
-            </a:endParaRPr>
-          </a:p>
-          <a:p>
-            <a:pPr marL="0" marR="0" lvl="0" indent="0" defTabSz="914400" eaLnBrk="1" fontAlgn="auto" latinLnBrk="0" hangingPunct="1">
-              <a:lnSpc>
-                <a:spcPct val="100000"/>
-              </a:lnSpc>
-              <a:spcBef>
-                <a:spcPts val="0"/>
-              </a:spcBef>
-              <a:spcAft>
-                <a:spcPts val="0"/>
-              </a:spcAft>
-              <a:buClrTx/>
-              <a:buSzTx/>
-              <a:buFontTx/>
-              <a:buNone/>
-              <a:defRPr/>
-            </a:pPr>
-            <a:r>
-              <a:rPr kumimoji="0" lang="zh-CN" altLang="en-US" sz="100" b="0" i="0" u="none" strike="noStrike" kern="0" cap="none" spc="0" normalizeH="0" baseline="0" noProof="0" dirty="0">
-                <a:ln>
-                  <a:noFill/>
-                </a:ln>
-                <a:solidFill>
-                  <a:sysClr val="windowText" lastClr="000000"/>
-                </a:solidFill>
-                <a:effectLst/>
-                <a:uLnTx/>
-                <a:uFillTx/>
-              </a:rPr>
-              <a:t>节日</a:t>
-            </a:r>
-            <a:r>
-              <a:rPr kumimoji="0" lang="en-US" altLang="zh-CN" sz="100" b="0" i="0" u="none" strike="noStrike" kern="0" cap="none" spc="0" normalizeH="0" baseline="0" noProof="0" dirty="0">
-                <a:ln>
-                  <a:noFill/>
-                </a:ln>
-                <a:solidFill>
-                  <a:sysClr val="windowText" lastClr="000000"/>
-                </a:solidFill>
-                <a:effectLst/>
-                <a:uLnTx/>
-                <a:uFillTx/>
-              </a:rPr>
-              <a:t>PPT</a:t>
-            </a:r>
-            <a:r>
-              <a:rPr kumimoji="0" lang="zh-CN" altLang="en-US" sz="100" b="0" i="0" u="none" strike="noStrike" kern="0" cap="none" spc="0" normalizeH="0" baseline="0" noProof="0" dirty="0">
-                <a:ln>
-                  <a:noFill/>
-                </a:ln>
-                <a:solidFill>
-                  <a:sysClr val="windowText" lastClr="000000"/>
-                </a:solidFill>
-                <a:effectLst/>
-                <a:uLnTx/>
-                <a:uFillTx/>
-              </a:rPr>
-              <a:t>模板：</a:t>
-            </a:r>
-            <a:r>
-              <a:rPr kumimoji="0" lang="en-US" altLang="zh-CN" sz="100" b="0" i="0" u="none" strike="noStrike" kern="0" cap="none" spc="0" normalizeH="0" baseline="0" noProof="0" dirty="0">
-                <a:ln>
-                  <a:noFill/>
-                </a:ln>
-                <a:solidFill>
-                  <a:sysClr val="windowText" lastClr="000000"/>
-                </a:solidFill>
-                <a:effectLst/>
-                <a:uLnTx/>
-                <a:uFillTx/>
-              </a:rPr>
-              <a:t>www.1ppt.com/jieri/           PPT</a:t>
-            </a:r>
-            <a:r>
-              <a:rPr kumimoji="0" lang="zh-CN" altLang="en-US" sz="100" b="0" i="0" u="none" strike="noStrike" kern="0" cap="none" spc="0" normalizeH="0" baseline="0" noProof="0" dirty="0">
-                <a:ln>
-                  <a:noFill/>
-                </a:ln>
-                <a:solidFill>
-                  <a:sysClr val="windowText" lastClr="000000"/>
-                </a:solidFill>
-                <a:effectLst/>
-                <a:uLnTx/>
-                <a:uFillTx/>
-              </a:rPr>
-              <a:t>素材下载：</a:t>
-            </a:r>
-            <a:r>
-              <a:rPr kumimoji="0" lang="en-US" altLang="zh-CN" sz="100" b="0" i="0" u="none" strike="noStrike" kern="0" cap="none" spc="0" normalizeH="0" baseline="0" noProof="0" dirty="0">
-                <a:ln>
-                  <a:noFill/>
-                </a:ln>
-                <a:solidFill>
-                  <a:sysClr val="windowText" lastClr="000000"/>
-                </a:solidFill>
-                <a:effectLst/>
-                <a:uLnTx/>
-                <a:uFillTx/>
-              </a:rPr>
-              <a:t>www.1ppt.com/sucai/</a:t>
-            </a:r>
-            <a:endParaRPr kumimoji="0" lang="en-US" altLang="zh-CN" sz="100" b="0" i="0" u="none" strike="noStrike" kern="0" cap="none" spc="0" normalizeH="0" baseline="0" noProof="0" dirty="0">
-              <a:ln>
-                <a:noFill/>
-              </a:ln>
-              <a:solidFill>
-                <a:sysClr val="windowText" lastClr="000000"/>
-              </a:solidFill>
-              <a:effectLst/>
-              <a:uLnTx/>
-              <a:uFillTx/>
-            </a:endParaRPr>
-          </a:p>
-          <a:p>
-            <a:pPr marL="0" marR="0" lvl="0" indent="0" defTabSz="914400" eaLnBrk="1" fontAlgn="auto" latinLnBrk="0" hangingPunct="1">
-              <a:lnSpc>
-                <a:spcPct val="100000"/>
-              </a:lnSpc>
-              <a:spcBef>
-                <a:spcPts val="0"/>
-              </a:spcBef>
-              <a:spcAft>
-                <a:spcPts val="0"/>
-              </a:spcAft>
-              <a:buClrTx/>
-              <a:buSzTx/>
-              <a:buFontTx/>
-              <a:buNone/>
-              <a:defRPr/>
-            </a:pPr>
-            <a:r>
-              <a:rPr kumimoji="0" lang="en-US" altLang="zh-CN" sz="100" b="0" i="0" u="none" strike="noStrike" kern="0" cap="none" spc="0" normalizeH="0" baseline="0" noProof="0" dirty="0">
-                <a:ln>
-                  <a:noFill/>
-                </a:ln>
-                <a:solidFill>
-                  <a:sysClr val="windowText" lastClr="000000"/>
-                </a:solidFill>
-                <a:effectLst/>
-                <a:uLnTx/>
-                <a:uFillTx/>
-              </a:rPr>
-              <a:t>PPT</a:t>
-            </a:r>
-            <a:r>
-              <a:rPr kumimoji="0" lang="zh-CN" altLang="en-US" sz="100" b="0" i="0" u="none" strike="noStrike" kern="0" cap="none" spc="0" normalizeH="0" baseline="0" noProof="0" dirty="0">
-                <a:ln>
-                  <a:noFill/>
-                </a:ln>
-                <a:solidFill>
-                  <a:sysClr val="windowText" lastClr="000000"/>
-                </a:solidFill>
-                <a:effectLst/>
-                <a:uLnTx/>
-                <a:uFillTx/>
-              </a:rPr>
-              <a:t>背景图片：</a:t>
-            </a:r>
-            <a:r>
-              <a:rPr kumimoji="0" lang="en-US" altLang="zh-CN" sz="100" b="0" i="0" u="none" strike="noStrike" kern="0" cap="none" spc="0" normalizeH="0" baseline="0" noProof="0" dirty="0">
-                <a:ln>
-                  <a:noFill/>
-                </a:ln>
-                <a:solidFill>
-                  <a:sysClr val="windowText" lastClr="000000"/>
-                </a:solidFill>
-                <a:effectLst/>
-                <a:uLnTx/>
-                <a:uFillTx/>
-              </a:rPr>
-              <a:t>www.1ppt.com/beijing/      PPT</a:t>
-            </a:r>
-            <a:r>
-              <a:rPr kumimoji="0" lang="zh-CN" altLang="en-US" sz="100" b="0" i="0" u="none" strike="noStrike" kern="0" cap="none" spc="0" normalizeH="0" baseline="0" noProof="0" dirty="0">
-                <a:ln>
-                  <a:noFill/>
-                </a:ln>
-                <a:solidFill>
-                  <a:sysClr val="windowText" lastClr="000000"/>
-                </a:solidFill>
-                <a:effectLst/>
-                <a:uLnTx/>
-                <a:uFillTx/>
-              </a:rPr>
-              <a:t>图表下载：</a:t>
-            </a:r>
-            <a:r>
-              <a:rPr kumimoji="0" lang="en-US" altLang="zh-CN" sz="100" b="0" i="0" u="none" strike="noStrike" kern="0" cap="none" spc="0" normalizeH="0" baseline="0" noProof="0" dirty="0">
-                <a:ln>
-                  <a:noFill/>
-                </a:ln>
-                <a:solidFill>
-                  <a:sysClr val="windowText" lastClr="000000"/>
-                </a:solidFill>
-                <a:effectLst/>
-                <a:uLnTx/>
-                <a:uFillTx/>
-              </a:rPr>
-              <a:t>www.1ppt.com/tubiao/      </a:t>
-            </a:r>
-            <a:endParaRPr kumimoji="0" lang="en-US" altLang="zh-CN" sz="100" b="0" i="0" u="none" strike="noStrike" kern="0" cap="none" spc="0" normalizeH="0" baseline="0" noProof="0" dirty="0">
-              <a:ln>
-                <a:noFill/>
-              </a:ln>
-              <a:solidFill>
-                <a:sysClr val="windowText" lastClr="000000"/>
-              </a:solidFill>
-              <a:effectLst/>
-              <a:uLnTx/>
-              <a:uFillTx/>
-            </a:endParaRPr>
-          </a:p>
-          <a:p>
-            <a:pPr marL="0" marR="0" lvl="0" indent="0" defTabSz="914400" eaLnBrk="1" fontAlgn="auto" latinLnBrk="0" hangingPunct="1">
-              <a:lnSpc>
-                <a:spcPct val="100000"/>
-              </a:lnSpc>
-              <a:spcBef>
-                <a:spcPts val="0"/>
-              </a:spcBef>
-              <a:spcAft>
-                <a:spcPts val="0"/>
-              </a:spcAft>
-              <a:buClrTx/>
-              <a:buSzTx/>
-              <a:buFontTx/>
-              <a:buNone/>
-              <a:defRPr/>
-            </a:pPr>
-            <a:r>
-              <a:rPr kumimoji="0" lang="zh-CN" altLang="en-US" sz="100" b="0" i="0" u="none" strike="noStrike" kern="0" cap="none" spc="0" normalizeH="0" baseline="0" noProof="0" dirty="0">
-                <a:ln>
-                  <a:noFill/>
-                </a:ln>
-                <a:solidFill>
-                  <a:sysClr val="windowText" lastClr="000000"/>
-                </a:solidFill>
-                <a:effectLst/>
-                <a:uLnTx/>
-                <a:uFillTx/>
-              </a:rPr>
-              <a:t>优秀</a:t>
-            </a:r>
-            <a:r>
-              <a:rPr kumimoji="0" lang="en-US" altLang="zh-CN" sz="100" b="0" i="0" u="none" strike="noStrike" kern="0" cap="none" spc="0" normalizeH="0" baseline="0" noProof="0" dirty="0">
-                <a:ln>
-                  <a:noFill/>
-                </a:ln>
-                <a:solidFill>
-                  <a:sysClr val="windowText" lastClr="000000"/>
-                </a:solidFill>
-                <a:effectLst/>
-                <a:uLnTx/>
-                <a:uFillTx/>
-              </a:rPr>
-              <a:t>PPT</a:t>
-            </a:r>
-            <a:r>
-              <a:rPr kumimoji="0" lang="zh-CN" altLang="en-US" sz="100" b="0" i="0" u="none" strike="noStrike" kern="0" cap="none" spc="0" normalizeH="0" baseline="0" noProof="0" dirty="0">
-                <a:ln>
-                  <a:noFill/>
-                </a:ln>
-                <a:solidFill>
-                  <a:sysClr val="windowText" lastClr="000000"/>
-                </a:solidFill>
-                <a:effectLst/>
-                <a:uLnTx/>
-                <a:uFillTx/>
-              </a:rPr>
-              <a:t>下载：</a:t>
-            </a:r>
-            <a:r>
-              <a:rPr kumimoji="0" lang="en-US" altLang="zh-CN" sz="100" b="0" i="0" u="none" strike="noStrike" kern="0" cap="none" spc="0" normalizeH="0" baseline="0" noProof="0" dirty="0">
-                <a:ln>
-                  <a:noFill/>
-                </a:ln>
-                <a:solidFill>
-                  <a:sysClr val="windowText" lastClr="000000"/>
-                </a:solidFill>
-                <a:effectLst/>
-                <a:uLnTx/>
-                <a:uFillTx/>
-              </a:rPr>
-              <a:t>www.1ppt.com/xiazai/        PPT</a:t>
-            </a:r>
-            <a:r>
-              <a:rPr kumimoji="0" lang="zh-CN" altLang="en-US" sz="100" b="0" i="0" u="none" strike="noStrike" kern="0" cap="none" spc="0" normalizeH="0" baseline="0" noProof="0" dirty="0">
-                <a:ln>
-                  <a:noFill/>
-                </a:ln>
-                <a:solidFill>
-                  <a:sysClr val="windowText" lastClr="000000"/>
-                </a:solidFill>
-                <a:effectLst/>
-                <a:uLnTx/>
-                <a:uFillTx/>
-              </a:rPr>
-              <a:t>教程： </a:t>
-            </a:r>
-            <a:r>
-              <a:rPr kumimoji="0" lang="en-US" altLang="zh-CN" sz="100" b="0" i="0" u="none" strike="noStrike" kern="0" cap="none" spc="0" normalizeH="0" baseline="0" noProof="0" dirty="0">
-                <a:ln>
-                  <a:noFill/>
-                </a:ln>
-                <a:solidFill>
-                  <a:sysClr val="windowText" lastClr="000000"/>
-                </a:solidFill>
-                <a:effectLst/>
-                <a:uLnTx/>
-                <a:uFillTx/>
-              </a:rPr>
-              <a:t>www.1ppt.com/powerpoint/      </a:t>
-            </a:r>
-            <a:endParaRPr kumimoji="0" lang="en-US" altLang="zh-CN" sz="100" b="0" i="0" u="none" strike="noStrike" kern="0" cap="none" spc="0" normalizeH="0" baseline="0" noProof="0" dirty="0">
-              <a:ln>
-                <a:noFill/>
-              </a:ln>
-              <a:solidFill>
-                <a:sysClr val="windowText" lastClr="000000"/>
-              </a:solidFill>
-              <a:effectLst/>
-              <a:uLnTx/>
-              <a:uFillTx/>
-            </a:endParaRPr>
-          </a:p>
-          <a:p>
-            <a:pPr marL="0" marR="0" lvl="0" indent="0" defTabSz="914400" eaLnBrk="1" fontAlgn="auto" latinLnBrk="0" hangingPunct="1">
-              <a:lnSpc>
-                <a:spcPct val="100000"/>
-              </a:lnSpc>
-              <a:spcBef>
-                <a:spcPts val="0"/>
-              </a:spcBef>
-              <a:spcAft>
-                <a:spcPts val="0"/>
-              </a:spcAft>
-              <a:buClrTx/>
-              <a:buSzTx/>
-              <a:buFontTx/>
-              <a:buNone/>
-              <a:defRPr/>
-            </a:pPr>
-            <a:r>
-              <a:rPr kumimoji="0" lang="en-US" altLang="zh-CN" sz="100" b="0" i="0" u="none" strike="noStrike" kern="0" cap="none" spc="0" normalizeH="0" baseline="0" noProof="0" dirty="0">
-                <a:ln>
-                  <a:noFill/>
-                </a:ln>
-                <a:solidFill>
-                  <a:sysClr val="windowText" lastClr="000000"/>
-                </a:solidFill>
-                <a:effectLst/>
-                <a:uLnTx/>
-                <a:uFillTx/>
-              </a:rPr>
-              <a:t>Word</a:t>
-            </a:r>
-            <a:r>
-              <a:rPr kumimoji="0" lang="zh-CN" altLang="en-US" sz="100" b="0" i="0" u="none" strike="noStrike" kern="0" cap="none" spc="0" normalizeH="0" baseline="0" noProof="0" dirty="0">
-                <a:ln>
-                  <a:noFill/>
-                </a:ln>
-                <a:solidFill>
-                  <a:sysClr val="windowText" lastClr="000000"/>
-                </a:solidFill>
-                <a:effectLst/>
-                <a:uLnTx/>
-                <a:uFillTx/>
-              </a:rPr>
-              <a:t>教程： </a:t>
-            </a:r>
-            <a:r>
-              <a:rPr kumimoji="0" lang="en-US" altLang="zh-CN" sz="100" b="0" i="0" u="none" strike="noStrike" kern="0" cap="none" spc="0" normalizeH="0" baseline="0" noProof="0" dirty="0">
-                <a:ln>
-                  <a:noFill/>
-                </a:ln>
-                <a:solidFill>
-                  <a:sysClr val="windowText" lastClr="000000"/>
-                </a:solidFill>
-                <a:effectLst/>
-                <a:uLnTx/>
-                <a:uFillTx/>
-              </a:rPr>
-              <a:t>www.1ppt.com/word/              Excel</a:t>
-            </a:r>
-            <a:r>
-              <a:rPr kumimoji="0" lang="zh-CN" altLang="en-US" sz="100" b="0" i="0" u="none" strike="noStrike" kern="0" cap="none" spc="0" normalizeH="0" baseline="0" noProof="0" dirty="0">
-                <a:ln>
-                  <a:noFill/>
-                </a:ln>
-                <a:solidFill>
-                  <a:sysClr val="windowText" lastClr="000000"/>
-                </a:solidFill>
-                <a:effectLst/>
-                <a:uLnTx/>
-                <a:uFillTx/>
-              </a:rPr>
-              <a:t>教程：</a:t>
-            </a:r>
-            <a:r>
-              <a:rPr kumimoji="0" lang="en-US" altLang="zh-CN" sz="100" b="0" i="0" u="none" strike="noStrike" kern="0" cap="none" spc="0" normalizeH="0" baseline="0" noProof="0" dirty="0">
-                <a:ln>
-                  <a:noFill/>
-                </a:ln>
-                <a:solidFill>
-                  <a:sysClr val="windowText" lastClr="000000"/>
-                </a:solidFill>
-                <a:effectLst/>
-                <a:uLnTx/>
-                <a:uFillTx/>
-              </a:rPr>
-              <a:t>www.1ppt.com/excel/  </a:t>
-            </a:r>
-            <a:endParaRPr kumimoji="0" lang="en-US" altLang="zh-CN" sz="100" b="0" i="0" u="none" strike="noStrike" kern="0" cap="none" spc="0" normalizeH="0" baseline="0" noProof="0" dirty="0">
-              <a:ln>
-                <a:noFill/>
-              </a:ln>
-              <a:solidFill>
-                <a:sysClr val="windowText" lastClr="000000"/>
-              </a:solidFill>
-              <a:effectLst/>
-              <a:uLnTx/>
-              <a:uFillTx/>
-            </a:endParaRPr>
-          </a:p>
-          <a:p>
-            <a:pPr marL="0" marR="0" lvl="0" indent="0" defTabSz="914400" eaLnBrk="1" fontAlgn="auto" latinLnBrk="0" hangingPunct="1">
-              <a:lnSpc>
-                <a:spcPct val="100000"/>
-              </a:lnSpc>
-              <a:spcBef>
-                <a:spcPts val="0"/>
-              </a:spcBef>
-              <a:spcAft>
-                <a:spcPts val="0"/>
-              </a:spcAft>
-              <a:buClrTx/>
-              <a:buSzTx/>
-              <a:buFontTx/>
-              <a:buNone/>
-              <a:defRPr/>
-            </a:pPr>
-            <a:r>
-              <a:rPr kumimoji="0" lang="zh-CN" altLang="en-US" sz="100" b="0" i="0" u="none" strike="noStrike" kern="0" cap="none" spc="0" normalizeH="0" baseline="0" noProof="0" dirty="0">
-                <a:ln>
-                  <a:noFill/>
-                </a:ln>
-                <a:solidFill>
-                  <a:sysClr val="windowText" lastClr="000000"/>
-                </a:solidFill>
-                <a:effectLst/>
-                <a:uLnTx/>
-                <a:uFillTx/>
-              </a:rPr>
-              <a:t>资料下载：</a:t>
-            </a:r>
-            <a:r>
-              <a:rPr kumimoji="0" lang="en-US" altLang="zh-CN" sz="100" b="0" i="0" u="none" strike="noStrike" kern="0" cap="none" spc="0" normalizeH="0" baseline="0" noProof="0" dirty="0">
-                <a:ln>
-                  <a:noFill/>
-                </a:ln>
-                <a:solidFill>
-                  <a:sysClr val="windowText" lastClr="000000"/>
-                </a:solidFill>
-                <a:effectLst/>
-                <a:uLnTx/>
-                <a:uFillTx/>
-              </a:rPr>
-              <a:t>www.1ppt.com/ziliao/                PPT</a:t>
-            </a:r>
-            <a:r>
-              <a:rPr kumimoji="0" lang="zh-CN" altLang="en-US" sz="100" b="0" i="0" u="none" strike="noStrike" kern="0" cap="none" spc="0" normalizeH="0" baseline="0" noProof="0" dirty="0">
-                <a:ln>
-                  <a:noFill/>
-                </a:ln>
-                <a:solidFill>
-                  <a:sysClr val="windowText" lastClr="000000"/>
-                </a:solidFill>
-                <a:effectLst/>
-                <a:uLnTx/>
-                <a:uFillTx/>
-              </a:rPr>
-              <a:t>课件下载：</a:t>
-            </a:r>
-            <a:r>
-              <a:rPr kumimoji="0" lang="en-US" altLang="zh-CN" sz="100" b="0" i="0" u="none" strike="noStrike" kern="0" cap="none" spc="0" normalizeH="0" baseline="0" noProof="0" dirty="0">
-                <a:ln>
-                  <a:noFill/>
-                </a:ln>
-                <a:solidFill>
-                  <a:sysClr val="windowText" lastClr="000000"/>
-                </a:solidFill>
-                <a:effectLst/>
-                <a:uLnTx/>
-                <a:uFillTx/>
-              </a:rPr>
-              <a:t>www.1ppt.com/kejian/ </a:t>
-            </a:r>
-            <a:endParaRPr kumimoji="0" lang="en-US" altLang="zh-CN" sz="100" b="0" i="0" u="none" strike="noStrike" kern="0" cap="none" spc="0" normalizeH="0" baseline="0" noProof="0" dirty="0">
-              <a:ln>
-                <a:noFill/>
-              </a:ln>
-              <a:solidFill>
-                <a:sysClr val="windowText" lastClr="000000"/>
-              </a:solidFill>
-              <a:effectLst/>
-              <a:uLnTx/>
-              <a:uFillTx/>
-            </a:endParaRPr>
-          </a:p>
-          <a:p>
-            <a:pPr marL="0" marR="0" lvl="0" indent="0" defTabSz="914400" eaLnBrk="1" fontAlgn="auto" latinLnBrk="0" hangingPunct="1">
-              <a:lnSpc>
-                <a:spcPct val="100000"/>
-              </a:lnSpc>
-              <a:spcBef>
-                <a:spcPts val="0"/>
-              </a:spcBef>
-              <a:spcAft>
-                <a:spcPts val="0"/>
-              </a:spcAft>
-              <a:buClrTx/>
-              <a:buSzTx/>
-              <a:buFontTx/>
-              <a:buNone/>
-              <a:defRPr/>
-            </a:pPr>
-            <a:r>
-              <a:rPr kumimoji="0" lang="zh-CN" altLang="en-US" sz="100" b="0" i="0" u="none" strike="noStrike" kern="0" cap="none" spc="0" normalizeH="0" baseline="0" noProof="0" dirty="0">
-                <a:ln>
-                  <a:noFill/>
-                </a:ln>
-                <a:solidFill>
-                  <a:sysClr val="windowText" lastClr="000000"/>
-                </a:solidFill>
-                <a:effectLst/>
-                <a:uLnTx/>
-                <a:uFillTx/>
-              </a:rPr>
-              <a:t>范文下载：</a:t>
-            </a:r>
-            <a:r>
-              <a:rPr kumimoji="0" lang="en-US" altLang="zh-CN" sz="100" b="0" i="0" u="none" strike="noStrike" kern="0" cap="none" spc="0" normalizeH="0" baseline="0" noProof="0" dirty="0">
-                <a:ln>
-                  <a:noFill/>
-                </a:ln>
-                <a:solidFill>
-                  <a:sysClr val="windowText" lastClr="000000"/>
-                </a:solidFill>
-                <a:effectLst/>
-                <a:uLnTx/>
-                <a:uFillTx/>
-              </a:rPr>
-              <a:t>www.1ppt.com/fanwen/             </a:t>
-            </a:r>
-            <a:r>
-              <a:rPr kumimoji="0" lang="zh-CN" altLang="en-US" sz="100" b="0" i="0" u="none" strike="noStrike" kern="0" cap="none" spc="0" normalizeH="0" baseline="0" noProof="0" dirty="0">
-                <a:ln>
-                  <a:noFill/>
-                </a:ln>
-                <a:solidFill>
-                  <a:sysClr val="windowText" lastClr="000000"/>
-                </a:solidFill>
-                <a:effectLst/>
-                <a:uLnTx/>
-                <a:uFillTx/>
-              </a:rPr>
-              <a:t>试卷下载：</a:t>
-            </a:r>
-            <a:r>
-              <a:rPr kumimoji="0" lang="en-US" altLang="zh-CN" sz="100" b="0" i="0" u="none" strike="noStrike" kern="0" cap="none" spc="0" normalizeH="0" baseline="0" noProof="0" dirty="0">
-                <a:ln>
-                  <a:noFill/>
-                </a:ln>
-                <a:solidFill>
-                  <a:sysClr val="windowText" lastClr="000000"/>
-                </a:solidFill>
-                <a:effectLst/>
-                <a:uLnTx/>
-                <a:uFillTx/>
-              </a:rPr>
-              <a:t>www.1ppt.com/shiti/  </a:t>
-            </a:r>
-            <a:endParaRPr kumimoji="0" lang="en-US" altLang="zh-CN" sz="100" b="0" i="0" u="none" strike="noStrike" kern="0" cap="none" spc="0" normalizeH="0" baseline="0" noProof="0" dirty="0">
-              <a:ln>
-                <a:noFill/>
-              </a:ln>
-              <a:solidFill>
-                <a:sysClr val="windowText" lastClr="000000"/>
-              </a:solidFill>
-              <a:effectLst/>
-              <a:uLnTx/>
-              <a:uFillTx/>
-            </a:endParaRPr>
-          </a:p>
-          <a:p>
-            <a:pPr marL="0" marR="0" lvl="0" indent="0" defTabSz="914400" eaLnBrk="1" fontAlgn="auto" latinLnBrk="0" hangingPunct="1">
-              <a:lnSpc>
-                <a:spcPct val="100000"/>
-              </a:lnSpc>
-              <a:spcBef>
-                <a:spcPts val="0"/>
-              </a:spcBef>
-              <a:spcAft>
-                <a:spcPts val="0"/>
-              </a:spcAft>
-              <a:buClrTx/>
-              <a:buSzTx/>
-              <a:buFontTx/>
-              <a:buNone/>
-              <a:defRPr/>
-            </a:pPr>
-            <a:r>
-              <a:rPr kumimoji="0" lang="zh-CN" altLang="en-US" sz="100" b="0" i="0" u="none" strike="noStrike" kern="0" cap="none" spc="0" normalizeH="0" baseline="0" noProof="0" dirty="0">
-                <a:ln>
-                  <a:noFill/>
-                </a:ln>
-                <a:solidFill>
-                  <a:sysClr val="windowText" lastClr="000000"/>
-                </a:solidFill>
-                <a:effectLst/>
-                <a:uLnTx/>
-                <a:uFillTx/>
-              </a:rPr>
-              <a:t>教案下载：</a:t>
-            </a:r>
-            <a:r>
-              <a:rPr kumimoji="0" lang="en-US" altLang="zh-CN" sz="100" b="0" i="0" u="none" strike="noStrike" kern="0" cap="none" spc="0" normalizeH="0" baseline="0" noProof="0" dirty="0">
-                <a:ln>
-                  <a:noFill/>
-                </a:ln>
-                <a:solidFill>
-                  <a:sysClr val="windowText" lastClr="000000"/>
-                </a:solidFill>
-                <a:effectLst/>
-                <a:uLnTx/>
-                <a:uFillTx/>
-              </a:rPr>
-              <a:t>www.1ppt.com/jiaoan/  </a:t>
-            </a:r>
-            <a:endParaRPr kumimoji="0" lang="en-US" altLang="zh-CN" sz="100" b="0" i="0" u="none" strike="noStrike" kern="0" cap="none" spc="0" normalizeH="0" baseline="0" noProof="0" dirty="0">
-              <a:ln>
-                <a:noFill/>
-              </a:ln>
-              <a:solidFill>
-                <a:sysClr val="windowText" lastClr="000000"/>
-              </a:solidFill>
-              <a:effectLst/>
-              <a:uLnTx/>
-              <a:uFillTx/>
-            </a:endParaRPr>
-          </a:p>
-          <a:p>
-            <a:pPr marL="0" marR="0" lvl="0" indent="0" defTabSz="914400" eaLnBrk="1" fontAlgn="auto" latinLnBrk="0" hangingPunct="1">
-              <a:lnSpc>
-                <a:spcPct val="100000"/>
-              </a:lnSpc>
-              <a:spcBef>
-                <a:spcPts val="0"/>
-              </a:spcBef>
-              <a:spcAft>
-                <a:spcPts val="0"/>
-              </a:spcAft>
-              <a:buClrTx/>
-              <a:buSzTx/>
-              <a:buFontTx/>
-              <a:buNone/>
-              <a:defRPr/>
-            </a:pPr>
-            <a:r>
-              <a:rPr kumimoji="0" lang="en-US" altLang="zh-CN" sz="100" b="0" i="0" u="none" strike="noStrike" kern="0" cap="none" spc="0" normalizeH="0" baseline="0" noProof="0" dirty="0">
-                <a:ln>
-                  <a:noFill/>
-                </a:ln>
-                <a:solidFill>
-                  <a:sysClr val="windowText" lastClr="000000"/>
-                </a:solidFill>
-                <a:effectLst/>
-                <a:uLnTx/>
-                <a:uFillTx/>
-              </a:rPr>
-              <a:t> </a:t>
-            </a:r>
-            <a:endParaRPr kumimoji="0" lang="zh-CN" altLang="en-US" sz="100" b="0" i="0" u="none" strike="noStrike" kern="0" cap="none" spc="0" normalizeH="0" baseline="0" noProof="0" dirty="0">
-              <a:ln>
-                <a:noFill/>
-              </a:ln>
-              <a:solidFill>
-                <a:sysClr val="windowText" lastClr="000000"/>
-              </a:solidFill>
-              <a:effectLst/>
-              <a:uLnTx/>
-              <a:uFillTx/>
             </a:endParaRPr>
           </a:p>
         </p:txBody>

--- a/Document/中国风ppt模板-中医营养.pptx
+++ b/Document/中国风ppt模板-中医营养.pptx
@@ -7,14 +7,16 @@
   <p:sldIdLst>
     <p:sldId id="256" r:id="rId3"/>
     <p:sldId id="265" r:id="rId4"/>
-    <p:sldId id="257" r:id="rId5"/>
-    <p:sldId id="258" r:id="rId6"/>
-    <p:sldId id="259" r:id="rId7"/>
-    <p:sldId id="267" r:id="rId8"/>
-    <p:sldId id="260" r:id="rId9"/>
-    <p:sldId id="261" r:id="rId10"/>
-    <p:sldId id="263" r:id="rId11"/>
-    <p:sldId id="262" r:id="rId12"/>
+    <p:sldId id="274" r:id="rId5"/>
+    <p:sldId id="257" r:id="rId6"/>
+    <p:sldId id="258" r:id="rId7"/>
+    <p:sldId id="275" r:id="rId8"/>
+    <p:sldId id="259" r:id="rId9"/>
+    <p:sldId id="267" r:id="rId10"/>
+    <p:sldId id="260" r:id="rId11"/>
+    <p:sldId id="261" r:id="rId12"/>
+    <p:sldId id="263" r:id="rId13"/>
+    <p:sldId id="262" r:id="rId14"/>
   </p:sldIdLst>
   <p:sldSz cx="9144000" cy="5143500" type="screen16x9"/>
   <p:notesSz cx="6858000" cy="9144000"/>
@@ -3348,7 +3350,7 @@
                 <a:latin typeface="方正粗活意简体" pitchFamily="65" charset="-122"/>
                 <a:ea typeface="方正粗活意简体" pitchFamily="65" charset="-122"/>
               </a:rPr>
-              <a:t>中医养生治胃病</a:t>
+              <a:t>中医养生治未病</a:t>
             </a:r>
             <a:endParaRPr lang="zh-CN" altLang="en-US" sz="6000" b="1" dirty="0">
               <a:ln w="22225">
@@ -3399,7 +3401,6 @@
             <a:pPr algn="r"/>
             <a:r>
               <a:rPr lang="zh-CN" altLang="en-US" sz="2000" dirty="0">
-                <a:ln/>
                 <a:solidFill>
                   <a:schemeClr val="tx1"/>
                 </a:solidFill>
@@ -3414,7 +3415,6 @@
               <a:t>赵娣</a:t>
             </a:r>
             <a:endParaRPr lang="zh-CN" altLang="en-US" sz="2000" dirty="0">
-              <a:ln/>
               <a:solidFill>
                 <a:schemeClr val="tx1"/>
               </a:solidFill>
@@ -3489,6 +3489,1783 @@
 </file>
 
 <file path=ppt/slides/slide10.xml><?xml version="1.0" encoding="utf-8"?>
+<p:sld xmlns:a="http://schemas.openxmlformats.org/drawingml/2006/main" xmlns:r="http://schemas.openxmlformats.org/officeDocument/2006/relationships" xmlns:p="http://schemas.openxmlformats.org/presentationml/2006/main">
+  <p:cSld>
+    <p:spTree>
+      <p:nvGrpSpPr>
+        <p:cNvPr id="1" name=""/>
+        <p:cNvGrpSpPr/>
+        <p:nvPr/>
+      </p:nvGrpSpPr>
+      <p:grpSpPr>
+        <a:xfrm>
+          <a:off x="0" y="0"/>
+          <a:ext cx="0" cy="0"/>
+          <a:chOff x="0" y="0"/>
+          <a:chExt cx="0" cy="0"/>
+        </a:xfrm>
+      </p:grpSpPr>
+      <p:sp>
+        <p:nvSpPr>
+          <p:cNvPr id="3" name="标题 2"/>
+          <p:cNvSpPr>
+            <a:spLocks noGrp="1"/>
+          </p:cNvSpPr>
+          <p:nvPr>
+            <p:ph type="title"/>
+          </p:nvPr>
+        </p:nvSpPr>
+        <p:spPr/>
+        <p:txBody>
+          <a:bodyPr/>
+          <a:lstStyle/>
+          <a:p>
+            <a:r>
+              <a:rPr lang="zh-CN" altLang="en-US" dirty="0" smtClean="0"/>
+              <a:t>结束语</a:t>
+            </a:r>
+            <a:endParaRPr lang="zh-CN" altLang="en-US" dirty="0"/>
+          </a:p>
+        </p:txBody>
+      </p:sp>
+      <p:pic>
+        <p:nvPicPr>
+          <p:cNvPr id="5" name="Picture 3" descr="E:\我的PPT库\PPT图标库\2000种网站或论坛PNG图片图标\png-1835.png"/>
+          <p:cNvPicPr>
+            <a:picLocks noChangeAspect="1" noChangeArrowheads="1"/>
+          </p:cNvPicPr>
+          <p:nvPr/>
+        </p:nvPicPr>
+        <p:blipFill>
+          <a:blip r:embed="rId1">
+            <a:extLst>
+              <a:ext uri="{28A0092B-C50C-407E-A947-70E740481C1C}">
+                <a14:useLocalDpi xmlns:a14="http://schemas.microsoft.com/office/drawing/2010/main" val="0"/>
+              </a:ext>
+            </a:extLst>
+          </a:blip>
+          <a:srcRect/>
+          <a:stretch>
+            <a:fillRect/>
+          </a:stretch>
+        </p:blipFill>
+        <p:spPr bwMode="auto">
+          <a:xfrm>
+            <a:off x="7740352" y="3723878"/>
+            <a:ext cx="1080120" cy="1080120"/>
+          </a:xfrm>
+          <a:prstGeom prst="rect">
+            <a:avLst/>
+          </a:prstGeom>
+          <a:noFill/>
+          <a:extLst>
+            <a:ext uri="{909E8E84-426E-40DD-AFC4-6F175D3DCCD1}">
+              <a14:hiddenFill xmlns:a14="http://schemas.microsoft.com/office/drawing/2010/main">
+                <a:solidFill>
+                  <a:srgbClr val="FFFFFF"/>
+                </a:solidFill>
+              </a14:hiddenFill>
+            </a:ext>
+          </a:extLst>
+        </p:spPr>
+      </p:pic>
+      <p:grpSp>
+        <p:nvGrpSpPr>
+          <p:cNvPr id="4" name="组合 3"/>
+          <p:cNvGrpSpPr/>
+          <p:nvPr/>
+        </p:nvGrpSpPr>
+        <p:grpSpPr>
+          <a:xfrm>
+            <a:off x="668146" y="1465058"/>
+            <a:ext cx="7072206" cy="3078518"/>
+            <a:chOff x="539552" y="1740456"/>
+            <a:chExt cx="7344816" cy="4191000"/>
+          </a:xfrm>
+        </p:grpSpPr>
+        <p:grpSp>
+          <p:nvGrpSpPr>
+            <p:cNvPr id="27" name="组合 26"/>
+            <p:cNvGrpSpPr/>
+            <p:nvPr/>
+          </p:nvGrpSpPr>
+          <p:grpSpPr>
+            <a:xfrm>
+              <a:off x="736600" y="1740456"/>
+              <a:ext cx="6959600" cy="4191000"/>
+              <a:chOff x="952500" y="1295400"/>
+              <a:chExt cx="6959600" cy="4191000"/>
+            </a:xfrm>
+          </p:grpSpPr>
+          <p:cxnSp>
+            <p:nvCxnSpPr>
+              <p:cNvPr id="28" name="直接连接符​​ 11"/>
+              <p:cNvCxnSpPr/>
+              <p:nvPr/>
+            </p:nvCxnSpPr>
+            <p:spPr>
+              <a:xfrm>
+                <a:off x="7366000" y="1295400"/>
+                <a:ext cx="0" cy="4191000"/>
+              </a:xfrm>
+              <a:prstGeom prst="line">
+                <a:avLst/>
+              </a:prstGeom>
+              <a:ln>
+                <a:solidFill>
+                  <a:srgbClr val="B69F7F"/>
+                </a:solidFill>
+              </a:ln>
+            </p:spPr>
+            <p:style>
+              <a:lnRef idx="1">
+                <a:schemeClr val="accent2"/>
+              </a:lnRef>
+              <a:fillRef idx="0">
+                <a:schemeClr val="accent2"/>
+              </a:fillRef>
+              <a:effectRef idx="0">
+                <a:schemeClr val="accent2"/>
+              </a:effectRef>
+              <a:fontRef idx="minor">
+                <a:schemeClr val="tx1"/>
+              </a:fontRef>
+            </p:style>
+          </p:cxnSp>
+          <p:cxnSp>
+            <p:nvCxnSpPr>
+              <p:cNvPr id="29" name="直接连接符​​ 12"/>
+              <p:cNvCxnSpPr/>
+              <p:nvPr/>
+            </p:nvCxnSpPr>
+            <p:spPr>
+              <a:xfrm>
+                <a:off x="6794500" y="1295400"/>
+                <a:ext cx="0" cy="4191000"/>
+              </a:xfrm>
+              <a:prstGeom prst="line">
+                <a:avLst/>
+              </a:prstGeom>
+              <a:ln>
+                <a:solidFill>
+                  <a:srgbClr val="B69F7F"/>
+                </a:solidFill>
+              </a:ln>
+            </p:spPr>
+            <p:style>
+              <a:lnRef idx="1">
+                <a:schemeClr val="accent2"/>
+              </a:lnRef>
+              <a:fillRef idx="0">
+                <a:schemeClr val="accent2"/>
+              </a:fillRef>
+              <a:effectRef idx="0">
+                <a:schemeClr val="accent2"/>
+              </a:effectRef>
+              <a:fontRef idx="minor">
+                <a:schemeClr val="tx1"/>
+              </a:fontRef>
+            </p:style>
+          </p:cxnSp>
+          <p:cxnSp>
+            <p:nvCxnSpPr>
+              <p:cNvPr id="30" name="直接连接符​​ 13"/>
+              <p:cNvCxnSpPr/>
+              <p:nvPr/>
+            </p:nvCxnSpPr>
+            <p:spPr>
+              <a:xfrm>
+                <a:off x="5626100" y="1295400"/>
+                <a:ext cx="0" cy="4191000"/>
+              </a:xfrm>
+              <a:prstGeom prst="line">
+                <a:avLst/>
+              </a:prstGeom>
+              <a:ln>
+                <a:solidFill>
+                  <a:srgbClr val="B69F7F"/>
+                </a:solidFill>
+              </a:ln>
+            </p:spPr>
+            <p:style>
+              <a:lnRef idx="1">
+                <a:schemeClr val="accent2"/>
+              </a:lnRef>
+              <a:fillRef idx="0">
+                <a:schemeClr val="accent2"/>
+              </a:fillRef>
+              <a:effectRef idx="0">
+                <a:schemeClr val="accent2"/>
+              </a:effectRef>
+              <a:fontRef idx="minor">
+                <a:schemeClr val="tx1"/>
+              </a:fontRef>
+            </p:style>
+          </p:cxnSp>
+          <p:cxnSp>
+            <p:nvCxnSpPr>
+              <p:cNvPr id="31" name="直接连接符​​ 14"/>
+              <p:cNvCxnSpPr/>
+              <p:nvPr/>
+            </p:nvCxnSpPr>
+            <p:spPr>
+              <a:xfrm>
+                <a:off x="6210300" y="1295400"/>
+                <a:ext cx="0" cy="4191000"/>
+              </a:xfrm>
+              <a:prstGeom prst="line">
+                <a:avLst/>
+              </a:prstGeom>
+              <a:ln>
+                <a:solidFill>
+                  <a:srgbClr val="B69F7F"/>
+                </a:solidFill>
+              </a:ln>
+            </p:spPr>
+            <p:style>
+              <a:lnRef idx="1">
+                <a:schemeClr val="accent2"/>
+              </a:lnRef>
+              <a:fillRef idx="0">
+                <a:schemeClr val="accent2"/>
+              </a:fillRef>
+              <a:effectRef idx="0">
+                <a:schemeClr val="accent2"/>
+              </a:effectRef>
+              <a:fontRef idx="minor">
+                <a:schemeClr val="tx1"/>
+              </a:fontRef>
+            </p:style>
+          </p:cxnSp>
+          <p:cxnSp>
+            <p:nvCxnSpPr>
+              <p:cNvPr id="32" name="直接连接符​​ 15"/>
+              <p:cNvCxnSpPr/>
+              <p:nvPr/>
+            </p:nvCxnSpPr>
+            <p:spPr>
+              <a:xfrm>
+                <a:off x="4457700" y="1295400"/>
+                <a:ext cx="0" cy="4191000"/>
+              </a:xfrm>
+              <a:prstGeom prst="line">
+                <a:avLst/>
+              </a:prstGeom>
+              <a:ln>
+                <a:solidFill>
+                  <a:srgbClr val="B69F7F"/>
+                </a:solidFill>
+              </a:ln>
+            </p:spPr>
+            <p:style>
+              <a:lnRef idx="1">
+                <a:schemeClr val="accent2"/>
+              </a:lnRef>
+              <a:fillRef idx="0">
+                <a:schemeClr val="accent2"/>
+              </a:fillRef>
+              <a:effectRef idx="0">
+                <a:schemeClr val="accent2"/>
+              </a:effectRef>
+              <a:fontRef idx="minor">
+                <a:schemeClr val="tx1"/>
+              </a:fontRef>
+            </p:style>
+          </p:cxnSp>
+          <p:cxnSp>
+            <p:nvCxnSpPr>
+              <p:cNvPr id="33" name="直接连接符​​ 16"/>
+              <p:cNvCxnSpPr/>
+              <p:nvPr/>
+            </p:nvCxnSpPr>
+            <p:spPr>
+              <a:xfrm>
+                <a:off x="5041900" y="1295400"/>
+                <a:ext cx="0" cy="4191000"/>
+              </a:xfrm>
+              <a:prstGeom prst="line">
+                <a:avLst/>
+              </a:prstGeom>
+              <a:ln>
+                <a:solidFill>
+                  <a:srgbClr val="B69F7F"/>
+                </a:solidFill>
+              </a:ln>
+            </p:spPr>
+            <p:style>
+              <a:lnRef idx="1">
+                <a:schemeClr val="accent2"/>
+              </a:lnRef>
+              <a:fillRef idx="0">
+                <a:schemeClr val="accent2"/>
+              </a:fillRef>
+              <a:effectRef idx="0">
+                <a:schemeClr val="accent2"/>
+              </a:effectRef>
+              <a:fontRef idx="minor">
+                <a:schemeClr val="tx1"/>
+              </a:fontRef>
+            </p:style>
+          </p:cxnSp>
+          <p:cxnSp>
+            <p:nvCxnSpPr>
+              <p:cNvPr id="34" name="直接连接符​​ 17"/>
+              <p:cNvCxnSpPr/>
+              <p:nvPr/>
+            </p:nvCxnSpPr>
+            <p:spPr>
+              <a:xfrm>
+                <a:off x="3289300" y="1295400"/>
+                <a:ext cx="0" cy="4191000"/>
+              </a:xfrm>
+              <a:prstGeom prst="line">
+                <a:avLst/>
+              </a:prstGeom>
+              <a:ln>
+                <a:solidFill>
+                  <a:srgbClr val="B69F7F"/>
+                </a:solidFill>
+              </a:ln>
+            </p:spPr>
+            <p:style>
+              <a:lnRef idx="1">
+                <a:schemeClr val="accent2"/>
+              </a:lnRef>
+              <a:fillRef idx="0">
+                <a:schemeClr val="accent2"/>
+              </a:fillRef>
+              <a:effectRef idx="0">
+                <a:schemeClr val="accent2"/>
+              </a:effectRef>
+              <a:fontRef idx="minor">
+                <a:schemeClr val="tx1"/>
+              </a:fontRef>
+            </p:style>
+          </p:cxnSp>
+          <p:cxnSp>
+            <p:nvCxnSpPr>
+              <p:cNvPr id="35" name="直接连接符​​ 18"/>
+              <p:cNvCxnSpPr/>
+              <p:nvPr/>
+            </p:nvCxnSpPr>
+            <p:spPr>
+              <a:xfrm>
+                <a:off x="3873500" y="1295400"/>
+                <a:ext cx="0" cy="4191000"/>
+              </a:xfrm>
+              <a:prstGeom prst="line">
+                <a:avLst/>
+              </a:prstGeom>
+              <a:ln>
+                <a:solidFill>
+                  <a:srgbClr val="B69F7F"/>
+                </a:solidFill>
+              </a:ln>
+            </p:spPr>
+            <p:style>
+              <a:lnRef idx="1">
+                <a:schemeClr val="accent2"/>
+              </a:lnRef>
+              <a:fillRef idx="0">
+                <a:schemeClr val="accent2"/>
+              </a:fillRef>
+              <a:effectRef idx="0">
+                <a:schemeClr val="accent2"/>
+              </a:effectRef>
+              <a:fontRef idx="minor">
+                <a:schemeClr val="tx1"/>
+              </a:fontRef>
+            </p:style>
+          </p:cxnSp>
+          <p:cxnSp>
+            <p:nvCxnSpPr>
+              <p:cNvPr id="36" name="直接连接符​​ 19"/>
+              <p:cNvCxnSpPr/>
+              <p:nvPr/>
+            </p:nvCxnSpPr>
+            <p:spPr>
+              <a:xfrm>
+                <a:off x="2120900" y="1295400"/>
+                <a:ext cx="0" cy="4191000"/>
+              </a:xfrm>
+              <a:prstGeom prst="line">
+                <a:avLst/>
+              </a:prstGeom>
+              <a:ln>
+                <a:solidFill>
+                  <a:srgbClr val="B69F7F"/>
+                </a:solidFill>
+              </a:ln>
+            </p:spPr>
+            <p:style>
+              <a:lnRef idx="1">
+                <a:schemeClr val="accent2"/>
+              </a:lnRef>
+              <a:fillRef idx="0">
+                <a:schemeClr val="accent2"/>
+              </a:fillRef>
+              <a:effectRef idx="0">
+                <a:schemeClr val="accent2"/>
+              </a:effectRef>
+              <a:fontRef idx="minor">
+                <a:schemeClr val="tx1"/>
+              </a:fontRef>
+            </p:style>
+          </p:cxnSp>
+          <p:cxnSp>
+            <p:nvCxnSpPr>
+              <p:cNvPr id="37" name="直接连接符​​ 20"/>
+              <p:cNvCxnSpPr/>
+              <p:nvPr/>
+            </p:nvCxnSpPr>
+            <p:spPr>
+              <a:xfrm>
+                <a:off x="2705100" y="1295400"/>
+                <a:ext cx="0" cy="4191000"/>
+              </a:xfrm>
+              <a:prstGeom prst="line">
+                <a:avLst/>
+              </a:prstGeom>
+              <a:ln>
+                <a:solidFill>
+                  <a:srgbClr val="B69F7F"/>
+                </a:solidFill>
+              </a:ln>
+            </p:spPr>
+            <p:style>
+              <a:lnRef idx="1">
+                <a:schemeClr val="accent2"/>
+              </a:lnRef>
+              <a:fillRef idx="0">
+                <a:schemeClr val="accent2"/>
+              </a:fillRef>
+              <a:effectRef idx="0">
+                <a:schemeClr val="accent2"/>
+              </a:effectRef>
+              <a:fontRef idx="minor">
+                <a:schemeClr val="tx1"/>
+              </a:fontRef>
+            </p:style>
+          </p:cxnSp>
+          <p:cxnSp>
+            <p:nvCxnSpPr>
+              <p:cNvPr id="38" name="直接连接符​​ 21"/>
+              <p:cNvCxnSpPr/>
+              <p:nvPr/>
+            </p:nvCxnSpPr>
+            <p:spPr>
+              <a:xfrm>
+                <a:off x="952500" y="1295400"/>
+                <a:ext cx="0" cy="4191000"/>
+              </a:xfrm>
+              <a:prstGeom prst="line">
+                <a:avLst/>
+              </a:prstGeom>
+              <a:ln>
+                <a:solidFill>
+                  <a:srgbClr val="B69F7F"/>
+                </a:solidFill>
+              </a:ln>
+            </p:spPr>
+            <p:style>
+              <a:lnRef idx="1">
+                <a:schemeClr val="accent2"/>
+              </a:lnRef>
+              <a:fillRef idx="0">
+                <a:schemeClr val="accent2"/>
+              </a:fillRef>
+              <a:effectRef idx="0">
+                <a:schemeClr val="accent2"/>
+              </a:effectRef>
+              <a:fontRef idx="minor">
+                <a:schemeClr val="tx1"/>
+              </a:fontRef>
+            </p:style>
+          </p:cxnSp>
+          <p:cxnSp>
+            <p:nvCxnSpPr>
+              <p:cNvPr id="39" name="直接连接符​​ 22"/>
+              <p:cNvCxnSpPr/>
+              <p:nvPr/>
+            </p:nvCxnSpPr>
+            <p:spPr>
+              <a:xfrm>
+                <a:off x="1536700" y="1295400"/>
+                <a:ext cx="0" cy="4191000"/>
+              </a:xfrm>
+              <a:prstGeom prst="line">
+                <a:avLst/>
+              </a:prstGeom>
+              <a:ln>
+                <a:solidFill>
+                  <a:srgbClr val="B69F7F"/>
+                </a:solidFill>
+              </a:ln>
+            </p:spPr>
+            <p:style>
+              <a:lnRef idx="1">
+                <a:schemeClr val="accent2"/>
+              </a:lnRef>
+              <a:fillRef idx="0">
+                <a:schemeClr val="accent2"/>
+              </a:fillRef>
+              <a:effectRef idx="0">
+                <a:schemeClr val="accent2"/>
+              </a:effectRef>
+              <a:fontRef idx="minor">
+                <a:schemeClr val="tx1"/>
+              </a:fontRef>
+            </p:style>
+          </p:cxnSp>
+          <p:cxnSp>
+            <p:nvCxnSpPr>
+              <p:cNvPr id="40" name="直接连接符​​ 25"/>
+              <p:cNvCxnSpPr/>
+              <p:nvPr/>
+            </p:nvCxnSpPr>
+            <p:spPr>
+              <a:xfrm>
+                <a:off x="7912100" y="1295400"/>
+                <a:ext cx="0" cy="4191000"/>
+              </a:xfrm>
+              <a:prstGeom prst="line">
+                <a:avLst/>
+              </a:prstGeom>
+              <a:ln>
+                <a:solidFill>
+                  <a:srgbClr val="B69F7F"/>
+                </a:solidFill>
+              </a:ln>
+            </p:spPr>
+            <p:style>
+              <a:lnRef idx="1">
+                <a:schemeClr val="accent2"/>
+              </a:lnRef>
+              <a:fillRef idx="0">
+                <a:schemeClr val="accent2"/>
+              </a:fillRef>
+              <a:effectRef idx="0">
+                <a:schemeClr val="accent2"/>
+              </a:effectRef>
+              <a:fontRef idx="minor">
+                <a:schemeClr val="tx1"/>
+              </a:fontRef>
+            </p:style>
+          </p:cxnSp>
+        </p:grpSp>
+        <p:sp>
+          <p:nvSpPr>
+            <p:cNvPr id="41" name="矩形 40"/>
+            <p:cNvSpPr/>
+            <p:nvPr/>
+          </p:nvSpPr>
+          <p:spPr>
+            <a:xfrm>
+              <a:off x="539552" y="1740456"/>
+              <a:ext cx="7344816" cy="4191000"/>
+            </a:xfrm>
+            <a:prstGeom prst="rect">
+              <a:avLst/>
+            </a:prstGeom>
+            <a:noFill/>
+            <a:ln>
+              <a:solidFill>
+                <a:srgbClr val="B69F7F"/>
+              </a:solidFill>
+            </a:ln>
+          </p:spPr>
+          <p:style>
+            <a:lnRef idx="2">
+              <a:schemeClr val="accent1">
+                <a:shade val="50000"/>
+              </a:schemeClr>
+            </a:lnRef>
+            <a:fillRef idx="1">
+              <a:schemeClr val="accent1"/>
+            </a:fillRef>
+            <a:effectRef idx="0">
+              <a:schemeClr val="accent1"/>
+            </a:effectRef>
+            <a:fontRef idx="minor">
+              <a:schemeClr val="lt1"/>
+            </a:fontRef>
+          </p:style>
+          <p:txBody>
+            <a:bodyPr rtlCol="0" anchor="ctr"/>
+            <a:lstStyle/>
+            <a:p>
+              <a:pPr algn="ctr"/>
+              <a:endParaRPr lang="zh-CN" altLang="en-US"/>
+            </a:p>
+          </p:txBody>
+        </p:sp>
+      </p:grpSp>
+      <p:sp>
+        <p:nvSpPr>
+          <p:cNvPr id="42" name="TextBox 41"/>
+          <p:cNvSpPr txBox="1"/>
+          <p:nvPr/>
+        </p:nvSpPr>
+        <p:spPr>
+          <a:xfrm>
+            <a:off x="7906434" y="1203598"/>
+            <a:ext cx="553998" cy="2520280"/>
+          </a:xfrm>
+          <a:prstGeom prst="rect">
+            <a:avLst/>
+          </a:prstGeom>
+          <a:noFill/>
+        </p:spPr>
+        <p:txBody>
+          <a:bodyPr vert="eaVert" wrap="square" rtlCol="0">
+            <a:spAutoFit/>
+          </a:bodyPr>
+          <a:lstStyle/>
+          <a:p>
+            <a:r>
+              <a:rPr lang="en-US" altLang="zh-CN" sz="2400" dirty="0" smtClean="0"/>
+              <a:t>《</a:t>
+            </a:r>
+            <a:r>
+              <a:rPr lang="zh-CN" altLang="en-US" sz="2400" dirty="0" smtClean="0"/>
+              <a:t>论语十则</a:t>
+            </a:r>
+            <a:r>
+              <a:rPr lang="en-US" altLang="zh-CN" sz="2400" dirty="0" smtClean="0"/>
+              <a:t>》</a:t>
+            </a:r>
+            <a:endParaRPr lang="zh-CN" altLang="en-US" sz="2400" dirty="0"/>
+          </a:p>
+        </p:txBody>
+      </p:sp>
+      <p:sp>
+        <p:nvSpPr>
+          <p:cNvPr id="43" name="TextBox 42"/>
+          <p:cNvSpPr txBox="1"/>
+          <p:nvPr/>
+        </p:nvSpPr>
+        <p:spPr>
+          <a:xfrm>
+            <a:off x="7097503" y="1491630"/>
+            <a:ext cx="461665" cy="3168352"/>
+          </a:xfrm>
+          <a:prstGeom prst="rect">
+            <a:avLst/>
+          </a:prstGeom>
+          <a:noFill/>
+        </p:spPr>
+        <p:txBody>
+          <a:bodyPr vert="eaVert" wrap="square" rtlCol="0">
+            <a:spAutoFit/>
+          </a:bodyPr>
+          <a:lstStyle/>
+          <a:p>
+            <a:r>
+              <a:rPr lang="zh-CN" altLang="en-US" dirty="0" smtClean="0"/>
+              <a:t>填写诗词内容吧</a:t>
+            </a:r>
+            <a:r>
+              <a:rPr lang="en-US" altLang="zh-CN" dirty="0" smtClean="0"/>
+              <a:t>……</a:t>
+            </a:r>
+            <a:endParaRPr lang="zh-CN" altLang="en-US" dirty="0"/>
+          </a:p>
+        </p:txBody>
+      </p:sp>
+    </p:spTree>
+  </p:cSld>
+  <p:clrMapOvr>
+    <a:masterClrMapping/>
+  </p:clrMapOvr>
+  <p:transition spd="slow">
+    <p:wipe/>
+  </p:transition>
+  <p:timing>
+    <p:tnLst>
+      <p:par>
+        <p:cTn id="1" dur="indefinite" restart="never" nodeType="tmRoot"/>
+      </p:par>
+    </p:tnLst>
+  </p:timing>
+</p:sld>
+</file>
+
+<file path=ppt/slides/slide11.xml><?xml version="1.0" encoding="utf-8"?>
+<p:sld xmlns:a="http://schemas.openxmlformats.org/drawingml/2006/main" xmlns:r="http://schemas.openxmlformats.org/officeDocument/2006/relationships" xmlns:p="http://schemas.openxmlformats.org/presentationml/2006/main">
+  <p:cSld>
+    <p:spTree>
+      <p:nvGrpSpPr>
+        <p:cNvPr id="1" name=""/>
+        <p:cNvGrpSpPr/>
+        <p:nvPr/>
+      </p:nvGrpSpPr>
+      <p:grpSpPr>
+        <a:xfrm>
+          <a:off x="0" y="0"/>
+          <a:ext cx="0" cy="0"/>
+          <a:chOff x="0" y="0"/>
+          <a:chExt cx="0" cy="0"/>
+        </a:xfrm>
+      </p:grpSpPr>
+      <p:sp>
+        <p:nvSpPr>
+          <p:cNvPr id="3" name="标题 2"/>
+          <p:cNvSpPr>
+            <a:spLocks noGrp="1"/>
+          </p:cNvSpPr>
+          <p:nvPr>
+            <p:ph type="title"/>
+          </p:nvPr>
+        </p:nvSpPr>
+        <p:spPr/>
+        <p:txBody>
+          <a:bodyPr/>
+          <a:lstStyle/>
+          <a:p>
+            <a:r>
+              <a:rPr lang="zh-CN" altLang="en-US" dirty="0" smtClean="0"/>
+              <a:t>内容页参考</a:t>
+            </a:r>
+            <a:endParaRPr lang="zh-CN" altLang="en-US" dirty="0"/>
+          </a:p>
+        </p:txBody>
+      </p:sp>
+      <p:sp>
+        <p:nvSpPr>
+          <p:cNvPr id="72" name="矩形 71"/>
+          <p:cNvSpPr/>
+          <p:nvPr/>
+        </p:nvSpPr>
+        <p:spPr>
+          <a:xfrm flipH="1">
+            <a:off x="4592773" y="1999364"/>
+            <a:ext cx="288032" cy="1872208"/>
+          </a:xfrm>
+          <a:prstGeom prst="rect">
+            <a:avLst/>
+          </a:prstGeom>
+          <a:solidFill>
+            <a:srgbClr val="C00000"/>
+          </a:solidFill>
+          <a:ln>
+            <a:noFill/>
+          </a:ln>
+        </p:spPr>
+        <p:style>
+          <a:lnRef idx="2">
+            <a:schemeClr val="accent1">
+              <a:shade val="50000"/>
+            </a:schemeClr>
+          </a:lnRef>
+          <a:fillRef idx="1">
+            <a:schemeClr val="accent1"/>
+          </a:fillRef>
+          <a:effectRef idx="0">
+            <a:schemeClr val="accent1"/>
+          </a:effectRef>
+          <a:fontRef idx="minor">
+            <a:schemeClr val="lt1"/>
+          </a:fontRef>
+        </p:style>
+        <p:txBody>
+          <a:bodyPr rtlCol="0" anchor="ctr"/>
+          <a:lstStyle/>
+          <a:p>
+            <a:pPr algn="ctr"/>
+            <a:endParaRPr lang="zh-CN" altLang="en-US"/>
+          </a:p>
+        </p:txBody>
+      </p:sp>
+      <p:sp>
+        <p:nvSpPr>
+          <p:cNvPr id="73" name="矩形 72"/>
+          <p:cNvSpPr/>
+          <p:nvPr/>
+        </p:nvSpPr>
+        <p:spPr>
+          <a:xfrm flipH="1">
+            <a:off x="3987906" y="2245476"/>
+            <a:ext cx="288032" cy="1626096"/>
+          </a:xfrm>
+          <a:prstGeom prst="rect">
+            <a:avLst/>
+          </a:prstGeom>
+          <a:solidFill>
+            <a:srgbClr val="B69F7F"/>
+          </a:solidFill>
+          <a:ln>
+            <a:noFill/>
+          </a:ln>
+        </p:spPr>
+        <p:style>
+          <a:lnRef idx="2">
+            <a:schemeClr val="accent1">
+              <a:shade val="50000"/>
+            </a:schemeClr>
+          </a:lnRef>
+          <a:fillRef idx="1">
+            <a:schemeClr val="accent1"/>
+          </a:fillRef>
+          <a:effectRef idx="0">
+            <a:schemeClr val="accent1"/>
+          </a:effectRef>
+          <a:fontRef idx="minor">
+            <a:schemeClr val="lt1"/>
+          </a:fontRef>
+        </p:style>
+        <p:txBody>
+          <a:bodyPr rtlCol="0" anchor="ctr"/>
+          <a:lstStyle/>
+          <a:p>
+            <a:pPr algn="ctr"/>
+            <a:endParaRPr lang="zh-CN" altLang="en-US"/>
+          </a:p>
+        </p:txBody>
+      </p:sp>
+      <p:sp>
+        <p:nvSpPr>
+          <p:cNvPr id="74" name="矩形 73"/>
+          <p:cNvSpPr/>
+          <p:nvPr/>
+        </p:nvSpPr>
+        <p:spPr>
+          <a:xfrm flipH="1">
+            <a:off x="3383039" y="2461500"/>
+            <a:ext cx="288032" cy="1410072"/>
+          </a:xfrm>
+          <a:prstGeom prst="rect">
+            <a:avLst/>
+          </a:prstGeom>
+          <a:solidFill>
+            <a:srgbClr val="B69F7F"/>
+          </a:solidFill>
+          <a:ln>
+            <a:noFill/>
+          </a:ln>
+        </p:spPr>
+        <p:style>
+          <a:lnRef idx="2">
+            <a:schemeClr val="accent1">
+              <a:shade val="50000"/>
+            </a:schemeClr>
+          </a:lnRef>
+          <a:fillRef idx="1">
+            <a:schemeClr val="accent1"/>
+          </a:fillRef>
+          <a:effectRef idx="0">
+            <a:schemeClr val="accent1"/>
+          </a:effectRef>
+          <a:fontRef idx="minor">
+            <a:schemeClr val="lt1"/>
+          </a:fontRef>
+        </p:style>
+        <p:txBody>
+          <a:bodyPr rtlCol="0" anchor="ctr"/>
+          <a:lstStyle/>
+          <a:p>
+            <a:pPr algn="ctr"/>
+            <a:endParaRPr lang="zh-CN" altLang="en-US"/>
+          </a:p>
+        </p:txBody>
+      </p:sp>
+      <p:sp>
+        <p:nvSpPr>
+          <p:cNvPr id="75" name="矩形 74"/>
+          <p:cNvSpPr/>
+          <p:nvPr/>
+        </p:nvSpPr>
+        <p:spPr>
+          <a:xfrm flipH="1">
+            <a:off x="2778172" y="2749532"/>
+            <a:ext cx="288032" cy="1122040"/>
+          </a:xfrm>
+          <a:prstGeom prst="rect">
+            <a:avLst/>
+          </a:prstGeom>
+          <a:solidFill>
+            <a:srgbClr val="B69F7F"/>
+          </a:solidFill>
+          <a:ln>
+            <a:noFill/>
+          </a:ln>
+        </p:spPr>
+        <p:style>
+          <a:lnRef idx="2">
+            <a:schemeClr val="accent1">
+              <a:shade val="50000"/>
+            </a:schemeClr>
+          </a:lnRef>
+          <a:fillRef idx="1">
+            <a:schemeClr val="accent1"/>
+          </a:fillRef>
+          <a:effectRef idx="0">
+            <a:schemeClr val="accent1"/>
+          </a:effectRef>
+          <a:fontRef idx="minor">
+            <a:schemeClr val="lt1"/>
+          </a:fontRef>
+        </p:style>
+        <p:txBody>
+          <a:bodyPr rtlCol="0" anchor="ctr"/>
+          <a:lstStyle/>
+          <a:p>
+            <a:pPr algn="ctr"/>
+            <a:endParaRPr lang="zh-CN" altLang="en-US"/>
+          </a:p>
+        </p:txBody>
+      </p:sp>
+      <p:sp>
+        <p:nvSpPr>
+          <p:cNvPr id="76" name="矩形 75"/>
+          <p:cNvSpPr/>
+          <p:nvPr/>
+        </p:nvSpPr>
+        <p:spPr>
+          <a:xfrm flipH="1">
+            <a:off x="2173305" y="3166536"/>
+            <a:ext cx="288032" cy="705036"/>
+          </a:xfrm>
+          <a:prstGeom prst="rect">
+            <a:avLst/>
+          </a:prstGeom>
+          <a:solidFill>
+            <a:srgbClr val="B69F7F"/>
+          </a:solidFill>
+          <a:ln>
+            <a:noFill/>
+          </a:ln>
+        </p:spPr>
+        <p:style>
+          <a:lnRef idx="2">
+            <a:schemeClr val="accent1">
+              <a:shade val="50000"/>
+            </a:schemeClr>
+          </a:lnRef>
+          <a:fillRef idx="1">
+            <a:schemeClr val="accent1"/>
+          </a:fillRef>
+          <a:effectRef idx="0">
+            <a:schemeClr val="accent1"/>
+          </a:effectRef>
+          <a:fontRef idx="minor">
+            <a:schemeClr val="lt1"/>
+          </a:fontRef>
+        </p:style>
+        <p:txBody>
+          <a:bodyPr rtlCol="0" anchor="ctr"/>
+          <a:lstStyle/>
+          <a:p>
+            <a:pPr algn="ctr"/>
+            <a:endParaRPr lang="zh-CN" altLang="en-US"/>
+          </a:p>
+        </p:txBody>
+      </p:sp>
+      <p:sp>
+        <p:nvSpPr>
+          <p:cNvPr id="77" name="矩形 76"/>
+          <p:cNvSpPr/>
+          <p:nvPr/>
+        </p:nvSpPr>
+        <p:spPr>
+          <a:xfrm flipH="1">
+            <a:off x="1568437" y="3397604"/>
+            <a:ext cx="288032" cy="473968"/>
+          </a:xfrm>
+          <a:prstGeom prst="rect">
+            <a:avLst/>
+          </a:prstGeom>
+          <a:solidFill>
+            <a:srgbClr val="B69F7F"/>
+          </a:solidFill>
+          <a:ln>
+            <a:noFill/>
+          </a:ln>
+        </p:spPr>
+        <p:style>
+          <a:lnRef idx="2">
+            <a:schemeClr val="accent1">
+              <a:shade val="50000"/>
+            </a:schemeClr>
+          </a:lnRef>
+          <a:fillRef idx="1">
+            <a:schemeClr val="accent1"/>
+          </a:fillRef>
+          <a:effectRef idx="0">
+            <a:schemeClr val="accent1"/>
+          </a:effectRef>
+          <a:fontRef idx="minor">
+            <a:schemeClr val="lt1"/>
+          </a:fontRef>
+        </p:style>
+        <p:txBody>
+          <a:bodyPr rtlCol="0" anchor="ctr"/>
+          <a:lstStyle/>
+          <a:p>
+            <a:pPr algn="ctr"/>
+            <a:endParaRPr lang="zh-CN" altLang="en-US"/>
+          </a:p>
+        </p:txBody>
+      </p:sp>
+      <p:sp>
+        <p:nvSpPr>
+          <p:cNvPr id="78" name="任意多边形 77"/>
+          <p:cNvSpPr/>
+          <p:nvPr/>
+        </p:nvSpPr>
+        <p:spPr>
+          <a:xfrm rot="18525306">
+            <a:off x="918884" y="1622928"/>
+            <a:ext cx="3672408" cy="1677144"/>
+          </a:xfrm>
+          <a:custGeom>
+            <a:avLst/>
+            <a:gdLst>
+              <a:gd name="connsiteX0" fmla="*/ 0 w 2671948"/>
+              <a:gd name="connsiteY0" fmla="*/ 0 h 1508166"/>
+              <a:gd name="connsiteX1" fmla="*/ 1140031 w 2671948"/>
+              <a:gd name="connsiteY1" fmla="*/ 760021 h 1508166"/>
+              <a:gd name="connsiteX2" fmla="*/ 2671948 w 2671948"/>
+              <a:gd name="connsiteY2" fmla="*/ 1508166 h 1508166"/>
+              <a:gd name="connsiteX0-1" fmla="*/ 0 w 2671948"/>
+              <a:gd name="connsiteY0-2" fmla="*/ 0 h 1508166"/>
+              <a:gd name="connsiteX1-3" fmla="*/ 1345364 w 2671948"/>
+              <a:gd name="connsiteY1-4" fmla="*/ 926275 h 1508166"/>
+              <a:gd name="connsiteX2-5" fmla="*/ 2671948 w 2671948"/>
+              <a:gd name="connsiteY2-6" fmla="*/ 1508166 h 1508166"/>
+              <a:gd name="connsiteX0-7" fmla="*/ 0 w 2671948"/>
+              <a:gd name="connsiteY0-8" fmla="*/ 0 h 1508166"/>
+              <a:gd name="connsiteX1-9" fmla="*/ 1345364 w 2671948"/>
+              <a:gd name="connsiteY1-10" fmla="*/ 926275 h 1508166"/>
+              <a:gd name="connsiteX2-11" fmla="*/ 2671948 w 2671948"/>
+              <a:gd name="connsiteY2-12" fmla="*/ 1508166 h 1508166"/>
+            </a:gdLst>
+            <a:ahLst/>
+            <a:cxnLst>
+              <a:cxn ang="0">
+                <a:pos x="connsiteX0-1" y="connsiteY0-2"/>
+              </a:cxn>
+              <a:cxn ang="0">
+                <a:pos x="connsiteX1-3" y="connsiteY1-4"/>
+              </a:cxn>
+              <a:cxn ang="0">
+                <a:pos x="connsiteX2-5" y="connsiteY2-6"/>
+              </a:cxn>
+            </a:cxnLst>
+            <a:rect l="l" t="t" r="r" b="b"/>
+            <a:pathLst>
+              <a:path w="2671948" h="1508166">
+                <a:moveTo>
+                  <a:pt x="0" y="0"/>
+                </a:moveTo>
+                <a:cubicBezTo>
+                  <a:pt x="347353" y="254330"/>
+                  <a:pt x="900039" y="674914"/>
+                  <a:pt x="1345364" y="926275"/>
+                </a:cubicBezTo>
+                <a:cubicBezTo>
+                  <a:pt x="1790689" y="1177636"/>
+                  <a:pt x="2276949" y="1414153"/>
+                  <a:pt x="2671948" y="1508166"/>
+                </a:cubicBezTo>
+              </a:path>
+            </a:pathLst>
+          </a:custGeom>
+          <a:noFill/>
+          <a:ln>
+            <a:gradFill flip="none" rotWithShape="1">
+              <a:gsLst>
+                <a:gs pos="0">
+                  <a:srgbClr val="C00000"/>
+                </a:gs>
+                <a:gs pos="100000">
+                  <a:schemeClr val="bg1">
+                    <a:alpha val="0"/>
+                  </a:schemeClr>
+                </a:gs>
+              </a:gsLst>
+              <a:lin ang="10800000" scaled="1"/>
+              <a:tileRect/>
+            </a:gradFill>
+            <a:tailEnd type="stealth" w="lg" len="lg"/>
+          </a:ln>
+        </p:spPr>
+        <p:style>
+          <a:lnRef idx="2">
+            <a:schemeClr val="accent1">
+              <a:shade val="50000"/>
+            </a:schemeClr>
+          </a:lnRef>
+          <a:fillRef idx="1">
+            <a:schemeClr val="accent1"/>
+          </a:fillRef>
+          <a:effectRef idx="0">
+            <a:schemeClr val="accent1"/>
+          </a:effectRef>
+          <a:fontRef idx="minor">
+            <a:schemeClr val="lt1"/>
+          </a:fontRef>
+        </p:style>
+        <p:txBody>
+          <a:bodyPr rtlCol="0" anchor="ctr"/>
+          <a:lstStyle/>
+          <a:p>
+            <a:pPr algn="ctr"/>
+            <a:endParaRPr lang="zh-CN" altLang="en-US"/>
+          </a:p>
+        </p:txBody>
+      </p:sp>
+      <p:grpSp>
+        <p:nvGrpSpPr>
+          <p:cNvPr id="79" name="组合 78"/>
+          <p:cNvGrpSpPr/>
+          <p:nvPr/>
+        </p:nvGrpSpPr>
+        <p:grpSpPr>
+          <a:xfrm>
+            <a:off x="1280405" y="1813428"/>
+            <a:ext cx="3744416" cy="2058144"/>
+            <a:chOff x="2771800" y="2276872"/>
+            <a:chExt cx="3744416" cy="2058144"/>
+          </a:xfrm>
+        </p:grpSpPr>
+        <p:cxnSp>
+          <p:nvCxnSpPr>
+            <p:cNvPr id="80" name="直接箭头连接符 79"/>
+            <p:cNvCxnSpPr/>
+            <p:nvPr/>
+          </p:nvCxnSpPr>
+          <p:spPr>
+            <a:xfrm>
+              <a:off x="2771800" y="4335016"/>
+              <a:ext cx="3744416" cy="0"/>
+            </a:xfrm>
+            <a:prstGeom prst="straightConnector1">
+              <a:avLst/>
+            </a:prstGeom>
+            <a:ln>
+              <a:solidFill>
+                <a:schemeClr val="tx1">
+                  <a:lumMod val="65000"/>
+                  <a:lumOff val="35000"/>
+                </a:schemeClr>
+              </a:solidFill>
+              <a:headEnd type="none" w="med" len="med"/>
+              <a:tailEnd type="triangle" w="med" len="med"/>
+            </a:ln>
+          </p:spPr>
+          <p:style>
+            <a:lnRef idx="1">
+              <a:schemeClr val="accent1"/>
+            </a:lnRef>
+            <a:fillRef idx="0">
+              <a:schemeClr val="accent1"/>
+            </a:fillRef>
+            <a:effectRef idx="0">
+              <a:schemeClr val="accent1"/>
+            </a:effectRef>
+            <a:fontRef idx="minor">
+              <a:schemeClr val="tx1"/>
+            </a:fontRef>
+          </p:style>
+        </p:cxnSp>
+        <p:cxnSp>
+          <p:nvCxnSpPr>
+            <p:cNvPr id="81" name="直接箭头连接符 80"/>
+            <p:cNvCxnSpPr/>
+            <p:nvPr/>
+          </p:nvCxnSpPr>
+          <p:spPr>
+            <a:xfrm flipV="1">
+              <a:off x="2783675" y="2276872"/>
+              <a:ext cx="0" cy="2058144"/>
+            </a:xfrm>
+            <a:prstGeom prst="straightConnector1">
+              <a:avLst/>
+            </a:prstGeom>
+            <a:ln>
+              <a:solidFill>
+                <a:schemeClr val="tx1">
+                  <a:lumMod val="65000"/>
+                  <a:lumOff val="35000"/>
+                </a:schemeClr>
+              </a:solidFill>
+              <a:headEnd type="none" w="med" len="med"/>
+              <a:tailEnd type="triangle" w="med" len="med"/>
+            </a:ln>
+          </p:spPr>
+          <p:style>
+            <a:lnRef idx="1">
+              <a:schemeClr val="accent1"/>
+            </a:lnRef>
+            <a:fillRef idx="0">
+              <a:schemeClr val="accent1"/>
+            </a:fillRef>
+            <a:effectRef idx="0">
+              <a:schemeClr val="accent1"/>
+            </a:effectRef>
+            <a:fontRef idx="minor">
+              <a:schemeClr val="tx1"/>
+            </a:fontRef>
+          </p:style>
+        </p:cxnSp>
+      </p:grpSp>
+      <p:sp>
+        <p:nvSpPr>
+          <p:cNvPr id="82" name="TextBox 81"/>
+          <p:cNvSpPr txBox="1"/>
+          <p:nvPr/>
+        </p:nvSpPr>
+        <p:spPr>
+          <a:xfrm>
+            <a:off x="4402998" y="3854315"/>
+            <a:ext cx="639919" cy="307777"/>
+          </a:xfrm>
+          <a:prstGeom prst="rect">
+            <a:avLst/>
+          </a:prstGeom>
+          <a:noFill/>
+        </p:spPr>
+        <p:txBody>
+          <a:bodyPr wrap="none" rtlCol="0">
+            <a:spAutoFit/>
+          </a:bodyPr>
+          <a:lstStyle/>
+          <a:p>
+            <a:pPr algn="ctr"/>
+            <a:r>
+              <a:rPr lang="en-US" altLang="zh-CN" sz="1400" dirty="0" smtClean="0">
+                <a:solidFill>
+                  <a:schemeClr val="tx1">
+                    <a:lumMod val="75000"/>
+                    <a:lumOff val="25000"/>
+                  </a:schemeClr>
+                </a:solidFill>
+              </a:rPr>
+              <a:t>2012</a:t>
+            </a:r>
+            <a:endParaRPr lang="zh-CN" altLang="en-US" sz="1400" dirty="0">
+              <a:solidFill>
+                <a:schemeClr val="tx1">
+                  <a:lumMod val="75000"/>
+                  <a:lumOff val="25000"/>
+                </a:schemeClr>
+              </a:solidFill>
+            </a:endParaRPr>
+          </a:p>
+        </p:txBody>
+      </p:sp>
+      <p:sp>
+        <p:nvSpPr>
+          <p:cNvPr id="83" name="TextBox 82"/>
+          <p:cNvSpPr txBox="1"/>
+          <p:nvPr/>
+        </p:nvSpPr>
+        <p:spPr>
+          <a:xfrm>
+            <a:off x="3802467" y="3854315"/>
+            <a:ext cx="639919" cy="307777"/>
+          </a:xfrm>
+          <a:prstGeom prst="rect">
+            <a:avLst/>
+          </a:prstGeom>
+          <a:noFill/>
+        </p:spPr>
+        <p:txBody>
+          <a:bodyPr wrap="none" rtlCol="0">
+            <a:spAutoFit/>
+          </a:bodyPr>
+          <a:lstStyle/>
+          <a:p>
+            <a:pPr algn="ctr"/>
+            <a:r>
+              <a:rPr lang="en-US" altLang="zh-CN" sz="1400" dirty="0" smtClean="0">
+                <a:solidFill>
+                  <a:schemeClr val="tx1">
+                    <a:lumMod val="75000"/>
+                    <a:lumOff val="25000"/>
+                  </a:schemeClr>
+                </a:solidFill>
+              </a:rPr>
+              <a:t>2011</a:t>
+            </a:r>
+            <a:endParaRPr lang="zh-CN" altLang="en-US" sz="1400" dirty="0">
+              <a:solidFill>
+                <a:schemeClr val="tx1">
+                  <a:lumMod val="75000"/>
+                  <a:lumOff val="25000"/>
+                </a:schemeClr>
+              </a:solidFill>
+            </a:endParaRPr>
+          </a:p>
+        </p:txBody>
+      </p:sp>
+      <p:sp>
+        <p:nvSpPr>
+          <p:cNvPr id="84" name="TextBox 83"/>
+          <p:cNvSpPr txBox="1"/>
+          <p:nvPr/>
+        </p:nvSpPr>
+        <p:spPr>
+          <a:xfrm>
+            <a:off x="3201938" y="3854315"/>
+            <a:ext cx="639919" cy="307777"/>
+          </a:xfrm>
+          <a:prstGeom prst="rect">
+            <a:avLst/>
+          </a:prstGeom>
+          <a:noFill/>
+        </p:spPr>
+        <p:txBody>
+          <a:bodyPr wrap="none" rtlCol="0">
+            <a:spAutoFit/>
+          </a:bodyPr>
+          <a:lstStyle/>
+          <a:p>
+            <a:pPr algn="ctr"/>
+            <a:r>
+              <a:rPr lang="en-US" altLang="zh-CN" sz="1400" dirty="0" smtClean="0">
+                <a:solidFill>
+                  <a:schemeClr val="tx1">
+                    <a:lumMod val="75000"/>
+                    <a:lumOff val="25000"/>
+                  </a:schemeClr>
+                </a:solidFill>
+              </a:rPr>
+              <a:t>2010</a:t>
+            </a:r>
+            <a:endParaRPr lang="zh-CN" altLang="en-US" sz="1400" dirty="0">
+              <a:solidFill>
+                <a:schemeClr val="tx1">
+                  <a:lumMod val="75000"/>
+                  <a:lumOff val="25000"/>
+                </a:schemeClr>
+              </a:solidFill>
+            </a:endParaRPr>
+          </a:p>
+        </p:txBody>
+      </p:sp>
+      <p:sp>
+        <p:nvSpPr>
+          <p:cNvPr id="85" name="TextBox 84"/>
+          <p:cNvSpPr txBox="1"/>
+          <p:nvPr/>
+        </p:nvSpPr>
+        <p:spPr>
+          <a:xfrm>
+            <a:off x="2601409" y="3854315"/>
+            <a:ext cx="639919" cy="307777"/>
+          </a:xfrm>
+          <a:prstGeom prst="rect">
+            <a:avLst/>
+          </a:prstGeom>
+          <a:noFill/>
+        </p:spPr>
+        <p:txBody>
+          <a:bodyPr wrap="none" rtlCol="0">
+            <a:spAutoFit/>
+          </a:bodyPr>
+          <a:lstStyle/>
+          <a:p>
+            <a:pPr algn="ctr"/>
+            <a:r>
+              <a:rPr lang="en-US" altLang="zh-CN" sz="1400" dirty="0" smtClean="0">
+                <a:solidFill>
+                  <a:schemeClr val="tx1">
+                    <a:lumMod val="75000"/>
+                    <a:lumOff val="25000"/>
+                  </a:schemeClr>
+                </a:solidFill>
+              </a:rPr>
+              <a:t>2009</a:t>
+            </a:r>
+            <a:endParaRPr lang="zh-CN" altLang="en-US" sz="1400" dirty="0">
+              <a:solidFill>
+                <a:schemeClr val="tx1">
+                  <a:lumMod val="75000"/>
+                  <a:lumOff val="25000"/>
+                </a:schemeClr>
+              </a:solidFill>
+            </a:endParaRPr>
+          </a:p>
+        </p:txBody>
+      </p:sp>
+      <p:sp>
+        <p:nvSpPr>
+          <p:cNvPr id="86" name="TextBox 85"/>
+          <p:cNvSpPr txBox="1"/>
+          <p:nvPr/>
+        </p:nvSpPr>
+        <p:spPr>
+          <a:xfrm>
+            <a:off x="2000880" y="3854315"/>
+            <a:ext cx="639919" cy="307777"/>
+          </a:xfrm>
+          <a:prstGeom prst="rect">
+            <a:avLst/>
+          </a:prstGeom>
+          <a:noFill/>
+        </p:spPr>
+        <p:txBody>
+          <a:bodyPr wrap="none" rtlCol="0">
+            <a:spAutoFit/>
+          </a:bodyPr>
+          <a:lstStyle/>
+          <a:p>
+            <a:pPr algn="ctr"/>
+            <a:r>
+              <a:rPr lang="en-US" altLang="zh-CN" sz="1400" dirty="0" smtClean="0">
+                <a:solidFill>
+                  <a:schemeClr val="tx1">
+                    <a:lumMod val="75000"/>
+                    <a:lumOff val="25000"/>
+                  </a:schemeClr>
+                </a:solidFill>
+              </a:rPr>
+              <a:t>2008</a:t>
+            </a:r>
+            <a:endParaRPr lang="zh-CN" altLang="en-US" sz="1400" dirty="0">
+              <a:solidFill>
+                <a:schemeClr val="tx1">
+                  <a:lumMod val="75000"/>
+                  <a:lumOff val="25000"/>
+                </a:schemeClr>
+              </a:solidFill>
+            </a:endParaRPr>
+          </a:p>
+        </p:txBody>
+      </p:sp>
+      <p:sp>
+        <p:nvSpPr>
+          <p:cNvPr id="87" name="TextBox 86"/>
+          <p:cNvSpPr txBox="1"/>
+          <p:nvPr/>
+        </p:nvSpPr>
+        <p:spPr>
+          <a:xfrm>
+            <a:off x="1400351" y="3854315"/>
+            <a:ext cx="639919" cy="307777"/>
+          </a:xfrm>
+          <a:prstGeom prst="rect">
+            <a:avLst/>
+          </a:prstGeom>
+          <a:noFill/>
+        </p:spPr>
+        <p:txBody>
+          <a:bodyPr wrap="none" rtlCol="0">
+            <a:spAutoFit/>
+          </a:bodyPr>
+          <a:lstStyle/>
+          <a:p>
+            <a:pPr algn="ctr"/>
+            <a:r>
+              <a:rPr lang="en-US" altLang="zh-CN" sz="1400" dirty="0" smtClean="0">
+                <a:solidFill>
+                  <a:schemeClr val="tx1">
+                    <a:lumMod val="75000"/>
+                    <a:lumOff val="25000"/>
+                  </a:schemeClr>
+                </a:solidFill>
+              </a:rPr>
+              <a:t>2007</a:t>
+            </a:r>
+            <a:endParaRPr lang="zh-CN" altLang="en-US" sz="1400" dirty="0">
+              <a:solidFill>
+                <a:schemeClr val="tx1">
+                  <a:lumMod val="75000"/>
+                  <a:lumOff val="25000"/>
+                </a:schemeClr>
+              </a:solidFill>
+            </a:endParaRPr>
+          </a:p>
+        </p:txBody>
+      </p:sp>
+      <p:sp>
+        <p:nvSpPr>
+          <p:cNvPr id="88" name="TextBox 87"/>
+          <p:cNvSpPr txBox="1"/>
+          <p:nvPr/>
+        </p:nvSpPr>
+        <p:spPr>
+          <a:xfrm>
+            <a:off x="839748" y="1652634"/>
+            <a:ext cx="461665" cy="693460"/>
+          </a:xfrm>
+          <a:prstGeom prst="rect">
+            <a:avLst/>
+          </a:prstGeom>
+          <a:noFill/>
+        </p:spPr>
+        <p:txBody>
+          <a:bodyPr vert="eaVert" wrap="none" rtlCol="0">
+            <a:spAutoFit/>
+          </a:bodyPr>
+          <a:lstStyle/>
+          <a:p>
+            <a:r>
+              <a:rPr lang="en-US" altLang="zh-CN" dirty="0" smtClean="0">
+                <a:solidFill>
+                  <a:schemeClr val="tx1">
+                    <a:lumMod val="75000"/>
+                    <a:lumOff val="25000"/>
+                  </a:schemeClr>
+                </a:solidFill>
+                <a:latin typeface="微软雅黑" panose="020B0503020204020204" pitchFamily="34" charset="-122"/>
+                <a:ea typeface="微软雅黑" panose="020B0503020204020204" pitchFamily="34" charset="-122"/>
+              </a:rPr>
+              <a:t>Y</a:t>
+            </a:r>
+            <a:r>
+              <a:rPr lang="zh-CN" altLang="en-US" dirty="0" smtClean="0">
+                <a:solidFill>
+                  <a:schemeClr val="tx1">
+                    <a:lumMod val="75000"/>
+                    <a:lumOff val="25000"/>
+                  </a:schemeClr>
+                </a:solidFill>
+                <a:latin typeface="微软雅黑" panose="020B0503020204020204" pitchFamily="34" charset="-122"/>
+                <a:ea typeface="微软雅黑" panose="020B0503020204020204" pitchFamily="34" charset="-122"/>
+              </a:rPr>
+              <a:t>变量</a:t>
+            </a:r>
+            <a:endParaRPr lang="zh-CN" altLang="en-US" dirty="0">
+              <a:solidFill>
+                <a:schemeClr val="tx1">
+                  <a:lumMod val="75000"/>
+                  <a:lumOff val="25000"/>
+                </a:schemeClr>
+              </a:solidFill>
+              <a:latin typeface="微软雅黑" panose="020B0503020204020204" pitchFamily="34" charset="-122"/>
+              <a:ea typeface="微软雅黑" panose="020B0503020204020204" pitchFamily="34" charset="-122"/>
+            </a:endParaRPr>
+          </a:p>
+        </p:txBody>
+      </p:sp>
+      <p:pic>
+        <p:nvPicPr>
+          <p:cNvPr id="89" name="Picture 3" descr="E:\我的PPT库\PPT图标库\2000种网站或论坛PNG图片图标\png-1835.png"/>
+          <p:cNvPicPr>
+            <a:picLocks noChangeAspect="1" noChangeArrowheads="1"/>
+          </p:cNvPicPr>
+          <p:nvPr/>
+        </p:nvPicPr>
+        <p:blipFill>
+          <a:blip r:embed="rId1">
+            <a:extLst>
+              <a:ext uri="{28A0092B-C50C-407E-A947-70E740481C1C}">
+                <a14:useLocalDpi xmlns:a14="http://schemas.microsoft.com/office/drawing/2010/main" val="0"/>
+              </a:ext>
+            </a:extLst>
+          </a:blip>
+          <a:srcRect/>
+          <a:stretch>
+            <a:fillRect/>
+          </a:stretch>
+        </p:blipFill>
+        <p:spPr bwMode="auto">
+          <a:xfrm>
+            <a:off x="7740352" y="3723878"/>
+            <a:ext cx="1080120" cy="1080120"/>
+          </a:xfrm>
+          <a:prstGeom prst="rect">
+            <a:avLst/>
+          </a:prstGeom>
+          <a:noFill/>
+          <a:extLst>
+            <a:ext uri="{909E8E84-426E-40DD-AFC4-6F175D3DCCD1}">
+              <a14:hiddenFill xmlns:a14="http://schemas.microsoft.com/office/drawing/2010/main">
+                <a:solidFill>
+                  <a:srgbClr val="FFFFFF"/>
+                </a:solidFill>
+              </a14:hiddenFill>
+            </a:ext>
+          </a:extLst>
+        </p:spPr>
+      </p:pic>
+      <p:sp>
+        <p:nvSpPr>
+          <p:cNvPr id="90" name="TextBox 89"/>
+          <p:cNvSpPr txBox="1"/>
+          <p:nvPr/>
+        </p:nvSpPr>
+        <p:spPr>
+          <a:xfrm>
+            <a:off x="5436108" y="1666095"/>
+            <a:ext cx="3024336" cy="1384995"/>
+          </a:xfrm>
+          <a:prstGeom prst="rect">
+            <a:avLst/>
+          </a:prstGeom>
+          <a:noFill/>
+        </p:spPr>
+        <p:txBody>
+          <a:bodyPr wrap="square" rtlCol="0">
+            <a:spAutoFit/>
+          </a:bodyPr>
+          <a:lstStyle>
+            <a:defPPr>
+              <a:defRPr lang="zh-CN"/>
+            </a:defPPr>
+            <a:lvl1pPr>
+              <a:lnSpc>
+                <a:spcPct val="150000"/>
+              </a:lnSpc>
+              <a:defRPr b="1">
+                <a:solidFill>
+                  <a:schemeClr val="tx1">
+                    <a:lumMod val="75000"/>
+                    <a:lumOff val="25000"/>
+                  </a:schemeClr>
+                </a:solidFill>
+                <a:latin typeface="隶书" panose="02010509060101010101" pitchFamily="49" charset="-122"/>
+                <a:ea typeface="隶书" panose="02010509060101010101" pitchFamily="49" charset="-122"/>
+              </a:defRPr>
+            </a:lvl1pPr>
+          </a:lstStyle>
+          <a:p>
+            <a:pPr marL="285750" indent="-285750">
+              <a:buFont typeface="Arial" panose="020B0604020202020204" pitchFamily="34" charset="0"/>
+              <a:buChar char="•"/>
+            </a:pPr>
+            <a:r>
+              <a:rPr lang="zh-CN" altLang="en-US" sz="1400" b="0" dirty="0">
+                <a:solidFill>
+                  <a:schemeClr val="tx1">
+                    <a:lumMod val="85000"/>
+                    <a:lumOff val="15000"/>
+                  </a:schemeClr>
+                </a:solidFill>
+                <a:latin typeface="+mn-ea"/>
+                <a:ea typeface="+mn-ea"/>
+              </a:rPr>
+              <a:t>单击此处添加文本单击此处添加文本单击此处添加文本单击此处添加文本单击此处添加文本</a:t>
+            </a:r>
+            <a:endParaRPr lang="zh-CN" altLang="en-US" sz="1400" b="0" dirty="0">
+              <a:solidFill>
+                <a:schemeClr val="tx1">
+                  <a:lumMod val="85000"/>
+                  <a:lumOff val="15000"/>
+                </a:schemeClr>
+              </a:solidFill>
+              <a:latin typeface="+mn-ea"/>
+              <a:ea typeface="+mn-ea"/>
+            </a:endParaRPr>
+          </a:p>
+          <a:p>
+            <a:endParaRPr lang="zh-CN" altLang="en-US" sz="1400" b="0" dirty="0">
+              <a:solidFill>
+                <a:schemeClr val="tx1">
+                  <a:lumMod val="85000"/>
+                  <a:lumOff val="15000"/>
+                </a:schemeClr>
+              </a:solidFill>
+              <a:latin typeface="+mn-ea"/>
+              <a:ea typeface="+mn-ea"/>
+            </a:endParaRPr>
+          </a:p>
+        </p:txBody>
+      </p:sp>
+      <p:sp>
+        <p:nvSpPr>
+          <p:cNvPr id="91" name="TextBox 90"/>
+          <p:cNvSpPr txBox="1"/>
+          <p:nvPr/>
+        </p:nvSpPr>
+        <p:spPr>
+          <a:xfrm>
+            <a:off x="5436108" y="2768633"/>
+            <a:ext cx="3024336" cy="1384995"/>
+          </a:xfrm>
+          <a:prstGeom prst="rect">
+            <a:avLst/>
+          </a:prstGeom>
+          <a:noFill/>
+        </p:spPr>
+        <p:txBody>
+          <a:bodyPr wrap="square" rtlCol="0">
+            <a:spAutoFit/>
+          </a:bodyPr>
+          <a:lstStyle>
+            <a:defPPr>
+              <a:defRPr lang="zh-CN"/>
+            </a:defPPr>
+            <a:lvl1pPr>
+              <a:lnSpc>
+                <a:spcPct val="150000"/>
+              </a:lnSpc>
+              <a:defRPr b="1">
+                <a:solidFill>
+                  <a:schemeClr val="tx1">
+                    <a:lumMod val="75000"/>
+                    <a:lumOff val="25000"/>
+                  </a:schemeClr>
+                </a:solidFill>
+                <a:latin typeface="隶书" panose="02010509060101010101" pitchFamily="49" charset="-122"/>
+                <a:ea typeface="隶书" panose="02010509060101010101" pitchFamily="49" charset="-122"/>
+              </a:defRPr>
+            </a:lvl1pPr>
+          </a:lstStyle>
+          <a:p>
+            <a:pPr marL="285750" indent="-285750">
+              <a:buFont typeface="Arial" panose="020B0604020202020204" pitchFamily="34" charset="0"/>
+              <a:buChar char="•"/>
+            </a:pPr>
+            <a:r>
+              <a:rPr lang="zh-CN" altLang="en-US" sz="1400" b="0" dirty="0">
+                <a:solidFill>
+                  <a:schemeClr val="tx1">
+                    <a:lumMod val="85000"/>
+                    <a:lumOff val="15000"/>
+                  </a:schemeClr>
+                </a:solidFill>
+                <a:latin typeface="+mn-ea"/>
+                <a:ea typeface="+mn-ea"/>
+              </a:rPr>
+              <a:t>单击此处添加文本单击此处添加文本单击此处添加文本单击此处添加文本单击此处添加文本</a:t>
+            </a:r>
+            <a:endParaRPr lang="zh-CN" altLang="en-US" sz="1400" b="0" dirty="0">
+              <a:solidFill>
+                <a:schemeClr val="tx1">
+                  <a:lumMod val="85000"/>
+                  <a:lumOff val="15000"/>
+                </a:schemeClr>
+              </a:solidFill>
+              <a:latin typeface="+mn-ea"/>
+              <a:ea typeface="+mn-ea"/>
+            </a:endParaRPr>
+          </a:p>
+          <a:p>
+            <a:endParaRPr lang="zh-CN" altLang="en-US" sz="1400" b="0" dirty="0">
+              <a:solidFill>
+                <a:schemeClr val="tx1">
+                  <a:lumMod val="85000"/>
+                  <a:lumOff val="15000"/>
+                </a:schemeClr>
+              </a:solidFill>
+              <a:latin typeface="+mn-ea"/>
+              <a:ea typeface="+mn-ea"/>
+            </a:endParaRPr>
+          </a:p>
+        </p:txBody>
+      </p:sp>
+    </p:spTree>
+  </p:cSld>
+  <p:clrMapOvr>
+    <a:masterClrMapping/>
+  </p:clrMapOvr>
+  <p:transition spd="slow">
+    <p:wipe/>
+  </p:transition>
+  <p:timing>
+    <p:tnLst>
+      <p:par>
+        <p:cTn id="1" dur="indefinite" restart="never" nodeType="tmRoot"/>
+      </p:par>
+    </p:tnLst>
+  </p:timing>
+</p:sld>
+</file>
+
+<file path=ppt/slides/slide12.xml><?xml version="1.0" encoding="utf-8"?>
 <p:sld xmlns:a="http://schemas.openxmlformats.org/drawingml/2006/main" xmlns:r="http://schemas.openxmlformats.org/officeDocument/2006/relationships" xmlns:p="http://schemas.openxmlformats.org/presentationml/2006/main">
   <p:cSld>
     <p:spTree>
@@ -3752,7 +5529,7 @@
             <a:p>
               <a:r>
                 <a:rPr lang="zh-CN" altLang="en-US" sz="1600" dirty="0"/>
-                <a:t>中医养生</a:t>
+                <a:t>导读</a:t>
               </a:r>
               <a:endParaRPr lang="zh-CN" altLang="en-US" sz="1600" dirty="0"/>
             </a:p>
@@ -3902,7 +5679,11 @@
             <a:p>
               <a:r>
                 <a:rPr lang="zh-CN" altLang="en-US" sz="1600" dirty="0"/>
-                <a:t>中医治疗胃病</a:t>
+                <a:t>中医治疗未</a:t>
+              </a:r>
+              <a:r>
+                <a:rPr lang="zh-CN" altLang="en-US" sz="1600" dirty="0"/>
+                <a:t>病</a:t>
               </a:r>
               <a:endParaRPr lang="zh-CN" altLang="en-US" sz="1600" dirty="0"/>
             </a:p>
@@ -3977,7 +5758,7 @@
             <a:p>
               <a:r>
                 <a:rPr lang="zh-CN" altLang="en-US" sz="1600" dirty="0"/>
-                <a:t>胃病综述</a:t>
+                <a:t>中医治未病渊源</a:t>
               </a:r>
               <a:endParaRPr lang="zh-CN" altLang="en-US" sz="1600" dirty="0"/>
             </a:p>
@@ -4121,7 +5902,7 @@
       </p:grpSpPr>
       <p:sp>
         <p:nvSpPr>
-          <p:cNvPr id="2" name="标题 1"/>
+          <p:cNvPr id="3" name="标题 2"/>
           <p:cNvSpPr>
             <a:spLocks noGrp="1"/>
           </p:cNvSpPr>
@@ -4131,329 +5912,27 @@
         </p:nvSpPr>
         <p:spPr/>
         <p:txBody>
-          <a:bodyPr>
-            <a:normAutofit/>
-          </a:bodyPr>
+          <a:bodyPr/>
           <a:lstStyle/>
           <a:p>
             <a:r>
-              <a:rPr lang="zh-CN" altLang="en-US" sz="2800" dirty="0"/>
-              <a:t>中医养生</a:t>
-            </a:r>
-            <a:endParaRPr lang="zh-CN" altLang="en-US" sz="2800" dirty="0"/>
-          </a:p>
-        </p:txBody>
-      </p:sp>
-      <p:grpSp>
-        <p:nvGrpSpPr>
-          <p:cNvPr id="6" name="组合 5"/>
-          <p:cNvGrpSpPr/>
-          <p:nvPr/>
-        </p:nvGrpSpPr>
-        <p:grpSpPr>
-          <a:xfrm>
-            <a:off x="3203848" y="1635646"/>
-            <a:ext cx="3219880" cy="720080"/>
-            <a:chOff x="3296336" y="1840758"/>
-            <a:chExt cx="3219880" cy="720080"/>
-          </a:xfrm>
-        </p:grpSpPr>
-        <p:pic>
-          <p:nvPicPr>
-            <p:cNvPr id="4" name="图片 3"/>
-            <p:cNvPicPr>
-              <a:picLocks noChangeAspect="1"/>
-            </p:cNvPicPr>
-            <p:nvPr/>
-          </p:nvPicPr>
-          <p:blipFill>
-            <a:blip r:embed="rId1" cstate="print">
-              <a:extLst>
-                <a:ext uri="{28A0092B-C50C-407E-A947-70E740481C1C}">
-                  <a14:useLocalDpi xmlns:a14="http://schemas.microsoft.com/office/drawing/2010/main" val="0"/>
-                </a:ext>
-              </a:extLst>
-            </a:blip>
-            <a:stretch>
-              <a:fillRect/>
-            </a:stretch>
-          </p:blipFill>
-          <p:spPr>
-            <a:xfrm>
-              <a:off x="3296336" y="1840758"/>
-              <a:ext cx="1092728" cy="720080"/>
-            </a:xfrm>
-            <a:prstGeom prst="rect">
-              <a:avLst/>
-            </a:prstGeom>
-          </p:spPr>
-        </p:pic>
-        <p:sp>
-          <p:nvSpPr>
-            <p:cNvPr id="5" name="TextBox 4"/>
-            <p:cNvSpPr txBox="1"/>
-            <p:nvPr/>
-          </p:nvSpPr>
-          <p:spPr>
-            <a:xfrm>
-              <a:off x="4139952" y="2107066"/>
-              <a:ext cx="2376264" cy="338554"/>
-            </a:xfrm>
-            <a:prstGeom prst="rect">
-              <a:avLst/>
-            </a:prstGeom>
-            <a:noFill/>
-          </p:spPr>
-          <p:txBody>
-            <a:bodyPr wrap="square" rtlCol="0">
-              <a:spAutoFit/>
-            </a:bodyPr>
-            <a:lstStyle/>
-            <a:p>
-              <a:r>
-                <a:rPr lang="zh-CN" altLang="en-US" sz="1600" dirty="0" smtClean="0"/>
-                <a:t>单击此处添加标题</a:t>
-              </a:r>
-              <a:endParaRPr lang="zh-CN" altLang="en-US" sz="1600" dirty="0"/>
-            </a:p>
-          </p:txBody>
-        </p:sp>
-      </p:grpSp>
-      <p:grpSp>
-        <p:nvGrpSpPr>
-          <p:cNvPr id="7" name="组合 6"/>
-          <p:cNvGrpSpPr/>
-          <p:nvPr/>
-        </p:nvGrpSpPr>
-        <p:grpSpPr>
-          <a:xfrm>
-            <a:off x="3203848" y="3522644"/>
-            <a:ext cx="3219880" cy="720080"/>
-            <a:chOff x="3296336" y="1840758"/>
-            <a:chExt cx="3219880" cy="720080"/>
-          </a:xfrm>
-        </p:grpSpPr>
-        <p:pic>
-          <p:nvPicPr>
-            <p:cNvPr id="8" name="图片 7"/>
-            <p:cNvPicPr>
-              <a:picLocks noChangeAspect="1"/>
-            </p:cNvPicPr>
-            <p:nvPr/>
-          </p:nvPicPr>
-          <p:blipFill>
-            <a:blip r:embed="rId1" cstate="print">
-              <a:extLst>
-                <a:ext uri="{28A0092B-C50C-407E-A947-70E740481C1C}">
-                  <a14:useLocalDpi xmlns:a14="http://schemas.microsoft.com/office/drawing/2010/main" val="0"/>
-                </a:ext>
-              </a:extLst>
-            </a:blip>
-            <a:stretch>
-              <a:fillRect/>
-            </a:stretch>
-          </p:blipFill>
-          <p:spPr>
-            <a:xfrm>
-              <a:off x="3296336" y="1840758"/>
-              <a:ext cx="1092728" cy="720080"/>
-            </a:xfrm>
-            <a:prstGeom prst="rect">
-              <a:avLst/>
-            </a:prstGeom>
-          </p:spPr>
-        </p:pic>
-        <p:sp>
-          <p:nvSpPr>
-            <p:cNvPr id="9" name="TextBox 8"/>
-            <p:cNvSpPr txBox="1"/>
-            <p:nvPr/>
-          </p:nvSpPr>
-          <p:spPr>
-            <a:xfrm>
-              <a:off x="4139952" y="2107066"/>
-              <a:ext cx="2376264" cy="338554"/>
-            </a:xfrm>
-            <a:prstGeom prst="rect">
-              <a:avLst/>
-            </a:prstGeom>
-            <a:noFill/>
-          </p:spPr>
-          <p:txBody>
-            <a:bodyPr wrap="square" rtlCol="0">
-              <a:spAutoFit/>
-            </a:bodyPr>
-            <a:lstStyle/>
-            <a:p>
-              <a:r>
-                <a:rPr lang="zh-CN" altLang="en-US" sz="1600" dirty="0" smtClean="0"/>
-                <a:t>单击此处添加标题</a:t>
-              </a:r>
-              <a:endParaRPr lang="zh-CN" altLang="en-US" sz="1600" dirty="0"/>
-            </a:p>
-          </p:txBody>
-        </p:sp>
-      </p:grpSp>
-      <p:grpSp>
-        <p:nvGrpSpPr>
-          <p:cNvPr id="10" name="组合 9"/>
-          <p:cNvGrpSpPr/>
-          <p:nvPr/>
-        </p:nvGrpSpPr>
-        <p:grpSpPr>
-          <a:xfrm>
-            <a:off x="3203848" y="2893644"/>
-            <a:ext cx="3219880" cy="720080"/>
-            <a:chOff x="3296336" y="1840758"/>
-            <a:chExt cx="3219880" cy="720080"/>
-          </a:xfrm>
-        </p:grpSpPr>
-        <p:pic>
-          <p:nvPicPr>
-            <p:cNvPr id="11" name="图片 10"/>
-            <p:cNvPicPr>
-              <a:picLocks noChangeAspect="1"/>
-            </p:cNvPicPr>
-            <p:nvPr/>
-          </p:nvPicPr>
-          <p:blipFill>
-            <a:blip r:embed="rId1" cstate="print">
-              <a:extLst>
-                <a:ext uri="{28A0092B-C50C-407E-A947-70E740481C1C}">
-                  <a14:useLocalDpi xmlns:a14="http://schemas.microsoft.com/office/drawing/2010/main" val="0"/>
-                </a:ext>
-              </a:extLst>
-            </a:blip>
-            <a:stretch>
-              <a:fillRect/>
-            </a:stretch>
-          </p:blipFill>
-          <p:spPr>
-            <a:xfrm>
-              <a:off x="3296336" y="1840758"/>
-              <a:ext cx="1092728" cy="720080"/>
-            </a:xfrm>
-            <a:prstGeom prst="rect">
-              <a:avLst/>
-            </a:prstGeom>
-          </p:spPr>
-        </p:pic>
-        <p:sp>
-          <p:nvSpPr>
-            <p:cNvPr id="12" name="TextBox 11"/>
-            <p:cNvSpPr txBox="1"/>
-            <p:nvPr/>
-          </p:nvSpPr>
-          <p:spPr>
-            <a:xfrm>
-              <a:off x="4139952" y="2107066"/>
-              <a:ext cx="2376264" cy="338554"/>
-            </a:xfrm>
-            <a:prstGeom prst="rect">
-              <a:avLst/>
-            </a:prstGeom>
-            <a:noFill/>
-          </p:spPr>
-          <p:txBody>
-            <a:bodyPr wrap="square" rtlCol="0">
-              <a:spAutoFit/>
-            </a:bodyPr>
-            <a:lstStyle/>
-            <a:p>
-              <a:r>
-                <a:rPr lang="zh-CN" altLang="en-US" sz="1600" dirty="0" smtClean="0"/>
-                <a:t>单击此处添加标题</a:t>
-              </a:r>
-              <a:endParaRPr lang="zh-CN" altLang="en-US" sz="1600" dirty="0"/>
-            </a:p>
-          </p:txBody>
-        </p:sp>
-      </p:grpSp>
-      <p:grpSp>
-        <p:nvGrpSpPr>
-          <p:cNvPr id="13" name="组合 12"/>
-          <p:cNvGrpSpPr/>
-          <p:nvPr/>
-        </p:nvGrpSpPr>
-        <p:grpSpPr>
-          <a:xfrm>
-            <a:off x="3203848" y="2264645"/>
-            <a:ext cx="3219880" cy="720080"/>
-            <a:chOff x="3296336" y="1840758"/>
-            <a:chExt cx="3219880" cy="720080"/>
-          </a:xfrm>
-        </p:grpSpPr>
-        <p:pic>
-          <p:nvPicPr>
-            <p:cNvPr id="14" name="图片 13"/>
-            <p:cNvPicPr>
-              <a:picLocks noChangeAspect="1"/>
-            </p:cNvPicPr>
-            <p:nvPr/>
-          </p:nvPicPr>
-          <p:blipFill>
-            <a:blip r:embed="rId1" cstate="print">
-              <a:extLst>
-                <a:ext uri="{28A0092B-C50C-407E-A947-70E740481C1C}">
-                  <a14:useLocalDpi xmlns:a14="http://schemas.microsoft.com/office/drawing/2010/main" val="0"/>
-                </a:ext>
-              </a:extLst>
-            </a:blip>
-            <a:stretch>
-              <a:fillRect/>
-            </a:stretch>
-          </p:blipFill>
-          <p:spPr>
-            <a:xfrm>
-              <a:off x="3296336" y="1840758"/>
-              <a:ext cx="1092728" cy="720080"/>
-            </a:xfrm>
-            <a:prstGeom prst="rect">
-              <a:avLst/>
-            </a:prstGeom>
-          </p:spPr>
-        </p:pic>
-        <p:sp>
-          <p:nvSpPr>
-            <p:cNvPr id="15" name="TextBox 14"/>
-            <p:cNvSpPr txBox="1"/>
-            <p:nvPr/>
-          </p:nvSpPr>
-          <p:spPr>
-            <a:xfrm>
-              <a:off x="4139952" y="2107066"/>
-              <a:ext cx="2376264" cy="338554"/>
-            </a:xfrm>
-            <a:prstGeom prst="rect">
-              <a:avLst/>
-            </a:prstGeom>
-            <a:noFill/>
-          </p:spPr>
-          <p:txBody>
-            <a:bodyPr wrap="square" rtlCol="0">
-              <a:spAutoFit/>
-            </a:bodyPr>
-            <a:lstStyle/>
-            <a:p>
-              <a:r>
-                <a:rPr lang="zh-CN" altLang="en-US" sz="1600" dirty="0" smtClean="0"/>
-                <a:t>单击此处添加标题</a:t>
-              </a:r>
-              <a:endParaRPr lang="zh-CN" altLang="en-US" sz="1600" dirty="0"/>
-            </a:p>
-          </p:txBody>
-        </p:sp>
-      </p:grpSp>
+              <a:rPr lang="zh-CN" altLang="en-US" dirty="0" smtClean="0"/>
+              <a:t>导读</a:t>
+            </a:r>
+            <a:endParaRPr lang="zh-CN" altLang="en-US" dirty="0"/>
+          </a:p>
+        </p:txBody>
+      </p:sp>
       <p:pic>
         <p:nvPicPr>
-          <p:cNvPr id="16" name="Picture 2" descr="E:\我的作品\4比3标准\中国风\传统风格类型模板\PSD276667.png"/>
+          <p:cNvPr id="2050" name="Picture 2" descr="E:\我的作品\4比3标准\中国风\传统风格类型模板\PSD276667.png"/>
           <p:cNvPicPr>
             <a:picLocks noChangeAspect="1" noChangeArrowheads="1"/>
           </p:cNvPicPr>
           <p:nvPr/>
         </p:nvPicPr>
         <p:blipFill>
-          <a:blip r:embed="rId2" cstate="print">
+          <a:blip r:embed="rId1" cstate="print">
             <a:extLst>
               <a:ext uri="{28A0092B-C50C-407E-A947-70E740481C1C}">
                 <a14:useLocalDpi xmlns:a14="http://schemas.microsoft.com/office/drawing/2010/main" val="0"/>
@@ -4485,6 +5964,187 @@
           </a:extLst>
         </p:spPr>
       </p:pic>
+      <p:pic>
+        <p:nvPicPr>
+          <p:cNvPr id="2051" name="Picture 3" descr="C:\Users\liliandong\Pictures\01300000432220137767579300438_s.jpg01300000432220137767579300438_s"/>
+          <p:cNvPicPr>
+            <a:picLocks noChangeAspect="1" noChangeArrowheads="1"/>
+          </p:cNvPicPr>
+          <p:nvPr/>
+        </p:nvPicPr>
+        <p:blipFill>
+          <a:blip r:embed="rId2"/>
+          <a:srcRect/>
+          <a:stretch>
+            <a:fillRect/>
+          </a:stretch>
+        </p:blipFill>
+        <p:spPr bwMode="auto">
+          <a:xfrm>
+            <a:off x="586740" y="1644650"/>
+            <a:ext cx="2401570" cy="2401570"/>
+          </a:xfrm>
+          <a:prstGeom prst="rect">
+            <a:avLst/>
+          </a:prstGeom>
+          <a:noFill/>
+          <a:extLst>
+            <a:ext uri="{909E8E84-426E-40DD-AFC4-6F175D3DCCD1}">
+              <a14:hiddenFill xmlns:a14="http://schemas.microsoft.com/office/drawing/2010/main">
+                <a:solidFill>
+                  <a:srgbClr val="FFFFFF"/>
+                </a:solidFill>
+              </a14:hiddenFill>
+            </a:ext>
+          </a:extLst>
+        </p:spPr>
+      </p:pic>
+      <p:cxnSp>
+        <p:nvCxnSpPr>
+          <p:cNvPr id="6" name="直接连接符 5"/>
+          <p:cNvCxnSpPr/>
+          <p:nvPr/>
+        </p:nvCxnSpPr>
+        <p:spPr>
+          <a:xfrm>
+            <a:off x="3349888" y="1749662"/>
+            <a:ext cx="0" cy="2191715"/>
+          </a:xfrm>
+          <a:prstGeom prst="line">
+            <a:avLst/>
+          </a:prstGeom>
+          <a:ln>
+            <a:solidFill>
+              <a:srgbClr val="B69F7F"/>
+            </a:solidFill>
+          </a:ln>
+        </p:spPr>
+        <p:style>
+          <a:lnRef idx="1">
+            <a:schemeClr val="accent1"/>
+          </a:lnRef>
+          <a:fillRef idx="0">
+            <a:schemeClr val="accent1"/>
+          </a:fillRef>
+          <a:effectRef idx="0">
+            <a:schemeClr val="accent1"/>
+          </a:effectRef>
+          <a:fontRef idx="minor">
+            <a:schemeClr val="tx1"/>
+          </a:fontRef>
+        </p:style>
+      </p:cxnSp>
+      <p:sp>
+        <p:nvSpPr>
+          <p:cNvPr id="10" name="TextBox 9"/>
+          <p:cNvSpPr txBox="1"/>
+          <p:nvPr/>
+        </p:nvSpPr>
+        <p:spPr>
+          <a:xfrm>
+            <a:off x="3613785" y="1047750"/>
+            <a:ext cx="5073015" cy="3646170"/>
+          </a:xfrm>
+          <a:prstGeom prst="rect">
+            <a:avLst/>
+          </a:prstGeom>
+          <a:noFill/>
+        </p:spPr>
+        <p:txBody>
+          <a:bodyPr wrap="square" rtlCol="0">
+            <a:spAutoFit/>
+          </a:bodyPr>
+          <a:lstStyle>
+            <a:defPPr>
+              <a:defRPr lang="zh-CN"/>
+            </a:defPPr>
+            <a:lvl1pPr>
+              <a:lnSpc>
+                <a:spcPct val="150000"/>
+              </a:lnSpc>
+              <a:defRPr b="1">
+                <a:solidFill>
+                  <a:schemeClr val="tx1">
+                    <a:lumMod val="75000"/>
+                    <a:lumOff val="25000"/>
+                  </a:schemeClr>
+                </a:solidFill>
+                <a:latin typeface="隶书" panose="02010509060101010101" pitchFamily="49" charset="-122"/>
+                <a:ea typeface="隶书" panose="02010509060101010101" pitchFamily="49" charset="-122"/>
+              </a:defRPr>
+            </a:lvl1pPr>
+          </a:lstStyle>
+          <a:p>
+            <a:pPr indent="0">
+              <a:buFont typeface="Arial" panose="020B0604020202020204" pitchFamily="34" charset="0"/>
+              <a:buNone/>
+            </a:pPr>
+            <a:r>
+              <a:rPr lang="zh-CN" altLang="en-US" dirty="0">
+                <a:sym typeface="+mn-ea"/>
+              </a:rPr>
+              <a:t>治未病，是中医学的核心理念之一</a:t>
+            </a:r>
+            <a:endParaRPr lang="zh-CN" altLang="en-US" dirty="0"/>
+          </a:p>
+          <a:p>
+            <a:pPr indent="0">
+              <a:buFont typeface="Arial" panose="020B0604020202020204" pitchFamily="34" charset="0"/>
+              <a:buNone/>
+            </a:pPr>
+            <a:r>
+              <a:rPr lang="zh-CN" altLang="en-US" dirty="0">
+                <a:sym typeface="+mn-ea"/>
+              </a:rPr>
+              <a:t>通过饮食起居、情志调理、运动疗法及中草药等多种措施，调养体质，调理身体阴阳气血等平衡，增强人体抗病能力，让人体少生病、不生病，纵使得病也能尽快痊愈，痊愈后少复发。中医治未病是中医预防保健的重要理论基础和准则，</a:t>
+            </a:r>
+            <a:endParaRPr lang="zh-CN" altLang="en-US" dirty="0">
+              <a:sym typeface="+mn-ea"/>
+            </a:endParaRPr>
+          </a:p>
+          <a:p>
+            <a:pPr indent="0">
+              <a:buFont typeface="Arial" panose="020B0604020202020204" pitchFamily="34" charset="0"/>
+              <a:buNone/>
+            </a:pPr>
+            <a:r>
+              <a:rPr lang="zh-CN" altLang="en-US" dirty="0">
+                <a:sym typeface="+mn-ea"/>
+              </a:rPr>
+              <a:t>并成为现代卫生保健的重要组成部分。</a:t>
+            </a:r>
+            <a:endParaRPr lang="zh-CN" altLang="en-US" dirty="0"/>
+          </a:p>
+          <a:p>
+            <a:pPr indent="0">
+              <a:buFont typeface="Arial" panose="020B0604020202020204" pitchFamily="34" charset="0"/>
+              <a:buNone/>
+            </a:pPr>
+            <a:endParaRPr lang="zh-CN" altLang="en-US" sz="1400" b="0" dirty="0">
+              <a:solidFill>
+                <a:schemeClr val="tx1">
+                  <a:lumMod val="85000"/>
+                  <a:lumOff val="15000"/>
+                </a:schemeClr>
+              </a:solidFill>
+              <a:latin typeface="+mn-ea"/>
+              <a:ea typeface="+mn-ea"/>
+            </a:endParaRPr>
+          </a:p>
+          <a:p>
+            <a:endParaRPr lang="zh-CN" altLang="en-US" sz="1400" b="0" dirty="0">
+              <a:solidFill>
+                <a:schemeClr val="tx1">
+                  <a:lumMod val="85000"/>
+                  <a:lumOff val="15000"/>
+                </a:schemeClr>
+              </a:solidFill>
+              <a:latin typeface="+mn-ea"/>
+              <a:ea typeface="+mn-ea"/>
+            </a:endParaRPr>
+          </a:p>
+        </p:txBody>
+      </p:sp>
     </p:spTree>
   </p:cSld>
   <p:clrMapOvr>
@@ -4520,47 +6180,9 @@
           <a:chExt cx="0" cy="0"/>
         </a:xfrm>
       </p:grpSpPr>
-      <p:cxnSp>
-        <p:nvCxnSpPr>
-          <p:cNvPr id="8" name="直接连接符 7"/>
-          <p:cNvCxnSpPr/>
-          <p:nvPr/>
-        </p:nvCxnSpPr>
-        <p:spPr>
-          <a:xfrm>
-            <a:off x="3203848" y="2885182"/>
-            <a:ext cx="3024336" cy="0"/>
-          </a:xfrm>
-          <a:prstGeom prst="line">
-            <a:avLst/>
-          </a:prstGeom>
-          <a:ln>
-            <a:solidFill>
-              <a:srgbClr val="B69F7F"/>
-            </a:solidFill>
-            <a:prstDash val="sysDash"/>
-            <a:headEnd type="diamond" w="med" len="med"/>
-            <a:tailEnd type="diamond" w="med" len="med"/>
-          </a:ln>
-        </p:spPr>
-        <p:style>
-          <a:lnRef idx="1">
-            <a:schemeClr val="accent1"/>
-          </a:lnRef>
-          <a:fillRef idx="0">
-            <a:schemeClr val="accent1"/>
-          </a:fillRef>
-          <a:effectRef idx="0">
-            <a:schemeClr val="accent1"/>
-          </a:effectRef>
-          <a:fontRef idx="minor">
-            <a:schemeClr val="tx1"/>
-          </a:fontRef>
-        </p:style>
-      </p:cxnSp>
-      <p:sp>
-        <p:nvSpPr>
-          <p:cNvPr id="3" name="标题 2"/>
+      <p:sp>
+        <p:nvSpPr>
+          <p:cNvPr id="2" name="标题 1"/>
           <p:cNvSpPr>
             <a:spLocks noGrp="1"/>
           </p:cNvSpPr>
@@ -4570,214 +6192,37 @@
         </p:nvSpPr>
         <p:spPr/>
         <p:txBody>
-          <a:bodyPr/>
-          <a:lstStyle/>
-          <a:p>
-            <a:r>
-              <a:rPr lang="zh-CN" altLang="en-US" dirty="0" smtClean="0"/>
-              <a:t>目录</a:t>
-            </a:r>
-            <a:endParaRPr lang="zh-CN" altLang="en-US" dirty="0"/>
-          </a:p>
-        </p:txBody>
-      </p:sp>
-      <p:grpSp>
-        <p:nvGrpSpPr>
-          <p:cNvPr id="4" name="组合 3"/>
-          <p:cNvGrpSpPr/>
-          <p:nvPr/>
-        </p:nvGrpSpPr>
-        <p:grpSpPr>
-          <a:xfrm>
-            <a:off x="3203848" y="2283718"/>
-            <a:ext cx="3219880" cy="720080"/>
-            <a:chOff x="3296336" y="1840758"/>
-            <a:chExt cx="3219880" cy="720080"/>
-          </a:xfrm>
-        </p:grpSpPr>
-        <p:pic>
-          <p:nvPicPr>
-            <p:cNvPr id="5" name="图片 4"/>
-            <p:cNvPicPr>
-              <a:picLocks noChangeAspect="1"/>
-            </p:cNvPicPr>
-            <p:nvPr/>
-          </p:nvPicPr>
-          <p:blipFill>
-            <a:blip r:embed="rId1" cstate="print">
-              <a:extLst>
-                <a:ext uri="{28A0092B-C50C-407E-A947-70E740481C1C}">
-                  <a14:useLocalDpi xmlns:a14="http://schemas.microsoft.com/office/drawing/2010/main" val="0"/>
-                </a:ext>
-              </a:extLst>
-            </a:blip>
-            <a:stretch>
-              <a:fillRect/>
-            </a:stretch>
-          </p:blipFill>
-          <p:spPr>
-            <a:xfrm>
-              <a:off x="3296336" y="1840758"/>
-              <a:ext cx="1092728" cy="720080"/>
-            </a:xfrm>
-            <a:prstGeom prst="rect">
-              <a:avLst/>
-            </a:prstGeom>
-          </p:spPr>
-        </p:pic>
-        <p:sp>
-          <p:nvSpPr>
-            <p:cNvPr id="6" name="TextBox 5"/>
-            <p:cNvSpPr txBox="1"/>
-            <p:nvPr/>
-          </p:nvSpPr>
-          <p:spPr>
-            <a:xfrm>
-              <a:off x="4139952" y="2107066"/>
-              <a:ext cx="2376264" cy="338554"/>
-            </a:xfrm>
-            <a:prstGeom prst="rect">
-              <a:avLst/>
-            </a:prstGeom>
-            <a:noFill/>
-          </p:spPr>
-          <p:txBody>
-            <a:bodyPr wrap="square" rtlCol="0">
-              <a:spAutoFit/>
-            </a:bodyPr>
-            <a:lstStyle/>
-            <a:p>
-              <a:r>
-                <a:rPr lang="zh-CN" altLang="en-US" sz="1600" dirty="0" smtClean="0"/>
-                <a:t>单击此处添加标题</a:t>
-              </a:r>
-              <a:endParaRPr lang="zh-CN" altLang="en-US" sz="1600" dirty="0"/>
-            </a:p>
-          </p:txBody>
-        </p:sp>
-      </p:grpSp>
-      <p:sp>
-        <p:nvSpPr>
-          <p:cNvPr id="9" name="TextBox 8"/>
-          <p:cNvSpPr txBox="1"/>
-          <p:nvPr/>
-        </p:nvSpPr>
-        <p:spPr>
-          <a:xfrm>
-            <a:off x="4052400" y="2992149"/>
-            <a:ext cx="2673516" cy="954107"/>
-          </a:xfrm>
-          <a:prstGeom prst="rect">
-            <a:avLst/>
-          </a:prstGeom>
-          <a:noFill/>
-        </p:spPr>
-        <p:txBody>
-          <a:bodyPr wrap="square" rtlCol="0">
-            <a:spAutoFit/>
+          <a:bodyPr>
+            <a:normAutofit/>
           </a:bodyPr>
           <a:lstStyle/>
           <a:p>
-            <a:pPr marL="285750" indent="-285750">
-              <a:buFont typeface="Arial" panose="020B0604020202020204" pitchFamily="34" charset="0"/>
-              <a:buChar char="•"/>
-            </a:pPr>
-            <a:r>
-              <a:rPr lang="zh-CN" altLang="en-US" sz="1400" dirty="0" smtClean="0">
-                <a:solidFill>
-                  <a:schemeClr val="tx1">
-                    <a:lumMod val="85000"/>
-                    <a:lumOff val="15000"/>
-                  </a:schemeClr>
-                </a:solidFill>
-              </a:rPr>
-              <a:t>添加小标题文本</a:t>
-            </a:r>
-            <a:endParaRPr lang="en-US" altLang="zh-CN" sz="1400" dirty="0" smtClean="0">
-              <a:solidFill>
-                <a:schemeClr val="tx1">
-                  <a:lumMod val="85000"/>
-                  <a:lumOff val="15000"/>
-                </a:schemeClr>
-              </a:solidFill>
-            </a:endParaRPr>
-          </a:p>
-          <a:p>
-            <a:pPr marL="285750" indent="-285750">
-              <a:buFont typeface="Arial" panose="020B0604020202020204" pitchFamily="34" charset="0"/>
-              <a:buChar char="•"/>
-            </a:pPr>
-            <a:r>
-              <a:rPr lang="zh-CN" altLang="en-US" sz="1400" dirty="0" smtClean="0">
-                <a:solidFill>
-                  <a:schemeClr val="tx1">
-                    <a:lumMod val="85000"/>
-                    <a:lumOff val="15000"/>
-                  </a:schemeClr>
-                </a:solidFill>
-              </a:rPr>
-              <a:t>添加小标题文本</a:t>
-            </a:r>
-            <a:endParaRPr lang="zh-CN" altLang="en-US" sz="1400" dirty="0" smtClean="0">
-              <a:solidFill>
-                <a:schemeClr val="tx1">
-                  <a:lumMod val="85000"/>
-                  <a:lumOff val="15000"/>
-                </a:schemeClr>
-              </a:solidFill>
-            </a:endParaRPr>
-          </a:p>
-          <a:p>
-            <a:pPr marL="285750" indent="-285750">
-              <a:buFont typeface="Arial" panose="020B0604020202020204" pitchFamily="34" charset="0"/>
-              <a:buChar char="•"/>
-            </a:pPr>
-            <a:r>
-              <a:rPr lang="zh-CN" altLang="en-US" sz="1400" dirty="0" smtClean="0">
-                <a:solidFill>
-                  <a:schemeClr val="tx1">
-                    <a:lumMod val="85000"/>
-                    <a:lumOff val="15000"/>
-                  </a:schemeClr>
-                </a:solidFill>
-              </a:rPr>
-              <a:t>添加小标题文本</a:t>
-            </a:r>
-            <a:endParaRPr lang="zh-CN" altLang="en-US" sz="1400" dirty="0" smtClean="0">
-              <a:solidFill>
-                <a:schemeClr val="tx1">
-                  <a:lumMod val="85000"/>
-                  <a:lumOff val="15000"/>
-                </a:schemeClr>
-              </a:solidFill>
-            </a:endParaRPr>
-          </a:p>
-          <a:p>
-            <a:pPr marL="285750" indent="-285750">
-              <a:buFont typeface="Arial" panose="020B0604020202020204" pitchFamily="34" charset="0"/>
-              <a:buChar char="•"/>
-            </a:pPr>
-            <a:endParaRPr lang="zh-CN" altLang="en-US" sz="1400" dirty="0">
-              <a:solidFill>
-                <a:schemeClr val="tx1">
-                  <a:lumMod val="85000"/>
-                  <a:lumOff val="15000"/>
-                </a:schemeClr>
-              </a:solidFill>
-            </a:endParaRPr>
+            <a:r>
+              <a:rPr lang="zh-CN" altLang="en-US" sz="2800" dirty="0"/>
+              <a:t>中医治未病的渊源</a:t>
+            </a:r>
+            <a:r>
+              <a:rPr lang="en-US" altLang="zh-CN" sz="2800" dirty="0"/>
+              <a:t>--</a:t>
+            </a:r>
+            <a:r>
+              <a:rPr lang="zh-CN" altLang="en-US" sz="2800" baseline="-25000" dirty="0"/>
+              <a:t>奠基于战国时期</a:t>
+            </a:r>
+            <a:endParaRPr lang="zh-CN" altLang="en-US" sz="2800" baseline="-25000" dirty="0"/>
           </a:p>
         </p:txBody>
       </p:sp>
       <p:pic>
         <p:nvPicPr>
-          <p:cNvPr id="10" name="Picture 2" descr="E:\我的作品\4比3标准\中国风\传统风格类型模板\PSD276667.png"/>
+          <p:cNvPr id="16" name="Picture 2" descr="E:\我的作品\4比3标准\中国风\传统风格类型模板\PSD276667.png"/>
           <p:cNvPicPr>
             <a:picLocks noChangeAspect="1" noChangeArrowheads="1"/>
           </p:cNvPicPr>
           <p:nvPr/>
         </p:nvPicPr>
         <p:blipFill>
-          <a:blip r:embed="rId2" cstate="print">
+          <a:blip r:embed="rId1" cstate="print">
             <a:extLst>
               <a:ext uri="{28A0092B-C50C-407E-A947-70E740481C1C}">
                 <a14:useLocalDpi xmlns:a14="http://schemas.microsoft.com/office/drawing/2010/main" val="0"/>
@@ -4809,6 +6254,707 @@
           </a:extLst>
         </p:spPr>
       </p:pic>
+      <p:sp>
+        <p:nvSpPr>
+          <p:cNvPr id="308234" name="文本框 308233"/>
+          <p:cNvSpPr txBox="1"/>
+          <p:nvPr/>
+        </p:nvSpPr>
+        <p:spPr>
+          <a:xfrm>
+            <a:off x="1254125" y="2092008"/>
+            <a:ext cx="2233613" cy="2306955"/>
+          </a:xfrm>
+          <a:prstGeom prst="rect">
+            <a:avLst/>
+          </a:prstGeom>
+          <a:noFill/>
+          <a:ln w="9525">
+            <a:noFill/>
+          </a:ln>
+        </p:spPr>
+        <p:txBody>
+          <a:bodyPr wrap="square">
+            <a:spAutoFit/>
+          </a:bodyPr>
+          <a:p>
+            <a:r>
+              <a:rPr lang="en-US" altLang="zh-CN" b="1" dirty="0">
+                <a:solidFill>
+                  <a:schemeClr val="hlink"/>
+                </a:solidFill>
+              </a:rPr>
+              <a:t>《</a:t>
+            </a:r>
+            <a:r>
+              <a:rPr lang="zh-CN" altLang="en-US" b="1" dirty="0">
+                <a:solidFill>
+                  <a:schemeClr val="hlink"/>
+                </a:solidFill>
+              </a:rPr>
+              <a:t>黄帝内经</a:t>
+            </a:r>
+            <a:r>
+              <a:rPr lang="en-US" altLang="zh-CN" b="1">
+                <a:solidFill>
+                  <a:schemeClr val="hlink"/>
+                </a:solidFill>
+                <a:latin typeface="Arial" panose="020B0604020202020204" pitchFamily="34" charset="0"/>
+              </a:rPr>
+              <a:t>·</a:t>
+            </a:r>
+            <a:r>
+              <a:rPr lang="zh-CN" altLang="en-US" b="1" dirty="0">
+                <a:solidFill>
+                  <a:schemeClr val="hlink"/>
+                </a:solidFill>
+              </a:rPr>
+              <a:t>素问</a:t>
+            </a:r>
+            <a:r>
+              <a:rPr lang="en-US" altLang="zh-CN" b="1">
+                <a:solidFill>
+                  <a:schemeClr val="hlink"/>
+                </a:solidFill>
+              </a:rPr>
+              <a:t>》</a:t>
+            </a:r>
+            <a:endParaRPr lang="en-US" altLang="zh-CN" b="1"/>
+          </a:p>
+          <a:p>
+            <a:r>
+              <a:rPr lang="en-US" altLang="zh-CN" b="1" dirty="0"/>
+              <a:t>“</a:t>
+            </a:r>
+            <a:r>
+              <a:rPr lang="zh-CN" altLang="en-US" b="1" dirty="0"/>
+              <a:t>圣人不治已病治未病，不治已乱治未乱</a:t>
+            </a:r>
+            <a:r>
+              <a:rPr lang="en-US" altLang="zh-CN" b="1" dirty="0"/>
+              <a:t>⋯⋯</a:t>
+            </a:r>
+            <a:r>
+              <a:rPr lang="zh-CN" altLang="en-US" b="1" dirty="0"/>
+              <a:t>夫病已成而后药之，乱已成而后治之，譬犹渴而穿井，斗而铸锥，不亦晚乎”。</a:t>
+            </a:r>
+            <a:endParaRPr lang="zh-CN" altLang="en-US" b="1"/>
+          </a:p>
+        </p:txBody>
+      </p:sp>
+      <p:sp>
+        <p:nvSpPr>
+          <p:cNvPr id="308235" name="任意多边形 308234"/>
+          <p:cNvSpPr/>
+          <p:nvPr/>
+        </p:nvSpPr>
+        <p:spPr>
+          <a:xfrm>
+            <a:off x="3487738" y="1877060"/>
+            <a:ext cx="903287" cy="1241425"/>
+          </a:xfrm>
+          <a:custGeom>
+            <a:avLst/>
+            <a:gdLst/>
+            <a:ahLst/>
+            <a:cxnLst/>
+            <a:pathLst>
+              <a:path w="580" h="798">
+                <a:moveTo>
+                  <a:pt x="580" y="0"/>
+                </a:moveTo>
+                <a:lnTo>
+                  <a:pt x="578" y="90"/>
+                </a:lnTo>
+                <a:lnTo>
+                  <a:pt x="568" y="174"/>
+                </a:lnTo>
+                <a:lnTo>
+                  <a:pt x="552" y="252"/>
+                </a:lnTo>
+                <a:lnTo>
+                  <a:pt x="526" y="324"/>
+                </a:lnTo>
+                <a:lnTo>
+                  <a:pt x="494" y="390"/>
+                </a:lnTo>
+                <a:lnTo>
+                  <a:pt x="452" y="450"/>
+                </a:lnTo>
+                <a:lnTo>
+                  <a:pt x="402" y="508"/>
+                </a:lnTo>
+                <a:lnTo>
+                  <a:pt x="342" y="560"/>
+                </a:lnTo>
+                <a:lnTo>
+                  <a:pt x="270" y="610"/>
+                </a:lnTo>
+                <a:lnTo>
+                  <a:pt x="188" y="656"/>
+                </a:lnTo>
+                <a:lnTo>
+                  <a:pt x="188" y="798"/>
+                </a:lnTo>
+                <a:lnTo>
+                  <a:pt x="0" y="514"/>
+                </a:lnTo>
+                <a:lnTo>
+                  <a:pt x="188" y="230"/>
+                </a:lnTo>
+                <a:lnTo>
+                  <a:pt x="188" y="372"/>
+                </a:lnTo>
+                <a:lnTo>
+                  <a:pt x="224" y="368"/>
+                </a:lnTo>
+                <a:lnTo>
+                  <a:pt x="264" y="356"/>
+                </a:lnTo>
+                <a:lnTo>
+                  <a:pt x="306" y="336"/>
+                </a:lnTo>
+                <a:lnTo>
+                  <a:pt x="348" y="310"/>
+                </a:lnTo>
+                <a:lnTo>
+                  <a:pt x="392" y="280"/>
+                </a:lnTo>
+                <a:lnTo>
+                  <a:pt x="432" y="246"/>
+                </a:lnTo>
+                <a:lnTo>
+                  <a:pt x="472" y="208"/>
+                </a:lnTo>
+                <a:lnTo>
+                  <a:pt x="506" y="166"/>
+                </a:lnTo>
+                <a:lnTo>
+                  <a:pt x="536" y="124"/>
+                </a:lnTo>
+                <a:lnTo>
+                  <a:pt x="558" y="82"/>
+                </a:lnTo>
+                <a:lnTo>
+                  <a:pt x="574" y="40"/>
+                </a:lnTo>
+                <a:lnTo>
+                  <a:pt x="578" y="0"/>
+                </a:lnTo>
+                <a:lnTo>
+                  <a:pt x="580" y="0"/>
+                </a:lnTo>
+                <a:close/>
+              </a:path>
+            </a:pathLst>
+          </a:custGeom>
+          <a:gradFill rotWithShape="1">
+            <a:gsLst>
+              <a:gs pos="0">
+                <a:schemeClr val="accent2">
+                  <a:alpha val="100000"/>
+                </a:schemeClr>
+              </a:gs>
+              <a:gs pos="100000">
+                <a:schemeClr val="accent2">
+                  <a:gamma/>
+                  <a:tint val="63529"/>
+                  <a:invGamma/>
+                  <a:alpha val="100000"/>
+                </a:schemeClr>
+              </a:gs>
+            </a:gsLst>
+            <a:lin ang="0" scaled="1"/>
+            <a:tileRect/>
+          </a:gradFill>
+          <a:ln w="0">
+            <a:noFill/>
+          </a:ln>
+        </p:spPr>
+        <p:txBody>
+          <a:bodyPr/>
+          <a:p>
+            <a:endParaRPr lang="zh-CN" altLang="en-US"/>
+          </a:p>
+        </p:txBody>
+      </p:sp>
+      <p:sp>
+        <p:nvSpPr>
+          <p:cNvPr id="308236" name="矩形 308235"/>
+          <p:cNvSpPr>
+            <a:spLocks noChangeAspect="1" noTextEdit="1"/>
+          </p:cNvSpPr>
+          <p:nvPr/>
+        </p:nvSpPr>
+        <p:spPr>
+          <a:xfrm flipH="1">
+            <a:off x="5133975" y="1873885"/>
+            <a:ext cx="909638" cy="1244600"/>
+          </a:xfrm>
+          <a:prstGeom prst="rect">
+            <a:avLst/>
+          </a:prstGeom>
+          <a:noFill/>
+          <a:ln w="9525">
+            <a:noFill/>
+          </a:ln>
+        </p:spPr>
+        <p:txBody>
+          <a:bodyPr/>
+          <a:p>
+            <a:endParaRPr lang="zh-CN" altLang="en-US"/>
+          </a:p>
+        </p:txBody>
+      </p:sp>
+      <p:sp>
+        <p:nvSpPr>
+          <p:cNvPr id="308237" name="任意多边形 308236"/>
+          <p:cNvSpPr/>
+          <p:nvPr/>
+        </p:nvSpPr>
+        <p:spPr>
+          <a:xfrm flipH="1">
+            <a:off x="5140325" y="1877060"/>
+            <a:ext cx="903288" cy="1241425"/>
+          </a:xfrm>
+          <a:custGeom>
+            <a:avLst/>
+            <a:gdLst/>
+            <a:ahLst/>
+            <a:cxnLst/>
+            <a:pathLst>
+              <a:path w="580" h="798">
+                <a:moveTo>
+                  <a:pt x="580" y="0"/>
+                </a:moveTo>
+                <a:lnTo>
+                  <a:pt x="578" y="90"/>
+                </a:lnTo>
+                <a:lnTo>
+                  <a:pt x="568" y="174"/>
+                </a:lnTo>
+                <a:lnTo>
+                  <a:pt x="552" y="252"/>
+                </a:lnTo>
+                <a:lnTo>
+                  <a:pt x="526" y="324"/>
+                </a:lnTo>
+                <a:lnTo>
+                  <a:pt x="494" y="390"/>
+                </a:lnTo>
+                <a:lnTo>
+                  <a:pt x="452" y="450"/>
+                </a:lnTo>
+                <a:lnTo>
+                  <a:pt x="402" y="508"/>
+                </a:lnTo>
+                <a:lnTo>
+                  <a:pt x="342" y="560"/>
+                </a:lnTo>
+                <a:lnTo>
+                  <a:pt x="270" y="610"/>
+                </a:lnTo>
+                <a:lnTo>
+                  <a:pt x="188" y="656"/>
+                </a:lnTo>
+                <a:lnTo>
+                  <a:pt x="188" y="798"/>
+                </a:lnTo>
+                <a:lnTo>
+                  <a:pt x="0" y="514"/>
+                </a:lnTo>
+                <a:lnTo>
+                  <a:pt x="188" y="230"/>
+                </a:lnTo>
+                <a:lnTo>
+                  <a:pt x="188" y="372"/>
+                </a:lnTo>
+                <a:lnTo>
+                  <a:pt x="224" y="368"/>
+                </a:lnTo>
+                <a:lnTo>
+                  <a:pt x="264" y="356"/>
+                </a:lnTo>
+                <a:lnTo>
+                  <a:pt x="306" y="336"/>
+                </a:lnTo>
+                <a:lnTo>
+                  <a:pt x="348" y="310"/>
+                </a:lnTo>
+                <a:lnTo>
+                  <a:pt x="392" y="280"/>
+                </a:lnTo>
+                <a:lnTo>
+                  <a:pt x="432" y="246"/>
+                </a:lnTo>
+                <a:lnTo>
+                  <a:pt x="472" y="208"/>
+                </a:lnTo>
+                <a:lnTo>
+                  <a:pt x="506" y="166"/>
+                </a:lnTo>
+                <a:lnTo>
+                  <a:pt x="536" y="124"/>
+                </a:lnTo>
+                <a:lnTo>
+                  <a:pt x="558" y="82"/>
+                </a:lnTo>
+                <a:lnTo>
+                  <a:pt x="574" y="40"/>
+                </a:lnTo>
+                <a:lnTo>
+                  <a:pt x="578" y="0"/>
+                </a:lnTo>
+                <a:lnTo>
+                  <a:pt x="580" y="0"/>
+                </a:lnTo>
+                <a:close/>
+              </a:path>
+            </a:pathLst>
+          </a:custGeom>
+          <a:gradFill rotWithShape="1">
+            <a:gsLst>
+              <a:gs pos="0">
+                <a:schemeClr val="hlink">
+                  <a:alpha val="100000"/>
+                </a:schemeClr>
+              </a:gs>
+              <a:gs pos="100000">
+                <a:schemeClr val="hlink">
+                  <a:gamma/>
+                  <a:tint val="31765"/>
+                  <a:invGamma/>
+                  <a:alpha val="100000"/>
+                </a:schemeClr>
+              </a:gs>
+            </a:gsLst>
+            <a:lin ang="0" scaled="1"/>
+            <a:tileRect/>
+          </a:gradFill>
+          <a:ln w="0">
+            <a:noFill/>
+          </a:ln>
+        </p:spPr>
+        <p:txBody>
+          <a:bodyPr/>
+          <a:p>
+            <a:endParaRPr lang="zh-CN" altLang="en-US"/>
+          </a:p>
+        </p:txBody>
+      </p:sp>
+      <p:sp>
+        <p:nvSpPr>
+          <p:cNvPr id="308246" name="文本框 308245"/>
+          <p:cNvSpPr txBox="1"/>
+          <p:nvPr/>
+        </p:nvSpPr>
+        <p:spPr>
+          <a:xfrm>
+            <a:off x="4072255" y="1054418"/>
+            <a:ext cx="1409700" cy="822325"/>
+          </a:xfrm>
+          <a:prstGeom prst="rect">
+            <a:avLst/>
+          </a:prstGeom>
+          <a:noFill/>
+          <a:ln w="9525">
+            <a:noFill/>
+          </a:ln>
+        </p:spPr>
+        <p:txBody>
+          <a:bodyPr wrap="none" anchor="t">
+            <a:spAutoFit/>
+          </a:bodyPr>
+          <a:p>
+            <a:pPr algn="ctr"/>
+            <a:r>
+              <a:rPr lang="zh-CN" altLang="en-US" sz="2400" b="1" dirty="0">
+                <a:solidFill>
+                  <a:srgbClr val="FF66FF"/>
+                </a:solidFill>
+              </a:rPr>
+              <a:t>理论提出</a:t>
+            </a:r>
+            <a:endParaRPr lang="zh-CN" altLang="en-US" sz="2400" b="1" dirty="0">
+              <a:solidFill>
+                <a:srgbClr val="FF66FF"/>
+              </a:solidFill>
+            </a:endParaRPr>
+          </a:p>
+          <a:p>
+            <a:pPr algn="ctr"/>
+            <a:r>
+              <a:rPr lang="zh-CN" altLang="en-US" sz="2400" b="1" dirty="0">
+                <a:solidFill>
+                  <a:srgbClr val="FF66FF"/>
+                </a:solidFill>
+              </a:rPr>
+              <a:t>实践应用</a:t>
+            </a:r>
+            <a:endParaRPr lang="zh-CN" altLang="en-US" sz="2400" b="1" dirty="0">
+              <a:solidFill>
+                <a:srgbClr val="FF66FF"/>
+              </a:solidFill>
+            </a:endParaRPr>
+          </a:p>
+        </p:txBody>
+      </p:sp>
+      <p:sp>
+        <p:nvSpPr>
+          <p:cNvPr id="308247" name="文本框 308246"/>
+          <p:cNvSpPr txBox="1"/>
+          <p:nvPr/>
+        </p:nvSpPr>
+        <p:spPr>
+          <a:xfrm>
+            <a:off x="6043613" y="2038033"/>
+            <a:ext cx="2038350" cy="2563812"/>
+          </a:xfrm>
+          <a:prstGeom prst="rect">
+            <a:avLst/>
+          </a:prstGeom>
+          <a:noFill/>
+          <a:ln w="9525">
+            <a:noFill/>
+          </a:ln>
+        </p:spPr>
+        <p:txBody>
+          <a:bodyPr>
+            <a:spAutoFit/>
+          </a:bodyPr>
+          <a:p>
+            <a:r>
+              <a:rPr lang="en-US" altLang="zh-CN" b="1" dirty="0">
+                <a:solidFill>
+                  <a:schemeClr val="hlink"/>
+                </a:solidFill>
+              </a:rPr>
+              <a:t>《</a:t>
+            </a:r>
+            <a:r>
+              <a:rPr lang="zh-CN" altLang="en-US" b="1" dirty="0">
+                <a:solidFill>
+                  <a:schemeClr val="hlink"/>
+                </a:solidFill>
+              </a:rPr>
+              <a:t>素问</a:t>
+            </a:r>
+            <a:r>
+              <a:rPr lang="en-US" altLang="zh-CN" b="1">
+                <a:solidFill>
+                  <a:schemeClr val="hlink"/>
+                </a:solidFill>
+                <a:latin typeface="Arial" panose="020B0604020202020204" pitchFamily="34" charset="0"/>
+              </a:rPr>
+              <a:t>·</a:t>
+            </a:r>
+            <a:r>
+              <a:rPr lang="zh-CN" altLang="en-US" b="1" dirty="0">
+                <a:solidFill>
+                  <a:schemeClr val="hlink"/>
+                </a:solidFill>
+              </a:rPr>
+              <a:t>刺热篇</a:t>
+            </a:r>
+            <a:r>
+              <a:rPr lang="en-US" altLang="zh-CN" b="1">
+                <a:solidFill>
+                  <a:schemeClr val="hlink"/>
+                </a:solidFill>
+              </a:rPr>
+              <a:t>》</a:t>
+            </a:r>
+            <a:endParaRPr lang="en-US" altLang="zh-CN" b="1">
+              <a:solidFill>
+                <a:schemeClr val="hlink"/>
+              </a:solidFill>
+            </a:endParaRPr>
+          </a:p>
+          <a:p>
+            <a:r>
+              <a:rPr lang="en-US" altLang="zh-CN" b="1" dirty="0"/>
+              <a:t>“</a:t>
+            </a:r>
+            <a:r>
+              <a:rPr lang="zh-CN" altLang="en-US" b="1" dirty="0"/>
+              <a:t>肝热病者</a:t>
+            </a:r>
+            <a:r>
+              <a:rPr lang="en-US" altLang="zh-CN" b="1" dirty="0"/>
+              <a:t>,</a:t>
+            </a:r>
+            <a:r>
+              <a:rPr lang="zh-CN" altLang="en-US" b="1" dirty="0"/>
+              <a:t>左颊先赤</a:t>
+            </a:r>
+            <a:r>
+              <a:rPr lang="en-US" altLang="zh-CN" b="1" dirty="0"/>
+              <a:t>;</a:t>
+            </a:r>
+            <a:r>
+              <a:rPr lang="zh-CN" altLang="en-US" b="1" dirty="0"/>
+              <a:t>心热病者</a:t>
+            </a:r>
+            <a:r>
+              <a:rPr lang="en-US" altLang="zh-CN" b="1" dirty="0"/>
+              <a:t>,</a:t>
+            </a:r>
+            <a:r>
+              <a:rPr lang="zh-CN" altLang="en-US" b="1" dirty="0"/>
+              <a:t>颜先赤</a:t>
+            </a:r>
+            <a:r>
+              <a:rPr lang="en-US" altLang="zh-CN" b="1" dirty="0"/>
+              <a:t>;</a:t>
+            </a:r>
+            <a:r>
+              <a:rPr lang="zh-CN" altLang="en-US" b="1" dirty="0"/>
+              <a:t>脾热病者</a:t>
+            </a:r>
+            <a:r>
+              <a:rPr lang="en-US" altLang="zh-CN" b="1" dirty="0"/>
+              <a:t>,</a:t>
+            </a:r>
+            <a:r>
+              <a:rPr lang="zh-CN" altLang="en-US" b="1" dirty="0"/>
+              <a:t>鼻先赤</a:t>
+            </a:r>
+            <a:r>
+              <a:rPr lang="en-US" altLang="zh-CN" b="1" dirty="0"/>
+              <a:t>;</a:t>
+            </a:r>
+            <a:r>
+              <a:rPr lang="zh-CN" altLang="en-US" b="1" dirty="0"/>
+              <a:t>肺热病者</a:t>
+            </a:r>
+            <a:r>
+              <a:rPr lang="en-US" altLang="zh-CN" b="1" dirty="0"/>
+              <a:t>,</a:t>
+            </a:r>
+            <a:r>
+              <a:rPr lang="zh-CN" altLang="en-US" b="1" dirty="0"/>
+              <a:t>右颊先赤</a:t>
+            </a:r>
+            <a:r>
+              <a:rPr lang="en-US" altLang="zh-CN" b="1" dirty="0"/>
+              <a:t>;</a:t>
+            </a:r>
+            <a:r>
+              <a:rPr lang="zh-CN" altLang="en-US" b="1" dirty="0"/>
+              <a:t>肾热病者</a:t>
+            </a:r>
+            <a:r>
+              <a:rPr lang="en-US" altLang="zh-CN" b="1" dirty="0"/>
+              <a:t>,</a:t>
+            </a:r>
+            <a:r>
+              <a:rPr lang="zh-CN" altLang="en-US" b="1" dirty="0"/>
+              <a:t>颐先赤</a:t>
+            </a:r>
+            <a:r>
+              <a:rPr lang="en-US" altLang="zh-CN" b="1" dirty="0"/>
+              <a:t>;</a:t>
+            </a:r>
+            <a:r>
+              <a:rPr lang="zh-CN" altLang="en-US" b="1" dirty="0"/>
+              <a:t>病虽未发</a:t>
+            </a:r>
+            <a:r>
+              <a:rPr lang="en-US" altLang="zh-CN" b="1" dirty="0"/>
+              <a:t>,</a:t>
+            </a:r>
+            <a:r>
+              <a:rPr lang="zh-CN" altLang="en-US" b="1" dirty="0"/>
+              <a:t>见赤色者刺之</a:t>
+            </a:r>
+            <a:r>
+              <a:rPr lang="en-US" altLang="zh-CN" b="1" dirty="0"/>
+              <a:t>,</a:t>
+            </a:r>
+            <a:r>
+              <a:rPr lang="zh-CN" altLang="en-US" b="1" dirty="0"/>
+              <a:t>名曰治未病也。”</a:t>
+            </a:r>
+            <a:r>
+              <a:rPr lang="zh-CN" altLang="en-US" dirty="0"/>
+              <a:t>      </a:t>
+            </a:r>
+            <a:endParaRPr lang="zh-CN" altLang="en-US" dirty="0"/>
+          </a:p>
+        </p:txBody>
+      </p:sp>
+      <p:sp>
+        <p:nvSpPr>
+          <p:cNvPr id="308233" name="圆角矩形 308232"/>
+          <p:cNvSpPr/>
+          <p:nvPr/>
+        </p:nvSpPr>
+        <p:spPr>
+          <a:xfrm>
+            <a:off x="958850" y="2092008"/>
+            <a:ext cx="2528888" cy="2667000"/>
+          </a:xfrm>
+          <a:prstGeom prst="roundRect">
+            <a:avLst>
+              <a:gd name="adj" fmla="val 16667"/>
+            </a:avLst>
+          </a:prstGeom>
+          <a:noFill/>
+          <a:ln w="38100" cap="flat" cmpd="sng">
+            <a:solidFill>
+              <a:schemeClr val="tx1"/>
+            </a:solidFill>
+            <a:prstDash val="solid"/>
+            <a:headEnd type="none" w="med" len="med"/>
+            <a:tailEnd type="none" w="med" len="med"/>
+          </a:ln>
+        </p:spPr>
+        <p:txBody>
+          <a:bodyPr wrap="none" anchor="ctr"/>
+          <a:p>
+            <a:pPr algn="ctr"/>
+            <a:endParaRPr dirty="0">
+              <a:latin typeface="Verdana" panose="020B0604030504040204" pitchFamily="34" charset="0"/>
+            </a:endParaRPr>
+          </a:p>
+        </p:txBody>
+      </p:sp>
+      <p:sp>
+        <p:nvSpPr>
+          <p:cNvPr id="3" name="圆角矩形 2"/>
+          <p:cNvSpPr/>
+          <p:nvPr/>
+        </p:nvSpPr>
+        <p:spPr>
+          <a:xfrm>
+            <a:off x="5942965" y="2038350"/>
+            <a:ext cx="2253615" cy="2667000"/>
+          </a:xfrm>
+          <a:prstGeom prst="roundRect">
+            <a:avLst>
+              <a:gd name="adj" fmla="val 16667"/>
+            </a:avLst>
+          </a:prstGeom>
+          <a:noFill/>
+          <a:ln w="38100" cap="flat" cmpd="sng">
+            <a:solidFill>
+              <a:schemeClr val="tx1"/>
+            </a:solidFill>
+            <a:prstDash val="solid"/>
+            <a:headEnd type="none" w="med" len="med"/>
+            <a:tailEnd type="none" w="med" len="med"/>
+          </a:ln>
+        </p:spPr>
+        <p:txBody>
+          <a:bodyPr wrap="none" anchor="ctr"/>
+          <a:p>
+            <a:pPr algn="ctr"/>
+            <a:endParaRPr dirty="0">
+              <a:latin typeface="Verdana" panose="020B0604030504040204" pitchFamily="34" charset="0"/>
+            </a:endParaRPr>
+          </a:p>
+        </p:txBody>
+      </p:sp>
     </p:spTree>
   </p:cSld>
   <p:clrMapOvr>
@@ -4828,6 +6974,3377 @@
 </file>
 
 <file path=ppt/slides/slide5.xml><?xml version="1.0" encoding="utf-8"?>
+<p:sld xmlns:a="http://schemas.openxmlformats.org/drawingml/2006/main" xmlns:r="http://schemas.openxmlformats.org/officeDocument/2006/relationships" xmlns:p="http://schemas.openxmlformats.org/presentationml/2006/main">
+  <p:cSld>
+    <p:spTree>
+      <p:nvGrpSpPr>
+        <p:cNvPr id="1" name=""/>
+        <p:cNvGrpSpPr/>
+        <p:nvPr/>
+      </p:nvGrpSpPr>
+      <p:grpSpPr>
+        <a:xfrm>
+          <a:off x="0" y="0"/>
+          <a:ext cx="0" cy="0"/>
+          <a:chOff x="0" y="0"/>
+          <a:chExt cx="0" cy="0"/>
+        </a:xfrm>
+      </p:grpSpPr>
+      <p:sp>
+        <p:nvSpPr>
+          <p:cNvPr id="3" name="标题 2"/>
+          <p:cNvSpPr>
+            <a:spLocks noGrp="1"/>
+          </p:cNvSpPr>
+          <p:nvPr>
+            <p:ph type="title"/>
+          </p:nvPr>
+        </p:nvSpPr>
+        <p:spPr/>
+        <p:txBody>
+          <a:bodyPr>
+            <a:normAutofit/>
+          </a:bodyPr>
+          <a:lstStyle/>
+          <a:p>
+            <a:r>
+              <a:rPr lang="zh-CN" altLang="en-US" dirty="0">
+                <a:sym typeface="+mn-ea"/>
+              </a:rPr>
+              <a:t>中医治未病的渊源</a:t>
+            </a:r>
+            <a:r>
+              <a:rPr lang="en-US" altLang="zh-CN" dirty="0">
+                <a:sym typeface="+mn-ea"/>
+              </a:rPr>
+              <a:t>--</a:t>
+            </a:r>
+            <a:r>
+              <a:rPr lang="zh-CN" altLang="en-US" baseline="-25000" dirty="0">
+                <a:sym typeface="+mn-ea"/>
+              </a:rPr>
+              <a:t>发展于汉唐时期</a:t>
+            </a:r>
+            <a:endParaRPr lang="zh-CN" altLang="en-US" dirty="0"/>
+          </a:p>
+        </p:txBody>
+      </p:sp>
+      <p:pic>
+        <p:nvPicPr>
+          <p:cNvPr id="10" name="Picture 2" descr="E:\我的作品\4比3标准\中国风\传统风格类型模板\PSD276667.png"/>
+          <p:cNvPicPr>
+            <a:picLocks noChangeAspect="1" noChangeArrowheads="1"/>
+          </p:cNvPicPr>
+          <p:nvPr/>
+        </p:nvPicPr>
+        <p:blipFill>
+          <a:blip r:embed="rId1" cstate="print">
+            <a:extLst>
+              <a:ext uri="{28A0092B-C50C-407E-A947-70E740481C1C}">
+                <a14:useLocalDpi xmlns:a14="http://schemas.microsoft.com/office/drawing/2010/main" val="0"/>
+              </a:ext>
+            </a:extLst>
+          </a:blip>
+          <a:srcRect/>
+          <a:stretch>
+            <a:fillRect/>
+          </a:stretch>
+        </p:blipFill>
+        <p:spPr bwMode="auto">
+          <a:xfrm rot="1474188">
+            <a:off x="7404505" y="3299173"/>
+            <a:ext cx="1700064" cy="1525645"/>
+          </a:xfrm>
+          <a:prstGeom prst="rect">
+            <a:avLst/>
+          </a:prstGeom>
+          <a:noFill/>
+          <a:extLst>
+            <a:ext uri="{909E8E84-426E-40DD-AFC4-6F175D3DCCD1}">
+              <a14:hiddenFill xmlns:a14="http://schemas.microsoft.com/office/drawing/2010/main">
+                <a:solidFill>
+                  <a:srgbClr val="FFFFFF"/>
+                </a:solidFill>
+              </a14:hiddenFill>
+            </a:ext>
+          </a:extLst>
+        </p:spPr>
+      </p:pic>
+      <p:grpSp>
+        <p:nvGrpSpPr>
+          <p:cNvPr id="313371" name="组合 313370"/>
+          <p:cNvGrpSpPr/>
+          <p:nvPr/>
+        </p:nvGrpSpPr>
+        <p:grpSpPr>
+          <a:xfrm>
+            <a:off x="1599883" y="1109663"/>
+            <a:ext cx="5895975" cy="936625"/>
+            <a:chOff x="624" y="1152"/>
+            <a:chExt cx="4080" cy="720"/>
+          </a:xfrm>
+        </p:grpSpPr>
+        <p:sp>
+          <p:nvSpPr>
+            <p:cNvPr id="313372" name="矩形 313371"/>
+            <p:cNvSpPr/>
+            <p:nvPr/>
+          </p:nvSpPr>
+          <p:spPr>
+            <a:xfrm rot="3419336">
+              <a:off x="624" y="1200"/>
+              <a:ext cx="672" cy="672"/>
+            </a:xfrm>
+            <a:prstGeom prst="rect">
+              <a:avLst/>
+            </a:prstGeom>
+            <a:gradFill rotWithShape="1">
+              <a:gsLst>
+                <a:gs pos="0">
+                  <a:schemeClr val="hlink"/>
+                </a:gs>
+                <a:gs pos="100000">
+                  <a:schemeClr val="hlink">
+                    <a:gamma/>
+                    <a:shade val="46275"/>
+                    <a:invGamma/>
+                  </a:schemeClr>
+                </a:gs>
+              </a:gsLst>
+              <a:lin ang="5400000" scaled="1"/>
+              <a:tileRect/>
+            </a:gradFill>
+            <a:ln w="9525" cap="flat" cmpd="sng">
+              <a:prstDash val="solid"/>
+              <a:miter/>
+              <a:headEnd type="none" w="med" len="med"/>
+              <a:tailEnd type="none" w="med" len="med"/>
+            </a:ln>
+            <a:scene3d>
+              <a:camera prst="legacyPerspectiveFront">
+                <a:rot lat="0" lon="1500000" rev="0"/>
+              </a:camera>
+              <a:lightRig rig="legacyFlat4" dir="b"/>
+            </a:scene3d>
+            <a:sp3d extrusionH="887400" prstMaterial="legacyMatte">
+              <a:bevelT w="13500" h="13500" prst="angle"/>
+              <a:bevelB w="13500" h="13500" prst="angle"/>
+              <a:extrusionClr>
+                <a:schemeClr val="hlink"/>
+              </a:extrusionClr>
+            </a:sp3d>
+          </p:spPr>
+          <p:txBody>
+            <a:bodyPr/>
+            <a:p>
+              <a:endParaRPr lang="zh-CN" altLang="en-US"/>
+            </a:p>
+          </p:txBody>
+        </p:sp>
+        <p:grpSp>
+          <p:nvGrpSpPr>
+            <p:cNvPr id="313373" name="组合 313372"/>
+            <p:cNvGrpSpPr/>
+            <p:nvPr/>
+          </p:nvGrpSpPr>
+          <p:grpSpPr>
+            <a:xfrm>
+              <a:off x="1296" y="1296"/>
+              <a:ext cx="624" cy="96"/>
+              <a:chOff x="2003" y="3439"/>
+              <a:chExt cx="468" cy="244"/>
+            </a:xfrm>
+          </p:grpSpPr>
+          <p:sp>
+            <p:nvSpPr>
+              <p:cNvPr id="313374" name="椭圆 313373"/>
+              <p:cNvSpPr/>
+              <p:nvPr/>
+            </p:nvSpPr>
+            <p:spPr>
+              <a:xfrm>
+                <a:off x="2003" y="3439"/>
+                <a:ext cx="79" cy="242"/>
+              </a:xfrm>
+              <a:prstGeom prst="ellipse">
+                <a:avLst/>
+              </a:prstGeom>
+              <a:gradFill rotWithShape="0">
+                <a:gsLst>
+                  <a:gs pos="0">
+                    <a:srgbClr val="FFFFFF">
+                      <a:gamma/>
+                      <a:shade val="46275"/>
+                      <a:invGamma/>
+                    </a:srgbClr>
+                  </a:gs>
+                  <a:gs pos="50000">
+                    <a:srgbClr val="FFFFFF"/>
+                  </a:gs>
+                  <a:gs pos="100000">
+                    <a:srgbClr val="FFFFFF">
+                      <a:gamma/>
+                      <a:shade val="46275"/>
+                      <a:invGamma/>
+                    </a:srgbClr>
+                  </a:gs>
+                </a:gsLst>
+                <a:lin ang="5400000" scaled="1"/>
+                <a:tileRect/>
+              </a:gradFill>
+              <a:ln w="9525">
+                <a:noFill/>
+              </a:ln>
+            </p:spPr>
+            <p:txBody>
+              <a:bodyPr/>
+              <a:p>
+                <a:endParaRPr lang="zh-CN" altLang="en-US"/>
+              </a:p>
+            </p:txBody>
+          </p:sp>
+          <p:sp>
+            <p:nvSpPr>
+              <p:cNvPr id="313375" name="矩形 313374"/>
+              <p:cNvSpPr/>
+              <p:nvPr/>
+            </p:nvSpPr>
+            <p:spPr>
+              <a:xfrm>
+                <a:off x="2048" y="3441"/>
+                <a:ext cx="388" cy="242"/>
+              </a:xfrm>
+              <a:prstGeom prst="rect">
+                <a:avLst/>
+              </a:prstGeom>
+              <a:gradFill rotWithShape="0">
+                <a:gsLst>
+                  <a:gs pos="0">
+                    <a:srgbClr val="FFFFFF">
+                      <a:gamma/>
+                      <a:shade val="46275"/>
+                      <a:invGamma/>
+                    </a:srgbClr>
+                  </a:gs>
+                  <a:gs pos="50000">
+                    <a:srgbClr val="FFFFFF"/>
+                  </a:gs>
+                  <a:gs pos="100000">
+                    <a:srgbClr val="FFFFFF">
+                      <a:gamma/>
+                      <a:shade val="46275"/>
+                      <a:invGamma/>
+                    </a:srgbClr>
+                  </a:gs>
+                </a:gsLst>
+                <a:lin ang="5400000" scaled="1"/>
+                <a:tileRect/>
+              </a:gradFill>
+              <a:ln w="9525">
+                <a:noFill/>
+              </a:ln>
+            </p:spPr>
+            <p:txBody>
+              <a:bodyPr/>
+              <a:p>
+                <a:endParaRPr lang="zh-CN" altLang="en-US"/>
+              </a:p>
+            </p:txBody>
+          </p:sp>
+          <p:sp>
+            <p:nvSpPr>
+              <p:cNvPr id="313376" name="椭圆 313375"/>
+              <p:cNvSpPr/>
+              <p:nvPr/>
+            </p:nvSpPr>
+            <p:spPr>
+              <a:xfrm>
+                <a:off x="2400" y="3443"/>
+                <a:ext cx="71" cy="234"/>
+              </a:xfrm>
+              <a:prstGeom prst="ellipse">
+                <a:avLst/>
+              </a:prstGeom>
+              <a:gradFill rotWithShape="0">
+                <a:gsLst>
+                  <a:gs pos="0">
+                    <a:schemeClr val="bg1">
+                      <a:gamma/>
+                      <a:shade val="46275"/>
+                      <a:invGamma/>
+                    </a:schemeClr>
+                  </a:gs>
+                  <a:gs pos="50000">
+                    <a:schemeClr val="bg1"/>
+                  </a:gs>
+                  <a:gs pos="100000">
+                    <a:schemeClr val="bg1">
+                      <a:gamma/>
+                      <a:shade val="46275"/>
+                      <a:invGamma/>
+                    </a:schemeClr>
+                  </a:gs>
+                </a:gsLst>
+                <a:lin ang="5400000" scaled="1"/>
+                <a:tileRect/>
+              </a:gradFill>
+              <a:ln w="12700" cap="flat" cmpd="sng">
+                <a:solidFill>
+                  <a:schemeClr val="bg1"/>
+                </a:solidFill>
+                <a:prstDash val="solid"/>
+                <a:headEnd type="none" w="med" len="med"/>
+                <a:tailEnd type="none" w="med" len="med"/>
+              </a:ln>
+            </p:spPr>
+            <p:txBody>
+              <a:bodyPr/>
+              <a:p>
+                <a:endParaRPr lang="zh-CN" altLang="en-US"/>
+              </a:p>
+            </p:txBody>
+          </p:sp>
+          <p:sp>
+            <p:nvSpPr>
+              <p:cNvPr id="313377" name="椭圆 313376"/>
+              <p:cNvSpPr/>
+              <p:nvPr/>
+            </p:nvSpPr>
+            <p:spPr>
+              <a:xfrm>
+                <a:off x="2438" y="3519"/>
+                <a:ext cx="20" cy="69"/>
+              </a:xfrm>
+              <a:prstGeom prst="ellipse">
+                <a:avLst/>
+              </a:prstGeom>
+              <a:gradFill rotWithShape="0">
+                <a:gsLst>
+                  <a:gs pos="0">
+                    <a:schemeClr val="bg1">
+                      <a:gamma/>
+                      <a:shade val="46275"/>
+                      <a:invGamma/>
+                    </a:schemeClr>
+                  </a:gs>
+                  <a:gs pos="50000">
+                    <a:schemeClr val="bg1"/>
+                  </a:gs>
+                  <a:gs pos="100000">
+                    <a:schemeClr val="bg1">
+                      <a:gamma/>
+                      <a:shade val="46275"/>
+                      <a:invGamma/>
+                    </a:schemeClr>
+                  </a:gs>
+                </a:gsLst>
+                <a:lin ang="5400000" scaled="1"/>
+                <a:tileRect/>
+              </a:gradFill>
+              <a:ln w="9525">
+                <a:noFill/>
+              </a:ln>
+            </p:spPr>
+            <p:txBody>
+              <a:bodyPr/>
+              <a:p>
+                <a:endParaRPr lang="zh-CN" altLang="en-US"/>
+              </a:p>
+            </p:txBody>
+          </p:sp>
+        </p:grpSp>
+        <p:sp>
+          <p:nvSpPr>
+            <p:cNvPr id="313378" name="矩形 313377"/>
+            <p:cNvSpPr/>
+            <p:nvPr/>
+          </p:nvSpPr>
+          <p:spPr>
+            <a:xfrm rot="3419336">
+              <a:off x="1776" y="1152"/>
+              <a:ext cx="672" cy="672"/>
+            </a:xfrm>
+            <a:prstGeom prst="rect">
+              <a:avLst/>
+            </a:prstGeom>
+            <a:solidFill>
+              <a:schemeClr val="accent1"/>
+            </a:solidFill>
+            <a:ln w="9525" cap="flat" cmpd="sng">
+              <a:prstDash val="solid"/>
+              <a:miter/>
+              <a:headEnd type="none" w="med" len="med"/>
+              <a:tailEnd type="none" w="med" len="med"/>
+            </a:ln>
+            <a:scene3d>
+              <a:camera prst="legacyPerspectiveFront">
+                <a:rot lat="0" lon="1500000" rev="0"/>
+              </a:camera>
+              <a:lightRig rig="legacyFlat4" dir="b"/>
+            </a:scene3d>
+            <a:sp3d extrusionH="887400" prstMaterial="legacyMatte">
+              <a:bevelT w="13500" h="13500" prst="angle"/>
+              <a:bevelB w="13500" h="13500" prst="angle"/>
+              <a:extrusionClr>
+                <a:schemeClr val="accent1"/>
+              </a:extrusionClr>
+            </a:sp3d>
+          </p:spPr>
+          <p:txBody>
+            <a:bodyPr/>
+            <a:p>
+              <a:endParaRPr lang="zh-CN" altLang="en-US"/>
+            </a:p>
+          </p:txBody>
+        </p:sp>
+        <p:grpSp>
+          <p:nvGrpSpPr>
+            <p:cNvPr id="313379" name="组合 313378"/>
+            <p:cNvGrpSpPr/>
+            <p:nvPr/>
+          </p:nvGrpSpPr>
+          <p:grpSpPr>
+            <a:xfrm>
+              <a:off x="2448" y="1296"/>
+              <a:ext cx="624" cy="96"/>
+              <a:chOff x="2003" y="3439"/>
+              <a:chExt cx="468" cy="244"/>
+            </a:xfrm>
+          </p:grpSpPr>
+          <p:sp>
+            <p:nvSpPr>
+              <p:cNvPr id="313380" name="椭圆 313379"/>
+              <p:cNvSpPr/>
+              <p:nvPr/>
+            </p:nvSpPr>
+            <p:spPr>
+              <a:xfrm>
+                <a:off x="2003" y="3439"/>
+                <a:ext cx="79" cy="242"/>
+              </a:xfrm>
+              <a:prstGeom prst="ellipse">
+                <a:avLst/>
+              </a:prstGeom>
+              <a:gradFill rotWithShape="0">
+                <a:gsLst>
+                  <a:gs pos="0">
+                    <a:srgbClr val="FFFFFF">
+                      <a:gamma/>
+                      <a:shade val="46275"/>
+                      <a:invGamma/>
+                    </a:srgbClr>
+                  </a:gs>
+                  <a:gs pos="50000">
+                    <a:srgbClr val="FFFFFF"/>
+                  </a:gs>
+                  <a:gs pos="100000">
+                    <a:srgbClr val="FFFFFF">
+                      <a:gamma/>
+                      <a:shade val="46275"/>
+                      <a:invGamma/>
+                    </a:srgbClr>
+                  </a:gs>
+                </a:gsLst>
+                <a:lin ang="5400000" scaled="1"/>
+                <a:tileRect/>
+              </a:gradFill>
+              <a:ln w="9525">
+                <a:noFill/>
+              </a:ln>
+            </p:spPr>
+            <p:txBody>
+              <a:bodyPr/>
+              <a:p>
+                <a:endParaRPr lang="zh-CN" altLang="en-US"/>
+              </a:p>
+            </p:txBody>
+          </p:sp>
+          <p:sp>
+            <p:nvSpPr>
+              <p:cNvPr id="313381" name="矩形 313380"/>
+              <p:cNvSpPr/>
+              <p:nvPr/>
+            </p:nvSpPr>
+            <p:spPr>
+              <a:xfrm>
+                <a:off x="2048" y="3441"/>
+                <a:ext cx="388" cy="242"/>
+              </a:xfrm>
+              <a:prstGeom prst="rect">
+                <a:avLst/>
+              </a:prstGeom>
+              <a:gradFill rotWithShape="0">
+                <a:gsLst>
+                  <a:gs pos="0">
+                    <a:srgbClr val="FFFFFF">
+                      <a:gamma/>
+                      <a:shade val="46275"/>
+                      <a:invGamma/>
+                    </a:srgbClr>
+                  </a:gs>
+                  <a:gs pos="50000">
+                    <a:srgbClr val="FFFFFF"/>
+                  </a:gs>
+                  <a:gs pos="100000">
+                    <a:srgbClr val="FFFFFF">
+                      <a:gamma/>
+                      <a:shade val="46275"/>
+                      <a:invGamma/>
+                    </a:srgbClr>
+                  </a:gs>
+                </a:gsLst>
+                <a:lin ang="5400000" scaled="1"/>
+                <a:tileRect/>
+              </a:gradFill>
+              <a:ln w="9525">
+                <a:noFill/>
+              </a:ln>
+            </p:spPr>
+            <p:txBody>
+              <a:bodyPr/>
+              <a:p>
+                <a:endParaRPr lang="zh-CN" altLang="en-US"/>
+              </a:p>
+            </p:txBody>
+          </p:sp>
+          <p:sp>
+            <p:nvSpPr>
+              <p:cNvPr id="313382" name="椭圆 313381"/>
+              <p:cNvSpPr/>
+              <p:nvPr/>
+            </p:nvSpPr>
+            <p:spPr>
+              <a:xfrm>
+                <a:off x="2400" y="3443"/>
+                <a:ext cx="71" cy="234"/>
+              </a:xfrm>
+              <a:prstGeom prst="ellipse">
+                <a:avLst/>
+              </a:prstGeom>
+              <a:gradFill rotWithShape="0">
+                <a:gsLst>
+                  <a:gs pos="0">
+                    <a:schemeClr val="bg1">
+                      <a:gamma/>
+                      <a:shade val="46275"/>
+                      <a:invGamma/>
+                    </a:schemeClr>
+                  </a:gs>
+                  <a:gs pos="50000">
+                    <a:schemeClr val="bg1"/>
+                  </a:gs>
+                  <a:gs pos="100000">
+                    <a:schemeClr val="bg1">
+                      <a:gamma/>
+                      <a:shade val="46275"/>
+                      <a:invGamma/>
+                    </a:schemeClr>
+                  </a:gs>
+                </a:gsLst>
+                <a:lin ang="5400000" scaled="1"/>
+                <a:tileRect/>
+              </a:gradFill>
+              <a:ln w="12700" cap="flat" cmpd="sng">
+                <a:solidFill>
+                  <a:schemeClr val="bg1"/>
+                </a:solidFill>
+                <a:prstDash val="solid"/>
+                <a:headEnd type="none" w="med" len="med"/>
+                <a:tailEnd type="none" w="med" len="med"/>
+              </a:ln>
+            </p:spPr>
+            <p:txBody>
+              <a:bodyPr/>
+              <a:p>
+                <a:endParaRPr lang="zh-CN" altLang="en-US"/>
+              </a:p>
+            </p:txBody>
+          </p:sp>
+          <p:sp>
+            <p:nvSpPr>
+              <p:cNvPr id="313383" name="椭圆 313382"/>
+              <p:cNvSpPr/>
+              <p:nvPr/>
+            </p:nvSpPr>
+            <p:spPr>
+              <a:xfrm>
+                <a:off x="2438" y="3519"/>
+                <a:ext cx="20" cy="69"/>
+              </a:xfrm>
+              <a:prstGeom prst="ellipse">
+                <a:avLst/>
+              </a:prstGeom>
+              <a:gradFill rotWithShape="0">
+                <a:gsLst>
+                  <a:gs pos="0">
+                    <a:schemeClr val="bg1">
+                      <a:gamma/>
+                      <a:shade val="46275"/>
+                      <a:invGamma/>
+                    </a:schemeClr>
+                  </a:gs>
+                  <a:gs pos="50000">
+                    <a:schemeClr val="bg1"/>
+                  </a:gs>
+                  <a:gs pos="100000">
+                    <a:schemeClr val="bg1">
+                      <a:gamma/>
+                      <a:shade val="46275"/>
+                      <a:invGamma/>
+                    </a:schemeClr>
+                  </a:gs>
+                </a:gsLst>
+                <a:lin ang="5400000" scaled="1"/>
+                <a:tileRect/>
+              </a:gradFill>
+              <a:ln w="9525">
+                <a:noFill/>
+              </a:ln>
+            </p:spPr>
+            <p:txBody>
+              <a:bodyPr/>
+              <a:p>
+                <a:endParaRPr lang="zh-CN" altLang="en-US"/>
+              </a:p>
+            </p:txBody>
+          </p:sp>
+        </p:grpSp>
+        <p:sp>
+          <p:nvSpPr>
+            <p:cNvPr id="313384" name="矩形 313383"/>
+            <p:cNvSpPr/>
+            <p:nvPr/>
+          </p:nvSpPr>
+          <p:spPr>
+            <a:xfrm rot="3419336">
+              <a:off x="2880" y="1152"/>
+              <a:ext cx="672" cy="672"/>
+            </a:xfrm>
+            <a:prstGeom prst="rect">
+              <a:avLst/>
+            </a:prstGeom>
+            <a:gradFill rotWithShape="1">
+              <a:gsLst>
+                <a:gs pos="0">
+                  <a:schemeClr val="hlink"/>
+                </a:gs>
+                <a:gs pos="100000">
+                  <a:schemeClr val="hlink">
+                    <a:gamma/>
+                    <a:shade val="46275"/>
+                    <a:invGamma/>
+                  </a:schemeClr>
+                </a:gs>
+              </a:gsLst>
+              <a:lin ang="5400000" scaled="1"/>
+              <a:tileRect/>
+            </a:gradFill>
+            <a:ln w="9525" cap="flat" cmpd="sng">
+              <a:prstDash val="solid"/>
+              <a:miter/>
+              <a:headEnd type="none" w="med" len="med"/>
+              <a:tailEnd type="none" w="med" len="med"/>
+            </a:ln>
+            <a:scene3d>
+              <a:camera prst="legacyPerspectiveFront">
+                <a:rot lat="0" lon="1500000" rev="0"/>
+              </a:camera>
+              <a:lightRig rig="legacyFlat4" dir="b"/>
+            </a:scene3d>
+            <a:sp3d extrusionH="887400" prstMaterial="legacyMatte">
+              <a:bevelT w="13500" h="13500" prst="angle"/>
+              <a:bevelB w="13500" h="13500" prst="angle"/>
+              <a:extrusionClr>
+                <a:schemeClr val="hlink"/>
+              </a:extrusionClr>
+            </a:sp3d>
+          </p:spPr>
+          <p:txBody>
+            <a:bodyPr/>
+            <a:p>
+              <a:endParaRPr lang="zh-CN" altLang="en-US"/>
+            </a:p>
+          </p:txBody>
+        </p:sp>
+        <p:grpSp>
+          <p:nvGrpSpPr>
+            <p:cNvPr id="313385" name="组合 313384"/>
+            <p:cNvGrpSpPr/>
+            <p:nvPr/>
+          </p:nvGrpSpPr>
+          <p:grpSpPr>
+            <a:xfrm>
+              <a:off x="3600" y="1296"/>
+              <a:ext cx="816" cy="96"/>
+              <a:chOff x="2003" y="3439"/>
+              <a:chExt cx="468" cy="244"/>
+            </a:xfrm>
+          </p:grpSpPr>
+          <p:sp>
+            <p:nvSpPr>
+              <p:cNvPr id="313386" name="椭圆 313385"/>
+              <p:cNvSpPr/>
+              <p:nvPr/>
+            </p:nvSpPr>
+            <p:spPr>
+              <a:xfrm>
+                <a:off x="2003" y="3439"/>
+                <a:ext cx="79" cy="242"/>
+              </a:xfrm>
+              <a:prstGeom prst="ellipse">
+                <a:avLst/>
+              </a:prstGeom>
+              <a:gradFill rotWithShape="0">
+                <a:gsLst>
+                  <a:gs pos="0">
+                    <a:srgbClr val="FFFFFF">
+                      <a:gamma/>
+                      <a:shade val="46275"/>
+                      <a:invGamma/>
+                    </a:srgbClr>
+                  </a:gs>
+                  <a:gs pos="50000">
+                    <a:srgbClr val="FFFFFF"/>
+                  </a:gs>
+                  <a:gs pos="100000">
+                    <a:srgbClr val="FFFFFF">
+                      <a:gamma/>
+                      <a:shade val="46275"/>
+                      <a:invGamma/>
+                    </a:srgbClr>
+                  </a:gs>
+                </a:gsLst>
+                <a:lin ang="5400000" scaled="1"/>
+                <a:tileRect/>
+              </a:gradFill>
+              <a:ln w="9525">
+                <a:noFill/>
+              </a:ln>
+            </p:spPr>
+            <p:txBody>
+              <a:bodyPr/>
+              <a:p>
+                <a:endParaRPr lang="zh-CN" altLang="en-US"/>
+              </a:p>
+            </p:txBody>
+          </p:sp>
+          <p:sp>
+            <p:nvSpPr>
+              <p:cNvPr id="313387" name="矩形 313386"/>
+              <p:cNvSpPr/>
+              <p:nvPr/>
+            </p:nvSpPr>
+            <p:spPr>
+              <a:xfrm>
+                <a:off x="2048" y="3441"/>
+                <a:ext cx="388" cy="242"/>
+              </a:xfrm>
+              <a:prstGeom prst="rect">
+                <a:avLst/>
+              </a:prstGeom>
+              <a:gradFill rotWithShape="0">
+                <a:gsLst>
+                  <a:gs pos="0">
+                    <a:srgbClr val="FFFFFF">
+                      <a:gamma/>
+                      <a:shade val="46275"/>
+                      <a:invGamma/>
+                    </a:srgbClr>
+                  </a:gs>
+                  <a:gs pos="50000">
+                    <a:srgbClr val="FFFFFF"/>
+                  </a:gs>
+                  <a:gs pos="100000">
+                    <a:srgbClr val="FFFFFF">
+                      <a:gamma/>
+                      <a:shade val="46275"/>
+                      <a:invGamma/>
+                    </a:srgbClr>
+                  </a:gs>
+                </a:gsLst>
+                <a:lin ang="5400000" scaled="1"/>
+                <a:tileRect/>
+              </a:gradFill>
+              <a:ln w="9525">
+                <a:noFill/>
+              </a:ln>
+            </p:spPr>
+            <p:txBody>
+              <a:bodyPr/>
+              <a:p>
+                <a:endParaRPr lang="zh-CN" altLang="en-US"/>
+              </a:p>
+            </p:txBody>
+          </p:sp>
+          <p:sp>
+            <p:nvSpPr>
+              <p:cNvPr id="313388" name="椭圆 313387"/>
+              <p:cNvSpPr/>
+              <p:nvPr/>
+            </p:nvSpPr>
+            <p:spPr>
+              <a:xfrm>
+                <a:off x="2400" y="3443"/>
+                <a:ext cx="71" cy="234"/>
+              </a:xfrm>
+              <a:prstGeom prst="ellipse">
+                <a:avLst/>
+              </a:prstGeom>
+              <a:gradFill rotWithShape="0">
+                <a:gsLst>
+                  <a:gs pos="0">
+                    <a:schemeClr val="bg1">
+                      <a:gamma/>
+                      <a:shade val="46275"/>
+                      <a:invGamma/>
+                    </a:schemeClr>
+                  </a:gs>
+                  <a:gs pos="50000">
+                    <a:schemeClr val="bg1"/>
+                  </a:gs>
+                  <a:gs pos="100000">
+                    <a:schemeClr val="bg1">
+                      <a:gamma/>
+                      <a:shade val="46275"/>
+                      <a:invGamma/>
+                    </a:schemeClr>
+                  </a:gs>
+                </a:gsLst>
+                <a:lin ang="5400000" scaled="1"/>
+                <a:tileRect/>
+              </a:gradFill>
+              <a:ln w="12700" cap="flat" cmpd="sng">
+                <a:solidFill>
+                  <a:schemeClr val="bg1"/>
+                </a:solidFill>
+                <a:prstDash val="solid"/>
+                <a:headEnd type="none" w="med" len="med"/>
+                <a:tailEnd type="none" w="med" len="med"/>
+              </a:ln>
+            </p:spPr>
+            <p:txBody>
+              <a:bodyPr/>
+              <a:p>
+                <a:endParaRPr lang="zh-CN" altLang="en-US"/>
+              </a:p>
+            </p:txBody>
+          </p:sp>
+          <p:sp>
+            <p:nvSpPr>
+              <p:cNvPr id="313389" name="椭圆 313388"/>
+              <p:cNvSpPr/>
+              <p:nvPr/>
+            </p:nvSpPr>
+            <p:spPr>
+              <a:xfrm>
+                <a:off x="2438" y="3519"/>
+                <a:ext cx="20" cy="69"/>
+              </a:xfrm>
+              <a:prstGeom prst="ellipse">
+                <a:avLst/>
+              </a:prstGeom>
+              <a:gradFill rotWithShape="0">
+                <a:gsLst>
+                  <a:gs pos="0">
+                    <a:schemeClr val="bg1">
+                      <a:gamma/>
+                      <a:shade val="46275"/>
+                      <a:invGamma/>
+                    </a:schemeClr>
+                  </a:gs>
+                  <a:gs pos="50000">
+                    <a:schemeClr val="bg1"/>
+                  </a:gs>
+                  <a:gs pos="100000">
+                    <a:schemeClr val="bg1">
+                      <a:gamma/>
+                      <a:shade val="46275"/>
+                      <a:invGamma/>
+                    </a:schemeClr>
+                  </a:gs>
+                </a:gsLst>
+                <a:lin ang="5400000" scaled="1"/>
+                <a:tileRect/>
+              </a:gradFill>
+              <a:ln w="9525">
+                <a:noFill/>
+              </a:ln>
+            </p:spPr>
+            <p:txBody>
+              <a:bodyPr/>
+              <a:p>
+                <a:endParaRPr lang="zh-CN" altLang="en-US"/>
+              </a:p>
+            </p:txBody>
+          </p:sp>
+        </p:grpSp>
+        <p:sp>
+          <p:nvSpPr>
+            <p:cNvPr id="313390" name="矩形 313389"/>
+            <p:cNvSpPr/>
+            <p:nvPr/>
+          </p:nvSpPr>
+          <p:spPr>
+            <a:xfrm rot="3419336">
+              <a:off x="4032" y="1152"/>
+              <a:ext cx="672" cy="672"/>
+            </a:xfrm>
+            <a:prstGeom prst="rect">
+              <a:avLst/>
+            </a:prstGeom>
+            <a:solidFill>
+              <a:schemeClr val="accent1"/>
+            </a:solidFill>
+            <a:ln w="9525" cap="flat" cmpd="sng">
+              <a:prstDash val="solid"/>
+              <a:miter/>
+              <a:headEnd type="none" w="med" len="med"/>
+              <a:tailEnd type="none" w="med" len="med"/>
+            </a:ln>
+            <a:scene3d>
+              <a:camera prst="legacyPerspectiveFront">
+                <a:rot lat="0" lon="1500000" rev="0"/>
+              </a:camera>
+              <a:lightRig rig="legacyFlat4" dir="b"/>
+            </a:scene3d>
+            <a:sp3d extrusionH="887400" prstMaterial="legacyMatte">
+              <a:bevelT w="13500" h="13500" prst="angle"/>
+              <a:bevelB w="13500" h="13500" prst="angle"/>
+              <a:extrusionClr>
+                <a:schemeClr val="accent1"/>
+              </a:extrusionClr>
+            </a:sp3d>
+          </p:spPr>
+          <p:txBody>
+            <a:bodyPr/>
+            <a:p>
+              <a:endParaRPr lang="zh-CN" altLang="en-US"/>
+            </a:p>
+          </p:txBody>
+        </p:sp>
+      </p:grpSp>
+      <p:sp>
+        <p:nvSpPr>
+          <p:cNvPr id="313391" name="矩形 313390"/>
+          <p:cNvSpPr/>
+          <p:nvPr/>
+        </p:nvSpPr>
+        <p:spPr>
+          <a:xfrm>
+            <a:off x="1696085" y="1298893"/>
+            <a:ext cx="874713" cy="641350"/>
+          </a:xfrm>
+          <a:prstGeom prst="rect">
+            <a:avLst/>
+          </a:prstGeom>
+          <a:noFill/>
+          <a:ln w="9525">
+            <a:noFill/>
+          </a:ln>
+        </p:spPr>
+        <p:txBody>
+          <a:bodyPr>
+            <a:spAutoFit/>
+          </a:bodyPr>
+          <a:p>
+            <a:pPr algn="ctr" eaLnBrk="1" hangingPunct="1"/>
+            <a:r>
+              <a:rPr lang="zh-CN" altLang="en-US" b="1" dirty="0">
+                <a:solidFill>
+                  <a:schemeClr val="bg1"/>
+                </a:solidFill>
+              </a:rPr>
+              <a:t>西汉</a:t>
+            </a:r>
+            <a:endParaRPr lang="zh-CN" altLang="en-US" b="1" dirty="0">
+              <a:solidFill>
+                <a:schemeClr val="bg1"/>
+              </a:solidFill>
+            </a:endParaRPr>
+          </a:p>
+          <a:p>
+            <a:pPr algn="ctr" eaLnBrk="1" hangingPunct="1"/>
+            <a:r>
+              <a:rPr lang="zh-CN" altLang="en-US" b="1" dirty="0">
+                <a:solidFill>
+                  <a:schemeClr val="bg1"/>
+                </a:solidFill>
+              </a:rPr>
+              <a:t>张仲景</a:t>
+            </a:r>
+            <a:endParaRPr lang="zh-CN" altLang="en-US" b="1">
+              <a:solidFill>
+                <a:schemeClr val="bg1"/>
+              </a:solidFill>
+            </a:endParaRPr>
+          </a:p>
+        </p:txBody>
+      </p:sp>
+      <p:sp>
+        <p:nvSpPr>
+          <p:cNvPr id="29" name="矩形 28"/>
+          <p:cNvSpPr/>
+          <p:nvPr/>
+        </p:nvSpPr>
+        <p:spPr>
+          <a:xfrm>
+            <a:off x="3335655" y="1225868"/>
+            <a:ext cx="874713" cy="645160"/>
+          </a:xfrm>
+          <a:prstGeom prst="rect">
+            <a:avLst/>
+          </a:prstGeom>
+          <a:noFill/>
+          <a:ln w="9525">
+            <a:noFill/>
+          </a:ln>
+        </p:spPr>
+        <p:txBody>
+          <a:bodyPr>
+            <a:spAutoFit/>
+          </a:bodyPr>
+          <a:p>
+            <a:pPr algn="ctr" eaLnBrk="1" hangingPunct="1"/>
+            <a:r>
+              <a:rPr lang="zh-CN" altLang="en-US" b="1" dirty="0">
+                <a:solidFill>
+                  <a:schemeClr val="bg1"/>
+                </a:solidFill>
+              </a:rPr>
+              <a:t>唐代</a:t>
+            </a:r>
+            <a:endParaRPr lang="zh-CN" altLang="en-US" b="1" dirty="0">
+              <a:solidFill>
+                <a:schemeClr val="bg1"/>
+              </a:solidFill>
+            </a:endParaRPr>
+          </a:p>
+          <a:p>
+            <a:pPr algn="ctr" eaLnBrk="1" hangingPunct="1"/>
+            <a:r>
+              <a:rPr lang="zh-CN" altLang="en-US" b="1" dirty="0">
+                <a:solidFill>
+                  <a:schemeClr val="bg1"/>
+                </a:solidFill>
+              </a:rPr>
+              <a:t>孙思邈</a:t>
+            </a:r>
+            <a:endParaRPr lang="zh-CN" altLang="en-US" b="1">
+              <a:solidFill>
+                <a:schemeClr val="bg1"/>
+              </a:solidFill>
+            </a:endParaRPr>
+          </a:p>
+        </p:txBody>
+      </p:sp>
+      <p:sp>
+        <p:nvSpPr>
+          <p:cNvPr id="30" name="矩形 29"/>
+          <p:cNvSpPr/>
+          <p:nvPr/>
+        </p:nvSpPr>
+        <p:spPr>
+          <a:xfrm>
+            <a:off x="5025390" y="1225868"/>
+            <a:ext cx="874713" cy="645160"/>
+          </a:xfrm>
+          <a:prstGeom prst="rect">
+            <a:avLst/>
+          </a:prstGeom>
+          <a:noFill/>
+          <a:ln w="9525">
+            <a:noFill/>
+          </a:ln>
+        </p:spPr>
+        <p:txBody>
+          <a:bodyPr>
+            <a:spAutoFit/>
+          </a:bodyPr>
+          <a:p>
+            <a:pPr algn="ctr" eaLnBrk="1" hangingPunct="1"/>
+            <a:r>
+              <a:rPr lang="zh-CN" altLang="en-US" b="1" dirty="0">
+                <a:solidFill>
+                  <a:schemeClr val="bg1"/>
+                </a:solidFill>
+              </a:rPr>
+              <a:t>东汉</a:t>
+            </a:r>
+            <a:endParaRPr lang="zh-CN" altLang="en-US" b="1" dirty="0">
+              <a:solidFill>
+                <a:schemeClr val="bg1"/>
+              </a:solidFill>
+            </a:endParaRPr>
+          </a:p>
+          <a:p>
+            <a:pPr algn="ctr" eaLnBrk="1" hangingPunct="1"/>
+            <a:r>
+              <a:rPr lang="zh-CN" altLang="en-US" b="1" dirty="0">
+                <a:solidFill>
+                  <a:schemeClr val="bg1"/>
+                </a:solidFill>
+              </a:rPr>
+              <a:t>华佗</a:t>
+            </a:r>
+            <a:endParaRPr lang="zh-CN" altLang="en-US" b="1">
+              <a:solidFill>
+                <a:schemeClr val="bg1"/>
+              </a:solidFill>
+            </a:endParaRPr>
+          </a:p>
+        </p:txBody>
+      </p:sp>
+      <p:sp>
+        <p:nvSpPr>
+          <p:cNvPr id="313370" name="圆角矩形 313369"/>
+          <p:cNvSpPr/>
+          <p:nvPr/>
+        </p:nvSpPr>
+        <p:spPr>
+          <a:xfrm>
+            <a:off x="941070" y="2247900"/>
+            <a:ext cx="1716405" cy="2399030"/>
+          </a:xfrm>
+          <a:prstGeom prst="roundRect">
+            <a:avLst>
+              <a:gd name="adj" fmla="val 13745"/>
+            </a:avLst>
+          </a:prstGeom>
+          <a:ln>
+            <a:headEnd type="none" w="med" len="med"/>
+            <a:tailEnd type="none" w="med" len="med"/>
+          </a:ln>
+        </p:spPr>
+        <p:style>
+          <a:lnRef idx="2">
+            <a:schemeClr val="accent2"/>
+          </a:lnRef>
+          <a:fillRef idx="1">
+            <a:schemeClr val="lt1"/>
+          </a:fillRef>
+          <a:effectRef idx="0">
+            <a:schemeClr val="accent2"/>
+          </a:effectRef>
+          <a:fontRef idx="minor">
+            <a:schemeClr val="dk1"/>
+          </a:fontRef>
+        </p:style>
+        <p:txBody>
+          <a:bodyPr/>
+          <a:p>
+            <a:endParaRPr lang="zh-CN" altLang="en-US"/>
+          </a:p>
+        </p:txBody>
+      </p:sp>
+      <p:sp>
+        <p:nvSpPr>
+          <p:cNvPr id="31" name="矩形 30"/>
+          <p:cNvSpPr/>
+          <p:nvPr/>
+        </p:nvSpPr>
+        <p:spPr>
+          <a:xfrm>
+            <a:off x="6584315" y="1225868"/>
+            <a:ext cx="874713" cy="645160"/>
+          </a:xfrm>
+          <a:prstGeom prst="rect">
+            <a:avLst/>
+          </a:prstGeom>
+          <a:noFill/>
+          <a:ln w="9525">
+            <a:noFill/>
+          </a:ln>
+        </p:spPr>
+        <p:txBody>
+          <a:bodyPr>
+            <a:spAutoFit/>
+          </a:bodyPr>
+          <a:p>
+            <a:pPr algn="ctr" eaLnBrk="1" hangingPunct="1"/>
+            <a:r>
+              <a:rPr lang="zh-CN" altLang="en-US" b="1" dirty="0">
+                <a:solidFill>
+                  <a:schemeClr val="bg1"/>
+                </a:solidFill>
+              </a:rPr>
+              <a:t>晋代</a:t>
+            </a:r>
+            <a:endParaRPr lang="zh-CN" altLang="en-US" b="1" dirty="0">
+              <a:solidFill>
+                <a:schemeClr val="bg1"/>
+              </a:solidFill>
+            </a:endParaRPr>
+          </a:p>
+          <a:p>
+            <a:pPr algn="ctr" eaLnBrk="1" hangingPunct="1"/>
+            <a:r>
+              <a:rPr lang="zh-CN" altLang="en-US" b="1" dirty="0">
+                <a:solidFill>
+                  <a:schemeClr val="bg1"/>
+                </a:solidFill>
+              </a:rPr>
+              <a:t>葛洪</a:t>
+            </a:r>
+            <a:endParaRPr lang="zh-CN" altLang="en-US" b="1">
+              <a:solidFill>
+                <a:schemeClr val="bg1"/>
+              </a:solidFill>
+            </a:endParaRPr>
+          </a:p>
+        </p:txBody>
+      </p:sp>
+      <p:sp>
+        <p:nvSpPr>
+          <p:cNvPr id="313369" name="圆角矩形 313368"/>
+          <p:cNvSpPr/>
+          <p:nvPr/>
+        </p:nvSpPr>
+        <p:spPr>
+          <a:xfrm>
+            <a:off x="2756535" y="2210435"/>
+            <a:ext cx="1879600" cy="2375535"/>
+          </a:xfrm>
+          <a:prstGeom prst="roundRect">
+            <a:avLst>
+              <a:gd name="adj" fmla="val 13745"/>
+            </a:avLst>
+          </a:prstGeom>
+          <a:ln>
+            <a:headEnd type="none" w="med" len="med"/>
+            <a:tailEnd type="none" w="med" len="med"/>
+          </a:ln>
+        </p:spPr>
+        <p:style>
+          <a:lnRef idx="2">
+            <a:schemeClr val="accent2"/>
+          </a:lnRef>
+          <a:fillRef idx="1">
+            <a:schemeClr val="lt1"/>
+          </a:fillRef>
+          <a:effectRef idx="0">
+            <a:schemeClr val="accent2"/>
+          </a:effectRef>
+          <a:fontRef idx="minor">
+            <a:schemeClr val="dk1"/>
+          </a:fontRef>
+        </p:style>
+        <p:txBody>
+          <a:bodyPr/>
+          <a:p>
+            <a:endParaRPr lang="zh-CN" altLang="en-US"/>
+          </a:p>
+        </p:txBody>
+      </p:sp>
+      <p:sp>
+        <p:nvSpPr>
+          <p:cNvPr id="313395" name="矩形 313394"/>
+          <p:cNvSpPr/>
+          <p:nvPr/>
+        </p:nvSpPr>
+        <p:spPr>
+          <a:xfrm>
+            <a:off x="1001395" y="2367280"/>
+            <a:ext cx="1728788" cy="2061210"/>
+          </a:xfrm>
+          <a:prstGeom prst="rect">
+            <a:avLst/>
+          </a:prstGeom>
+          <a:noFill/>
+          <a:ln w="9525">
+            <a:noFill/>
+          </a:ln>
+        </p:spPr>
+        <p:txBody>
+          <a:bodyPr>
+            <a:spAutoFit/>
+          </a:bodyPr>
+          <a:p>
+            <a:r>
+              <a:rPr lang="zh-CN" altLang="en-US" sz="1600" b="1" dirty="0">
+                <a:solidFill>
+                  <a:srgbClr val="7030A0"/>
+                </a:solidFill>
+              </a:rPr>
+              <a:t>指出伤寒新愈</a:t>
+            </a:r>
+            <a:r>
+              <a:rPr lang="en-US" altLang="zh-CN" sz="1600" b="1" dirty="0">
+                <a:solidFill>
+                  <a:srgbClr val="7030A0"/>
+                </a:solidFill>
+              </a:rPr>
+              <a:t>,</a:t>
+            </a:r>
+            <a:r>
+              <a:rPr lang="zh-CN" altLang="en-US" sz="1600" b="1" dirty="0">
+                <a:solidFill>
+                  <a:srgbClr val="7030A0"/>
+                </a:solidFill>
+              </a:rPr>
+              <a:t>若起居作劳</a:t>
+            </a:r>
+            <a:r>
+              <a:rPr lang="en-US" altLang="zh-CN" sz="1600" b="1" dirty="0">
+                <a:solidFill>
+                  <a:srgbClr val="7030A0"/>
+                </a:solidFill>
+              </a:rPr>
+              <a:t>,</a:t>
+            </a:r>
+            <a:r>
+              <a:rPr lang="zh-CN" altLang="en-US" sz="1600" b="1" dirty="0">
+                <a:solidFill>
+                  <a:srgbClr val="7030A0"/>
+                </a:solidFill>
+              </a:rPr>
+              <a:t>或饮食不节</a:t>
+            </a:r>
+            <a:r>
+              <a:rPr lang="en-US" altLang="zh-CN" sz="1600" b="1" dirty="0">
+                <a:solidFill>
+                  <a:srgbClr val="7030A0"/>
+                </a:solidFill>
+              </a:rPr>
+              <a:t>,</a:t>
+            </a:r>
+            <a:r>
+              <a:rPr lang="zh-CN" altLang="en-US" sz="1600" b="1" dirty="0">
+                <a:solidFill>
+                  <a:srgbClr val="7030A0"/>
+                </a:solidFill>
+              </a:rPr>
+              <a:t>就会发生劳复、食复之变。从而将病后调摄</a:t>
+            </a:r>
+            <a:r>
+              <a:rPr lang="en-US" altLang="zh-CN" sz="1600" b="1" dirty="0">
+                <a:solidFill>
+                  <a:srgbClr val="7030A0"/>
+                </a:solidFill>
+              </a:rPr>
+              <a:t>,</a:t>
+            </a:r>
+            <a:r>
+              <a:rPr lang="zh-CN" altLang="en-US" sz="1600" b="1" dirty="0">
+                <a:solidFill>
+                  <a:srgbClr val="7030A0"/>
+                </a:solidFill>
+              </a:rPr>
+              <a:t>以防复发</a:t>
+            </a:r>
+            <a:r>
+              <a:rPr lang="en-US" altLang="zh-CN" sz="1600" b="1" dirty="0">
+                <a:solidFill>
+                  <a:srgbClr val="7030A0"/>
+                </a:solidFill>
+              </a:rPr>
+              <a:t>,</a:t>
+            </a:r>
+            <a:r>
+              <a:rPr lang="zh-CN" altLang="en-US" sz="1600" b="1" dirty="0">
+                <a:solidFill>
+                  <a:srgbClr val="7030A0"/>
+                </a:solidFill>
+              </a:rPr>
+              <a:t>补充为治未病内容的重要延伸。</a:t>
+            </a:r>
+            <a:endParaRPr lang="zh-CN" altLang="en-US" sz="1600" b="1" dirty="0">
+              <a:solidFill>
+                <a:srgbClr val="7030A0"/>
+              </a:solidFill>
+            </a:endParaRPr>
+          </a:p>
+        </p:txBody>
+      </p:sp>
+      <p:sp>
+        <p:nvSpPr>
+          <p:cNvPr id="313396" name="矩形 313395"/>
+          <p:cNvSpPr/>
+          <p:nvPr/>
+        </p:nvSpPr>
+        <p:spPr>
+          <a:xfrm>
+            <a:off x="2755265" y="2367280"/>
+            <a:ext cx="1880870" cy="1814830"/>
+          </a:xfrm>
+          <a:prstGeom prst="rect">
+            <a:avLst/>
+          </a:prstGeom>
+          <a:noFill/>
+          <a:ln w="9525">
+            <a:noFill/>
+          </a:ln>
+        </p:spPr>
+        <p:txBody>
+          <a:bodyPr wrap="square">
+            <a:spAutoFit/>
+          </a:bodyPr>
+          <a:p>
+            <a:pPr algn="l"/>
+            <a:r>
+              <a:rPr lang="zh-CN" altLang="en-US" sz="1600" b="1" dirty="0">
+                <a:solidFill>
+                  <a:srgbClr val="7030A0"/>
+                </a:solidFill>
+              </a:rPr>
+              <a:t>将疾病分为“未病”“欲病”“已病”三个层次, 他对治未病主要从养生保健和欲病早治的角度着眼,“喜养性者,治未病之病”</a:t>
+            </a:r>
+            <a:endParaRPr lang="zh-CN" altLang="en-US" sz="1600" b="1" dirty="0">
+              <a:solidFill>
+                <a:srgbClr val="7030A0"/>
+              </a:solidFill>
+            </a:endParaRPr>
+          </a:p>
+        </p:txBody>
+      </p:sp>
+      <p:sp>
+        <p:nvSpPr>
+          <p:cNvPr id="33" name="圆角矩形 32"/>
+          <p:cNvSpPr/>
+          <p:nvPr/>
+        </p:nvSpPr>
+        <p:spPr>
+          <a:xfrm>
+            <a:off x="6807200" y="2244090"/>
+            <a:ext cx="1879600" cy="2375535"/>
+          </a:xfrm>
+          <a:prstGeom prst="roundRect">
+            <a:avLst>
+              <a:gd name="adj" fmla="val 13745"/>
+            </a:avLst>
+          </a:prstGeom>
+          <a:ln>
+            <a:headEnd type="none" w="med" len="med"/>
+            <a:tailEnd type="none" w="med" len="med"/>
+          </a:ln>
+        </p:spPr>
+        <p:style>
+          <a:lnRef idx="2">
+            <a:schemeClr val="accent2"/>
+          </a:lnRef>
+          <a:fillRef idx="1">
+            <a:schemeClr val="lt1"/>
+          </a:fillRef>
+          <a:effectRef idx="0">
+            <a:schemeClr val="accent2"/>
+          </a:effectRef>
+          <a:fontRef idx="minor">
+            <a:schemeClr val="dk1"/>
+          </a:fontRef>
+        </p:style>
+        <p:txBody>
+          <a:bodyPr/>
+          <a:p>
+            <a:endParaRPr lang="zh-CN" altLang="en-US"/>
+          </a:p>
+        </p:txBody>
+      </p:sp>
+      <p:sp>
+        <p:nvSpPr>
+          <p:cNvPr id="32" name="圆角矩形 31"/>
+          <p:cNvSpPr/>
+          <p:nvPr/>
+        </p:nvSpPr>
+        <p:spPr>
+          <a:xfrm>
+            <a:off x="4850765" y="2210435"/>
+            <a:ext cx="1879600" cy="2445385"/>
+          </a:xfrm>
+          <a:prstGeom prst="roundRect">
+            <a:avLst>
+              <a:gd name="adj" fmla="val 13745"/>
+            </a:avLst>
+          </a:prstGeom>
+          <a:ln>
+            <a:headEnd type="none" w="med" len="med"/>
+            <a:tailEnd type="none" w="med" len="med"/>
+          </a:ln>
+        </p:spPr>
+        <p:style>
+          <a:lnRef idx="2">
+            <a:schemeClr val="accent2"/>
+          </a:lnRef>
+          <a:fillRef idx="1">
+            <a:schemeClr val="lt1"/>
+          </a:fillRef>
+          <a:effectRef idx="0">
+            <a:schemeClr val="accent2"/>
+          </a:effectRef>
+          <a:fontRef idx="minor">
+            <a:schemeClr val="dk1"/>
+          </a:fontRef>
+        </p:style>
+        <p:txBody>
+          <a:bodyPr/>
+          <a:p>
+            <a:endParaRPr lang="zh-CN" altLang="en-US"/>
+          </a:p>
+        </p:txBody>
+      </p:sp>
+      <p:sp>
+        <p:nvSpPr>
+          <p:cNvPr id="313397" name="矩形 313396"/>
+          <p:cNvSpPr/>
+          <p:nvPr/>
+        </p:nvSpPr>
+        <p:spPr>
+          <a:xfrm>
+            <a:off x="5136833" y="2280285"/>
+            <a:ext cx="995680" cy="583565"/>
+          </a:xfrm>
+          <a:prstGeom prst="rect">
+            <a:avLst/>
+          </a:prstGeom>
+          <a:noFill/>
+          <a:ln w="9525">
+            <a:noFill/>
+          </a:ln>
+        </p:spPr>
+        <p:txBody>
+          <a:bodyPr wrap="none" anchor="t">
+            <a:spAutoFit/>
+          </a:bodyPr>
+          <a:p>
+            <a:pPr algn="l" eaLnBrk="1" hangingPunct="1"/>
+            <a:r>
+              <a:rPr lang="zh-CN" altLang="en-US" sz="1600" b="1" dirty="0">
+                <a:solidFill>
+                  <a:srgbClr val="7030A0"/>
+                </a:solidFill>
+              </a:rPr>
+              <a:t>创五禽戏</a:t>
+            </a:r>
+            <a:endParaRPr lang="zh-CN" altLang="en-US" sz="1600" b="1" dirty="0">
+              <a:solidFill>
+                <a:srgbClr val="7030A0"/>
+              </a:solidFill>
+            </a:endParaRPr>
+          </a:p>
+          <a:p>
+            <a:pPr algn="l" eaLnBrk="1" hangingPunct="1"/>
+            <a:r>
+              <a:rPr lang="zh-CN" altLang="en-US" sz="1600" b="1" dirty="0">
+                <a:solidFill>
+                  <a:srgbClr val="7030A0"/>
+                </a:solidFill>
+              </a:rPr>
+              <a:t>健身法</a:t>
+            </a:r>
+            <a:endParaRPr lang="zh-CN" altLang="en-US" sz="1600" b="1" dirty="0">
+              <a:solidFill>
+                <a:srgbClr val="7030A0"/>
+              </a:solidFill>
+            </a:endParaRPr>
+          </a:p>
+        </p:txBody>
+      </p:sp>
+      <p:pic>
+        <p:nvPicPr>
+          <p:cNvPr id="313400" name="图片 313399" descr="clip_image002"/>
+          <p:cNvPicPr>
+            <a:picLocks noChangeAspect="1"/>
+          </p:cNvPicPr>
+          <p:nvPr/>
+        </p:nvPicPr>
+        <p:blipFill>
+          <a:blip r:embed="rId2"/>
+          <a:stretch>
+            <a:fillRect/>
+          </a:stretch>
+        </p:blipFill>
+        <p:spPr>
+          <a:xfrm>
+            <a:off x="5073650" y="2827655"/>
+            <a:ext cx="1539875" cy="1819275"/>
+          </a:xfrm>
+          <a:prstGeom prst="rect">
+            <a:avLst/>
+          </a:prstGeom>
+          <a:noFill/>
+          <a:ln w="9525">
+            <a:noFill/>
+          </a:ln>
+        </p:spPr>
+      </p:pic>
+      <p:sp>
+        <p:nvSpPr>
+          <p:cNvPr id="313398" name="矩形 313397"/>
+          <p:cNvSpPr/>
+          <p:nvPr/>
+        </p:nvSpPr>
+        <p:spPr>
+          <a:xfrm>
+            <a:off x="6796405" y="2247900"/>
+            <a:ext cx="1678305" cy="2338070"/>
+          </a:xfrm>
+          <a:prstGeom prst="rect">
+            <a:avLst/>
+          </a:prstGeom>
+          <a:noFill/>
+          <a:ln w="9525">
+            <a:noFill/>
+          </a:ln>
+        </p:spPr>
+        <p:txBody>
+          <a:bodyPr wrap="square" anchor="t">
+            <a:spAutoFit/>
+          </a:bodyPr>
+          <a:p>
+            <a:pPr algn="l">
+              <a:buNone/>
+            </a:pPr>
+            <a:r>
+              <a:rPr lang="zh-CN" altLang="en-US" sz="1600" b="1" dirty="0">
+                <a:solidFill>
+                  <a:srgbClr val="7030A0"/>
+                </a:solidFill>
+              </a:rPr>
+              <a:t>“</a:t>
+            </a:r>
+            <a:r>
+              <a:rPr lang="zh-CN" altLang="en-US" sz="1600" b="1" dirty="0">
+                <a:solidFill>
+                  <a:srgbClr val="7030A0"/>
+                </a:solidFill>
+              </a:rPr>
+              <a:t>内修”“外养”理论</a:t>
+            </a:r>
+            <a:endParaRPr lang="zh-CN" altLang="en-US" sz="1600" b="1" dirty="0">
+              <a:solidFill>
+                <a:srgbClr val="7030A0"/>
+              </a:solidFill>
+            </a:endParaRPr>
+          </a:p>
+          <a:p>
+            <a:pPr algn="l">
+              <a:buNone/>
+            </a:pPr>
+            <a:endParaRPr lang="zh-CN" altLang="en-US" sz="1600" b="1" dirty="0">
+              <a:solidFill>
+                <a:srgbClr val="7030A0"/>
+              </a:solidFill>
+            </a:endParaRPr>
+          </a:p>
+          <a:p>
+            <a:pPr algn="l">
+              <a:buNone/>
+            </a:pPr>
+            <a:r>
+              <a:rPr lang="zh-CN" altLang="en-US" sz="1600" b="1" dirty="0">
+                <a:solidFill>
+                  <a:srgbClr val="7030A0"/>
+                </a:solidFill>
+              </a:rPr>
+              <a:t>方法可分：  </a:t>
+            </a:r>
+            <a:endParaRPr lang="zh-CN" altLang="en-US" sz="1600" b="1" dirty="0">
+              <a:solidFill>
+                <a:srgbClr val="7030A0"/>
+              </a:solidFill>
+            </a:endParaRPr>
+          </a:p>
+          <a:p>
+            <a:pPr algn="l">
+              <a:buNone/>
+            </a:pPr>
+            <a:r>
+              <a:rPr lang="zh-CN" altLang="en-US" sz="1600" b="1" dirty="0">
+                <a:solidFill>
+                  <a:srgbClr val="7030A0"/>
+                </a:solidFill>
+              </a:rPr>
+              <a:t> “行气”</a:t>
+            </a:r>
+            <a:endParaRPr lang="zh-CN" altLang="en-US" sz="1600" b="1" dirty="0">
+              <a:solidFill>
+                <a:srgbClr val="7030A0"/>
+              </a:solidFill>
+            </a:endParaRPr>
+          </a:p>
+          <a:p>
+            <a:pPr algn="l">
+              <a:buNone/>
+            </a:pPr>
+            <a:r>
+              <a:rPr lang="zh-CN" altLang="en-US" sz="1600" b="1" dirty="0">
+                <a:solidFill>
+                  <a:srgbClr val="7030A0"/>
+                </a:solidFill>
+              </a:rPr>
+              <a:t>“导引”</a:t>
+            </a:r>
+            <a:endParaRPr lang="zh-CN" altLang="en-US" sz="1600" b="1" dirty="0">
+              <a:solidFill>
+                <a:srgbClr val="7030A0"/>
+              </a:solidFill>
+            </a:endParaRPr>
+          </a:p>
+          <a:p>
+            <a:pPr algn="l">
+              <a:buNone/>
+            </a:pPr>
+            <a:r>
+              <a:rPr lang="zh-CN" altLang="en-US" sz="1600" b="1" dirty="0">
+                <a:solidFill>
+                  <a:srgbClr val="7030A0"/>
+                </a:solidFill>
+              </a:rPr>
+              <a:t>“服食”</a:t>
+            </a:r>
+            <a:endParaRPr lang="zh-CN" altLang="en-US" sz="1600" b="1" dirty="0">
+              <a:solidFill>
+                <a:srgbClr val="7030A0"/>
+              </a:solidFill>
+            </a:endParaRPr>
+          </a:p>
+          <a:p>
+            <a:pPr algn="l">
+              <a:buNone/>
+            </a:pPr>
+            <a:r>
+              <a:rPr lang="zh-CN" altLang="en-US" sz="1600" b="1" dirty="0">
+                <a:solidFill>
+                  <a:srgbClr val="7030A0"/>
+                </a:solidFill>
+              </a:rPr>
+              <a:t>“卫生”</a:t>
+            </a:r>
+            <a:endParaRPr lang="zh-CN" altLang="en-US" b="1" dirty="0"/>
+          </a:p>
+          <a:p>
+            <a:endParaRPr lang="zh-CN" altLang="en-US" b="1"/>
+          </a:p>
+        </p:txBody>
+      </p:sp>
+    </p:spTree>
+  </p:cSld>
+  <p:clrMapOvr>
+    <a:masterClrMapping/>
+  </p:clrMapOvr>
+  <p:transition spd="slow">
+    <p:wipe/>
+  </p:transition>
+  <p:timing>
+    <p:tnLst>
+      <p:par>
+        <p:cTn id="1" dur="indefinite" restart="never" nodeType="tmRoot"/>
+      </p:par>
+    </p:tnLst>
+  </p:timing>
+</p:sld>
+</file>
+
+<file path=ppt/slides/slide6.xml><?xml version="1.0" encoding="utf-8"?>
+<p:sld xmlns:a="http://schemas.openxmlformats.org/drawingml/2006/main" xmlns:r="http://schemas.openxmlformats.org/officeDocument/2006/relationships" xmlns:p="http://schemas.openxmlformats.org/presentationml/2006/main">
+  <p:cSld>
+    <p:spTree>
+      <p:nvGrpSpPr>
+        <p:cNvPr id="1" name=""/>
+        <p:cNvGrpSpPr/>
+        <p:nvPr/>
+      </p:nvGrpSpPr>
+      <p:grpSpPr>
+        <a:xfrm>
+          <a:off x="0" y="0"/>
+          <a:ext cx="0" cy="0"/>
+          <a:chOff x="0" y="0"/>
+          <a:chExt cx="0" cy="0"/>
+        </a:xfrm>
+      </p:grpSpPr>
+      <p:sp>
+        <p:nvSpPr>
+          <p:cNvPr id="2" name="标题 1"/>
+          <p:cNvSpPr>
+            <a:spLocks noGrp="1"/>
+          </p:cNvSpPr>
+          <p:nvPr>
+            <p:ph type="title"/>
+          </p:nvPr>
+        </p:nvSpPr>
+        <p:spPr/>
+        <p:txBody>
+          <a:bodyPr>
+            <a:normAutofit/>
+          </a:bodyPr>
+          <a:lstStyle/>
+          <a:p>
+            <a:r>
+              <a:rPr lang="zh-CN" altLang="en-US" sz="2800" dirty="0"/>
+              <a:t>中医治未病的渊源</a:t>
+            </a:r>
+            <a:r>
+              <a:rPr lang="en-US" altLang="zh-CN" sz="2800" dirty="0"/>
+              <a:t>--</a:t>
+            </a:r>
+            <a:r>
+              <a:rPr lang="zh-CN" altLang="en-US" sz="2800" baseline="-25000" dirty="0"/>
+              <a:t>成熟于明清时期</a:t>
+            </a:r>
+            <a:endParaRPr lang="zh-CN" altLang="en-US" sz="2800" baseline="-25000" dirty="0"/>
+          </a:p>
+        </p:txBody>
+      </p:sp>
+      <p:pic>
+        <p:nvPicPr>
+          <p:cNvPr id="16" name="Picture 2" descr="E:\我的作品\4比3标准\中国风\传统风格类型模板\PSD276667.png"/>
+          <p:cNvPicPr>
+            <a:picLocks noChangeAspect="1" noChangeArrowheads="1"/>
+          </p:cNvPicPr>
+          <p:nvPr/>
+        </p:nvPicPr>
+        <p:blipFill>
+          <a:blip r:embed="rId1" cstate="print">
+            <a:extLst>
+              <a:ext uri="{28A0092B-C50C-407E-A947-70E740481C1C}">
+                <a14:useLocalDpi xmlns:a14="http://schemas.microsoft.com/office/drawing/2010/main" val="0"/>
+              </a:ext>
+            </a:extLst>
+          </a:blip>
+          <a:srcRect/>
+          <a:stretch>
+            <a:fillRect/>
+          </a:stretch>
+        </p:blipFill>
+        <p:spPr bwMode="auto">
+          <a:xfrm rot="1474188">
+            <a:off x="7404505" y="3299173"/>
+            <a:ext cx="1700064" cy="1525645"/>
+          </a:xfrm>
+          <a:prstGeom prst="rect">
+            <a:avLst/>
+          </a:prstGeom>
+          <a:noFill/>
+          <a:extLst>
+            <a:ext uri="{909E8E84-426E-40DD-AFC4-6F175D3DCCD1}">
+              <a14:hiddenFill xmlns:a14="http://schemas.microsoft.com/office/drawing/2010/main">
+                <a:solidFill>
+                  <a:srgbClr val="FFFFFF"/>
+                </a:solidFill>
+              </a14:hiddenFill>
+            </a:ext>
+          </a:extLst>
+        </p:spPr>
+      </p:pic>
+      <p:grpSp>
+        <p:nvGrpSpPr>
+          <p:cNvPr id="314408" name="组合 314407"/>
+          <p:cNvGrpSpPr/>
+          <p:nvPr/>
+        </p:nvGrpSpPr>
+        <p:grpSpPr>
+          <a:xfrm>
+            <a:off x="2056130" y="1170940"/>
+            <a:ext cx="4896485" cy="3987165"/>
+            <a:chOff x="1177" y="1296"/>
+            <a:chExt cx="3335" cy="2715"/>
+          </a:xfrm>
+        </p:grpSpPr>
+        <p:sp>
+          <p:nvSpPr>
+            <p:cNvPr id="314409" name="任意多边形 314408"/>
+            <p:cNvSpPr/>
+            <p:nvPr/>
+          </p:nvSpPr>
+          <p:spPr>
+            <a:xfrm rot="-794496">
+              <a:off x="2989" y="1859"/>
+              <a:ext cx="725" cy="2089"/>
+            </a:xfrm>
+            <a:custGeom>
+              <a:avLst/>
+              <a:gdLst/>
+              <a:ahLst/>
+              <a:cxnLst/>
+              <a:pathLst>
+                <a:path w="646" h="1861">
+                  <a:moveTo>
+                    <a:pt x="0" y="0"/>
+                  </a:moveTo>
+                  <a:lnTo>
+                    <a:pt x="48" y="14"/>
+                  </a:lnTo>
+                  <a:lnTo>
+                    <a:pt x="98" y="32"/>
+                  </a:lnTo>
+                  <a:lnTo>
+                    <a:pt x="147" y="54"/>
+                  </a:lnTo>
+                  <a:lnTo>
+                    <a:pt x="195" y="81"/>
+                  </a:lnTo>
+                  <a:lnTo>
+                    <a:pt x="242" y="111"/>
+                  </a:lnTo>
+                  <a:lnTo>
+                    <a:pt x="288" y="147"/>
+                  </a:lnTo>
+                  <a:lnTo>
+                    <a:pt x="333" y="185"/>
+                  </a:lnTo>
+                  <a:lnTo>
+                    <a:pt x="377" y="228"/>
+                  </a:lnTo>
+                  <a:lnTo>
+                    <a:pt x="418" y="275"/>
+                  </a:lnTo>
+                  <a:lnTo>
+                    <a:pt x="457" y="325"/>
+                  </a:lnTo>
+                  <a:lnTo>
+                    <a:pt x="493" y="379"/>
+                  </a:lnTo>
+                  <a:lnTo>
+                    <a:pt x="526" y="437"/>
+                  </a:lnTo>
+                  <a:lnTo>
+                    <a:pt x="555" y="497"/>
+                  </a:lnTo>
+                  <a:lnTo>
+                    <a:pt x="582" y="562"/>
+                  </a:lnTo>
+                  <a:lnTo>
+                    <a:pt x="604" y="630"/>
+                  </a:lnTo>
+                  <a:lnTo>
+                    <a:pt x="621" y="700"/>
+                  </a:lnTo>
+                  <a:lnTo>
+                    <a:pt x="634" y="774"/>
+                  </a:lnTo>
+                  <a:lnTo>
+                    <a:pt x="642" y="851"/>
+                  </a:lnTo>
+                  <a:lnTo>
+                    <a:pt x="646" y="930"/>
+                  </a:lnTo>
+                  <a:lnTo>
+                    <a:pt x="643" y="1011"/>
+                  </a:lnTo>
+                  <a:lnTo>
+                    <a:pt x="636" y="1086"/>
+                  </a:lnTo>
+                  <a:lnTo>
+                    <a:pt x="623" y="1160"/>
+                  </a:lnTo>
+                  <a:lnTo>
+                    <a:pt x="607" y="1230"/>
+                  </a:lnTo>
+                  <a:lnTo>
+                    <a:pt x="585" y="1297"/>
+                  </a:lnTo>
+                  <a:lnTo>
+                    <a:pt x="561" y="1361"/>
+                  </a:lnTo>
+                  <a:lnTo>
+                    <a:pt x="533" y="1421"/>
+                  </a:lnTo>
+                  <a:lnTo>
+                    <a:pt x="500" y="1478"/>
+                  </a:lnTo>
+                  <a:lnTo>
+                    <a:pt x="466" y="1532"/>
+                  </a:lnTo>
+                  <a:lnTo>
+                    <a:pt x="428" y="1582"/>
+                  </a:lnTo>
+                  <a:lnTo>
+                    <a:pt x="388" y="1627"/>
+                  </a:lnTo>
+                  <a:lnTo>
+                    <a:pt x="345" y="1670"/>
+                  </a:lnTo>
+                  <a:lnTo>
+                    <a:pt x="301" y="1709"/>
+                  </a:lnTo>
+                  <a:lnTo>
+                    <a:pt x="254" y="1744"/>
+                  </a:lnTo>
+                  <a:lnTo>
+                    <a:pt x="205" y="1776"/>
+                  </a:lnTo>
+                  <a:lnTo>
+                    <a:pt x="156" y="1803"/>
+                  </a:lnTo>
+                  <a:lnTo>
+                    <a:pt x="104" y="1826"/>
+                  </a:lnTo>
+                  <a:lnTo>
+                    <a:pt x="53" y="1846"/>
+                  </a:lnTo>
+                  <a:lnTo>
+                    <a:pt x="0" y="1861"/>
+                  </a:lnTo>
+                  <a:lnTo>
+                    <a:pt x="0" y="0"/>
+                  </a:lnTo>
+                </a:path>
+              </a:pathLst>
+            </a:custGeom>
+            <a:gradFill rotWithShape="1">
+              <a:gsLst>
+                <a:gs pos="0">
+                  <a:srgbClr val="447EC4">
+                    <a:gamma/>
+                    <a:tint val="0"/>
+                    <a:invGamma/>
+                    <a:alpha val="100000"/>
+                  </a:srgbClr>
+                </a:gs>
+                <a:gs pos="100000">
+                  <a:srgbClr val="447EC4">
+                    <a:alpha val="100000"/>
+                  </a:srgbClr>
+                </a:gs>
+              </a:gsLst>
+              <a:lin ang="0" scaled="1"/>
+              <a:tileRect/>
+            </a:gradFill>
+            <a:ln w="6350">
+              <a:noFill/>
+            </a:ln>
+          </p:spPr>
+          <p:txBody>
+            <a:bodyPr/>
+            <a:p>
+              <a:endParaRPr lang="zh-CN" altLang="en-US"/>
+            </a:p>
+          </p:txBody>
+        </p:sp>
+        <p:sp>
+          <p:nvSpPr>
+            <p:cNvPr id="314410" name="任意多边形 314409"/>
+            <p:cNvSpPr/>
+            <p:nvPr/>
+          </p:nvSpPr>
+          <p:spPr>
+            <a:xfrm rot="5461794">
+              <a:off x="1859" y="1577"/>
+              <a:ext cx="725" cy="2089"/>
+            </a:xfrm>
+            <a:custGeom>
+              <a:avLst/>
+              <a:gdLst/>
+              <a:ahLst/>
+              <a:cxnLst/>
+              <a:pathLst>
+                <a:path w="646" h="1861">
+                  <a:moveTo>
+                    <a:pt x="0" y="0"/>
+                  </a:moveTo>
+                  <a:lnTo>
+                    <a:pt x="48" y="14"/>
+                  </a:lnTo>
+                  <a:lnTo>
+                    <a:pt x="98" y="32"/>
+                  </a:lnTo>
+                  <a:lnTo>
+                    <a:pt x="147" y="54"/>
+                  </a:lnTo>
+                  <a:lnTo>
+                    <a:pt x="195" y="81"/>
+                  </a:lnTo>
+                  <a:lnTo>
+                    <a:pt x="242" y="111"/>
+                  </a:lnTo>
+                  <a:lnTo>
+                    <a:pt x="288" y="147"/>
+                  </a:lnTo>
+                  <a:lnTo>
+                    <a:pt x="333" y="185"/>
+                  </a:lnTo>
+                  <a:lnTo>
+                    <a:pt x="377" y="228"/>
+                  </a:lnTo>
+                  <a:lnTo>
+                    <a:pt x="418" y="275"/>
+                  </a:lnTo>
+                  <a:lnTo>
+                    <a:pt x="457" y="325"/>
+                  </a:lnTo>
+                  <a:lnTo>
+                    <a:pt x="493" y="379"/>
+                  </a:lnTo>
+                  <a:lnTo>
+                    <a:pt x="526" y="437"/>
+                  </a:lnTo>
+                  <a:lnTo>
+                    <a:pt x="555" y="497"/>
+                  </a:lnTo>
+                  <a:lnTo>
+                    <a:pt x="582" y="562"/>
+                  </a:lnTo>
+                  <a:lnTo>
+                    <a:pt x="604" y="630"/>
+                  </a:lnTo>
+                  <a:lnTo>
+                    <a:pt x="621" y="700"/>
+                  </a:lnTo>
+                  <a:lnTo>
+                    <a:pt x="634" y="774"/>
+                  </a:lnTo>
+                  <a:lnTo>
+                    <a:pt x="642" y="851"/>
+                  </a:lnTo>
+                  <a:lnTo>
+                    <a:pt x="646" y="930"/>
+                  </a:lnTo>
+                  <a:lnTo>
+                    <a:pt x="643" y="1011"/>
+                  </a:lnTo>
+                  <a:lnTo>
+                    <a:pt x="636" y="1086"/>
+                  </a:lnTo>
+                  <a:lnTo>
+                    <a:pt x="623" y="1160"/>
+                  </a:lnTo>
+                  <a:lnTo>
+                    <a:pt x="607" y="1230"/>
+                  </a:lnTo>
+                  <a:lnTo>
+                    <a:pt x="585" y="1297"/>
+                  </a:lnTo>
+                  <a:lnTo>
+                    <a:pt x="561" y="1361"/>
+                  </a:lnTo>
+                  <a:lnTo>
+                    <a:pt x="533" y="1421"/>
+                  </a:lnTo>
+                  <a:lnTo>
+                    <a:pt x="500" y="1478"/>
+                  </a:lnTo>
+                  <a:lnTo>
+                    <a:pt x="466" y="1532"/>
+                  </a:lnTo>
+                  <a:lnTo>
+                    <a:pt x="428" y="1582"/>
+                  </a:lnTo>
+                  <a:lnTo>
+                    <a:pt x="388" y="1627"/>
+                  </a:lnTo>
+                  <a:lnTo>
+                    <a:pt x="345" y="1670"/>
+                  </a:lnTo>
+                  <a:lnTo>
+                    <a:pt x="301" y="1709"/>
+                  </a:lnTo>
+                  <a:lnTo>
+                    <a:pt x="254" y="1744"/>
+                  </a:lnTo>
+                  <a:lnTo>
+                    <a:pt x="205" y="1776"/>
+                  </a:lnTo>
+                  <a:lnTo>
+                    <a:pt x="156" y="1803"/>
+                  </a:lnTo>
+                  <a:lnTo>
+                    <a:pt x="104" y="1826"/>
+                  </a:lnTo>
+                  <a:lnTo>
+                    <a:pt x="53" y="1846"/>
+                  </a:lnTo>
+                  <a:lnTo>
+                    <a:pt x="0" y="1861"/>
+                  </a:lnTo>
+                  <a:lnTo>
+                    <a:pt x="0" y="0"/>
+                  </a:lnTo>
+                </a:path>
+              </a:pathLst>
+            </a:custGeom>
+            <a:gradFill rotWithShape="1">
+              <a:gsLst>
+                <a:gs pos="0">
+                  <a:srgbClr val="2A684C">
+                    <a:gamma/>
+                    <a:tint val="0"/>
+                    <a:invGamma/>
+                    <a:alpha val="100000"/>
+                  </a:srgbClr>
+                </a:gs>
+                <a:gs pos="100000">
+                  <a:srgbClr val="2A684C">
+                    <a:alpha val="100000"/>
+                  </a:srgbClr>
+                </a:gs>
+              </a:gsLst>
+              <a:lin ang="0" scaled="1"/>
+              <a:tileRect/>
+            </a:gradFill>
+            <a:ln w="6350">
+              <a:noFill/>
+            </a:ln>
+          </p:spPr>
+          <p:txBody>
+            <a:bodyPr/>
+            <a:p>
+              <a:endParaRPr lang="zh-CN" altLang="en-US"/>
+            </a:p>
+          </p:txBody>
+        </p:sp>
+        <p:sp>
+          <p:nvSpPr>
+            <p:cNvPr id="314411" name="任意多边形 314410"/>
+            <p:cNvSpPr/>
+            <p:nvPr/>
+          </p:nvSpPr>
+          <p:spPr>
+            <a:xfrm rot="-7471624">
+              <a:off x="3024" y="613"/>
+              <a:ext cx="725" cy="2090"/>
+            </a:xfrm>
+            <a:custGeom>
+              <a:avLst/>
+              <a:gdLst/>
+              <a:ahLst/>
+              <a:cxnLst/>
+              <a:pathLst>
+                <a:path w="646" h="1861">
+                  <a:moveTo>
+                    <a:pt x="0" y="0"/>
+                  </a:moveTo>
+                  <a:lnTo>
+                    <a:pt x="48" y="14"/>
+                  </a:lnTo>
+                  <a:lnTo>
+                    <a:pt x="98" y="32"/>
+                  </a:lnTo>
+                  <a:lnTo>
+                    <a:pt x="147" y="54"/>
+                  </a:lnTo>
+                  <a:lnTo>
+                    <a:pt x="195" y="81"/>
+                  </a:lnTo>
+                  <a:lnTo>
+                    <a:pt x="242" y="111"/>
+                  </a:lnTo>
+                  <a:lnTo>
+                    <a:pt x="288" y="147"/>
+                  </a:lnTo>
+                  <a:lnTo>
+                    <a:pt x="333" y="185"/>
+                  </a:lnTo>
+                  <a:lnTo>
+                    <a:pt x="377" y="228"/>
+                  </a:lnTo>
+                  <a:lnTo>
+                    <a:pt x="418" y="275"/>
+                  </a:lnTo>
+                  <a:lnTo>
+                    <a:pt x="457" y="325"/>
+                  </a:lnTo>
+                  <a:lnTo>
+                    <a:pt x="493" y="379"/>
+                  </a:lnTo>
+                  <a:lnTo>
+                    <a:pt x="526" y="437"/>
+                  </a:lnTo>
+                  <a:lnTo>
+                    <a:pt x="555" y="497"/>
+                  </a:lnTo>
+                  <a:lnTo>
+                    <a:pt x="582" y="562"/>
+                  </a:lnTo>
+                  <a:lnTo>
+                    <a:pt x="604" y="630"/>
+                  </a:lnTo>
+                  <a:lnTo>
+                    <a:pt x="621" y="700"/>
+                  </a:lnTo>
+                  <a:lnTo>
+                    <a:pt x="634" y="774"/>
+                  </a:lnTo>
+                  <a:lnTo>
+                    <a:pt x="642" y="851"/>
+                  </a:lnTo>
+                  <a:lnTo>
+                    <a:pt x="646" y="930"/>
+                  </a:lnTo>
+                  <a:lnTo>
+                    <a:pt x="643" y="1011"/>
+                  </a:lnTo>
+                  <a:lnTo>
+                    <a:pt x="636" y="1086"/>
+                  </a:lnTo>
+                  <a:lnTo>
+                    <a:pt x="623" y="1160"/>
+                  </a:lnTo>
+                  <a:lnTo>
+                    <a:pt x="607" y="1230"/>
+                  </a:lnTo>
+                  <a:lnTo>
+                    <a:pt x="585" y="1297"/>
+                  </a:lnTo>
+                  <a:lnTo>
+                    <a:pt x="561" y="1361"/>
+                  </a:lnTo>
+                  <a:lnTo>
+                    <a:pt x="533" y="1421"/>
+                  </a:lnTo>
+                  <a:lnTo>
+                    <a:pt x="500" y="1478"/>
+                  </a:lnTo>
+                  <a:lnTo>
+                    <a:pt x="466" y="1532"/>
+                  </a:lnTo>
+                  <a:lnTo>
+                    <a:pt x="428" y="1582"/>
+                  </a:lnTo>
+                  <a:lnTo>
+                    <a:pt x="388" y="1627"/>
+                  </a:lnTo>
+                  <a:lnTo>
+                    <a:pt x="345" y="1670"/>
+                  </a:lnTo>
+                  <a:lnTo>
+                    <a:pt x="301" y="1709"/>
+                  </a:lnTo>
+                  <a:lnTo>
+                    <a:pt x="254" y="1744"/>
+                  </a:lnTo>
+                  <a:lnTo>
+                    <a:pt x="205" y="1776"/>
+                  </a:lnTo>
+                  <a:lnTo>
+                    <a:pt x="156" y="1803"/>
+                  </a:lnTo>
+                  <a:lnTo>
+                    <a:pt x="104" y="1826"/>
+                  </a:lnTo>
+                  <a:lnTo>
+                    <a:pt x="53" y="1846"/>
+                  </a:lnTo>
+                  <a:lnTo>
+                    <a:pt x="0" y="1861"/>
+                  </a:lnTo>
+                  <a:lnTo>
+                    <a:pt x="0" y="0"/>
+                  </a:lnTo>
+                </a:path>
+              </a:pathLst>
+            </a:custGeom>
+            <a:gradFill rotWithShape="1">
+              <a:gsLst>
+                <a:gs pos="0">
+                  <a:schemeClr val="folHlink">
+                    <a:gamma/>
+                    <a:tint val="0"/>
+                    <a:invGamma/>
+                    <a:alpha val="100000"/>
+                  </a:schemeClr>
+                </a:gs>
+                <a:gs pos="100000">
+                  <a:schemeClr val="folHlink">
+                    <a:alpha val="100000"/>
+                  </a:schemeClr>
+                </a:gs>
+              </a:gsLst>
+              <a:lin ang="0" scaled="1"/>
+              <a:tileRect/>
+            </a:gradFill>
+            <a:ln w="6350">
+              <a:noFill/>
+            </a:ln>
+          </p:spPr>
+          <p:txBody>
+            <a:bodyPr/>
+            <a:p>
+              <a:endParaRPr lang="zh-CN" altLang="en-US"/>
+            </a:p>
+          </p:txBody>
+        </p:sp>
+        <p:grpSp>
+          <p:nvGrpSpPr>
+            <p:cNvPr id="314412" name="组合 314411"/>
+            <p:cNvGrpSpPr/>
+            <p:nvPr/>
+          </p:nvGrpSpPr>
+          <p:grpSpPr>
+            <a:xfrm>
+              <a:off x="1177" y="1440"/>
+              <a:ext cx="3335" cy="2571"/>
+              <a:chOff x="768" y="1104"/>
+              <a:chExt cx="3984" cy="3072"/>
+            </a:xfrm>
+          </p:grpSpPr>
+          <p:sp>
+            <p:nvSpPr>
+              <p:cNvPr id="314413" name="任意多边形 314412"/>
+              <p:cNvSpPr/>
+              <p:nvPr/>
+            </p:nvSpPr>
+            <p:spPr>
+              <a:xfrm>
+                <a:off x="2784" y="1680"/>
+                <a:ext cx="866" cy="2496"/>
+              </a:xfrm>
+              <a:custGeom>
+                <a:avLst/>
+                <a:gdLst/>
+                <a:ahLst/>
+                <a:cxnLst/>
+                <a:pathLst>
+                  <a:path w="646" h="1861">
+                    <a:moveTo>
+                      <a:pt x="0" y="0"/>
+                    </a:moveTo>
+                    <a:lnTo>
+                      <a:pt x="48" y="14"/>
+                    </a:lnTo>
+                    <a:lnTo>
+                      <a:pt x="98" y="32"/>
+                    </a:lnTo>
+                    <a:lnTo>
+                      <a:pt x="147" y="54"/>
+                    </a:lnTo>
+                    <a:lnTo>
+                      <a:pt x="195" y="81"/>
+                    </a:lnTo>
+                    <a:lnTo>
+                      <a:pt x="242" y="111"/>
+                    </a:lnTo>
+                    <a:lnTo>
+                      <a:pt x="288" y="147"/>
+                    </a:lnTo>
+                    <a:lnTo>
+                      <a:pt x="333" y="185"/>
+                    </a:lnTo>
+                    <a:lnTo>
+                      <a:pt x="377" y="228"/>
+                    </a:lnTo>
+                    <a:lnTo>
+                      <a:pt x="418" y="275"/>
+                    </a:lnTo>
+                    <a:lnTo>
+                      <a:pt x="457" y="325"/>
+                    </a:lnTo>
+                    <a:lnTo>
+                      <a:pt x="493" y="379"/>
+                    </a:lnTo>
+                    <a:lnTo>
+                      <a:pt x="526" y="437"/>
+                    </a:lnTo>
+                    <a:lnTo>
+                      <a:pt x="555" y="497"/>
+                    </a:lnTo>
+                    <a:lnTo>
+                      <a:pt x="582" y="562"/>
+                    </a:lnTo>
+                    <a:lnTo>
+                      <a:pt x="604" y="630"/>
+                    </a:lnTo>
+                    <a:lnTo>
+                      <a:pt x="621" y="700"/>
+                    </a:lnTo>
+                    <a:lnTo>
+                      <a:pt x="634" y="774"/>
+                    </a:lnTo>
+                    <a:lnTo>
+                      <a:pt x="642" y="851"/>
+                    </a:lnTo>
+                    <a:lnTo>
+                      <a:pt x="646" y="930"/>
+                    </a:lnTo>
+                    <a:lnTo>
+                      <a:pt x="643" y="1011"/>
+                    </a:lnTo>
+                    <a:lnTo>
+                      <a:pt x="636" y="1086"/>
+                    </a:lnTo>
+                    <a:lnTo>
+                      <a:pt x="623" y="1160"/>
+                    </a:lnTo>
+                    <a:lnTo>
+                      <a:pt x="607" y="1230"/>
+                    </a:lnTo>
+                    <a:lnTo>
+                      <a:pt x="585" y="1297"/>
+                    </a:lnTo>
+                    <a:lnTo>
+                      <a:pt x="561" y="1361"/>
+                    </a:lnTo>
+                    <a:lnTo>
+                      <a:pt x="533" y="1421"/>
+                    </a:lnTo>
+                    <a:lnTo>
+                      <a:pt x="500" y="1478"/>
+                    </a:lnTo>
+                    <a:lnTo>
+                      <a:pt x="466" y="1532"/>
+                    </a:lnTo>
+                    <a:lnTo>
+                      <a:pt x="428" y="1582"/>
+                    </a:lnTo>
+                    <a:lnTo>
+                      <a:pt x="388" y="1627"/>
+                    </a:lnTo>
+                    <a:lnTo>
+                      <a:pt x="345" y="1670"/>
+                    </a:lnTo>
+                    <a:lnTo>
+                      <a:pt x="301" y="1709"/>
+                    </a:lnTo>
+                    <a:lnTo>
+                      <a:pt x="254" y="1744"/>
+                    </a:lnTo>
+                    <a:lnTo>
+                      <a:pt x="205" y="1776"/>
+                    </a:lnTo>
+                    <a:lnTo>
+                      <a:pt x="156" y="1803"/>
+                    </a:lnTo>
+                    <a:lnTo>
+                      <a:pt x="104" y="1826"/>
+                    </a:lnTo>
+                    <a:lnTo>
+                      <a:pt x="53" y="1846"/>
+                    </a:lnTo>
+                    <a:lnTo>
+                      <a:pt x="0" y="1861"/>
+                    </a:lnTo>
+                    <a:lnTo>
+                      <a:pt x="0" y="0"/>
+                    </a:lnTo>
+                  </a:path>
+                </a:pathLst>
+              </a:custGeom>
+              <a:gradFill rotWithShape="1">
+                <a:gsLst>
+                  <a:gs pos="0">
+                    <a:schemeClr val="bg1">
+                      <a:alpha val="100000"/>
+                    </a:schemeClr>
+                  </a:gs>
+                  <a:gs pos="100000">
+                    <a:srgbClr val="CFDBDF">
+                      <a:alpha val="100000"/>
+                    </a:srgbClr>
+                  </a:gs>
+                </a:gsLst>
+                <a:lin ang="0" scaled="1"/>
+                <a:tileRect/>
+              </a:gradFill>
+              <a:ln w="6350">
+                <a:noFill/>
+              </a:ln>
+            </p:spPr>
+            <p:txBody>
+              <a:bodyPr/>
+              <a:p>
+                <a:endParaRPr lang="zh-CN" altLang="en-US"/>
+              </a:p>
+            </p:txBody>
+          </p:sp>
+          <p:sp>
+            <p:nvSpPr>
+              <p:cNvPr id="314414" name="任意多边形 314413"/>
+              <p:cNvSpPr/>
+              <p:nvPr/>
+            </p:nvSpPr>
+            <p:spPr>
+              <a:xfrm rot="6256290">
+                <a:off x="1583" y="1153"/>
+                <a:ext cx="866" cy="2496"/>
+              </a:xfrm>
+              <a:custGeom>
+                <a:avLst/>
+                <a:gdLst/>
+                <a:ahLst/>
+                <a:cxnLst/>
+                <a:pathLst>
+                  <a:path w="646" h="1861">
+                    <a:moveTo>
+                      <a:pt x="0" y="0"/>
+                    </a:moveTo>
+                    <a:lnTo>
+                      <a:pt x="48" y="14"/>
+                    </a:lnTo>
+                    <a:lnTo>
+                      <a:pt x="98" y="32"/>
+                    </a:lnTo>
+                    <a:lnTo>
+                      <a:pt x="147" y="54"/>
+                    </a:lnTo>
+                    <a:lnTo>
+                      <a:pt x="195" y="81"/>
+                    </a:lnTo>
+                    <a:lnTo>
+                      <a:pt x="242" y="111"/>
+                    </a:lnTo>
+                    <a:lnTo>
+                      <a:pt x="288" y="147"/>
+                    </a:lnTo>
+                    <a:lnTo>
+                      <a:pt x="333" y="185"/>
+                    </a:lnTo>
+                    <a:lnTo>
+                      <a:pt x="377" y="228"/>
+                    </a:lnTo>
+                    <a:lnTo>
+                      <a:pt x="418" y="275"/>
+                    </a:lnTo>
+                    <a:lnTo>
+                      <a:pt x="457" y="325"/>
+                    </a:lnTo>
+                    <a:lnTo>
+                      <a:pt x="493" y="379"/>
+                    </a:lnTo>
+                    <a:lnTo>
+                      <a:pt x="526" y="437"/>
+                    </a:lnTo>
+                    <a:lnTo>
+                      <a:pt x="555" y="497"/>
+                    </a:lnTo>
+                    <a:lnTo>
+                      <a:pt x="582" y="562"/>
+                    </a:lnTo>
+                    <a:lnTo>
+                      <a:pt x="604" y="630"/>
+                    </a:lnTo>
+                    <a:lnTo>
+                      <a:pt x="621" y="700"/>
+                    </a:lnTo>
+                    <a:lnTo>
+                      <a:pt x="634" y="774"/>
+                    </a:lnTo>
+                    <a:lnTo>
+                      <a:pt x="642" y="851"/>
+                    </a:lnTo>
+                    <a:lnTo>
+                      <a:pt x="646" y="930"/>
+                    </a:lnTo>
+                    <a:lnTo>
+                      <a:pt x="643" y="1011"/>
+                    </a:lnTo>
+                    <a:lnTo>
+                      <a:pt x="636" y="1086"/>
+                    </a:lnTo>
+                    <a:lnTo>
+                      <a:pt x="623" y="1160"/>
+                    </a:lnTo>
+                    <a:lnTo>
+                      <a:pt x="607" y="1230"/>
+                    </a:lnTo>
+                    <a:lnTo>
+                      <a:pt x="585" y="1297"/>
+                    </a:lnTo>
+                    <a:lnTo>
+                      <a:pt x="561" y="1361"/>
+                    </a:lnTo>
+                    <a:lnTo>
+                      <a:pt x="533" y="1421"/>
+                    </a:lnTo>
+                    <a:lnTo>
+                      <a:pt x="500" y="1478"/>
+                    </a:lnTo>
+                    <a:lnTo>
+                      <a:pt x="466" y="1532"/>
+                    </a:lnTo>
+                    <a:lnTo>
+                      <a:pt x="428" y="1582"/>
+                    </a:lnTo>
+                    <a:lnTo>
+                      <a:pt x="388" y="1627"/>
+                    </a:lnTo>
+                    <a:lnTo>
+                      <a:pt x="345" y="1670"/>
+                    </a:lnTo>
+                    <a:lnTo>
+                      <a:pt x="301" y="1709"/>
+                    </a:lnTo>
+                    <a:lnTo>
+                      <a:pt x="254" y="1744"/>
+                    </a:lnTo>
+                    <a:lnTo>
+                      <a:pt x="205" y="1776"/>
+                    </a:lnTo>
+                    <a:lnTo>
+                      <a:pt x="156" y="1803"/>
+                    </a:lnTo>
+                    <a:lnTo>
+                      <a:pt x="104" y="1826"/>
+                    </a:lnTo>
+                    <a:lnTo>
+                      <a:pt x="53" y="1846"/>
+                    </a:lnTo>
+                    <a:lnTo>
+                      <a:pt x="0" y="1861"/>
+                    </a:lnTo>
+                    <a:lnTo>
+                      <a:pt x="0" y="0"/>
+                    </a:lnTo>
+                  </a:path>
+                </a:pathLst>
+              </a:custGeom>
+              <a:gradFill rotWithShape="1">
+                <a:gsLst>
+                  <a:gs pos="0">
+                    <a:schemeClr val="bg1">
+                      <a:alpha val="100000"/>
+                    </a:schemeClr>
+                  </a:gs>
+                  <a:gs pos="100000">
+                    <a:srgbClr val="CFDBDF">
+                      <a:alpha val="100000"/>
+                    </a:srgbClr>
+                  </a:gs>
+                </a:gsLst>
+                <a:lin ang="0" scaled="1"/>
+                <a:tileRect/>
+              </a:gradFill>
+              <a:ln w="6350">
+                <a:noFill/>
+              </a:ln>
+            </p:spPr>
+            <p:txBody>
+              <a:bodyPr/>
+              <a:p>
+                <a:endParaRPr lang="zh-CN" altLang="en-US"/>
+              </a:p>
+            </p:txBody>
+          </p:sp>
+          <p:sp>
+            <p:nvSpPr>
+              <p:cNvPr id="314415" name="任意多边形 314414"/>
+              <p:cNvSpPr/>
+              <p:nvPr/>
+            </p:nvSpPr>
+            <p:spPr>
+              <a:xfrm rot="-6677128">
+                <a:off x="3071" y="289"/>
+                <a:ext cx="866" cy="2496"/>
+              </a:xfrm>
+              <a:custGeom>
+                <a:avLst/>
+                <a:gdLst/>
+                <a:ahLst/>
+                <a:cxnLst/>
+                <a:pathLst>
+                  <a:path w="646" h="1861">
+                    <a:moveTo>
+                      <a:pt x="0" y="0"/>
+                    </a:moveTo>
+                    <a:lnTo>
+                      <a:pt x="48" y="14"/>
+                    </a:lnTo>
+                    <a:lnTo>
+                      <a:pt x="98" y="32"/>
+                    </a:lnTo>
+                    <a:lnTo>
+                      <a:pt x="147" y="54"/>
+                    </a:lnTo>
+                    <a:lnTo>
+                      <a:pt x="195" y="81"/>
+                    </a:lnTo>
+                    <a:lnTo>
+                      <a:pt x="242" y="111"/>
+                    </a:lnTo>
+                    <a:lnTo>
+                      <a:pt x="288" y="147"/>
+                    </a:lnTo>
+                    <a:lnTo>
+                      <a:pt x="333" y="185"/>
+                    </a:lnTo>
+                    <a:lnTo>
+                      <a:pt x="377" y="228"/>
+                    </a:lnTo>
+                    <a:lnTo>
+                      <a:pt x="418" y="275"/>
+                    </a:lnTo>
+                    <a:lnTo>
+                      <a:pt x="457" y="325"/>
+                    </a:lnTo>
+                    <a:lnTo>
+                      <a:pt x="493" y="379"/>
+                    </a:lnTo>
+                    <a:lnTo>
+                      <a:pt x="526" y="437"/>
+                    </a:lnTo>
+                    <a:lnTo>
+                      <a:pt x="555" y="497"/>
+                    </a:lnTo>
+                    <a:lnTo>
+                      <a:pt x="582" y="562"/>
+                    </a:lnTo>
+                    <a:lnTo>
+                      <a:pt x="604" y="630"/>
+                    </a:lnTo>
+                    <a:lnTo>
+                      <a:pt x="621" y="700"/>
+                    </a:lnTo>
+                    <a:lnTo>
+                      <a:pt x="634" y="774"/>
+                    </a:lnTo>
+                    <a:lnTo>
+                      <a:pt x="642" y="851"/>
+                    </a:lnTo>
+                    <a:lnTo>
+                      <a:pt x="646" y="930"/>
+                    </a:lnTo>
+                    <a:lnTo>
+                      <a:pt x="643" y="1011"/>
+                    </a:lnTo>
+                    <a:lnTo>
+                      <a:pt x="636" y="1086"/>
+                    </a:lnTo>
+                    <a:lnTo>
+                      <a:pt x="623" y="1160"/>
+                    </a:lnTo>
+                    <a:lnTo>
+                      <a:pt x="607" y="1230"/>
+                    </a:lnTo>
+                    <a:lnTo>
+                      <a:pt x="585" y="1297"/>
+                    </a:lnTo>
+                    <a:lnTo>
+                      <a:pt x="561" y="1361"/>
+                    </a:lnTo>
+                    <a:lnTo>
+                      <a:pt x="533" y="1421"/>
+                    </a:lnTo>
+                    <a:lnTo>
+                      <a:pt x="500" y="1478"/>
+                    </a:lnTo>
+                    <a:lnTo>
+                      <a:pt x="466" y="1532"/>
+                    </a:lnTo>
+                    <a:lnTo>
+                      <a:pt x="428" y="1582"/>
+                    </a:lnTo>
+                    <a:lnTo>
+                      <a:pt x="388" y="1627"/>
+                    </a:lnTo>
+                    <a:lnTo>
+                      <a:pt x="345" y="1670"/>
+                    </a:lnTo>
+                    <a:lnTo>
+                      <a:pt x="301" y="1709"/>
+                    </a:lnTo>
+                    <a:lnTo>
+                      <a:pt x="254" y="1744"/>
+                    </a:lnTo>
+                    <a:lnTo>
+                      <a:pt x="205" y="1776"/>
+                    </a:lnTo>
+                    <a:lnTo>
+                      <a:pt x="156" y="1803"/>
+                    </a:lnTo>
+                    <a:lnTo>
+                      <a:pt x="104" y="1826"/>
+                    </a:lnTo>
+                    <a:lnTo>
+                      <a:pt x="53" y="1846"/>
+                    </a:lnTo>
+                    <a:lnTo>
+                      <a:pt x="0" y="1861"/>
+                    </a:lnTo>
+                    <a:lnTo>
+                      <a:pt x="0" y="0"/>
+                    </a:lnTo>
+                  </a:path>
+                </a:pathLst>
+              </a:custGeom>
+              <a:gradFill rotWithShape="1">
+                <a:gsLst>
+                  <a:gs pos="0">
+                    <a:schemeClr val="bg1">
+                      <a:alpha val="100000"/>
+                    </a:schemeClr>
+                  </a:gs>
+                  <a:gs pos="100000">
+                    <a:srgbClr val="CFDBDF">
+                      <a:alpha val="100000"/>
+                    </a:srgbClr>
+                  </a:gs>
+                </a:gsLst>
+                <a:lin ang="0" scaled="1"/>
+                <a:tileRect/>
+              </a:gradFill>
+              <a:ln w="6350">
+                <a:noFill/>
+              </a:ln>
+            </p:spPr>
+            <p:txBody>
+              <a:bodyPr/>
+              <a:p>
+                <a:endParaRPr lang="zh-CN" altLang="en-US"/>
+              </a:p>
+            </p:txBody>
+          </p:sp>
+        </p:grpSp>
+        <p:grpSp>
+          <p:nvGrpSpPr>
+            <p:cNvPr id="314416" name="组合 314415"/>
+            <p:cNvGrpSpPr/>
+            <p:nvPr/>
+          </p:nvGrpSpPr>
+          <p:grpSpPr>
+            <a:xfrm>
+              <a:off x="2543" y="1899"/>
+              <a:ext cx="844" cy="843"/>
+              <a:chOff x="2016" y="1920"/>
+              <a:chExt cx="1680" cy="1680"/>
+            </a:xfrm>
+          </p:grpSpPr>
+          <p:sp>
+            <p:nvSpPr>
+              <p:cNvPr id="314417" name="椭圆 314416"/>
+              <p:cNvSpPr/>
+              <p:nvPr/>
+            </p:nvSpPr>
+            <p:spPr>
+              <a:xfrm>
+                <a:off x="2016" y="1920"/>
+                <a:ext cx="1680" cy="1680"/>
+              </a:xfrm>
+              <a:prstGeom prst="ellipse">
+                <a:avLst/>
+              </a:prstGeom>
+              <a:gradFill rotWithShape="1">
+                <a:gsLst>
+                  <a:gs pos="0">
+                    <a:srgbClr val="F14343"/>
+                  </a:gs>
+                  <a:gs pos="100000">
+                    <a:srgbClr val="F14343">
+                      <a:gamma/>
+                      <a:shade val="60784"/>
+                      <a:invGamma/>
+                    </a:srgbClr>
+                  </a:gs>
+                </a:gsLst>
+                <a:lin ang="5400000" scaled="1"/>
+                <a:tileRect/>
+              </a:gradFill>
+              <a:ln w="25400" cap="flat" cmpd="sng">
+                <a:solidFill>
+                  <a:schemeClr val="bg1"/>
+                </a:solidFill>
+                <a:prstDash val="solid"/>
+                <a:headEnd type="none" w="med" len="med"/>
+                <a:tailEnd type="none" w="med" len="med"/>
+              </a:ln>
+            </p:spPr>
+            <p:txBody>
+              <a:bodyPr/>
+              <a:p>
+                <a:endParaRPr lang="zh-CN" altLang="en-US"/>
+              </a:p>
+            </p:txBody>
+          </p:sp>
+          <p:sp>
+            <p:nvSpPr>
+              <p:cNvPr id="314418" name="任意多边形 314417"/>
+              <p:cNvSpPr/>
+              <p:nvPr/>
+            </p:nvSpPr>
+            <p:spPr>
+              <a:xfrm>
+                <a:off x="2208" y="1948"/>
+                <a:ext cx="1296" cy="634"/>
+              </a:xfrm>
+              <a:custGeom>
+                <a:avLst/>
+                <a:gdLst/>
+                <a:ahLst/>
+                <a:cxnLst/>
+                <a:pathLst>
+                  <a:path w="1321" h="712">
+                    <a:moveTo>
+                      <a:pt x="1301" y="401"/>
+                    </a:moveTo>
+                    <a:lnTo>
+                      <a:pt x="1317" y="442"/>
+                    </a:lnTo>
+                    <a:lnTo>
+                      <a:pt x="1321" y="481"/>
+                    </a:lnTo>
+                    <a:lnTo>
+                      <a:pt x="1315" y="516"/>
+                    </a:lnTo>
+                    <a:lnTo>
+                      <a:pt x="1298" y="550"/>
+                    </a:lnTo>
+                    <a:lnTo>
+                      <a:pt x="1272" y="579"/>
+                    </a:lnTo>
+                    <a:lnTo>
+                      <a:pt x="1239" y="604"/>
+                    </a:lnTo>
+                    <a:lnTo>
+                      <a:pt x="1196" y="628"/>
+                    </a:lnTo>
+                    <a:lnTo>
+                      <a:pt x="1147" y="649"/>
+                    </a:lnTo>
+                    <a:lnTo>
+                      <a:pt x="1092" y="667"/>
+                    </a:lnTo>
+                    <a:lnTo>
+                      <a:pt x="1031" y="683"/>
+                    </a:lnTo>
+                    <a:lnTo>
+                      <a:pt x="967" y="694"/>
+                    </a:lnTo>
+                    <a:lnTo>
+                      <a:pt x="896" y="704"/>
+                    </a:lnTo>
+                    <a:lnTo>
+                      <a:pt x="824" y="710"/>
+                    </a:lnTo>
+                    <a:lnTo>
+                      <a:pt x="795" y="712"/>
+                    </a:lnTo>
+                    <a:lnTo>
+                      <a:pt x="476" y="712"/>
+                    </a:lnTo>
+                    <a:lnTo>
+                      <a:pt x="472" y="712"/>
+                    </a:lnTo>
+                    <a:lnTo>
+                      <a:pt x="409" y="708"/>
+                    </a:lnTo>
+                    <a:lnTo>
+                      <a:pt x="348" y="704"/>
+                    </a:lnTo>
+                    <a:lnTo>
+                      <a:pt x="290" y="696"/>
+                    </a:lnTo>
+                    <a:lnTo>
+                      <a:pt x="235" y="689"/>
+                    </a:lnTo>
+                    <a:lnTo>
+                      <a:pt x="186" y="677"/>
+                    </a:lnTo>
+                    <a:lnTo>
+                      <a:pt x="141" y="663"/>
+                    </a:lnTo>
+                    <a:lnTo>
+                      <a:pt x="102" y="648"/>
+                    </a:lnTo>
+                    <a:lnTo>
+                      <a:pt x="67" y="630"/>
+                    </a:lnTo>
+                    <a:lnTo>
+                      <a:pt x="39" y="608"/>
+                    </a:lnTo>
+                    <a:lnTo>
+                      <a:pt x="18" y="583"/>
+                    </a:lnTo>
+                    <a:lnTo>
+                      <a:pt x="6" y="554"/>
+                    </a:lnTo>
+                    <a:lnTo>
+                      <a:pt x="0" y="524"/>
+                    </a:lnTo>
+                    <a:lnTo>
+                      <a:pt x="0" y="520"/>
+                    </a:lnTo>
+                    <a:lnTo>
+                      <a:pt x="4" y="487"/>
+                    </a:lnTo>
+                    <a:lnTo>
+                      <a:pt x="16" y="446"/>
+                    </a:lnTo>
+                    <a:lnTo>
+                      <a:pt x="51" y="370"/>
+                    </a:lnTo>
+                    <a:lnTo>
+                      <a:pt x="94" y="299"/>
+                    </a:lnTo>
+                    <a:lnTo>
+                      <a:pt x="147" y="235"/>
+                    </a:lnTo>
+                    <a:lnTo>
+                      <a:pt x="204" y="176"/>
+                    </a:lnTo>
+                    <a:lnTo>
+                      <a:pt x="270" y="125"/>
+                    </a:lnTo>
+                    <a:lnTo>
+                      <a:pt x="341" y="82"/>
+                    </a:lnTo>
+                    <a:lnTo>
+                      <a:pt x="415" y="47"/>
+                    </a:lnTo>
+                    <a:lnTo>
+                      <a:pt x="497" y="21"/>
+                    </a:lnTo>
+                    <a:lnTo>
+                      <a:pt x="581" y="6"/>
+                    </a:lnTo>
+                    <a:lnTo>
+                      <a:pt x="667" y="0"/>
+                    </a:lnTo>
+                    <a:lnTo>
+                      <a:pt x="667" y="0"/>
+                    </a:lnTo>
+                    <a:lnTo>
+                      <a:pt x="759" y="6"/>
+                    </a:lnTo>
+                    <a:lnTo>
+                      <a:pt x="847" y="23"/>
+                    </a:lnTo>
+                    <a:lnTo>
+                      <a:pt x="932" y="53"/>
+                    </a:lnTo>
+                    <a:lnTo>
+                      <a:pt x="1010" y="90"/>
+                    </a:lnTo>
+                    <a:lnTo>
+                      <a:pt x="1082" y="137"/>
+                    </a:lnTo>
+                    <a:lnTo>
+                      <a:pt x="1149" y="194"/>
+                    </a:lnTo>
+                    <a:lnTo>
+                      <a:pt x="1208" y="256"/>
+                    </a:lnTo>
+                    <a:lnTo>
+                      <a:pt x="1258" y="325"/>
+                    </a:lnTo>
+                    <a:lnTo>
+                      <a:pt x="1301" y="401"/>
+                    </a:lnTo>
+                    <a:lnTo>
+                      <a:pt x="1301" y="401"/>
+                    </a:lnTo>
+                    <a:close/>
+                  </a:path>
+                </a:pathLst>
+              </a:custGeom>
+              <a:gradFill rotWithShape="1">
+                <a:gsLst>
+                  <a:gs pos="0">
+                    <a:schemeClr val="bg1">
+                      <a:alpha val="100000"/>
+                    </a:schemeClr>
+                  </a:gs>
+                  <a:gs pos="100000">
+                    <a:srgbClr val="FF3300">
+                      <a:alpha val="100000"/>
+                    </a:srgbClr>
+                  </a:gs>
+                </a:gsLst>
+                <a:lin ang="5400000" scaled="1"/>
+                <a:tileRect/>
+              </a:gradFill>
+              <a:ln w="0">
+                <a:noFill/>
+              </a:ln>
+            </p:spPr>
+            <p:txBody>
+              <a:bodyPr/>
+              <a:p>
+                <a:endParaRPr lang="zh-CN" altLang="en-US"/>
+              </a:p>
+            </p:txBody>
+          </p:sp>
+        </p:grpSp>
+        <p:sp>
+          <p:nvSpPr>
+            <p:cNvPr id="314419" name="文本框 314418"/>
+            <p:cNvSpPr txBox="1"/>
+            <p:nvPr/>
+          </p:nvSpPr>
+          <p:spPr>
+            <a:xfrm>
+              <a:off x="2617" y="2177"/>
+              <a:ext cx="695" cy="565"/>
+            </a:xfrm>
+            <a:prstGeom prst="rect">
+              <a:avLst/>
+            </a:prstGeom>
+            <a:noFill/>
+            <a:ln w="9525">
+              <a:noFill/>
+            </a:ln>
+          </p:spPr>
+          <p:txBody>
+            <a:bodyPr wrap="square" anchor="t">
+              <a:spAutoFit/>
+            </a:bodyPr>
+            <a:p>
+              <a:pPr algn="ctr"/>
+              <a:r>
+                <a:rPr lang="zh-CN" altLang="en-US" sz="2400" b="1" dirty="0">
+                  <a:solidFill>
+                    <a:schemeClr val="bg1"/>
+                  </a:solidFill>
+                </a:rPr>
+                <a:t>叶天士</a:t>
+              </a:r>
+              <a:endParaRPr lang="zh-CN" altLang="en-US" sz="2400" b="1">
+                <a:solidFill>
+                  <a:schemeClr val="bg1"/>
+                </a:solidFill>
+              </a:endParaRPr>
+            </a:p>
+            <a:p>
+              <a:pPr algn="ctr"/>
+              <a:endParaRPr lang="zh-CN" altLang="en-US" sz="2400" b="1">
+                <a:solidFill>
+                  <a:schemeClr val="bg1"/>
+                </a:solidFill>
+              </a:endParaRPr>
+            </a:p>
+          </p:txBody>
+        </p:sp>
+        <p:sp>
+          <p:nvSpPr>
+            <p:cNvPr id="314420" name="文本框 314419"/>
+            <p:cNvSpPr txBox="1"/>
+            <p:nvPr/>
+          </p:nvSpPr>
+          <p:spPr>
+            <a:xfrm>
+              <a:off x="1776" y="1977"/>
+              <a:ext cx="888" cy="313"/>
+            </a:xfrm>
+            <a:prstGeom prst="rect">
+              <a:avLst/>
+            </a:prstGeom>
+            <a:noFill/>
+            <a:ln w="9525">
+              <a:noFill/>
+            </a:ln>
+          </p:spPr>
+          <p:txBody>
+            <a:bodyPr wrap="square" anchor="t">
+              <a:spAutoFit/>
+            </a:bodyPr>
+            <a:p>
+              <a:r>
+                <a:rPr lang="zh-CN" altLang="en-US" sz="2400" b="1" dirty="0"/>
+                <a:t>逐邪务早</a:t>
+              </a:r>
+              <a:endParaRPr lang="zh-CN" altLang="en-US" sz="2400" b="1"/>
+            </a:p>
+          </p:txBody>
+        </p:sp>
+        <p:sp>
+          <p:nvSpPr>
+            <p:cNvPr id="314421" name="文本框 314420"/>
+            <p:cNvSpPr txBox="1"/>
+            <p:nvPr/>
+          </p:nvSpPr>
+          <p:spPr>
+            <a:xfrm>
+              <a:off x="3347" y="1455"/>
+              <a:ext cx="888" cy="313"/>
+            </a:xfrm>
+            <a:prstGeom prst="rect">
+              <a:avLst/>
+            </a:prstGeom>
+            <a:noFill/>
+            <a:ln w="9525">
+              <a:noFill/>
+            </a:ln>
+          </p:spPr>
+          <p:txBody>
+            <a:bodyPr wrap="square" anchor="t">
+              <a:spAutoFit/>
+            </a:bodyPr>
+            <a:p>
+              <a:r>
+                <a:rPr lang="zh-CN" altLang="en-US" sz="2400" b="1" dirty="0"/>
+                <a:t>先证用药</a:t>
+              </a:r>
+              <a:endParaRPr lang="zh-CN" altLang="en-US" sz="2400" b="1"/>
+            </a:p>
+          </p:txBody>
+        </p:sp>
+        <p:sp>
+          <p:nvSpPr>
+            <p:cNvPr id="314422" name="文本框 314421"/>
+            <p:cNvSpPr txBox="1"/>
+            <p:nvPr/>
+          </p:nvSpPr>
+          <p:spPr>
+            <a:xfrm>
+              <a:off x="2548" y="3062"/>
+              <a:ext cx="888" cy="313"/>
+            </a:xfrm>
+            <a:prstGeom prst="rect">
+              <a:avLst/>
+            </a:prstGeom>
+            <a:noFill/>
+            <a:ln w="9525">
+              <a:noFill/>
+            </a:ln>
+          </p:spPr>
+          <p:txBody>
+            <a:bodyPr wrap="square" anchor="t">
+              <a:spAutoFit/>
+            </a:bodyPr>
+            <a:p>
+              <a:pPr algn="r"/>
+              <a:r>
+                <a:rPr lang="zh-CN" altLang="en-US" sz="2400" b="1" dirty="0"/>
+                <a:t>先安防变</a:t>
+              </a:r>
+              <a:endParaRPr lang="zh-CN" altLang="en-US" sz="2400" b="1"/>
+            </a:p>
+          </p:txBody>
+        </p:sp>
+      </p:grpSp>
+      <p:sp>
+        <p:nvSpPr>
+          <p:cNvPr id="314424" name="文本框 314423"/>
+          <p:cNvSpPr txBox="1"/>
+          <p:nvPr/>
+        </p:nvSpPr>
+        <p:spPr>
+          <a:xfrm>
+            <a:off x="772160" y="4059238"/>
+            <a:ext cx="3024188" cy="457200"/>
+          </a:xfrm>
+          <a:prstGeom prst="rect">
+            <a:avLst/>
+          </a:prstGeom>
+          <a:noFill/>
+          <a:ln w="9525">
+            <a:noFill/>
+          </a:ln>
+        </p:spPr>
+        <p:txBody>
+          <a:bodyPr>
+            <a:spAutoFit/>
+          </a:bodyPr>
+          <a:p>
+            <a:r>
+              <a:rPr lang="zh-CN" altLang="en-US" sz="2400" b="1" dirty="0">
+                <a:solidFill>
+                  <a:srgbClr val="006600"/>
+                </a:solidFill>
+              </a:rPr>
+              <a:t>务在先安未受邪之地</a:t>
+            </a:r>
+            <a:endParaRPr lang="zh-CN" altLang="en-US" sz="2400" b="1" dirty="0">
+              <a:solidFill>
+                <a:srgbClr val="006600"/>
+              </a:solidFill>
+            </a:endParaRPr>
+          </a:p>
+        </p:txBody>
+      </p:sp>
+    </p:spTree>
+  </p:cSld>
+  <p:clrMapOvr>
+    <a:masterClrMapping/>
+  </p:clrMapOvr>
+  <p:transition spd="slow">
+    <p:wipe/>
+  </p:transition>
+  <p:timing>
+    <p:tnLst>
+      <p:par>
+        <p:cTn id="1" dur="indefinite" restart="never" nodeType="tmRoot"/>
+      </p:par>
+    </p:tnLst>
+  </p:timing>
+</p:sld>
+</file>
+
+<file path=ppt/slides/slide7.xml><?xml version="1.0" encoding="utf-8"?>
 <p:sld xmlns:a="http://schemas.openxmlformats.org/drawingml/2006/main" xmlns:r="http://schemas.openxmlformats.org/officeDocument/2006/relationships" xmlns:p="http://schemas.openxmlformats.org/presentationml/2006/main">
   <p:cSld>
     <p:spTree>
@@ -5553,7 +11070,7 @@
 </p:sld>
 </file>
 
-<file path=ppt/slides/slide6.xml><?xml version="1.0" encoding="utf-8"?>
+<file path=ppt/slides/slide8.xml><?xml version="1.0" encoding="utf-8"?>
 <p:sld xmlns:a="http://schemas.openxmlformats.org/drawingml/2006/main" xmlns:r="http://schemas.openxmlformats.org/officeDocument/2006/relationships" xmlns:p="http://schemas.openxmlformats.org/presentationml/2006/main">
   <p:cSld>
     <p:spTree>
@@ -6279,7 +11796,7 @@
 </p:sld>
 </file>
 
-<file path=ppt/slides/slide7.xml><?xml version="1.0" encoding="utf-8"?>
+<file path=ppt/slides/slide9.xml><?xml version="1.0" encoding="utf-8"?>
 <p:sld xmlns:a="http://schemas.openxmlformats.org/drawingml/2006/main" xmlns:r="http://schemas.openxmlformats.org/officeDocument/2006/relationships" xmlns:p="http://schemas.openxmlformats.org/presentationml/2006/main">
   <p:cSld>
     <p:spTree>
@@ -6580,1783 +12097,6 @@
           <a:xfrm>
             <a:off x="4211960" y="2715766"/>
             <a:ext cx="4364260" cy="1061829"/>
-          </a:xfrm>
-          <a:prstGeom prst="rect">
-            <a:avLst/>
-          </a:prstGeom>
-          <a:noFill/>
-        </p:spPr>
-        <p:txBody>
-          <a:bodyPr wrap="square" rtlCol="0">
-            <a:spAutoFit/>
-          </a:bodyPr>
-          <a:lstStyle>
-            <a:defPPr>
-              <a:defRPr lang="zh-CN"/>
-            </a:defPPr>
-            <a:lvl1pPr>
-              <a:lnSpc>
-                <a:spcPct val="150000"/>
-              </a:lnSpc>
-              <a:defRPr b="1">
-                <a:solidFill>
-                  <a:schemeClr val="tx1">
-                    <a:lumMod val="75000"/>
-                    <a:lumOff val="25000"/>
-                  </a:schemeClr>
-                </a:solidFill>
-                <a:latin typeface="隶书" panose="02010509060101010101" pitchFamily="49" charset="-122"/>
-                <a:ea typeface="隶书" panose="02010509060101010101" pitchFamily="49" charset="-122"/>
-              </a:defRPr>
-            </a:lvl1pPr>
-          </a:lstStyle>
-          <a:p>
-            <a:pPr marL="285750" indent="-285750">
-              <a:buFont typeface="Arial" panose="020B0604020202020204" pitchFamily="34" charset="0"/>
-              <a:buChar char="•"/>
-            </a:pPr>
-            <a:r>
-              <a:rPr lang="zh-CN" altLang="en-US" sz="1400" b="0" dirty="0">
-                <a:solidFill>
-                  <a:schemeClr val="tx1">
-                    <a:lumMod val="85000"/>
-                    <a:lumOff val="15000"/>
-                  </a:schemeClr>
-                </a:solidFill>
-                <a:latin typeface="+mn-ea"/>
-                <a:ea typeface="+mn-ea"/>
-              </a:rPr>
-              <a:t>单击此处添加文本单击此处添加文本单击此处添加文本单击此处添加文本单击此处添加文本</a:t>
-            </a:r>
-            <a:endParaRPr lang="zh-CN" altLang="en-US" sz="1400" b="0" dirty="0">
-              <a:solidFill>
-                <a:schemeClr val="tx1">
-                  <a:lumMod val="85000"/>
-                  <a:lumOff val="15000"/>
-                </a:schemeClr>
-              </a:solidFill>
-              <a:latin typeface="+mn-ea"/>
-              <a:ea typeface="+mn-ea"/>
-            </a:endParaRPr>
-          </a:p>
-          <a:p>
-            <a:endParaRPr lang="zh-CN" altLang="en-US" sz="1400" b="0" dirty="0">
-              <a:solidFill>
-                <a:schemeClr val="tx1">
-                  <a:lumMod val="85000"/>
-                  <a:lumOff val="15000"/>
-                </a:schemeClr>
-              </a:solidFill>
-              <a:latin typeface="+mn-ea"/>
-              <a:ea typeface="+mn-ea"/>
-            </a:endParaRPr>
-          </a:p>
-        </p:txBody>
-      </p:sp>
-    </p:spTree>
-  </p:cSld>
-  <p:clrMapOvr>
-    <a:masterClrMapping/>
-  </p:clrMapOvr>
-  <p:transition spd="slow">
-    <p:wipe/>
-  </p:transition>
-  <p:timing>
-    <p:tnLst>
-      <p:par>
-        <p:cTn id="1" dur="indefinite" restart="never" nodeType="tmRoot"/>
-      </p:par>
-    </p:tnLst>
-  </p:timing>
-</p:sld>
-</file>
-
-<file path=ppt/slides/slide8.xml><?xml version="1.0" encoding="utf-8"?>
-<p:sld xmlns:a="http://schemas.openxmlformats.org/drawingml/2006/main" xmlns:r="http://schemas.openxmlformats.org/officeDocument/2006/relationships" xmlns:p="http://schemas.openxmlformats.org/presentationml/2006/main">
-  <p:cSld>
-    <p:spTree>
-      <p:nvGrpSpPr>
-        <p:cNvPr id="1" name=""/>
-        <p:cNvGrpSpPr/>
-        <p:nvPr/>
-      </p:nvGrpSpPr>
-      <p:grpSpPr>
-        <a:xfrm>
-          <a:off x="0" y="0"/>
-          <a:ext cx="0" cy="0"/>
-          <a:chOff x="0" y="0"/>
-          <a:chExt cx="0" cy="0"/>
-        </a:xfrm>
-      </p:grpSpPr>
-      <p:sp>
-        <p:nvSpPr>
-          <p:cNvPr id="3" name="标题 2"/>
-          <p:cNvSpPr>
-            <a:spLocks noGrp="1"/>
-          </p:cNvSpPr>
-          <p:nvPr>
-            <p:ph type="title"/>
-          </p:nvPr>
-        </p:nvSpPr>
-        <p:spPr/>
-        <p:txBody>
-          <a:bodyPr/>
-          <a:lstStyle/>
-          <a:p>
-            <a:r>
-              <a:rPr lang="zh-CN" altLang="en-US" dirty="0" smtClean="0"/>
-              <a:t>结束语</a:t>
-            </a:r>
-            <a:endParaRPr lang="zh-CN" altLang="en-US" dirty="0"/>
-          </a:p>
-        </p:txBody>
-      </p:sp>
-      <p:pic>
-        <p:nvPicPr>
-          <p:cNvPr id="5" name="Picture 3" descr="E:\我的PPT库\PPT图标库\2000种网站或论坛PNG图片图标\png-1835.png"/>
-          <p:cNvPicPr>
-            <a:picLocks noChangeAspect="1" noChangeArrowheads="1"/>
-          </p:cNvPicPr>
-          <p:nvPr/>
-        </p:nvPicPr>
-        <p:blipFill>
-          <a:blip r:embed="rId1">
-            <a:extLst>
-              <a:ext uri="{28A0092B-C50C-407E-A947-70E740481C1C}">
-                <a14:useLocalDpi xmlns:a14="http://schemas.microsoft.com/office/drawing/2010/main" val="0"/>
-              </a:ext>
-            </a:extLst>
-          </a:blip>
-          <a:srcRect/>
-          <a:stretch>
-            <a:fillRect/>
-          </a:stretch>
-        </p:blipFill>
-        <p:spPr bwMode="auto">
-          <a:xfrm>
-            <a:off x="7740352" y="3723878"/>
-            <a:ext cx="1080120" cy="1080120"/>
-          </a:xfrm>
-          <a:prstGeom prst="rect">
-            <a:avLst/>
-          </a:prstGeom>
-          <a:noFill/>
-          <a:extLst>
-            <a:ext uri="{909E8E84-426E-40DD-AFC4-6F175D3DCCD1}">
-              <a14:hiddenFill xmlns:a14="http://schemas.microsoft.com/office/drawing/2010/main">
-                <a:solidFill>
-                  <a:srgbClr val="FFFFFF"/>
-                </a:solidFill>
-              </a14:hiddenFill>
-            </a:ext>
-          </a:extLst>
-        </p:spPr>
-      </p:pic>
-      <p:grpSp>
-        <p:nvGrpSpPr>
-          <p:cNvPr id="4" name="组合 3"/>
-          <p:cNvGrpSpPr/>
-          <p:nvPr/>
-        </p:nvGrpSpPr>
-        <p:grpSpPr>
-          <a:xfrm>
-            <a:off x="668146" y="1465058"/>
-            <a:ext cx="7072206" cy="3078518"/>
-            <a:chOff x="539552" y="1740456"/>
-            <a:chExt cx="7344816" cy="4191000"/>
-          </a:xfrm>
-        </p:grpSpPr>
-        <p:grpSp>
-          <p:nvGrpSpPr>
-            <p:cNvPr id="27" name="组合 26"/>
-            <p:cNvGrpSpPr/>
-            <p:nvPr/>
-          </p:nvGrpSpPr>
-          <p:grpSpPr>
-            <a:xfrm>
-              <a:off x="736600" y="1740456"/>
-              <a:ext cx="6959600" cy="4191000"/>
-              <a:chOff x="952500" y="1295400"/>
-              <a:chExt cx="6959600" cy="4191000"/>
-            </a:xfrm>
-          </p:grpSpPr>
-          <p:cxnSp>
-            <p:nvCxnSpPr>
-              <p:cNvPr id="28" name="直接连接符​​ 11"/>
-              <p:cNvCxnSpPr/>
-              <p:nvPr/>
-            </p:nvCxnSpPr>
-            <p:spPr>
-              <a:xfrm>
-                <a:off x="7366000" y="1295400"/>
-                <a:ext cx="0" cy="4191000"/>
-              </a:xfrm>
-              <a:prstGeom prst="line">
-                <a:avLst/>
-              </a:prstGeom>
-              <a:ln>
-                <a:solidFill>
-                  <a:srgbClr val="B69F7F"/>
-                </a:solidFill>
-              </a:ln>
-            </p:spPr>
-            <p:style>
-              <a:lnRef idx="1">
-                <a:schemeClr val="accent2"/>
-              </a:lnRef>
-              <a:fillRef idx="0">
-                <a:schemeClr val="accent2"/>
-              </a:fillRef>
-              <a:effectRef idx="0">
-                <a:schemeClr val="accent2"/>
-              </a:effectRef>
-              <a:fontRef idx="minor">
-                <a:schemeClr val="tx1"/>
-              </a:fontRef>
-            </p:style>
-          </p:cxnSp>
-          <p:cxnSp>
-            <p:nvCxnSpPr>
-              <p:cNvPr id="29" name="直接连接符​​ 12"/>
-              <p:cNvCxnSpPr/>
-              <p:nvPr/>
-            </p:nvCxnSpPr>
-            <p:spPr>
-              <a:xfrm>
-                <a:off x="6794500" y="1295400"/>
-                <a:ext cx="0" cy="4191000"/>
-              </a:xfrm>
-              <a:prstGeom prst="line">
-                <a:avLst/>
-              </a:prstGeom>
-              <a:ln>
-                <a:solidFill>
-                  <a:srgbClr val="B69F7F"/>
-                </a:solidFill>
-              </a:ln>
-            </p:spPr>
-            <p:style>
-              <a:lnRef idx="1">
-                <a:schemeClr val="accent2"/>
-              </a:lnRef>
-              <a:fillRef idx="0">
-                <a:schemeClr val="accent2"/>
-              </a:fillRef>
-              <a:effectRef idx="0">
-                <a:schemeClr val="accent2"/>
-              </a:effectRef>
-              <a:fontRef idx="minor">
-                <a:schemeClr val="tx1"/>
-              </a:fontRef>
-            </p:style>
-          </p:cxnSp>
-          <p:cxnSp>
-            <p:nvCxnSpPr>
-              <p:cNvPr id="30" name="直接连接符​​ 13"/>
-              <p:cNvCxnSpPr/>
-              <p:nvPr/>
-            </p:nvCxnSpPr>
-            <p:spPr>
-              <a:xfrm>
-                <a:off x="5626100" y="1295400"/>
-                <a:ext cx="0" cy="4191000"/>
-              </a:xfrm>
-              <a:prstGeom prst="line">
-                <a:avLst/>
-              </a:prstGeom>
-              <a:ln>
-                <a:solidFill>
-                  <a:srgbClr val="B69F7F"/>
-                </a:solidFill>
-              </a:ln>
-            </p:spPr>
-            <p:style>
-              <a:lnRef idx="1">
-                <a:schemeClr val="accent2"/>
-              </a:lnRef>
-              <a:fillRef idx="0">
-                <a:schemeClr val="accent2"/>
-              </a:fillRef>
-              <a:effectRef idx="0">
-                <a:schemeClr val="accent2"/>
-              </a:effectRef>
-              <a:fontRef idx="minor">
-                <a:schemeClr val="tx1"/>
-              </a:fontRef>
-            </p:style>
-          </p:cxnSp>
-          <p:cxnSp>
-            <p:nvCxnSpPr>
-              <p:cNvPr id="31" name="直接连接符​​ 14"/>
-              <p:cNvCxnSpPr/>
-              <p:nvPr/>
-            </p:nvCxnSpPr>
-            <p:spPr>
-              <a:xfrm>
-                <a:off x="6210300" y="1295400"/>
-                <a:ext cx="0" cy="4191000"/>
-              </a:xfrm>
-              <a:prstGeom prst="line">
-                <a:avLst/>
-              </a:prstGeom>
-              <a:ln>
-                <a:solidFill>
-                  <a:srgbClr val="B69F7F"/>
-                </a:solidFill>
-              </a:ln>
-            </p:spPr>
-            <p:style>
-              <a:lnRef idx="1">
-                <a:schemeClr val="accent2"/>
-              </a:lnRef>
-              <a:fillRef idx="0">
-                <a:schemeClr val="accent2"/>
-              </a:fillRef>
-              <a:effectRef idx="0">
-                <a:schemeClr val="accent2"/>
-              </a:effectRef>
-              <a:fontRef idx="minor">
-                <a:schemeClr val="tx1"/>
-              </a:fontRef>
-            </p:style>
-          </p:cxnSp>
-          <p:cxnSp>
-            <p:nvCxnSpPr>
-              <p:cNvPr id="32" name="直接连接符​​ 15"/>
-              <p:cNvCxnSpPr/>
-              <p:nvPr/>
-            </p:nvCxnSpPr>
-            <p:spPr>
-              <a:xfrm>
-                <a:off x="4457700" y="1295400"/>
-                <a:ext cx="0" cy="4191000"/>
-              </a:xfrm>
-              <a:prstGeom prst="line">
-                <a:avLst/>
-              </a:prstGeom>
-              <a:ln>
-                <a:solidFill>
-                  <a:srgbClr val="B69F7F"/>
-                </a:solidFill>
-              </a:ln>
-            </p:spPr>
-            <p:style>
-              <a:lnRef idx="1">
-                <a:schemeClr val="accent2"/>
-              </a:lnRef>
-              <a:fillRef idx="0">
-                <a:schemeClr val="accent2"/>
-              </a:fillRef>
-              <a:effectRef idx="0">
-                <a:schemeClr val="accent2"/>
-              </a:effectRef>
-              <a:fontRef idx="minor">
-                <a:schemeClr val="tx1"/>
-              </a:fontRef>
-            </p:style>
-          </p:cxnSp>
-          <p:cxnSp>
-            <p:nvCxnSpPr>
-              <p:cNvPr id="33" name="直接连接符​​ 16"/>
-              <p:cNvCxnSpPr/>
-              <p:nvPr/>
-            </p:nvCxnSpPr>
-            <p:spPr>
-              <a:xfrm>
-                <a:off x="5041900" y="1295400"/>
-                <a:ext cx="0" cy="4191000"/>
-              </a:xfrm>
-              <a:prstGeom prst="line">
-                <a:avLst/>
-              </a:prstGeom>
-              <a:ln>
-                <a:solidFill>
-                  <a:srgbClr val="B69F7F"/>
-                </a:solidFill>
-              </a:ln>
-            </p:spPr>
-            <p:style>
-              <a:lnRef idx="1">
-                <a:schemeClr val="accent2"/>
-              </a:lnRef>
-              <a:fillRef idx="0">
-                <a:schemeClr val="accent2"/>
-              </a:fillRef>
-              <a:effectRef idx="0">
-                <a:schemeClr val="accent2"/>
-              </a:effectRef>
-              <a:fontRef idx="minor">
-                <a:schemeClr val="tx1"/>
-              </a:fontRef>
-            </p:style>
-          </p:cxnSp>
-          <p:cxnSp>
-            <p:nvCxnSpPr>
-              <p:cNvPr id="34" name="直接连接符​​ 17"/>
-              <p:cNvCxnSpPr/>
-              <p:nvPr/>
-            </p:nvCxnSpPr>
-            <p:spPr>
-              <a:xfrm>
-                <a:off x="3289300" y="1295400"/>
-                <a:ext cx="0" cy="4191000"/>
-              </a:xfrm>
-              <a:prstGeom prst="line">
-                <a:avLst/>
-              </a:prstGeom>
-              <a:ln>
-                <a:solidFill>
-                  <a:srgbClr val="B69F7F"/>
-                </a:solidFill>
-              </a:ln>
-            </p:spPr>
-            <p:style>
-              <a:lnRef idx="1">
-                <a:schemeClr val="accent2"/>
-              </a:lnRef>
-              <a:fillRef idx="0">
-                <a:schemeClr val="accent2"/>
-              </a:fillRef>
-              <a:effectRef idx="0">
-                <a:schemeClr val="accent2"/>
-              </a:effectRef>
-              <a:fontRef idx="minor">
-                <a:schemeClr val="tx1"/>
-              </a:fontRef>
-            </p:style>
-          </p:cxnSp>
-          <p:cxnSp>
-            <p:nvCxnSpPr>
-              <p:cNvPr id="35" name="直接连接符​​ 18"/>
-              <p:cNvCxnSpPr/>
-              <p:nvPr/>
-            </p:nvCxnSpPr>
-            <p:spPr>
-              <a:xfrm>
-                <a:off x="3873500" y="1295400"/>
-                <a:ext cx="0" cy="4191000"/>
-              </a:xfrm>
-              <a:prstGeom prst="line">
-                <a:avLst/>
-              </a:prstGeom>
-              <a:ln>
-                <a:solidFill>
-                  <a:srgbClr val="B69F7F"/>
-                </a:solidFill>
-              </a:ln>
-            </p:spPr>
-            <p:style>
-              <a:lnRef idx="1">
-                <a:schemeClr val="accent2"/>
-              </a:lnRef>
-              <a:fillRef idx="0">
-                <a:schemeClr val="accent2"/>
-              </a:fillRef>
-              <a:effectRef idx="0">
-                <a:schemeClr val="accent2"/>
-              </a:effectRef>
-              <a:fontRef idx="minor">
-                <a:schemeClr val="tx1"/>
-              </a:fontRef>
-            </p:style>
-          </p:cxnSp>
-          <p:cxnSp>
-            <p:nvCxnSpPr>
-              <p:cNvPr id="36" name="直接连接符​​ 19"/>
-              <p:cNvCxnSpPr/>
-              <p:nvPr/>
-            </p:nvCxnSpPr>
-            <p:spPr>
-              <a:xfrm>
-                <a:off x="2120900" y="1295400"/>
-                <a:ext cx="0" cy="4191000"/>
-              </a:xfrm>
-              <a:prstGeom prst="line">
-                <a:avLst/>
-              </a:prstGeom>
-              <a:ln>
-                <a:solidFill>
-                  <a:srgbClr val="B69F7F"/>
-                </a:solidFill>
-              </a:ln>
-            </p:spPr>
-            <p:style>
-              <a:lnRef idx="1">
-                <a:schemeClr val="accent2"/>
-              </a:lnRef>
-              <a:fillRef idx="0">
-                <a:schemeClr val="accent2"/>
-              </a:fillRef>
-              <a:effectRef idx="0">
-                <a:schemeClr val="accent2"/>
-              </a:effectRef>
-              <a:fontRef idx="minor">
-                <a:schemeClr val="tx1"/>
-              </a:fontRef>
-            </p:style>
-          </p:cxnSp>
-          <p:cxnSp>
-            <p:nvCxnSpPr>
-              <p:cNvPr id="37" name="直接连接符​​ 20"/>
-              <p:cNvCxnSpPr/>
-              <p:nvPr/>
-            </p:nvCxnSpPr>
-            <p:spPr>
-              <a:xfrm>
-                <a:off x="2705100" y="1295400"/>
-                <a:ext cx="0" cy="4191000"/>
-              </a:xfrm>
-              <a:prstGeom prst="line">
-                <a:avLst/>
-              </a:prstGeom>
-              <a:ln>
-                <a:solidFill>
-                  <a:srgbClr val="B69F7F"/>
-                </a:solidFill>
-              </a:ln>
-            </p:spPr>
-            <p:style>
-              <a:lnRef idx="1">
-                <a:schemeClr val="accent2"/>
-              </a:lnRef>
-              <a:fillRef idx="0">
-                <a:schemeClr val="accent2"/>
-              </a:fillRef>
-              <a:effectRef idx="0">
-                <a:schemeClr val="accent2"/>
-              </a:effectRef>
-              <a:fontRef idx="minor">
-                <a:schemeClr val="tx1"/>
-              </a:fontRef>
-            </p:style>
-          </p:cxnSp>
-          <p:cxnSp>
-            <p:nvCxnSpPr>
-              <p:cNvPr id="38" name="直接连接符​​ 21"/>
-              <p:cNvCxnSpPr/>
-              <p:nvPr/>
-            </p:nvCxnSpPr>
-            <p:spPr>
-              <a:xfrm>
-                <a:off x="952500" y="1295400"/>
-                <a:ext cx="0" cy="4191000"/>
-              </a:xfrm>
-              <a:prstGeom prst="line">
-                <a:avLst/>
-              </a:prstGeom>
-              <a:ln>
-                <a:solidFill>
-                  <a:srgbClr val="B69F7F"/>
-                </a:solidFill>
-              </a:ln>
-            </p:spPr>
-            <p:style>
-              <a:lnRef idx="1">
-                <a:schemeClr val="accent2"/>
-              </a:lnRef>
-              <a:fillRef idx="0">
-                <a:schemeClr val="accent2"/>
-              </a:fillRef>
-              <a:effectRef idx="0">
-                <a:schemeClr val="accent2"/>
-              </a:effectRef>
-              <a:fontRef idx="minor">
-                <a:schemeClr val="tx1"/>
-              </a:fontRef>
-            </p:style>
-          </p:cxnSp>
-          <p:cxnSp>
-            <p:nvCxnSpPr>
-              <p:cNvPr id="39" name="直接连接符​​ 22"/>
-              <p:cNvCxnSpPr/>
-              <p:nvPr/>
-            </p:nvCxnSpPr>
-            <p:spPr>
-              <a:xfrm>
-                <a:off x="1536700" y="1295400"/>
-                <a:ext cx="0" cy="4191000"/>
-              </a:xfrm>
-              <a:prstGeom prst="line">
-                <a:avLst/>
-              </a:prstGeom>
-              <a:ln>
-                <a:solidFill>
-                  <a:srgbClr val="B69F7F"/>
-                </a:solidFill>
-              </a:ln>
-            </p:spPr>
-            <p:style>
-              <a:lnRef idx="1">
-                <a:schemeClr val="accent2"/>
-              </a:lnRef>
-              <a:fillRef idx="0">
-                <a:schemeClr val="accent2"/>
-              </a:fillRef>
-              <a:effectRef idx="0">
-                <a:schemeClr val="accent2"/>
-              </a:effectRef>
-              <a:fontRef idx="minor">
-                <a:schemeClr val="tx1"/>
-              </a:fontRef>
-            </p:style>
-          </p:cxnSp>
-          <p:cxnSp>
-            <p:nvCxnSpPr>
-              <p:cNvPr id="40" name="直接连接符​​ 25"/>
-              <p:cNvCxnSpPr/>
-              <p:nvPr/>
-            </p:nvCxnSpPr>
-            <p:spPr>
-              <a:xfrm>
-                <a:off x="7912100" y="1295400"/>
-                <a:ext cx="0" cy="4191000"/>
-              </a:xfrm>
-              <a:prstGeom prst="line">
-                <a:avLst/>
-              </a:prstGeom>
-              <a:ln>
-                <a:solidFill>
-                  <a:srgbClr val="B69F7F"/>
-                </a:solidFill>
-              </a:ln>
-            </p:spPr>
-            <p:style>
-              <a:lnRef idx="1">
-                <a:schemeClr val="accent2"/>
-              </a:lnRef>
-              <a:fillRef idx="0">
-                <a:schemeClr val="accent2"/>
-              </a:fillRef>
-              <a:effectRef idx="0">
-                <a:schemeClr val="accent2"/>
-              </a:effectRef>
-              <a:fontRef idx="minor">
-                <a:schemeClr val="tx1"/>
-              </a:fontRef>
-            </p:style>
-          </p:cxnSp>
-        </p:grpSp>
-        <p:sp>
-          <p:nvSpPr>
-            <p:cNvPr id="41" name="矩形 40"/>
-            <p:cNvSpPr/>
-            <p:nvPr/>
-          </p:nvSpPr>
-          <p:spPr>
-            <a:xfrm>
-              <a:off x="539552" y="1740456"/>
-              <a:ext cx="7344816" cy="4191000"/>
-            </a:xfrm>
-            <a:prstGeom prst="rect">
-              <a:avLst/>
-            </a:prstGeom>
-            <a:noFill/>
-            <a:ln>
-              <a:solidFill>
-                <a:srgbClr val="B69F7F"/>
-              </a:solidFill>
-            </a:ln>
-          </p:spPr>
-          <p:style>
-            <a:lnRef idx="2">
-              <a:schemeClr val="accent1">
-                <a:shade val="50000"/>
-              </a:schemeClr>
-            </a:lnRef>
-            <a:fillRef idx="1">
-              <a:schemeClr val="accent1"/>
-            </a:fillRef>
-            <a:effectRef idx="0">
-              <a:schemeClr val="accent1"/>
-            </a:effectRef>
-            <a:fontRef idx="minor">
-              <a:schemeClr val="lt1"/>
-            </a:fontRef>
-          </p:style>
-          <p:txBody>
-            <a:bodyPr rtlCol="0" anchor="ctr"/>
-            <a:lstStyle/>
-            <a:p>
-              <a:pPr algn="ctr"/>
-              <a:endParaRPr lang="zh-CN" altLang="en-US"/>
-            </a:p>
-          </p:txBody>
-        </p:sp>
-      </p:grpSp>
-      <p:sp>
-        <p:nvSpPr>
-          <p:cNvPr id="42" name="TextBox 41"/>
-          <p:cNvSpPr txBox="1"/>
-          <p:nvPr/>
-        </p:nvSpPr>
-        <p:spPr>
-          <a:xfrm>
-            <a:off x="7906434" y="1203598"/>
-            <a:ext cx="553998" cy="2520280"/>
-          </a:xfrm>
-          <a:prstGeom prst="rect">
-            <a:avLst/>
-          </a:prstGeom>
-          <a:noFill/>
-        </p:spPr>
-        <p:txBody>
-          <a:bodyPr vert="eaVert" wrap="square" rtlCol="0">
-            <a:spAutoFit/>
-          </a:bodyPr>
-          <a:lstStyle/>
-          <a:p>
-            <a:r>
-              <a:rPr lang="en-US" altLang="zh-CN" sz="2400" dirty="0" smtClean="0"/>
-              <a:t>《</a:t>
-            </a:r>
-            <a:r>
-              <a:rPr lang="zh-CN" altLang="en-US" sz="2400" dirty="0" smtClean="0"/>
-              <a:t>论语十则</a:t>
-            </a:r>
-            <a:r>
-              <a:rPr lang="en-US" altLang="zh-CN" sz="2400" dirty="0" smtClean="0"/>
-              <a:t>》</a:t>
-            </a:r>
-            <a:endParaRPr lang="zh-CN" altLang="en-US" sz="2400" dirty="0"/>
-          </a:p>
-        </p:txBody>
-      </p:sp>
-      <p:sp>
-        <p:nvSpPr>
-          <p:cNvPr id="43" name="TextBox 42"/>
-          <p:cNvSpPr txBox="1"/>
-          <p:nvPr/>
-        </p:nvSpPr>
-        <p:spPr>
-          <a:xfrm>
-            <a:off x="7097503" y="1491630"/>
-            <a:ext cx="461665" cy="3168352"/>
-          </a:xfrm>
-          <a:prstGeom prst="rect">
-            <a:avLst/>
-          </a:prstGeom>
-          <a:noFill/>
-        </p:spPr>
-        <p:txBody>
-          <a:bodyPr vert="eaVert" wrap="square" rtlCol="0">
-            <a:spAutoFit/>
-          </a:bodyPr>
-          <a:lstStyle/>
-          <a:p>
-            <a:r>
-              <a:rPr lang="zh-CN" altLang="en-US" dirty="0" smtClean="0"/>
-              <a:t>填写诗词内容吧</a:t>
-            </a:r>
-            <a:r>
-              <a:rPr lang="en-US" altLang="zh-CN" dirty="0" smtClean="0"/>
-              <a:t>……</a:t>
-            </a:r>
-            <a:endParaRPr lang="zh-CN" altLang="en-US" dirty="0"/>
-          </a:p>
-        </p:txBody>
-      </p:sp>
-    </p:spTree>
-  </p:cSld>
-  <p:clrMapOvr>
-    <a:masterClrMapping/>
-  </p:clrMapOvr>
-  <p:transition spd="slow">
-    <p:wipe/>
-  </p:transition>
-  <p:timing>
-    <p:tnLst>
-      <p:par>
-        <p:cTn id="1" dur="indefinite" restart="never" nodeType="tmRoot"/>
-      </p:par>
-    </p:tnLst>
-  </p:timing>
-</p:sld>
-</file>
-
-<file path=ppt/slides/slide9.xml><?xml version="1.0" encoding="utf-8"?>
-<p:sld xmlns:a="http://schemas.openxmlformats.org/drawingml/2006/main" xmlns:r="http://schemas.openxmlformats.org/officeDocument/2006/relationships" xmlns:p="http://schemas.openxmlformats.org/presentationml/2006/main">
-  <p:cSld>
-    <p:spTree>
-      <p:nvGrpSpPr>
-        <p:cNvPr id="1" name=""/>
-        <p:cNvGrpSpPr/>
-        <p:nvPr/>
-      </p:nvGrpSpPr>
-      <p:grpSpPr>
-        <a:xfrm>
-          <a:off x="0" y="0"/>
-          <a:ext cx="0" cy="0"/>
-          <a:chOff x="0" y="0"/>
-          <a:chExt cx="0" cy="0"/>
-        </a:xfrm>
-      </p:grpSpPr>
-      <p:sp>
-        <p:nvSpPr>
-          <p:cNvPr id="3" name="标题 2"/>
-          <p:cNvSpPr>
-            <a:spLocks noGrp="1"/>
-          </p:cNvSpPr>
-          <p:nvPr>
-            <p:ph type="title"/>
-          </p:nvPr>
-        </p:nvSpPr>
-        <p:spPr/>
-        <p:txBody>
-          <a:bodyPr/>
-          <a:lstStyle/>
-          <a:p>
-            <a:r>
-              <a:rPr lang="zh-CN" altLang="en-US" dirty="0" smtClean="0"/>
-              <a:t>内容页参考</a:t>
-            </a:r>
-            <a:endParaRPr lang="zh-CN" altLang="en-US" dirty="0"/>
-          </a:p>
-        </p:txBody>
-      </p:sp>
-      <p:sp>
-        <p:nvSpPr>
-          <p:cNvPr id="72" name="矩形 71"/>
-          <p:cNvSpPr/>
-          <p:nvPr/>
-        </p:nvSpPr>
-        <p:spPr>
-          <a:xfrm flipH="1">
-            <a:off x="4592773" y="1999364"/>
-            <a:ext cx="288032" cy="1872208"/>
-          </a:xfrm>
-          <a:prstGeom prst="rect">
-            <a:avLst/>
-          </a:prstGeom>
-          <a:solidFill>
-            <a:srgbClr val="C00000"/>
-          </a:solidFill>
-          <a:ln>
-            <a:noFill/>
-          </a:ln>
-        </p:spPr>
-        <p:style>
-          <a:lnRef idx="2">
-            <a:schemeClr val="accent1">
-              <a:shade val="50000"/>
-            </a:schemeClr>
-          </a:lnRef>
-          <a:fillRef idx="1">
-            <a:schemeClr val="accent1"/>
-          </a:fillRef>
-          <a:effectRef idx="0">
-            <a:schemeClr val="accent1"/>
-          </a:effectRef>
-          <a:fontRef idx="minor">
-            <a:schemeClr val="lt1"/>
-          </a:fontRef>
-        </p:style>
-        <p:txBody>
-          <a:bodyPr rtlCol="0" anchor="ctr"/>
-          <a:lstStyle/>
-          <a:p>
-            <a:pPr algn="ctr"/>
-            <a:endParaRPr lang="zh-CN" altLang="en-US"/>
-          </a:p>
-        </p:txBody>
-      </p:sp>
-      <p:sp>
-        <p:nvSpPr>
-          <p:cNvPr id="73" name="矩形 72"/>
-          <p:cNvSpPr/>
-          <p:nvPr/>
-        </p:nvSpPr>
-        <p:spPr>
-          <a:xfrm flipH="1">
-            <a:off x="3987906" y="2245476"/>
-            <a:ext cx="288032" cy="1626096"/>
-          </a:xfrm>
-          <a:prstGeom prst="rect">
-            <a:avLst/>
-          </a:prstGeom>
-          <a:solidFill>
-            <a:srgbClr val="B69F7F"/>
-          </a:solidFill>
-          <a:ln>
-            <a:noFill/>
-          </a:ln>
-        </p:spPr>
-        <p:style>
-          <a:lnRef idx="2">
-            <a:schemeClr val="accent1">
-              <a:shade val="50000"/>
-            </a:schemeClr>
-          </a:lnRef>
-          <a:fillRef idx="1">
-            <a:schemeClr val="accent1"/>
-          </a:fillRef>
-          <a:effectRef idx="0">
-            <a:schemeClr val="accent1"/>
-          </a:effectRef>
-          <a:fontRef idx="minor">
-            <a:schemeClr val="lt1"/>
-          </a:fontRef>
-        </p:style>
-        <p:txBody>
-          <a:bodyPr rtlCol="0" anchor="ctr"/>
-          <a:lstStyle/>
-          <a:p>
-            <a:pPr algn="ctr"/>
-            <a:endParaRPr lang="zh-CN" altLang="en-US"/>
-          </a:p>
-        </p:txBody>
-      </p:sp>
-      <p:sp>
-        <p:nvSpPr>
-          <p:cNvPr id="74" name="矩形 73"/>
-          <p:cNvSpPr/>
-          <p:nvPr/>
-        </p:nvSpPr>
-        <p:spPr>
-          <a:xfrm flipH="1">
-            <a:off x="3383039" y="2461500"/>
-            <a:ext cx="288032" cy="1410072"/>
-          </a:xfrm>
-          <a:prstGeom prst="rect">
-            <a:avLst/>
-          </a:prstGeom>
-          <a:solidFill>
-            <a:srgbClr val="B69F7F"/>
-          </a:solidFill>
-          <a:ln>
-            <a:noFill/>
-          </a:ln>
-        </p:spPr>
-        <p:style>
-          <a:lnRef idx="2">
-            <a:schemeClr val="accent1">
-              <a:shade val="50000"/>
-            </a:schemeClr>
-          </a:lnRef>
-          <a:fillRef idx="1">
-            <a:schemeClr val="accent1"/>
-          </a:fillRef>
-          <a:effectRef idx="0">
-            <a:schemeClr val="accent1"/>
-          </a:effectRef>
-          <a:fontRef idx="minor">
-            <a:schemeClr val="lt1"/>
-          </a:fontRef>
-        </p:style>
-        <p:txBody>
-          <a:bodyPr rtlCol="0" anchor="ctr"/>
-          <a:lstStyle/>
-          <a:p>
-            <a:pPr algn="ctr"/>
-            <a:endParaRPr lang="zh-CN" altLang="en-US"/>
-          </a:p>
-        </p:txBody>
-      </p:sp>
-      <p:sp>
-        <p:nvSpPr>
-          <p:cNvPr id="75" name="矩形 74"/>
-          <p:cNvSpPr/>
-          <p:nvPr/>
-        </p:nvSpPr>
-        <p:spPr>
-          <a:xfrm flipH="1">
-            <a:off x="2778172" y="2749532"/>
-            <a:ext cx="288032" cy="1122040"/>
-          </a:xfrm>
-          <a:prstGeom prst="rect">
-            <a:avLst/>
-          </a:prstGeom>
-          <a:solidFill>
-            <a:srgbClr val="B69F7F"/>
-          </a:solidFill>
-          <a:ln>
-            <a:noFill/>
-          </a:ln>
-        </p:spPr>
-        <p:style>
-          <a:lnRef idx="2">
-            <a:schemeClr val="accent1">
-              <a:shade val="50000"/>
-            </a:schemeClr>
-          </a:lnRef>
-          <a:fillRef idx="1">
-            <a:schemeClr val="accent1"/>
-          </a:fillRef>
-          <a:effectRef idx="0">
-            <a:schemeClr val="accent1"/>
-          </a:effectRef>
-          <a:fontRef idx="minor">
-            <a:schemeClr val="lt1"/>
-          </a:fontRef>
-        </p:style>
-        <p:txBody>
-          <a:bodyPr rtlCol="0" anchor="ctr"/>
-          <a:lstStyle/>
-          <a:p>
-            <a:pPr algn="ctr"/>
-            <a:endParaRPr lang="zh-CN" altLang="en-US"/>
-          </a:p>
-        </p:txBody>
-      </p:sp>
-      <p:sp>
-        <p:nvSpPr>
-          <p:cNvPr id="76" name="矩形 75"/>
-          <p:cNvSpPr/>
-          <p:nvPr/>
-        </p:nvSpPr>
-        <p:spPr>
-          <a:xfrm flipH="1">
-            <a:off x="2173305" y="3166536"/>
-            <a:ext cx="288032" cy="705036"/>
-          </a:xfrm>
-          <a:prstGeom prst="rect">
-            <a:avLst/>
-          </a:prstGeom>
-          <a:solidFill>
-            <a:srgbClr val="B69F7F"/>
-          </a:solidFill>
-          <a:ln>
-            <a:noFill/>
-          </a:ln>
-        </p:spPr>
-        <p:style>
-          <a:lnRef idx="2">
-            <a:schemeClr val="accent1">
-              <a:shade val="50000"/>
-            </a:schemeClr>
-          </a:lnRef>
-          <a:fillRef idx="1">
-            <a:schemeClr val="accent1"/>
-          </a:fillRef>
-          <a:effectRef idx="0">
-            <a:schemeClr val="accent1"/>
-          </a:effectRef>
-          <a:fontRef idx="minor">
-            <a:schemeClr val="lt1"/>
-          </a:fontRef>
-        </p:style>
-        <p:txBody>
-          <a:bodyPr rtlCol="0" anchor="ctr"/>
-          <a:lstStyle/>
-          <a:p>
-            <a:pPr algn="ctr"/>
-            <a:endParaRPr lang="zh-CN" altLang="en-US"/>
-          </a:p>
-        </p:txBody>
-      </p:sp>
-      <p:sp>
-        <p:nvSpPr>
-          <p:cNvPr id="77" name="矩形 76"/>
-          <p:cNvSpPr/>
-          <p:nvPr/>
-        </p:nvSpPr>
-        <p:spPr>
-          <a:xfrm flipH="1">
-            <a:off x="1568437" y="3397604"/>
-            <a:ext cx="288032" cy="473968"/>
-          </a:xfrm>
-          <a:prstGeom prst="rect">
-            <a:avLst/>
-          </a:prstGeom>
-          <a:solidFill>
-            <a:srgbClr val="B69F7F"/>
-          </a:solidFill>
-          <a:ln>
-            <a:noFill/>
-          </a:ln>
-        </p:spPr>
-        <p:style>
-          <a:lnRef idx="2">
-            <a:schemeClr val="accent1">
-              <a:shade val="50000"/>
-            </a:schemeClr>
-          </a:lnRef>
-          <a:fillRef idx="1">
-            <a:schemeClr val="accent1"/>
-          </a:fillRef>
-          <a:effectRef idx="0">
-            <a:schemeClr val="accent1"/>
-          </a:effectRef>
-          <a:fontRef idx="minor">
-            <a:schemeClr val="lt1"/>
-          </a:fontRef>
-        </p:style>
-        <p:txBody>
-          <a:bodyPr rtlCol="0" anchor="ctr"/>
-          <a:lstStyle/>
-          <a:p>
-            <a:pPr algn="ctr"/>
-            <a:endParaRPr lang="zh-CN" altLang="en-US"/>
-          </a:p>
-        </p:txBody>
-      </p:sp>
-      <p:sp>
-        <p:nvSpPr>
-          <p:cNvPr id="78" name="任意多边形 77"/>
-          <p:cNvSpPr/>
-          <p:nvPr/>
-        </p:nvSpPr>
-        <p:spPr>
-          <a:xfrm rot="18525306">
-            <a:off x="918884" y="1622928"/>
-            <a:ext cx="3672408" cy="1677144"/>
-          </a:xfrm>
-          <a:custGeom>
-            <a:avLst/>
-            <a:gdLst>
-              <a:gd name="connsiteX0" fmla="*/ 0 w 2671948"/>
-              <a:gd name="connsiteY0" fmla="*/ 0 h 1508166"/>
-              <a:gd name="connsiteX1" fmla="*/ 1140031 w 2671948"/>
-              <a:gd name="connsiteY1" fmla="*/ 760021 h 1508166"/>
-              <a:gd name="connsiteX2" fmla="*/ 2671948 w 2671948"/>
-              <a:gd name="connsiteY2" fmla="*/ 1508166 h 1508166"/>
-              <a:gd name="connsiteX0-1" fmla="*/ 0 w 2671948"/>
-              <a:gd name="connsiteY0-2" fmla="*/ 0 h 1508166"/>
-              <a:gd name="connsiteX1-3" fmla="*/ 1345364 w 2671948"/>
-              <a:gd name="connsiteY1-4" fmla="*/ 926275 h 1508166"/>
-              <a:gd name="connsiteX2-5" fmla="*/ 2671948 w 2671948"/>
-              <a:gd name="connsiteY2-6" fmla="*/ 1508166 h 1508166"/>
-              <a:gd name="connsiteX0-7" fmla="*/ 0 w 2671948"/>
-              <a:gd name="connsiteY0-8" fmla="*/ 0 h 1508166"/>
-              <a:gd name="connsiteX1-9" fmla="*/ 1345364 w 2671948"/>
-              <a:gd name="connsiteY1-10" fmla="*/ 926275 h 1508166"/>
-              <a:gd name="connsiteX2-11" fmla="*/ 2671948 w 2671948"/>
-              <a:gd name="connsiteY2-12" fmla="*/ 1508166 h 1508166"/>
-            </a:gdLst>
-            <a:ahLst/>
-            <a:cxnLst>
-              <a:cxn ang="0">
-                <a:pos x="connsiteX0-1" y="connsiteY0-2"/>
-              </a:cxn>
-              <a:cxn ang="0">
-                <a:pos x="connsiteX1-3" y="connsiteY1-4"/>
-              </a:cxn>
-              <a:cxn ang="0">
-                <a:pos x="connsiteX2-5" y="connsiteY2-6"/>
-              </a:cxn>
-            </a:cxnLst>
-            <a:rect l="l" t="t" r="r" b="b"/>
-            <a:pathLst>
-              <a:path w="2671948" h="1508166">
-                <a:moveTo>
-                  <a:pt x="0" y="0"/>
-                </a:moveTo>
-                <a:cubicBezTo>
-                  <a:pt x="347353" y="254330"/>
-                  <a:pt x="900039" y="674914"/>
-                  <a:pt x="1345364" y="926275"/>
-                </a:cubicBezTo>
-                <a:cubicBezTo>
-                  <a:pt x="1790689" y="1177636"/>
-                  <a:pt x="2276949" y="1414153"/>
-                  <a:pt x="2671948" y="1508166"/>
-                </a:cubicBezTo>
-              </a:path>
-            </a:pathLst>
-          </a:custGeom>
-          <a:noFill/>
-          <a:ln>
-            <a:gradFill flip="none" rotWithShape="1">
-              <a:gsLst>
-                <a:gs pos="0">
-                  <a:srgbClr val="C00000"/>
-                </a:gs>
-                <a:gs pos="100000">
-                  <a:schemeClr val="bg1">
-                    <a:alpha val="0"/>
-                  </a:schemeClr>
-                </a:gs>
-              </a:gsLst>
-              <a:lin ang="10800000" scaled="1"/>
-              <a:tileRect/>
-            </a:gradFill>
-            <a:tailEnd type="stealth" w="lg" len="lg"/>
-          </a:ln>
-        </p:spPr>
-        <p:style>
-          <a:lnRef idx="2">
-            <a:schemeClr val="accent1">
-              <a:shade val="50000"/>
-            </a:schemeClr>
-          </a:lnRef>
-          <a:fillRef idx="1">
-            <a:schemeClr val="accent1"/>
-          </a:fillRef>
-          <a:effectRef idx="0">
-            <a:schemeClr val="accent1"/>
-          </a:effectRef>
-          <a:fontRef idx="minor">
-            <a:schemeClr val="lt1"/>
-          </a:fontRef>
-        </p:style>
-        <p:txBody>
-          <a:bodyPr rtlCol="0" anchor="ctr"/>
-          <a:lstStyle/>
-          <a:p>
-            <a:pPr algn="ctr"/>
-            <a:endParaRPr lang="zh-CN" altLang="en-US"/>
-          </a:p>
-        </p:txBody>
-      </p:sp>
-      <p:grpSp>
-        <p:nvGrpSpPr>
-          <p:cNvPr id="79" name="组合 78"/>
-          <p:cNvGrpSpPr/>
-          <p:nvPr/>
-        </p:nvGrpSpPr>
-        <p:grpSpPr>
-          <a:xfrm>
-            <a:off x="1280405" y="1813428"/>
-            <a:ext cx="3744416" cy="2058144"/>
-            <a:chOff x="2771800" y="2276872"/>
-            <a:chExt cx="3744416" cy="2058144"/>
-          </a:xfrm>
-        </p:grpSpPr>
-        <p:cxnSp>
-          <p:nvCxnSpPr>
-            <p:cNvPr id="80" name="直接箭头连接符 79"/>
-            <p:cNvCxnSpPr/>
-            <p:nvPr/>
-          </p:nvCxnSpPr>
-          <p:spPr>
-            <a:xfrm>
-              <a:off x="2771800" y="4335016"/>
-              <a:ext cx="3744416" cy="0"/>
-            </a:xfrm>
-            <a:prstGeom prst="straightConnector1">
-              <a:avLst/>
-            </a:prstGeom>
-            <a:ln>
-              <a:solidFill>
-                <a:schemeClr val="tx1">
-                  <a:lumMod val="65000"/>
-                  <a:lumOff val="35000"/>
-                </a:schemeClr>
-              </a:solidFill>
-              <a:headEnd type="none" w="med" len="med"/>
-              <a:tailEnd type="triangle" w="med" len="med"/>
-            </a:ln>
-          </p:spPr>
-          <p:style>
-            <a:lnRef idx="1">
-              <a:schemeClr val="accent1"/>
-            </a:lnRef>
-            <a:fillRef idx="0">
-              <a:schemeClr val="accent1"/>
-            </a:fillRef>
-            <a:effectRef idx="0">
-              <a:schemeClr val="accent1"/>
-            </a:effectRef>
-            <a:fontRef idx="minor">
-              <a:schemeClr val="tx1"/>
-            </a:fontRef>
-          </p:style>
-        </p:cxnSp>
-        <p:cxnSp>
-          <p:nvCxnSpPr>
-            <p:cNvPr id="81" name="直接箭头连接符 80"/>
-            <p:cNvCxnSpPr/>
-            <p:nvPr/>
-          </p:nvCxnSpPr>
-          <p:spPr>
-            <a:xfrm flipV="1">
-              <a:off x="2783675" y="2276872"/>
-              <a:ext cx="0" cy="2058144"/>
-            </a:xfrm>
-            <a:prstGeom prst="straightConnector1">
-              <a:avLst/>
-            </a:prstGeom>
-            <a:ln>
-              <a:solidFill>
-                <a:schemeClr val="tx1">
-                  <a:lumMod val="65000"/>
-                  <a:lumOff val="35000"/>
-                </a:schemeClr>
-              </a:solidFill>
-              <a:headEnd type="none" w="med" len="med"/>
-              <a:tailEnd type="triangle" w="med" len="med"/>
-            </a:ln>
-          </p:spPr>
-          <p:style>
-            <a:lnRef idx="1">
-              <a:schemeClr val="accent1"/>
-            </a:lnRef>
-            <a:fillRef idx="0">
-              <a:schemeClr val="accent1"/>
-            </a:fillRef>
-            <a:effectRef idx="0">
-              <a:schemeClr val="accent1"/>
-            </a:effectRef>
-            <a:fontRef idx="minor">
-              <a:schemeClr val="tx1"/>
-            </a:fontRef>
-          </p:style>
-        </p:cxnSp>
-      </p:grpSp>
-      <p:sp>
-        <p:nvSpPr>
-          <p:cNvPr id="82" name="TextBox 81"/>
-          <p:cNvSpPr txBox="1"/>
-          <p:nvPr/>
-        </p:nvSpPr>
-        <p:spPr>
-          <a:xfrm>
-            <a:off x="4402998" y="3854315"/>
-            <a:ext cx="639919" cy="307777"/>
-          </a:xfrm>
-          <a:prstGeom prst="rect">
-            <a:avLst/>
-          </a:prstGeom>
-          <a:noFill/>
-        </p:spPr>
-        <p:txBody>
-          <a:bodyPr wrap="none" rtlCol="0">
-            <a:spAutoFit/>
-          </a:bodyPr>
-          <a:lstStyle/>
-          <a:p>
-            <a:pPr algn="ctr"/>
-            <a:r>
-              <a:rPr lang="en-US" altLang="zh-CN" sz="1400" dirty="0" smtClean="0">
-                <a:solidFill>
-                  <a:schemeClr val="tx1">
-                    <a:lumMod val="75000"/>
-                    <a:lumOff val="25000"/>
-                  </a:schemeClr>
-                </a:solidFill>
-              </a:rPr>
-              <a:t>2012</a:t>
-            </a:r>
-            <a:endParaRPr lang="zh-CN" altLang="en-US" sz="1400" dirty="0">
-              <a:solidFill>
-                <a:schemeClr val="tx1">
-                  <a:lumMod val="75000"/>
-                  <a:lumOff val="25000"/>
-                </a:schemeClr>
-              </a:solidFill>
-            </a:endParaRPr>
-          </a:p>
-        </p:txBody>
-      </p:sp>
-      <p:sp>
-        <p:nvSpPr>
-          <p:cNvPr id="83" name="TextBox 82"/>
-          <p:cNvSpPr txBox="1"/>
-          <p:nvPr/>
-        </p:nvSpPr>
-        <p:spPr>
-          <a:xfrm>
-            <a:off x="3802467" y="3854315"/>
-            <a:ext cx="639919" cy="307777"/>
-          </a:xfrm>
-          <a:prstGeom prst="rect">
-            <a:avLst/>
-          </a:prstGeom>
-          <a:noFill/>
-        </p:spPr>
-        <p:txBody>
-          <a:bodyPr wrap="none" rtlCol="0">
-            <a:spAutoFit/>
-          </a:bodyPr>
-          <a:lstStyle/>
-          <a:p>
-            <a:pPr algn="ctr"/>
-            <a:r>
-              <a:rPr lang="en-US" altLang="zh-CN" sz="1400" dirty="0" smtClean="0">
-                <a:solidFill>
-                  <a:schemeClr val="tx1">
-                    <a:lumMod val="75000"/>
-                    <a:lumOff val="25000"/>
-                  </a:schemeClr>
-                </a:solidFill>
-              </a:rPr>
-              <a:t>2011</a:t>
-            </a:r>
-            <a:endParaRPr lang="zh-CN" altLang="en-US" sz="1400" dirty="0">
-              <a:solidFill>
-                <a:schemeClr val="tx1">
-                  <a:lumMod val="75000"/>
-                  <a:lumOff val="25000"/>
-                </a:schemeClr>
-              </a:solidFill>
-            </a:endParaRPr>
-          </a:p>
-        </p:txBody>
-      </p:sp>
-      <p:sp>
-        <p:nvSpPr>
-          <p:cNvPr id="84" name="TextBox 83"/>
-          <p:cNvSpPr txBox="1"/>
-          <p:nvPr/>
-        </p:nvSpPr>
-        <p:spPr>
-          <a:xfrm>
-            <a:off x="3201938" y="3854315"/>
-            <a:ext cx="639919" cy="307777"/>
-          </a:xfrm>
-          <a:prstGeom prst="rect">
-            <a:avLst/>
-          </a:prstGeom>
-          <a:noFill/>
-        </p:spPr>
-        <p:txBody>
-          <a:bodyPr wrap="none" rtlCol="0">
-            <a:spAutoFit/>
-          </a:bodyPr>
-          <a:lstStyle/>
-          <a:p>
-            <a:pPr algn="ctr"/>
-            <a:r>
-              <a:rPr lang="en-US" altLang="zh-CN" sz="1400" dirty="0" smtClean="0">
-                <a:solidFill>
-                  <a:schemeClr val="tx1">
-                    <a:lumMod val="75000"/>
-                    <a:lumOff val="25000"/>
-                  </a:schemeClr>
-                </a:solidFill>
-              </a:rPr>
-              <a:t>2010</a:t>
-            </a:r>
-            <a:endParaRPr lang="zh-CN" altLang="en-US" sz="1400" dirty="0">
-              <a:solidFill>
-                <a:schemeClr val="tx1">
-                  <a:lumMod val="75000"/>
-                  <a:lumOff val="25000"/>
-                </a:schemeClr>
-              </a:solidFill>
-            </a:endParaRPr>
-          </a:p>
-        </p:txBody>
-      </p:sp>
-      <p:sp>
-        <p:nvSpPr>
-          <p:cNvPr id="85" name="TextBox 84"/>
-          <p:cNvSpPr txBox="1"/>
-          <p:nvPr/>
-        </p:nvSpPr>
-        <p:spPr>
-          <a:xfrm>
-            <a:off x="2601409" y="3854315"/>
-            <a:ext cx="639919" cy="307777"/>
-          </a:xfrm>
-          <a:prstGeom prst="rect">
-            <a:avLst/>
-          </a:prstGeom>
-          <a:noFill/>
-        </p:spPr>
-        <p:txBody>
-          <a:bodyPr wrap="none" rtlCol="0">
-            <a:spAutoFit/>
-          </a:bodyPr>
-          <a:lstStyle/>
-          <a:p>
-            <a:pPr algn="ctr"/>
-            <a:r>
-              <a:rPr lang="en-US" altLang="zh-CN" sz="1400" dirty="0" smtClean="0">
-                <a:solidFill>
-                  <a:schemeClr val="tx1">
-                    <a:lumMod val="75000"/>
-                    <a:lumOff val="25000"/>
-                  </a:schemeClr>
-                </a:solidFill>
-              </a:rPr>
-              <a:t>2009</a:t>
-            </a:r>
-            <a:endParaRPr lang="zh-CN" altLang="en-US" sz="1400" dirty="0">
-              <a:solidFill>
-                <a:schemeClr val="tx1">
-                  <a:lumMod val="75000"/>
-                  <a:lumOff val="25000"/>
-                </a:schemeClr>
-              </a:solidFill>
-            </a:endParaRPr>
-          </a:p>
-        </p:txBody>
-      </p:sp>
-      <p:sp>
-        <p:nvSpPr>
-          <p:cNvPr id="86" name="TextBox 85"/>
-          <p:cNvSpPr txBox="1"/>
-          <p:nvPr/>
-        </p:nvSpPr>
-        <p:spPr>
-          <a:xfrm>
-            <a:off x="2000880" y="3854315"/>
-            <a:ext cx="639919" cy="307777"/>
-          </a:xfrm>
-          <a:prstGeom prst="rect">
-            <a:avLst/>
-          </a:prstGeom>
-          <a:noFill/>
-        </p:spPr>
-        <p:txBody>
-          <a:bodyPr wrap="none" rtlCol="0">
-            <a:spAutoFit/>
-          </a:bodyPr>
-          <a:lstStyle/>
-          <a:p>
-            <a:pPr algn="ctr"/>
-            <a:r>
-              <a:rPr lang="en-US" altLang="zh-CN" sz="1400" dirty="0" smtClean="0">
-                <a:solidFill>
-                  <a:schemeClr val="tx1">
-                    <a:lumMod val="75000"/>
-                    <a:lumOff val="25000"/>
-                  </a:schemeClr>
-                </a:solidFill>
-              </a:rPr>
-              <a:t>2008</a:t>
-            </a:r>
-            <a:endParaRPr lang="zh-CN" altLang="en-US" sz="1400" dirty="0">
-              <a:solidFill>
-                <a:schemeClr val="tx1">
-                  <a:lumMod val="75000"/>
-                  <a:lumOff val="25000"/>
-                </a:schemeClr>
-              </a:solidFill>
-            </a:endParaRPr>
-          </a:p>
-        </p:txBody>
-      </p:sp>
-      <p:sp>
-        <p:nvSpPr>
-          <p:cNvPr id="87" name="TextBox 86"/>
-          <p:cNvSpPr txBox="1"/>
-          <p:nvPr/>
-        </p:nvSpPr>
-        <p:spPr>
-          <a:xfrm>
-            <a:off x="1400351" y="3854315"/>
-            <a:ext cx="639919" cy="307777"/>
-          </a:xfrm>
-          <a:prstGeom prst="rect">
-            <a:avLst/>
-          </a:prstGeom>
-          <a:noFill/>
-        </p:spPr>
-        <p:txBody>
-          <a:bodyPr wrap="none" rtlCol="0">
-            <a:spAutoFit/>
-          </a:bodyPr>
-          <a:lstStyle/>
-          <a:p>
-            <a:pPr algn="ctr"/>
-            <a:r>
-              <a:rPr lang="en-US" altLang="zh-CN" sz="1400" dirty="0" smtClean="0">
-                <a:solidFill>
-                  <a:schemeClr val="tx1">
-                    <a:lumMod val="75000"/>
-                    <a:lumOff val="25000"/>
-                  </a:schemeClr>
-                </a:solidFill>
-              </a:rPr>
-              <a:t>2007</a:t>
-            </a:r>
-            <a:endParaRPr lang="zh-CN" altLang="en-US" sz="1400" dirty="0">
-              <a:solidFill>
-                <a:schemeClr val="tx1">
-                  <a:lumMod val="75000"/>
-                  <a:lumOff val="25000"/>
-                </a:schemeClr>
-              </a:solidFill>
-            </a:endParaRPr>
-          </a:p>
-        </p:txBody>
-      </p:sp>
-      <p:sp>
-        <p:nvSpPr>
-          <p:cNvPr id="88" name="TextBox 87"/>
-          <p:cNvSpPr txBox="1"/>
-          <p:nvPr/>
-        </p:nvSpPr>
-        <p:spPr>
-          <a:xfrm>
-            <a:off x="839748" y="1652634"/>
-            <a:ext cx="461665" cy="693460"/>
-          </a:xfrm>
-          <a:prstGeom prst="rect">
-            <a:avLst/>
-          </a:prstGeom>
-          <a:noFill/>
-        </p:spPr>
-        <p:txBody>
-          <a:bodyPr vert="eaVert" wrap="none" rtlCol="0">
-            <a:spAutoFit/>
-          </a:bodyPr>
-          <a:lstStyle/>
-          <a:p>
-            <a:r>
-              <a:rPr lang="en-US" altLang="zh-CN" dirty="0" smtClean="0">
-                <a:solidFill>
-                  <a:schemeClr val="tx1">
-                    <a:lumMod val="75000"/>
-                    <a:lumOff val="25000"/>
-                  </a:schemeClr>
-                </a:solidFill>
-                <a:latin typeface="微软雅黑" panose="020B0503020204020204" pitchFamily="34" charset="-122"/>
-                <a:ea typeface="微软雅黑" panose="020B0503020204020204" pitchFamily="34" charset="-122"/>
-              </a:rPr>
-              <a:t>Y</a:t>
-            </a:r>
-            <a:r>
-              <a:rPr lang="zh-CN" altLang="en-US" dirty="0" smtClean="0">
-                <a:solidFill>
-                  <a:schemeClr val="tx1">
-                    <a:lumMod val="75000"/>
-                    <a:lumOff val="25000"/>
-                  </a:schemeClr>
-                </a:solidFill>
-                <a:latin typeface="微软雅黑" panose="020B0503020204020204" pitchFamily="34" charset="-122"/>
-                <a:ea typeface="微软雅黑" panose="020B0503020204020204" pitchFamily="34" charset="-122"/>
-              </a:rPr>
-              <a:t>变量</a:t>
-            </a:r>
-            <a:endParaRPr lang="zh-CN" altLang="en-US" dirty="0">
-              <a:solidFill>
-                <a:schemeClr val="tx1">
-                  <a:lumMod val="75000"/>
-                  <a:lumOff val="25000"/>
-                </a:schemeClr>
-              </a:solidFill>
-              <a:latin typeface="微软雅黑" panose="020B0503020204020204" pitchFamily="34" charset="-122"/>
-              <a:ea typeface="微软雅黑" panose="020B0503020204020204" pitchFamily="34" charset="-122"/>
-            </a:endParaRPr>
-          </a:p>
-        </p:txBody>
-      </p:sp>
-      <p:pic>
-        <p:nvPicPr>
-          <p:cNvPr id="89" name="Picture 3" descr="E:\我的PPT库\PPT图标库\2000种网站或论坛PNG图片图标\png-1835.png"/>
-          <p:cNvPicPr>
-            <a:picLocks noChangeAspect="1" noChangeArrowheads="1"/>
-          </p:cNvPicPr>
-          <p:nvPr/>
-        </p:nvPicPr>
-        <p:blipFill>
-          <a:blip r:embed="rId1">
-            <a:extLst>
-              <a:ext uri="{28A0092B-C50C-407E-A947-70E740481C1C}">
-                <a14:useLocalDpi xmlns:a14="http://schemas.microsoft.com/office/drawing/2010/main" val="0"/>
-              </a:ext>
-            </a:extLst>
-          </a:blip>
-          <a:srcRect/>
-          <a:stretch>
-            <a:fillRect/>
-          </a:stretch>
-        </p:blipFill>
-        <p:spPr bwMode="auto">
-          <a:xfrm>
-            <a:off x="7740352" y="3723878"/>
-            <a:ext cx="1080120" cy="1080120"/>
-          </a:xfrm>
-          <a:prstGeom prst="rect">
-            <a:avLst/>
-          </a:prstGeom>
-          <a:noFill/>
-          <a:extLst>
-            <a:ext uri="{909E8E84-426E-40DD-AFC4-6F175D3DCCD1}">
-              <a14:hiddenFill xmlns:a14="http://schemas.microsoft.com/office/drawing/2010/main">
-                <a:solidFill>
-                  <a:srgbClr val="FFFFFF"/>
-                </a:solidFill>
-              </a14:hiddenFill>
-            </a:ext>
-          </a:extLst>
-        </p:spPr>
-      </p:pic>
-      <p:sp>
-        <p:nvSpPr>
-          <p:cNvPr id="90" name="TextBox 89"/>
-          <p:cNvSpPr txBox="1"/>
-          <p:nvPr/>
-        </p:nvSpPr>
-        <p:spPr>
-          <a:xfrm>
-            <a:off x="5436108" y="1666095"/>
-            <a:ext cx="3024336" cy="1384995"/>
-          </a:xfrm>
-          <a:prstGeom prst="rect">
-            <a:avLst/>
-          </a:prstGeom>
-          <a:noFill/>
-        </p:spPr>
-        <p:txBody>
-          <a:bodyPr wrap="square" rtlCol="0">
-            <a:spAutoFit/>
-          </a:bodyPr>
-          <a:lstStyle>
-            <a:defPPr>
-              <a:defRPr lang="zh-CN"/>
-            </a:defPPr>
-            <a:lvl1pPr>
-              <a:lnSpc>
-                <a:spcPct val="150000"/>
-              </a:lnSpc>
-              <a:defRPr b="1">
-                <a:solidFill>
-                  <a:schemeClr val="tx1">
-                    <a:lumMod val="75000"/>
-                    <a:lumOff val="25000"/>
-                  </a:schemeClr>
-                </a:solidFill>
-                <a:latin typeface="隶书" panose="02010509060101010101" pitchFamily="49" charset="-122"/>
-                <a:ea typeface="隶书" panose="02010509060101010101" pitchFamily="49" charset="-122"/>
-              </a:defRPr>
-            </a:lvl1pPr>
-          </a:lstStyle>
-          <a:p>
-            <a:pPr marL="285750" indent="-285750">
-              <a:buFont typeface="Arial" panose="020B0604020202020204" pitchFamily="34" charset="0"/>
-              <a:buChar char="•"/>
-            </a:pPr>
-            <a:r>
-              <a:rPr lang="zh-CN" altLang="en-US" sz="1400" b="0" dirty="0">
-                <a:solidFill>
-                  <a:schemeClr val="tx1">
-                    <a:lumMod val="85000"/>
-                    <a:lumOff val="15000"/>
-                  </a:schemeClr>
-                </a:solidFill>
-                <a:latin typeface="+mn-ea"/>
-                <a:ea typeface="+mn-ea"/>
-              </a:rPr>
-              <a:t>单击此处添加文本单击此处添加文本单击此处添加文本单击此处添加文本单击此处添加文本</a:t>
-            </a:r>
-            <a:endParaRPr lang="zh-CN" altLang="en-US" sz="1400" b="0" dirty="0">
-              <a:solidFill>
-                <a:schemeClr val="tx1">
-                  <a:lumMod val="85000"/>
-                  <a:lumOff val="15000"/>
-                </a:schemeClr>
-              </a:solidFill>
-              <a:latin typeface="+mn-ea"/>
-              <a:ea typeface="+mn-ea"/>
-            </a:endParaRPr>
-          </a:p>
-          <a:p>
-            <a:endParaRPr lang="zh-CN" altLang="en-US" sz="1400" b="0" dirty="0">
-              <a:solidFill>
-                <a:schemeClr val="tx1">
-                  <a:lumMod val="85000"/>
-                  <a:lumOff val="15000"/>
-                </a:schemeClr>
-              </a:solidFill>
-              <a:latin typeface="+mn-ea"/>
-              <a:ea typeface="+mn-ea"/>
-            </a:endParaRPr>
-          </a:p>
-        </p:txBody>
-      </p:sp>
-      <p:sp>
-        <p:nvSpPr>
-          <p:cNvPr id="91" name="TextBox 90"/>
-          <p:cNvSpPr txBox="1"/>
-          <p:nvPr/>
-        </p:nvSpPr>
-        <p:spPr>
-          <a:xfrm>
-            <a:off x="5436108" y="2768633"/>
-            <a:ext cx="3024336" cy="1384995"/>
           </a:xfrm>
           <a:prstGeom prst="rect">
             <a:avLst/>
